--- a/EmptyProject/Slides.pptx
+++ b/EmptyProject/Slides.pptx
@@ -5,7 +5,7 @@
     <p:sldMasterId id="2147483648" r:id="rId1"/>
   </p:sldMasterIdLst>
   <p:notesMasterIdLst>
-    <p:notesMasterId r:id="rId15"/>
+    <p:notesMasterId r:id="rId18"/>
   </p:notesMasterIdLst>
   <p:sldIdLst>
     <p:sldId id="257" r:id="rId2"/>
@@ -14,13 +14,16 @@
     <p:sldId id="281" r:id="rId5"/>
     <p:sldId id="276" r:id="rId6"/>
     <p:sldId id="280" r:id="rId7"/>
-    <p:sldId id="272" r:id="rId8"/>
-    <p:sldId id="278" r:id="rId9"/>
-    <p:sldId id="277" r:id="rId10"/>
-    <p:sldId id="259" r:id="rId11"/>
-    <p:sldId id="275" r:id="rId12"/>
-    <p:sldId id="274" r:id="rId13"/>
-    <p:sldId id="271" r:id="rId14"/>
+    <p:sldId id="282" r:id="rId8"/>
+    <p:sldId id="272" r:id="rId9"/>
+    <p:sldId id="283" r:id="rId10"/>
+    <p:sldId id="278" r:id="rId11"/>
+    <p:sldId id="284" r:id="rId12"/>
+    <p:sldId id="277" r:id="rId13"/>
+    <p:sldId id="259" r:id="rId14"/>
+    <p:sldId id="275" r:id="rId15"/>
+    <p:sldId id="274" r:id="rId16"/>
+    <p:sldId id="271" r:id="rId17"/>
   </p:sldIdLst>
   <p:sldSz cx="12192000" cy="6858000"/>
   <p:notesSz cx="6858000" cy="9144000"/>
@@ -520,32 +523,7 @@
           <a:bodyPr/>
           <a:lstStyle/>
           <a:p>
-            <a:r>
-              <a:rPr lang="en-US" dirty="0"/>
-              <a:t>Demo: Use </a:t>
-            </a:r>
-            <a:r>
-              <a:rPr lang="en-US" dirty="0" err="1"/>
-              <a:t>ApplicationInsightMVC</a:t>
-            </a:r>
-            <a:r>
-              <a:rPr lang="en-US" dirty="0"/>
-              <a:t> project that has </a:t>
-            </a:r>
-            <a:r>
-              <a:rPr lang="en-US" dirty="0" err="1"/>
-              <a:t>ApplicationInsight</a:t>
-            </a:r>
-            <a:r>
-              <a:rPr lang="en-US" dirty="0"/>
-              <a:t> pre-configured.</a:t>
-            </a:r>
-          </a:p>
-          <a:p>
-            <a:r>
-              <a:rPr lang="en-US" dirty="0"/>
-              <a:t>Need to work on this project.</a:t>
-            </a:r>
+            <a:endParaRPr lang="en-US" dirty="0"/>
           </a:p>
         </p:txBody>
       </p:sp>
@@ -629,32 +607,7 @@
           <a:bodyPr/>
           <a:lstStyle/>
           <a:p>
-            <a:r>
-              <a:rPr lang="en-US" dirty="0"/>
-              <a:t>Demo: Use </a:t>
-            </a:r>
-            <a:r>
-              <a:rPr lang="en-US" dirty="0" err="1"/>
-              <a:t>ApplicationInsightMVC</a:t>
-            </a:r>
-            <a:r>
-              <a:rPr lang="en-US" dirty="0"/>
-              <a:t> project that has </a:t>
-            </a:r>
-            <a:r>
-              <a:rPr lang="en-US" dirty="0" err="1"/>
-              <a:t>ApplicationInsight</a:t>
-            </a:r>
-            <a:r>
-              <a:rPr lang="en-US" dirty="0"/>
-              <a:t> pre-configured.</a:t>
-            </a:r>
-          </a:p>
-          <a:p>
-            <a:r>
-              <a:rPr lang="en-US" dirty="0"/>
-              <a:t>Need to work on this project.</a:t>
-            </a:r>
+            <a:endParaRPr lang="en-US" dirty="0"/>
           </a:p>
         </p:txBody>
       </p:sp>
@@ -738,32 +691,7 @@
           <a:bodyPr/>
           <a:lstStyle/>
           <a:p>
-            <a:r>
-              <a:rPr lang="en-US" dirty="0"/>
-              <a:t>Demo: Use </a:t>
-            </a:r>
-            <a:r>
-              <a:rPr lang="en-US" dirty="0" err="1"/>
-              <a:t>ApplicationInsightMVC</a:t>
-            </a:r>
-            <a:r>
-              <a:rPr lang="en-US" dirty="0"/>
-              <a:t> project that has </a:t>
-            </a:r>
-            <a:r>
-              <a:rPr lang="en-US" dirty="0" err="1"/>
-              <a:t>ApplicationInsight</a:t>
-            </a:r>
-            <a:r>
-              <a:rPr lang="en-US" dirty="0"/>
-              <a:t> pre-configured.</a:t>
-            </a:r>
-          </a:p>
-          <a:p>
-            <a:r>
-              <a:rPr lang="en-US" dirty="0"/>
-              <a:t>Need to work on this project.</a:t>
-            </a:r>
+            <a:endParaRPr lang="en-US" dirty="0"/>
           </a:p>
         </p:txBody>
       </p:sp>
@@ -847,27 +775,7 @@
           <a:bodyPr/>
           <a:lstStyle/>
           <a:p>
-            <a:pPr marL="0" marR="0" lvl="0" indent="0" algn="l" defTabSz="914400" rtl="0" eaLnBrk="1" fontAlgn="auto" latinLnBrk="0" hangingPunct="1">
-              <a:lnSpc>
-                <a:spcPct val="100000"/>
-              </a:lnSpc>
-              <a:spcBef>
-                <a:spcPts val="0"/>
-              </a:spcBef>
-              <a:spcAft>
-                <a:spcPts val="0"/>
-              </a:spcAft>
-              <a:buClrTx/>
-              <a:buSzTx/>
-              <a:buFontTx/>
-              <a:buNone/>
-              <a:tabLst/>
-              <a:defRPr/>
-            </a:pPr>
-            <a:r>
-              <a:rPr lang="en-US" dirty="0"/>
-              <a:t>Demo: Need to create demo project for this.</a:t>
-            </a:r>
+            <a:endParaRPr lang="en-US" dirty="0"/>
           </a:p>
         </p:txBody>
       </p:sp>
@@ -888,7 +796,7 @@
           <a:p>
             <a:fld id="{7ECEF7E1-8BAB-469F-9B96-5370EF40D848}" type="slidenum">
               <a:rPr lang="en-US" smtClean="0"/>
-              <a:t>8</a:t>
+              <a:t>7</a:t>
             </a:fld>
             <a:endParaRPr lang="en-US"/>
           </a:p>
@@ -897,7 +805,7 @@
     </p:spTree>
     <p:extLst>
       <p:ext uri="{BB962C8B-B14F-4D97-AF65-F5344CB8AC3E}">
-        <p14:creationId xmlns:p14="http://schemas.microsoft.com/office/powerpoint/2010/main" val="3743340972"/>
+        <p14:creationId xmlns:p14="http://schemas.microsoft.com/office/powerpoint/2010/main" val="1804573828"/>
       </p:ext>
     </p:extLst>
   </p:cSld>
@@ -968,18 +876,7 @@
               <a:tabLst/>
               <a:defRPr/>
             </a:pPr>
-            <a:r>
-              <a:rPr lang="en-US" sz="1200" dirty="0"/>
-              <a:t>Demo: Use </a:t>
-            </a:r>
-            <a:r>
-              <a:rPr lang="en-US" sz="1200" dirty="0" err="1"/>
-              <a:t>WhiteSpaceRemoval</a:t>
-            </a:r>
-            <a:r>
-              <a:rPr lang="en-US" sz="1200" dirty="0"/>
-              <a:t> Project having publish profiles in debug and release.</a:t>
-            </a:r>
+            <a:endParaRPr lang="en-US" dirty="0"/>
           </a:p>
         </p:txBody>
       </p:sp>
@@ -1000,7 +897,7 @@
           <a:p>
             <a:fld id="{7ECEF7E1-8BAB-469F-9B96-5370EF40D848}" type="slidenum">
               <a:rPr lang="en-US" smtClean="0"/>
-              <a:t>9</a:t>
+              <a:t>10</a:t>
             </a:fld>
             <a:endParaRPr lang="en-US"/>
           </a:p>
@@ -1009,7 +906,7 @@
     </p:spTree>
     <p:extLst>
       <p:ext uri="{BB962C8B-B14F-4D97-AF65-F5344CB8AC3E}">
-        <p14:creationId xmlns:p14="http://schemas.microsoft.com/office/powerpoint/2010/main" val="4241183378"/>
+        <p14:creationId xmlns:p14="http://schemas.microsoft.com/office/powerpoint/2010/main" val="3743340972"/>
       </p:ext>
     </p:extLst>
   </p:cSld>
@@ -1063,18 +960,24 @@
           <a:bodyPr/>
           <a:lstStyle/>
           <a:p>
-            <a:r>
-              <a:rPr lang="en-US" dirty="0"/>
-              <a:t>Demo: Use </a:t>
-            </a:r>
-            <a:r>
-              <a:rPr lang="en-US" dirty="0" err="1"/>
-              <a:t>WhiteSpaceRemoval</a:t>
-            </a:r>
-            <a:r>
-              <a:rPr lang="en-US" dirty="0"/>
-              <a:t> project.</a:t>
-            </a:r>
+            <a:pPr marL="0" marR="0" lvl="0" indent="0" algn="l" defTabSz="914400" rtl="0" eaLnBrk="1" fontAlgn="auto" latinLnBrk="0" hangingPunct="1">
+              <a:lnSpc>
+                <a:spcPct val="100000"/>
+              </a:lnSpc>
+              <a:spcBef>
+                <a:spcPts val="0"/>
+              </a:spcBef>
+              <a:spcAft>
+                <a:spcPts val="0"/>
+              </a:spcAft>
+              <a:buClrTx/>
+              <a:buSzTx/>
+              <a:buFontTx/>
+              <a:buNone/>
+              <a:tabLst/>
+              <a:defRPr/>
+            </a:pPr>
+            <a:endParaRPr lang="en-US" dirty="0"/>
           </a:p>
         </p:txBody>
       </p:sp>
@@ -1095,7 +998,7 @@
           <a:p>
             <a:fld id="{7ECEF7E1-8BAB-469F-9B96-5370EF40D848}" type="slidenum">
               <a:rPr lang="en-US" smtClean="0"/>
-              <a:t>10</a:t>
+              <a:t>11</a:t>
             </a:fld>
             <a:endParaRPr lang="en-US"/>
           </a:p>
@@ -1104,7 +1007,7 @@
     </p:spTree>
     <p:extLst>
       <p:ext uri="{BB962C8B-B14F-4D97-AF65-F5344CB8AC3E}">
-        <p14:creationId xmlns:p14="http://schemas.microsoft.com/office/powerpoint/2010/main" val="3147270713"/>
+        <p14:creationId xmlns:p14="http://schemas.microsoft.com/office/powerpoint/2010/main" val="1782844846"/>
       </p:ext>
     </p:extLst>
   </p:cSld>
@@ -1158,18 +1061,24 @@
           <a:bodyPr/>
           <a:lstStyle/>
           <a:p>
-            <a:r>
-              <a:rPr lang="en-US" dirty="0"/>
-              <a:t>Demo: Use </a:t>
-            </a:r>
-            <a:r>
-              <a:rPr lang="en-US" dirty="0" err="1"/>
-              <a:t>SlugInMVCApplication</a:t>
-            </a:r>
-            <a:r>
-              <a:rPr lang="en-US" dirty="0"/>
-              <a:t> project.</a:t>
-            </a:r>
+            <a:pPr marL="0" marR="0" lvl="0" indent="0" algn="l" defTabSz="914400" rtl="0" eaLnBrk="1" fontAlgn="auto" latinLnBrk="0" hangingPunct="1">
+              <a:lnSpc>
+                <a:spcPct val="100000"/>
+              </a:lnSpc>
+              <a:spcBef>
+                <a:spcPts val="0"/>
+              </a:spcBef>
+              <a:spcAft>
+                <a:spcPts val="0"/>
+              </a:spcAft>
+              <a:buClrTx/>
+              <a:buSzTx/>
+              <a:buFontTx/>
+              <a:buNone/>
+              <a:tabLst/>
+              <a:defRPr/>
+            </a:pPr>
+            <a:endParaRPr lang="en-US" sz="1200" dirty="0"/>
           </a:p>
         </p:txBody>
       </p:sp>
@@ -1190,7 +1099,186 @@
           <a:p>
             <a:fld id="{7ECEF7E1-8BAB-469F-9B96-5370EF40D848}" type="slidenum">
               <a:rPr lang="en-US" smtClean="0"/>
-              <a:t>11</a:t>
+              <a:t>12</a:t>
+            </a:fld>
+            <a:endParaRPr lang="en-US"/>
+          </a:p>
+        </p:txBody>
+      </p:sp>
+    </p:spTree>
+    <p:extLst>
+      <p:ext uri="{BB962C8B-B14F-4D97-AF65-F5344CB8AC3E}">
+        <p14:creationId xmlns:p14="http://schemas.microsoft.com/office/powerpoint/2010/main" val="4241183378"/>
+      </p:ext>
+    </p:extLst>
+  </p:cSld>
+  <p:clrMapOvr>
+    <a:masterClrMapping/>
+  </p:clrMapOvr>
+</p:notes>
+</file>
+
+<file path=ppt/notesSlides/notesSlide8.xml><?xml version="1.0" encoding="utf-8"?>
+<p:notes xmlns:a="http://schemas.openxmlformats.org/drawingml/2006/main" xmlns:r="http://schemas.openxmlformats.org/officeDocument/2006/relationships" xmlns:p="http://schemas.openxmlformats.org/presentationml/2006/main">
+  <p:cSld>
+    <p:spTree>
+      <p:nvGrpSpPr>
+        <p:cNvPr id="1" name=""/>
+        <p:cNvGrpSpPr/>
+        <p:nvPr/>
+      </p:nvGrpSpPr>
+      <p:grpSpPr>
+        <a:xfrm>
+          <a:off x="0" y="0"/>
+          <a:ext cx="0" cy="0"/>
+          <a:chOff x="0" y="0"/>
+          <a:chExt cx="0" cy="0"/>
+        </a:xfrm>
+      </p:grpSpPr>
+      <p:sp>
+        <p:nvSpPr>
+          <p:cNvPr id="2" name="Slide Image Placeholder 1"/>
+          <p:cNvSpPr>
+            <a:spLocks noGrp="1" noRot="1" noChangeAspect="1"/>
+          </p:cNvSpPr>
+          <p:nvPr>
+            <p:ph type="sldImg"/>
+          </p:nvPr>
+        </p:nvSpPr>
+        <p:spPr/>
+      </p:sp>
+      <p:sp>
+        <p:nvSpPr>
+          <p:cNvPr id="3" name="Notes Placeholder 2"/>
+          <p:cNvSpPr>
+            <a:spLocks noGrp="1"/>
+          </p:cNvSpPr>
+          <p:nvPr>
+            <p:ph type="body" idx="1"/>
+          </p:nvPr>
+        </p:nvSpPr>
+        <p:spPr/>
+        <p:txBody>
+          <a:bodyPr/>
+          <a:lstStyle/>
+          <a:p>
+            <a:endParaRPr lang="en-US" dirty="0"/>
+          </a:p>
+        </p:txBody>
+      </p:sp>
+      <p:sp>
+        <p:nvSpPr>
+          <p:cNvPr id="4" name="Slide Number Placeholder 3"/>
+          <p:cNvSpPr>
+            <a:spLocks noGrp="1"/>
+          </p:cNvSpPr>
+          <p:nvPr>
+            <p:ph type="sldNum" sz="quarter" idx="10"/>
+          </p:nvPr>
+        </p:nvSpPr>
+        <p:spPr/>
+        <p:txBody>
+          <a:bodyPr/>
+          <a:lstStyle/>
+          <a:p>
+            <a:fld id="{7ECEF7E1-8BAB-469F-9B96-5370EF40D848}" type="slidenum">
+              <a:rPr lang="en-US" smtClean="0"/>
+              <a:t>13</a:t>
+            </a:fld>
+            <a:endParaRPr lang="en-US"/>
+          </a:p>
+        </p:txBody>
+      </p:sp>
+    </p:spTree>
+    <p:extLst>
+      <p:ext uri="{BB962C8B-B14F-4D97-AF65-F5344CB8AC3E}">
+        <p14:creationId xmlns:p14="http://schemas.microsoft.com/office/powerpoint/2010/main" val="3147270713"/>
+      </p:ext>
+    </p:extLst>
+  </p:cSld>
+  <p:clrMapOvr>
+    <a:masterClrMapping/>
+  </p:clrMapOvr>
+</p:notes>
+</file>
+
+<file path=ppt/notesSlides/notesSlide9.xml><?xml version="1.0" encoding="utf-8"?>
+<p:notes xmlns:a="http://schemas.openxmlformats.org/drawingml/2006/main" xmlns:r="http://schemas.openxmlformats.org/officeDocument/2006/relationships" xmlns:p="http://schemas.openxmlformats.org/presentationml/2006/main">
+  <p:cSld>
+    <p:spTree>
+      <p:nvGrpSpPr>
+        <p:cNvPr id="1" name=""/>
+        <p:cNvGrpSpPr/>
+        <p:nvPr/>
+      </p:nvGrpSpPr>
+      <p:grpSpPr>
+        <a:xfrm>
+          <a:off x="0" y="0"/>
+          <a:ext cx="0" cy="0"/>
+          <a:chOff x="0" y="0"/>
+          <a:chExt cx="0" cy="0"/>
+        </a:xfrm>
+      </p:grpSpPr>
+      <p:sp>
+        <p:nvSpPr>
+          <p:cNvPr id="2" name="Slide Image Placeholder 1"/>
+          <p:cNvSpPr>
+            <a:spLocks noGrp="1" noRot="1" noChangeAspect="1"/>
+          </p:cNvSpPr>
+          <p:nvPr>
+            <p:ph type="sldImg"/>
+          </p:nvPr>
+        </p:nvSpPr>
+        <p:spPr/>
+      </p:sp>
+      <p:sp>
+        <p:nvSpPr>
+          <p:cNvPr id="3" name="Notes Placeholder 2"/>
+          <p:cNvSpPr>
+            <a:spLocks noGrp="1"/>
+          </p:cNvSpPr>
+          <p:nvPr>
+            <p:ph type="body" idx="1"/>
+          </p:nvPr>
+        </p:nvSpPr>
+        <p:spPr/>
+        <p:txBody>
+          <a:bodyPr/>
+          <a:lstStyle/>
+          <a:p>
+            <a:r>
+              <a:rPr lang="en-US" dirty="0"/>
+              <a:t>Demo: Use </a:t>
+            </a:r>
+            <a:r>
+              <a:rPr lang="en-US" dirty="0" err="1"/>
+              <a:t>SlugInMVCApplication</a:t>
+            </a:r>
+            <a:r>
+              <a:rPr lang="en-US" dirty="0"/>
+              <a:t> project.</a:t>
+            </a:r>
+          </a:p>
+        </p:txBody>
+      </p:sp>
+      <p:sp>
+        <p:nvSpPr>
+          <p:cNvPr id="4" name="Slide Number Placeholder 3"/>
+          <p:cNvSpPr>
+            <a:spLocks noGrp="1"/>
+          </p:cNvSpPr>
+          <p:nvPr>
+            <p:ph type="sldNum" sz="quarter" idx="10"/>
+          </p:nvPr>
+        </p:nvSpPr>
+        <p:spPr/>
+        <p:txBody>
+          <a:bodyPr/>
+          <a:lstStyle/>
+          <a:p>
+            <a:fld id="{7ECEF7E1-8BAB-469F-9B96-5370EF40D848}" type="slidenum">
+              <a:rPr lang="en-US" smtClean="0"/>
+              <a:t>14</a:t>
             </a:fld>
             <a:endParaRPr lang="en-US"/>
           </a:p>
@@ -4337,7 +4425,7 @@
         <p:spPr>
           <a:xfrm>
             <a:off x="832104" y="396147"/>
-            <a:ext cx="10323575" cy="1569660"/>
+            <a:ext cx="10711429" cy="830997"/>
           </a:xfrm>
           <a:prstGeom prst="rect">
             <a:avLst/>
@@ -4364,7 +4452,7 @@
                   </a:outerShdw>
                 </a:effectLst>
               </a:rPr>
-              <a:t>Remove white spaces from rendered HTML in MVC</a:t>
+              <a:t>Using CDN after Bundling and Minification</a:t>
             </a:r>
             <a:endParaRPr lang="en-US" sz="4800" b="0" cap="none" spc="0" dirty="0">
               <a:ln w="0"/>
@@ -4430,14 +4518,14 @@
       </p:sp>
       <p:sp>
         <p:nvSpPr>
-          <p:cNvPr id="6" name="Rectangle 5"/>
+          <p:cNvPr id="2" name="Rectangle 1"/>
           <p:cNvSpPr/>
           <p:nvPr/>
         </p:nvSpPr>
         <p:spPr>
           <a:xfrm>
-            <a:off x="955220" y="2239171"/>
-            <a:ext cx="10390329" cy="4062651"/>
+            <a:off x="832104" y="1713851"/>
+            <a:ext cx="10436972" cy="3970318"/>
           </a:xfrm>
           <a:prstGeom prst="rect">
             <a:avLst/>
@@ -4449,109 +4537,71 @@
           </a:bodyPr>
           <a:lstStyle/>
           <a:p>
-            <a:pPr>
-              <a:spcBef>
-                <a:spcPts val="1200"/>
-              </a:spcBef>
+            <a:pPr marL="457200" indent="-457200">
+              <a:lnSpc>
+                <a:spcPct val="150000"/>
+              </a:lnSpc>
+              <a:buFont typeface="Wingdings" panose="05000000000000000000" pitchFamily="2" charset="2"/>
+              <a:buChar char="ü"/>
             </a:pPr>
             <a:r>
-              <a:rPr lang="en-US" dirty="0">
-                <a:solidFill>
-                  <a:srgbClr val="505050"/>
-                </a:solidFill>
-                <a:latin typeface="Segoe UI" panose="020B0502040204020203" pitchFamily="34" charset="0"/>
-              </a:rPr>
-              <a:t>I minify the JavaScript, CSS files and bundle them, use image sprite, lossless image optimize using Web Essentials to enhance web application performance.</a:t>
-            </a:r>
-          </a:p>
-          <a:p>
-            <a:pPr>
-              <a:spcBef>
-                <a:spcPts val="1200"/>
-              </a:spcBef>
+              <a:rPr lang="en-US" sz="2800" dirty="0"/>
+              <a:t>CDN would allow users to get static content (</a:t>
+            </a:r>
+            <a:r>
+              <a:rPr lang="en-US" sz="2800" dirty="0" err="1"/>
+              <a:t>css</a:t>
+            </a:r>
+            <a:r>
+              <a:rPr lang="en-US" sz="2800" dirty="0"/>
+              <a:t>, </a:t>
+            </a:r>
+            <a:r>
+              <a:rPr lang="en-US" sz="2800" dirty="0" err="1"/>
+              <a:t>js</a:t>
+            </a:r>
+            <a:r>
+              <a:rPr lang="en-US" sz="2800" dirty="0"/>
+              <a:t>, images files) from closer source.</a:t>
+            </a:r>
+          </a:p>
+          <a:p>
+            <a:pPr marL="457200" indent="-457200">
+              <a:lnSpc>
+                <a:spcPct val="150000"/>
+              </a:lnSpc>
+              <a:buFont typeface="Wingdings" panose="05000000000000000000" pitchFamily="2" charset="2"/>
+              <a:buChar char="ü"/>
             </a:pPr>
-            <a:endParaRPr lang="en-US" dirty="0">
-              <a:solidFill>
-                <a:srgbClr val="505050"/>
-              </a:solidFill>
-              <a:latin typeface="Segoe UI" panose="020B0502040204020203" pitchFamily="34" charset="0"/>
-            </a:endParaRPr>
-          </a:p>
-          <a:p>
-            <a:pPr>
-              <a:spcBef>
-                <a:spcPts val="1200"/>
-              </a:spcBef>
+            <a:r>
+              <a:rPr lang="en-US" sz="2800" dirty="0"/>
+              <a:t>Consider using your CDN for all the static files, this releases huge load from server.</a:t>
+            </a:r>
+          </a:p>
+          <a:p>
+            <a:pPr marL="457200" indent="-457200">
+              <a:lnSpc>
+                <a:spcPct val="150000"/>
+              </a:lnSpc>
+              <a:buFont typeface="Wingdings" panose="05000000000000000000" pitchFamily="2" charset="2"/>
+              <a:buChar char="ü"/>
             </a:pPr>
             <a:r>
-              <a:rPr lang="en-US" dirty="0">
-                <a:solidFill>
-                  <a:srgbClr val="505050"/>
-                </a:solidFill>
-                <a:latin typeface="Segoe UI" panose="020B0502040204020203" pitchFamily="34" charset="0"/>
-              </a:rPr>
-              <a:t>But minifying HTML is equally important but there is more difficulties. There are very few tools for that. Most of them integrates in the rendering pipeline.</a:t>
-            </a:r>
-          </a:p>
-          <a:p>
-            <a:pPr>
-              <a:spcBef>
-                <a:spcPts val="1200"/>
-              </a:spcBef>
+              <a:rPr lang="en-US" sz="2800" dirty="0"/>
+              <a:t>C# Corner uses CDN</a:t>
+            </a:r>
+          </a:p>
+          <a:p>
+            <a:pPr marL="457200" indent="-457200">
+              <a:lnSpc>
+                <a:spcPct val="150000"/>
+              </a:lnSpc>
+              <a:buFont typeface="Wingdings" panose="05000000000000000000" pitchFamily="2" charset="2"/>
+              <a:buChar char="ü"/>
             </a:pPr>
             <a:r>
-              <a:rPr lang="en-US" dirty="0">
-                <a:solidFill>
-                  <a:srgbClr val="505050"/>
-                </a:solidFill>
-                <a:latin typeface="Segoe UI" panose="020B0502040204020203" pitchFamily="34" charset="0"/>
-              </a:rPr>
-              <a:t>They are executed just after the HTML is generated by the pages. It means they are invoked after each page request and thus they increase the CPU usage.</a:t>
-            </a:r>
-          </a:p>
-          <a:p>
-            <a:pPr>
-              <a:spcBef>
-                <a:spcPts val="1200"/>
-              </a:spcBef>
-            </a:pPr>
-            <a:r>
-              <a:rPr lang="en-US" dirty="0">
-                <a:solidFill>
-                  <a:srgbClr val="505050"/>
-                </a:solidFill>
-                <a:latin typeface="Segoe UI" panose="020B0502040204020203" pitchFamily="34" charset="0"/>
-              </a:rPr>
-              <a:t>The only real solution to minify HTML while reducing CPU and bandwidth usage, is to rewrite the pages manually to remove all the useless blank characters.</a:t>
-            </a:r>
-          </a:p>
-          <a:p>
-            <a:pPr>
-              <a:spcBef>
-                <a:spcPts val="1200"/>
-              </a:spcBef>
-            </a:pPr>
-            <a:endParaRPr lang="en-US" dirty="0">
-              <a:solidFill>
-                <a:srgbClr val="505050"/>
-              </a:solidFill>
-              <a:latin typeface="Segoe UI" panose="020B0502040204020203" pitchFamily="34" charset="0"/>
-            </a:endParaRPr>
-          </a:p>
-          <a:p>
-            <a:pPr>
-              <a:spcBef>
-                <a:spcPts val="1200"/>
-              </a:spcBef>
-            </a:pPr>
-            <a:r>
-              <a:rPr lang="en-US" dirty="0">
-                <a:solidFill>
-                  <a:srgbClr val="505050"/>
-                </a:solidFill>
-                <a:latin typeface="Segoe UI" panose="020B0502040204020203" pitchFamily="34" charset="0"/>
-              </a:rPr>
-              <a:t>Note: C# Corner website, azure.Microsoft.com uses this feature.</a:t>
+              <a:rPr lang="en-US" sz="2800" dirty="0"/>
+              <a:t>Stack-Overflow uses CDN</a:t>
             </a:r>
           </a:p>
         </p:txBody>
@@ -4559,7 +4609,7 @@
     </p:spTree>
     <p:extLst>
       <p:ext uri="{BB962C8B-B14F-4D97-AF65-F5344CB8AC3E}">
-        <p14:creationId xmlns:p14="http://schemas.microsoft.com/office/powerpoint/2010/main" val="770534002"/>
+        <p14:creationId xmlns:p14="http://schemas.microsoft.com/office/powerpoint/2010/main" val="2656227912"/>
       </p:ext>
     </p:extLst>
   </p:cSld>
@@ -4595,7 +4645,7 @@
         <p:spPr>
           <a:xfrm>
             <a:off x="832104" y="396147"/>
-            <a:ext cx="10323575" cy="830997"/>
+            <a:ext cx="10711429" cy="1569660"/>
           </a:xfrm>
           <a:prstGeom prst="rect">
             <a:avLst/>
@@ -4609,7 +4659,7 @@
           <a:lstStyle/>
           <a:p>
             <a:r>
-              <a:rPr lang="en-US" sz="4800" b="0" cap="none" spc="0" dirty="0">
+              <a:rPr lang="en-US" sz="4800" dirty="0">
                 <a:ln w="0"/>
                 <a:solidFill>
                   <a:srgbClr val="00BCF2"/>
@@ -4622,8 +4672,21 @@
                   </a:outerShdw>
                 </a:effectLst>
               </a:rPr>
-              <a:t>Slug based URL in MVC - for SEO</a:t>
-            </a:r>
+              <a:t>Using CDN after Bundling and Minification - Demo</a:t>
+            </a:r>
+            <a:endParaRPr lang="en-US" sz="4800" b="0" cap="none" spc="0" dirty="0">
+              <a:ln w="0"/>
+              <a:solidFill>
+                <a:srgbClr val="00BCF2"/>
+              </a:solidFill>
+              <a:effectLst>
+                <a:outerShdw blurRad="38100" dist="19050" dir="2700000" algn="tl" rotWithShape="0">
+                  <a:schemeClr val="dk1">
+                    <a:alpha val="40000"/>
+                  </a:schemeClr>
+                </a:outerShdw>
+              </a:effectLst>
+            </a:endParaRPr>
           </a:p>
         </p:txBody>
       </p:sp>
@@ -4675,640 +4738,41 @@
       </p:sp>
       <p:sp>
         <p:nvSpPr>
-          <p:cNvPr id="8" name="Rectangle 7"/>
-          <p:cNvSpPr/>
+          <p:cNvPr id="3" name="TextBox 2"/>
+          <p:cNvSpPr txBox="1"/>
           <p:nvPr/>
         </p:nvSpPr>
         <p:spPr>
           <a:xfrm>
-            <a:off x="832104" y="1797502"/>
-            <a:ext cx="10048059" cy="369332"/>
+            <a:off x="716910" y="3511233"/>
+            <a:ext cx="11904221" cy="523220"/>
           </a:xfrm>
           <a:prstGeom prst="rect">
             <a:avLst/>
           </a:prstGeom>
+          <a:noFill/>
         </p:spPr>
         <p:txBody>
-          <a:bodyPr wrap="square">
+          <a:bodyPr wrap="none" rtlCol="0">
             <a:spAutoFit/>
           </a:bodyPr>
           <a:lstStyle/>
           <a:p>
-            <a:pPr>
-              <a:spcBef>
-                <a:spcPts val="1200"/>
-              </a:spcBef>
-            </a:pPr>
-            <a:r>
-              <a:rPr lang="en-US" dirty="0">
-                <a:solidFill>
-                  <a:srgbClr val="505050"/>
-                </a:solidFill>
-                <a:latin typeface="Segoe UI" panose="020B0502040204020203" pitchFamily="34" charset="0"/>
-              </a:rPr>
-              <a:t>Need to write this </a:t>
-            </a:r>
-            <a:endParaRPr lang="en-US" dirty="0"/>
-          </a:p>
-        </p:txBody>
-      </p:sp>
-      <p:sp>
-        <p:nvSpPr>
-          <p:cNvPr id="2" name="Rectangle 1"/>
-          <p:cNvSpPr/>
-          <p:nvPr/>
-        </p:nvSpPr>
-        <p:spPr>
-          <a:xfrm>
-            <a:off x="832104" y="6209995"/>
-            <a:ext cx="4841454" cy="369332"/>
-          </a:xfrm>
-          <a:prstGeom prst="rect">
-            <a:avLst/>
-          </a:prstGeom>
-        </p:spPr>
-        <p:txBody>
-          <a:bodyPr wrap="none">
-            <a:spAutoFit/>
-          </a:bodyPr>
-          <a:lstStyle/>
-          <a:p>
-            <a:r>
-              <a:rPr lang="en-US" dirty="0"/>
-              <a:t>https://github.com/itorian/SlugInMVCApplication</a:t>
-            </a:r>
-          </a:p>
-        </p:txBody>
-      </p:sp>
-      <p:sp>
-        <p:nvSpPr>
-          <p:cNvPr id="3" name="Rectangle 2"/>
-          <p:cNvSpPr/>
-          <p:nvPr/>
-        </p:nvSpPr>
-        <p:spPr>
-          <a:xfrm>
-            <a:off x="975689" y="3289955"/>
-            <a:ext cx="10036404" cy="2554545"/>
-          </a:xfrm>
-          <a:prstGeom prst="rect">
-            <a:avLst/>
-          </a:prstGeom>
-        </p:spPr>
-        <p:txBody>
-          <a:bodyPr wrap="square">
-            <a:spAutoFit/>
-          </a:bodyPr>
-          <a:lstStyle/>
-          <a:p>
-            <a:r>
-              <a:rPr lang="en-GB" sz="1000" dirty="0">
-                <a:solidFill>
-                  <a:srgbClr val="0000FF"/>
-                </a:solidFill>
-                <a:latin typeface="Consolas" panose="020B0609020204030204" pitchFamily="49" charset="0"/>
-              </a:rPr>
-              <a:t>public</a:t>
-            </a:r>
-            <a:r>
-              <a:rPr lang="en-GB" sz="1000" dirty="0">
-                <a:solidFill>
-                  <a:srgbClr val="000000"/>
-                </a:solidFill>
-                <a:latin typeface="Consolas" panose="020B0609020204030204" pitchFamily="49" charset="0"/>
-              </a:rPr>
-              <a:t> </a:t>
-            </a:r>
-            <a:r>
-              <a:rPr lang="en-GB" sz="1000" dirty="0" err="1">
-                <a:solidFill>
-                  <a:srgbClr val="2B91AF"/>
-                </a:solidFill>
-                <a:latin typeface="Consolas" panose="020B0609020204030204" pitchFamily="49" charset="0"/>
-              </a:rPr>
-              <a:t>ActionResult</a:t>
-            </a:r>
-            <a:r>
-              <a:rPr lang="en-GB" sz="1000" dirty="0">
-                <a:solidFill>
-                  <a:srgbClr val="000000"/>
-                </a:solidFill>
-                <a:latin typeface="Consolas" panose="020B0609020204030204" pitchFamily="49" charset="0"/>
-              </a:rPr>
-              <a:t> Index(</a:t>
-            </a:r>
-            <a:r>
-              <a:rPr lang="en-GB" sz="1000" dirty="0">
-                <a:solidFill>
-                  <a:srgbClr val="0000FF"/>
-                </a:solidFill>
-                <a:latin typeface="Consolas" panose="020B0609020204030204" pitchFamily="49" charset="0"/>
-              </a:rPr>
-              <a:t>string</a:t>
-            </a:r>
-            <a:r>
-              <a:rPr lang="en-GB" sz="1000" dirty="0">
-                <a:solidFill>
-                  <a:srgbClr val="000000"/>
-                </a:solidFill>
-                <a:latin typeface="Consolas" panose="020B0609020204030204" pitchFamily="49" charset="0"/>
-              </a:rPr>
-              <a:t> id, </a:t>
-            </a:r>
-            <a:r>
-              <a:rPr lang="en-GB" sz="1000" dirty="0">
-                <a:solidFill>
-                  <a:srgbClr val="0000FF"/>
-                </a:solidFill>
-                <a:latin typeface="Consolas" panose="020B0609020204030204" pitchFamily="49" charset="0"/>
-              </a:rPr>
-              <a:t>string</a:t>
-            </a:r>
-            <a:r>
-              <a:rPr lang="en-GB" sz="1000" dirty="0">
-                <a:solidFill>
-                  <a:srgbClr val="000000"/>
-                </a:solidFill>
-                <a:latin typeface="Consolas" panose="020B0609020204030204" pitchFamily="49" charset="0"/>
-              </a:rPr>
-              <a:t> slug)</a:t>
-            </a:r>
-          </a:p>
-          <a:p>
-            <a:r>
-              <a:rPr lang="en-US" sz="1000" dirty="0">
-                <a:solidFill>
-                  <a:srgbClr val="000000"/>
-                </a:solidFill>
-                <a:latin typeface="Consolas" panose="020B0609020204030204" pitchFamily="49" charset="0"/>
-              </a:rPr>
-              <a:t>{</a:t>
-            </a:r>
-          </a:p>
-          <a:p>
-            <a:r>
-              <a:rPr lang="en-US" sz="1000" dirty="0">
-                <a:solidFill>
-                  <a:srgbClr val="000000"/>
-                </a:solidFill>
-                <a:latin typeface="Consolas" panose="020B0609020204030204" pitchFamily="49" charset="0"/>
-              </a:rPr>
-              <a:t>    </a:t>
-            </a:r>
-            <a:r>
-              <a:rPr lang="en-US" sz="1000" dirty="0" err="1">
-                <a:solidFill>
-                  <a:srgbClr val="0000FF"/>
-                </a:solidFill>
-                <a:latin typeface="Consolas" panose="020B0609020204030204" pitchFamily="49" charset="0"/>
-              </a:rPr>
-              <a:t>var</a:t>
-            </a:r>
-            <a:r>
-              <a:rPr lang="en-US" sz="1000" dirty="0">
-                <a:solidFill>
-                  <a:srgbClr val="000000"/>
-                </a:solidFill>
-                <a:latin typeface="Consolas" panose="020B0609020204030204" pitchFamily="49" charset="0"/>
-              </a:rPr>
-              <a:t> course = </a:t>
-            </a:r>
-            <a:r>
-              <a:rPr lang="en-US" sz="1000" dirty="0" err="1">
-                <a:solidFill>
-                  <a:srgbClr val="000000"/>
-                </a:solidFill>
-                <a:latin typeface="Consolas" panose="020B0609020204030204" pitchFamily="49" charset="0"/>
-              </a:rPr>
-              <a:t>CourseExtension.GetCourse</a:t>
-            </a:r>
-            <a:r>
-              <a:rPr lang="en-US" sz="1000" dirty="0">
-                <a:solidFill>
-                  <a:srgbClr val="000000"/>
-                </a:solidFill>
-                <a:latin typeface="Consolas" panose="020B0609020204030204" pitchFamily="49" charset="0"/>
-              </a:rPr>
-              <a:t>(id);</a:t>
-            </a:r>
-          </a:p>
-          <a:p>
-            <a:endParaRPr lang="en-US" sz="1000" dirty="0">
-              <a:solidFill>
-                <a:srgbClr val="000000"/>
-              </a:solidFill>
-              <a:latin typeface="Consolas" panose="020B0609020204030204" pitchFamily="49" charset="0"/>
-            </a:endParaRPr>
-          </a:p>
-          <a:p>
-            <a:r>
-              <a:rPr lang="en-US" sz="1000" dirty="0">
-                <a:solidFill>
-                  <a:srgbClr val="000000"/>
-                </a:solidFill>
-                <a:latin typeface="Consolas" panose="020B0609020204030204" pitchFamily="49" charset="0"/>
-              </a:rPr>
-              <a:t>    </a:t>
-            </a:r>
-            <a:r>
-              <a:rPr lang="en-US" sz="1000" dirty="0">
-                <a:solidFill>
-                  <a:srgbClr val="0000FF"/>
-                </a:solidFill>
-                <a:latin typeface="Consolas" panose="020B0609020204030204" pitchFamily="49" charset="0"/>
-              </a:rPr>
-              <a:t>if</a:t>
-            </a:r>
-            <a:r>
-              <a:rPr lang="en-US" sz="1000" dirty="0">
-                <a:solidFill>
-                  <a:srgbClr val="000000"/>
-                </a:solidFill>
-                <a:latin typeface="Consolas" panose="020B0609020204030204" pitchFamily="49" charset="0"/>
-              </a:rPr>
-              <a:t> (course == </a:t>
-            </a:r>
-            <a:r>
-              <a:rPr lang="en-US" sz="1000" dirty="0">
-                <a:solidFill>
-                  <a:srgbClr val="0000FF"/>
-                </a:solidFill>
-                <a:latin typeface="Consolas" panose="020B0609020204030204" pitchFamily="49" charset="0"/>
-              </a:rPr>
-              <a:t>null</a:t>
-            </a:r>
-            <a:r>
-              <a:rPr lang="en-US" sz="1000" dirty="0">
-                <a:solidFill>
-                  <a:srgbClr val="000000"/>
-                </a:solidFill>
-                <a:latin typeface="Consolas" panose="020B0609020204030204" pitchFamily="49" charset="0"/>
-              </a:rPr>
-              <a:t>)</a:t>
-            </a:r>
-          </a:p>
-          <a:p>
-            <a:r>
-              <a:rPr lang="en-US" sz="1000" dirty="0">
-                <a:solidFill>
-                  <a:srgbClr val="000000"/>
-                </a:solidFill>
-                <a:latin typeface="Consolas" panose="020B0609020204030204" pitchFamily="49" charset="0"/>
-              </a:rPr>
-              <a:t>        </a:t>
-            </a:r>
-            <a:r>
-              <a:rPr lang="en-US" sz="1000" dirty="0">
-                <a:solidFill>
-                  <a:srgbClr val="0000FF"/>
-                </a:solidFill>
-                <a:latin typeface="Consolas" panose="020B0609020204030204" pitchFamily="49" charset="0"/>
-              </a:rPr>
-              <a:t>return</a:t>
-            </a:r>
-            <a:r>
-              <a:rPr lang="en-US" sz="1000" dirty="0">
-                <a:solidFill>
-                  <a:srgbClr val="000000"/>
-                </a:solidFill>
-                <a:latin typeface="Consolas" panose="020B0609020204030204" pitchFamily="49" charset="0"/>
-              </a:rPr>
-              <a:t> Redirect(</a:t>
-            </a:r>
-            <a:r>
-              <a:rPr lang="en-US" sz="1000" dirty="0">
-                <a:solidFill>
-                  <a:srgbClr val="A31515"/>
-                </a:solidFill>
-                <a:latin typeface="Consolas" panose="020B0609020204030204" pitchFamily="49" charset="0"/>
-              </a:rPr>
-              <a:t>"~/error/</a:t>
-            </a:r>
-            <a:r>
-              <a:rPr lang="en-US" sz="1000" dirty="0" err="1">
-                <a:solidFill>
-                  <a:srgbClr val="A31515"/>
-                </a:solidFill>
-                <a:latin typeface="Consolas" panose="020B0609020204030204" pitchFamily="49" charset="0"/>
-              </a:rPr>
-              <a:t>noactivecourse</a:t>
-            </a:r>
-            <a:r>
-              <a:rPr lang="en-US" sz="1000" dirty="0">
-                <a:solidFill>
-                  <a:srgbClr val="A31515"/>
-                </a:solidFill>
-                <a:latin typeface="Consolas" panose="020B0609020204030204" pitchFamily="49" charset="0"/>
-              </a:rPr>
-              <a:t>"</a:t>
-            </a:r>
-            <a:r>
-              <a:rPr lang="en-US" sz="1000" dirty="0">
-                <a:solidFill>
-                  <a:srgbClr val="000000"/>
-                </a:solidFill>
-                <a:latin typeface="Consolas" panose="020B0609020204030204" pitchFamily="49" charset="0"/>
-              </a:rPr>
-              <a:t>);</a:t>
-            </a:r>
-          </a:p>
-          <a:p>
-            <a:endParaRPr lang="en-US" sz="1000" dirty="0">
-              <a:solidFill>
-                <a:srgbClr val="000000"/>
-              </a:solidFill>
-              <a:latin typeface="Consolas" panose="020B0609020204030204" pitchFamily="49" charset="0"/>
-            </a:endParaRPr>
-          </a:p>
-          <a:p>
-            <a:r>
-              <a:rPr lang="en-GB" sz="1000" dirty="0">
-                <a:solidFill>
-                  <a:srgbClr val="000000"/>
-                </a:solidFill>
-                <a:latin typeface="Consolas" panose="020B0609020204030204" pitchFamily="49" charset="0"/>
-              </a:rPr>
-              <a:t>    </a:t>
-            </a:r>
-            <a:r>
-              <a:rPr lang="en-GB" sz="1000" dirty="0">
-                <a:solidFill>
-                  <a:srgbClr val="008000"/>
-                </a:solidFill>
-                <a:latin typeface="Consolas" panose="020B0609020204030204" pitchFamily="49" charset="0"/>
-              </a:rPr>
-              <a:t>// redirect on slug based </a:t>
-            </a:r>
-            <a:r>
-              <a:rPr lang="en-GB" sz="1000" dirty="0" err="1">
-                <a:solidFill>
-                  <a:srgbClr val="008000"/>
-                </a:solidFill>
-                <a:latin typeface="Consolas" panose="020B0609020204030204" pitchFamily="49" charset="0"/>
-              </a:rPr>
-              <a:t>url</a:t>
-            </a:r>
-            <a:endParaRPr lang="en-GB" sz="1000" dirty="0">
-              <a:solidFill>
-                <a:srgbClr val="000000"/>
-              </a:solidFill>
-              <a:latin typeface="Consolas" panose="020B0609020204030204" pitchFamily="49" charset="0"/>
-            </a:endParaRPr>
-          </a:p>
-          <a:p>
-            <a:r>
-              <a:rPr lang="en-US" sz="1000" dirty="0">
-                <a:solidFill>
-                  <a:srgbClr val="000000"/>
-                </a:solidFill>
-                <a:latin typeface="Consolas" panose="020B0609020204030204" pitchFamily="49" charset="0"/>
-              </a:rPr>
-              <a:t>    </a:t>
-            </a:r>
-            <a:r>
-              <a:rPr lang="en-US" sz="1000" dirty="0">
-                <a:solidFill>
-                  <a:srgbClr val="0000FF"/>
-                </a:solidFill>
-                <a:latin typeface="Consolas" panose="020B0609020204030204" pitchFamily="49" charset="0"/>
-              </a:rPr>
-              <a:t>if</a:t>
-            </a:r>
-            <a:r>
-              <a:rPr lang="en-US" sz="1000" dirty="0">
-                <a:solidFill>
-                  <a:srgbClr val="000000"/>
-                </a:solidFill>
-                <a:latin typeface="Consolas" panose="020B0609020204030204" pitchFamily="49" charset="0"/>
-              </a:rPr>
-              <a:t> (</a:t>
-            </a:r>
-            <a:r>
-              <a:rPr lang="en-US" sz="1000" dirty="0" err="1">
-                <a:solidFill>
-                  <a:srgbClr val="0000FF"/>
-                </a:solidFill>
-                <a:latin typeface="Consolas" panose="020B0609020204030204" pitchFamily="49" charset="0"/>
-              </a:rPr>
-              <a:t>string</a:t>
-            </a:r>
-            <a:r>
-              <a:rPr lang="en-US" sz="1000" dirty="0" err="1">
-                <a:solidFill>
-                  <a:srgbClr val="000000"/>
-                </a:solidFill>
-                <a:latin typeface="Consolas" panose="020B0609020204030204" pitchFamily="49" charset="0"/>
-              </a:rPr>
-              <a:t>.IsNullOrEmpty</a:t>
-            </a:r>
-            <a:r>
-              <a:rPr lang="en-US" sz="1000" dirty="0">
-                <a:solidFill>
-                  <a:srgbClr val="000000"/>
-                </a:solidFill>
-                <a:latin typeface="Consolas" panose="020B0609020204030204" pitchFamily="49" charset="0"/>
-              </a:rPr>
-              <a:t>(slug))</a:t>
-            </a:r>
-          </a:p>
-          <a:p>
-            <a:r>
-              <a:rPr lang="en-US" sz="1000" dirty="0">
-                <a:solidFill>
-                  <a:srgbClr val="000000"/>
-                </a:solidFill>
-                <a:latin typeface="Consolas" panose="020B0609020204030204" pitchFamily="49" charset="0"/>
-              </a:rPr>
-              <a:t>    {</a:t>
-            </a:r>
-          </a:p>
-          <a:p>
-            <a:r>
-              <a:rPr lang="en-US" sz="1000" dirty="0">
-                <a:solidFill>
-                  <a:srgbClr val="000000"/>
-                </a:solidFill>
-                <a:latin typeface="Consolas" panose="020B0609020204030204" pitchFamily="49" charset="0"/>
-              </a:rPr>
-              <a:t>        slug = </a:t>
-            </a:r>
-            <a:r>
-              <a:rPr lang="en-US" sz="1000" dirty="0" err="1">
-                <a:solidFill>
-                  <a:srgbClr val="000000"/>
-                </a:solidFill>
-                <a:latin typeface="Consolas" panose="020B0609020204030204" pitchFamily="49" charset="0"/>
-              </a:rPr>
-              <a:t>course.Course.Slug</a:t>
-            </a:r>
-            <a:r>
-              <a:rPr lang="en-US" sz="1000" dirty="0">
-                <a:solidFill>
-                  <a:srgbClr val="000000"/>
-                </a:solidFill>
-                <a:latin typeface="Consolas" panose="020B0609020204030204" pitchFamily="49" charset="0"/>
-              </a:rPr>
-              <a:t>;</a:t>
-            </a:r>
-          </a:p>
-          <a:p>
-            <a:r>
-              <a:rPr lang="en-GB" sz="1000" dirty="0">
-                <a:solidFill>
-                  <a:srgbClr val="000000"/>
-                </a:solidFill>
-                <a:latin typeface="Consolas" panose="020B0609020204030204" pitchFamily="49" charset="0"/>
-              </a:rPr>
-              <a:t>        </a:t>
-            </a:r>
-            <a:r>
-              <a:rPr lang="en-GB" sz="1000" dirty="0">
-                <a:solidFill>
-                  <a:srgbClr val="0000FF"/>
-                </a:solidFill>
-                <a:latin typeface="Consolas" panose="020B0609020204030204" pitchFamily="49" charset="0"/>
-              </a:rPr>
-              <a:t>return</a:t>
-            </a:r>
-            <a:r>
-              <a:rPr lang="en-GB" sz="1000" dirty="0">
-                <a:solidFill>
-                  <a:srgbClr val="000000"/>
-                </a:solidFill>
-                <a:latin typeface="Consolas" panose="020B0609020204030204" pitchFamily="49" charset="0"/>
-              </a:rPr>
-              <a:t> </a:t>
-            </a:r>
-            <a:r>
-              <a:rPr lang="en-GB" sz="1000" dirty="0" err="1">
-                <a:solidFill>
-                  <a:srgbClr val="000000"/>
-                </a:solidFill>
-                <a:latin typeface="Consolas" panose="020B0609020204030204" pitchFamily="49" charset="0"/>
-              </a:rPr>
-              <a:t>RedirectToRoute</a:t>
-            </a:r>
-            <a:r>
-              <a:rPr lang="en-GB" sz="1000" dirty="0">
-                <a:solidFill>
-                  <a:srgbClr val="000000"/>
-                </a:solidFill>
-                <a:latin typeface="Consolas" panose="020B0609020204030204" pitchFamily="49" charset="0"/>
-              </a:rPr>
-              <a:t>(</a:t>
-            </a:r>
-            <a:r>
-              <a:rPr lang="en-GB" sz="1000" dirty="0">
-                <a:solidFill>
-                  <a:srgbClr val="A31515"/>
-                </a:solidFill>
-                <a:latin typeface="Consolas" panose="020B0609020204030204" pitchFamily="49" charset="0"/>
-              </a:rPr>
-              <a:t>"</a:t>
-            </a:r>
-            <a:r>
-              <a:rPr lang="en-GB" sz="1000" dirty="0" err="1">
-                <a:solidFill>
-                  <a:srgbClr val="A31515"/>
-                </a:solidFill>
-                <a:latin typeface="Consolas" panose="020B0609020204030204" pitchFamily="49" charset="0"/>
-              </a:rPr>
-              <a:t>CourseRoute</a:t>
-            </a:r>
-            <a:r>
-              <a:rPr lang="en-GB" sz="1000" dirty="0">
-                <a:solidFill>
-                  <a:srgbClr val="A31515"/>
-                </a:solidFill>
-                <a:latin typeface="Consolas" panose="020B0609020204030204" pitchFamily="49" charset="0"/>
-              </a:rPr>
-              <a:t>"</a:t>
-            </a:r>
-            <a:r>
-              <a:rPr lang="en-GB" sz="1000" dirty="0">
-                <a:solidFill>
-                  <a:srgbClr val="000000"/>
-                </a:solidFill>
-                <a:latin typeface="Consolas" panose="020B0609020204030204" pitchFamily="49" charset="0"/>
-              </a:rPr>
-              <a:t>, </a:t>
-            </a:r>
-            <a:r>
-              <a:rPr lang="en-GB" sz="1000" dirty="0">
-                <a:solidFill>
-                  <a:srgbClr val="0000FF"/>
-                </a:solidFill>
-                <a:latin typeface="Consolas" panose="020B0609020204030204" pitchFamily="49" charset="0"/>
-              </a:rPr>
-              <a:t>new</a:t>
-            </a:r>
-            <a:r>
-              <a:rPr lang="en-GB" sz="1000" dirty="0">
-                <a:solidFill>
-                  <a:srgbClr val="000000"/>
-                </a:solidFill>
-                <a:latin typeface="Consolas" panose="020B0609020204030204" pitchFamily="49" charset="0"/>
-              </a:rPr>
-              <a:t> { id = id, slug = slug });</a:t>
-            </a:r>
-          </a:p>
-          <a:p>
-            <a:r>
-              <a:rPr lang="en-US" sz="1000" dirty="0">
-                <a:solidFill>
-                  <a:srgbClr val="000000"/>
-                </a:solidFill>
-                <a:latin typeface="Consolas" panose="020B0609020204030204" pitchFamily="49" charset="0"/>
-              </a:rPr>
-              <a:t>    }</a:t>
-            </a:r>
-          </a:p>
-          <a:p>
-            <a:endParaRPr lang="en-US" sz="1000" dirty="0">
-              <a:solidFill>
-                <a:srgbClr val="000000"/>
-              </a:solidFill>
-              <a:latin typeface="Consolas" panose="020B0609020204030204" pitchFamily="49" charset="0"/>
-            </a:endParaRPr>
-          </a:p>
-          <a:p>
-            <a:r>
-              <a:rPr lang="en-US" sz="1000" dirty="0">
-                <a:solidFill>
-                  <a:srgbClr val="0000FF"/>
-                </a:solidFill>
-                <a:latin typeface="Consolas" panose="020B0609020204030204" pitchFamily="49" charset="0"/>
-              </a:rPr>
-              <a:t>    return</a:t>
-            </a:r>
-            <a:r>
-              <a:rPr lang="en-US" sz="1000" dirty="0">
-                <a:solidFill>
-                  <a:srgbClr val="000000"/>
-                </a:solidFill>
-                <a:latin typeface="Consolas" panose="020B0609020204030204" pitchFamily="49" charset="0"/>
-              </a:rPr>
-              <a:t> View(course);</a:t>
-            </a:r>
-          </a:p>
-          <a:p>
-            <a:r>
-              <a:rPr lang="en-US" sz="1000" dirty="0">
-                <a:solidFill>
-                  <a:srgbClr val="000000"/>
-                </a:solidFill>
-                <a:latin typeface="Consolas" panose="020B0609020204030204" pitchFamily="49" charset="0"/>
-              </a:rPr>
-              <a:t>}</a:t>
-            </a:r>
-            <a:endParaRPr lang="en-US" sz="1000" dirty="0"/>
+            <a:r>
+              <a:rPr lang="en-US" sz="2800" dirty="0">
+                <a:solidFill>
+                  <a:srgbClr val="FF0000"/>
+                </a:solidFill>
+              </a:rPr>
+              <a:t>Create sample project from Knorish project to generate bundle file automatically</a:t>
+            </a:r>
           </a:p>
         </p:txBody>
       </p:sp>
     </p:spTree>
     <p:extLst>
       <p:ext uri="{BB962C8B-B14F-4D97-AF65-F5344CB8AC3E}">
-        <p14:creationId xmlns:p14="http://schemas.microsoft.com/office/powerpoint/2010/main" val="3705442125"/>
+        <p14:creationId xmlns:p14="http://schemas.microsoft.com/office/powerpoint/2010/main" val="2667484026"/>
       </p:ext>
     </p:extLst>
   </p:cSld>
@@ -5358,7 +4822,7 @@
           <a:lstStyle/>
           <a:p>
             <a:r>
-              <a:rPr lang="en-US" sz="4800" b="0" cap="none" spc="0" dirty="0">
+              <a:rPr lang="en-US" sz="4800" dirty="0">
                 <a:ln w="0"/>
                 <a:solidFill>
                   <a:srgbClr val="00BCF2"/>
@@ -5371,8 +4835,21 @@
                   </a:outerShdw>
                 </a:effectLst>
               </a:rPr>
-              <a:t>Visual Studio Code Analysis</a:t>
-            </a:r>
+              <a:t>Debug mode vs Release mode</a:t>
+            </a:r>
+            <a:endParaRPr lang="en-US" sz="4800" b="0" cap="none" spc="0" dirty="0">
+              <a:ln w="0"/>
+              <a:solidFill>
+                <a:srgbClr val="00BCF2"/>
+              </a:solidFill>
+              <a:effectLst>
+                <a:outerShdw blurRad="38100" dist="19050" dir="2700000" algn="tl" rotWithShape="0">
+                  <a:schemeClr val="dk1">
+                    <a:alpha val="40000"/>
+                  </a:schemeClr>
+                </a:outerShdw>
+              </a:effectLst>
+            </a:endParaRPr>
           </a:p>
         </p:txBody>
       </p:sp>
@@ -5424,14 +4901,14 @@
       </p:sp>
       <p:sp>
         <p:nvSpPr>
-          <p:cNvPr id="8" name="Rectangle 7"/>
+          <p:cNvPr id="4" name="Rectangle 3"/>
           <p:cNvSpPr/>
           <p:nvPr/>
         </p:nvSpPr>
         <p:spPr>
           <a:xfrm>
-            <a:off x="832104" y="1797502"/>
-            <a:ext cx="10048059" cy="369332"/>
+            <a:off x="902751" y="1673664"/>
+            <a:ext cx="10471919" cy="3903504"/>
           </a:xfrm>
           <a:prstGeom prst="rect">
             <a:avLst/>
@@ -5443,37 +4920,58 @@
           </a:bodyPr>
           <a:lstStyle/>
           <a:p>
+            <a:pPr marL="457200" indent="-457200">
+              <a:lnSpc>
+                <a:spcPct val="150000"/>
+              </a:lnSpc>
+              <a:buFont typeface="Wingdings" panose="05000000000000000000" pitchFamily="2" charset="2"/>
+              <a:buChar char="ü"/>
+            </a:pPr>
+            <a:r>
+              <a:rPr lang="en-US" sz="2800" dirty="0"/>
+              <a:t>In Debug Mode your DLL has debug information inside of it (source code, variable names, symbolic information and other similar stuff).</a:t>
+            </a:r>
+          </a:p>
+          <a:p>
+            <a:pPr marL="457200" indent="-457200">
+              <a:lnSpc>
+                <a:spcPct val="150000"/>
+              </a:lnSpc>
+              <a:buFont typeface="Wingdings" panose="05000000000000000000" pitchFamily="2" charset="2"/>
+              <a:buChar char="ü"/>
+            </a:pPr>
+            <a:r>
+              <a:rPr lang="en-US" sz="2800" dirty="0"/>
+              <a:t>Debug Mode creates PDB file to store debug information</a:t>
+            </a:r>
+          </a:p>
+          <a:p>
             <a:pPr>
-              <a:spcBef>
-                <a:spcPts val="1200"/>
-              </a:spcBef>
+              <a:lnSpc>
+                <a:spcPct val="150000"/>
+              </a:lnSpc>
             </a:pPr>
-            <a:r>
-              <a:rPr lang="en-US" dirty="0">
-                <a:solidFill>
-                  <a:srgbClr val="505050"/>
-                </a:solidFill>
-                <a:latin typeface="Segoe UI" panose="020B0502040204020203" pitchFamily="34" charset="0"/>
-              </a:rPr>
-              <a:t>Need to </a:t>
-            </a:r>
-            <a:r>
-              <a:rPr lang="en-US">
-                <a:solidFill>
-                  <a:srgbClr val="505050"/>
-                </a:solidFill>
-                <a:latin typeface="Segoe UI" panose="020B0502040204020203" pitchFamily="34" charset="0"/>
-              </a:rPr>
-              <a:t>write this </a:t>
-            </a:r>
-            <a:endParaRPr lang="en-US" dirty="0"/>
+            <a:endParaRPr lang="en-US" sz="2800" dirty="0"/>
+          </a:p>
+          <a:p>
+            <a:pPr marL="457200" indent="-457200">
+              <a:lnSpc>
+                <a:spcPct val="150000"/>
+              </a:lnSpc>
+              <a:buFont typeface="Wingdings" panose="05000000000000000000" pitchFamily="2" charset="2"/>
+              <a:buChar char="ü"/>
+            </a:pPr>
+            <a:r>
+              <a:rPr lang="en-US" sz="2800" dirty="0"/>
+              <a:t>In Release Mode your DLL lack of debug information makes it smaller and probably performs better due to its smaller footprint.</a:t>
+            </a:r>
           </a:p>
         </p:txBody>
       </p:sp>
     </p:spTree>
     <p:extLst>
       <p:ext uri="{BB962C8B-B14F-4D97-AF65-F5344CB8AC3E}">
-        <p14:creationId xmlns:p14="http://schemas.microsoft.com/office/powerpoint/2010/main" val="1112162478"/>
+        <p14:creationId xmlns:p14="http://schemas.microsoft.com/office/powerpoint/2010/main" val="1725472280"/>
       </p:ext>
     </p:extLst>
   </p:cSld>
@@ -5502,14 +5000,14 @@
       </p:grpSpPr>
       <p:sp>
         <p:nvSpPr>
-          <p:cNvPr id="2" name="Rectangle 1"/>
+          <p:cNvPr id="7" name="Rectangle 6"/>
           <p:cNvSpPr/>
           <p:nvPr/>
         </p:nvSpPr>
         <p:spPr>
           <a:xfrm>
-            <a:off x="5112005" y="3013501"/>
-            <a:ext cx="3663696" cy="830997"/>
+            <a:off x="832104" y="396147"/>
+            <a:ext cx="10323575" cy="1569660"/>
           </a:xfrm>
           <a:prstGeom prst="rect">
             <a:avLst/>
@@ -5536,7 +5034,7 @@
                   </a:outerShdw>
                 </a:effectLst>
               </a:rPr>
-              <a:t>Q &amp; A</a:t>
+              <a:t>Remove white spaces from rendered HTML in MVC</a:t>
             </a:r>
             <a:endParaRPr lang="en-US" sz="4800" b="0" cap="none" spc="0" dirty="0">
               <a:ln w="0"/>
@@ -5556,7 +5054,7 @@
       </p:sp>
       <p:sp>
         <p:nvSpPr>
-          <p:cNvPr id="3" name="Rectangle 2"/>
+          <p:cNvPr id="9" name="Rectangle 8"/>
           <p:cNvSpPr/>
           <p:nvPr/>
         </p:nvSpPr>
@@ -5600,10 +5098,122 @@
           </a:p>
         </p:txBody>
       </p:sp>
+      <p:sp>
+        <p:nvSpPr>
+          <p:cNvPr id="6" name="Rectangle 5"/>
+          <p:cNvSpPr/>
+          <p:nvPr/>
+        </p:nvSpPr>
+        <p:spPr>
+          <a:xfrm>
+            <a:off x="955220" y="2239171"/>
+            <a:ext cx="10390329" cy="3477875"/>
+          </a:xfrm>
+          <a:prstGeom prst="rect">
+            <a:avLst/>
+          </a:prstGeom>
+        </p:spPr>
+        <p:txBody>
+          <a:bodyPr wrap="square">
+            <a:spAutoFit/>
+          </a:bodyPr>
+          <a:lstStyle/>
+          <a:p>
+            <a:pPr marL="285750" indent="-285750">
+              <a:spcBef>
+                <a:spcPts val="1200"/>
+              </a:spcBef>
+              <a:buFont typeface="Wingdings" panose="05000000000000000000" pitchFamily="2" charset="2"/>
+              <a:buChar char="ü"/>
+            </a:pPr>
+            <a:r>
+              <a:rPr lang="en-US" sz="2000" dirty="0">
+                <a:solidFill>
+                  <a:srgbClr val="505050"/>
+                </a:solidFill>
+                <a:latin typeface="Segoe UI" panose="020B0502040204020203" pitchFamily="34" charset="0"/>
+              </a:rPr>
+              <a:t>I minify the JavaScript, CSS files and bundle them, use image sprite, lossless image optimize using Web Essentials to enhance web application performance.</a:t>
+            </a:r>
+          </a:p>
+          <a:p>
+            <a:pPr marL="285750" indent="-285750">
+              <a:spcBef>
+                <a:spcPts val="1200"/>
+              </a:spcBef>
+              <a:buFont typeface="Wingdings" panose="05000000000000000000" pitchFamily="2" charset="2"/>
+              <a:buChar char="ü"/>
+            </a:pPr>
+            <a:r>
+              <a:rPr lang="en-US" sz="2000" dirty="0">
+                <a:solidFill>
+                  <a:srgbClr val="505050"/>
+                </a:solidFill>
+                <a:latin typeface="Segoe UI" panose="020B0502040204020203" pitchFamily="34" charset="0"/>
+              </a:rPr>
+              <a:t>But minifying HTML is equally important but there is more difficulties. There are very few tools for that. Most of them integrates in the rendering pipeline.</a:t>
+            </a:r>
+          </a:p>
+          <a:p>
+            <a:pPr marL="285750" indent="-285750">
+              <a:spcBef>
+                <a:spcPts val="1200"/>
+              </a:spcBef>
+              <a:buFont typeface="Wingdings" panose="05000000000000000000" pitchFamily="2" charset="2"/>
+              <a:buChar char="ü"/>
+            </a:pPr>
+            <a:r>
+              <a:rPr lang="en-US" sz="2000" dirty="0">
+                <a:solidFill>
+                  <a:srgbClr val="505050"/>
+                </a:solidFill>
+                <a:latin typeface="Segoe UI" panose="020B0502040204020203" pitchFamily="34" charset="0"/>
+              </a:rPr>
+              <a:t>They are executed just after the HTML is generated by the pages. It means they are invoked after each page request and thus they increase the CPU usage.</a:t>
+            </a:r>
+          </a:p>
+          <a:p>
+            <a:pPr marL="285750" indent="-285750">
+              <a:spcBef>
+                <a:spcPts val="1200"/>
+              </a:spcBef>
+              <a:buFont typeface="Wingdings" panose="05000000000000000000" pitchFamily="2" charset="2"/>
+              <a:buChar char="ü"/>
+            </a:pPr>
+            <a:r>
+              <a:rPr lang="en-US" sz="2000" dirty="0">
+                <a:solidFill>
+                  <a:srgbClr val="505050"/>
+                </a:solidFill>
+                <a:latin typeface="Segoe UI" panose="020B0502040204020203" pitchFamily="34" charset="0"/>
+              </a:rPr>
+              <a:t>The only real solution to minify HTML while reducing CPU and bandwidth usage, is to rewrite the pages manually to remove all the useless blank characters.</a:t>
+            </a:r>
+          </a:p>
+          <a:p>
+            <a:pPr marL="285750" indent="-285750">
+              <a:spcBef>
+                <a:spcPts val="1200"/>
+              </a:spcBef>
+              <a:buFont typeface="Wingdings" panose="05000000000000000000" pitchFamily="2" charset="2"/>
+              <a:buChar char="ü"/>
+            </a:pPr>
+            <a:r>
+              <a:rPr lang="en-US" sz="2000" dirty="0">
+                <a:solidFill>
+                  <a:srgbClr val="505050"/>
+                </a:solidFill>
+                <a:latin typeface="Segoe UI" panose="020B0502040204020203" pitchFamily="34" charset="0"/>
+              </a:rPr>
+              <a:t>C# Corner website, azure.microsoft.com uses this feature.</a:t>
+            </a:r>
+          </a:p>
+        </p:txBody>
+      </p:sp>
     </p:spTree>
     <p:extLst>
       <p:ext uri="{BB962C8B-B14F-4D97-AF65-F5344CB8AC3E}">
-        <p14:creationId xmlns:p14="http://schemas.microsoft.com/office/powerpoint/2010/main" val="1577005009"/>
+        <p14:creationId xmlns:p14="http://schemas.microsoft.com/office/powerpoint/2010/main" val="770534002"/>
       </p:ext>
     </p:extLst>
   </p:cSld>
@@ -5613,7 +5223,7 @@
 </p:sld>
 </file>
 
-<file path=ppt/slides/slide2.xml><?xml version="1.0" encoding="utf-8"?>
+<file path=ppt/slides/slide14.xml><?xml version="1.0" encoding="utf-8"?>
 <p:sld xmlns:a="http://schemas.openxmlformats.org/drawingml/2006/main" xmlns:r="http://schemas.openxmlformats.org/officeDocument/2006/relationships" xmlns:p="http://schemas.openxmlformats.org/presentationml/2006/main">
   <p:cSld>
     <p:spTree>
@@ -5666,7 +5276,7 @@
                   </a:outerShdw>
                 </a:effectLst>
               </a:rPr>
-              <a:t>Agenda</a:t>
+              <a:t>Slug based URL in MVC - for SEO</a:t>
             </a:r>
           </a:p>
         </p:txBody>
@@ -5674,187 +5284,6 @@
       <p:sp>
         <p:nvSpPr>
           <p:cNvPr id="9" name="Rectangle 8"/>
-          <p:cNvSpPr/>
-          <p:nvPr/>
-        </p:nvSpPr>
-        <p:spPr>
-          <a:xfrm>
-            <a:off x="1263903" y="1645103"/>
-            <a:ext cx="9073897" cy="3385542"/>
-          </a:xfrm>
-          <a:prstGeom prst="rect">
-            <a:avLst/>
-          </a:prstGeom>
-        </p:spPr>
-        <p:txBody>
-          <a:bodyPr wrap="square">
-            <a:spAutoFit/>
-          </a:bodyPr>
-          <a:lstStyle/>
-          <a:p>
-            <a:pPr marL="285750" indent="-285750">
-              <a:spcBef>
-                <a:spcPts val="1200"/>
-              </a:spcBef>
-              <a:buFont typeface="Wingdings" panose="05000000000000000000" pitchFamily="2" charset="2"/>
-              <a:buChar char="Ø"/>
-            </a:pPr>
-            <a:r>
-              <a:rPr lang="en-US" dirty="0">
-                <a:solidFill>
-                  <a:srgbClr val="505050"/>
-                </a:solidFill>
-                <a:latin typeface="Segoe UI" panose="020B0502040204020203" pitchFamily="34" charset="0"/>
-              </a:rPr>
-              <a:t>Application Insight</a:t>
-            </a:r>
-          </a:p>
-          <a:p>
-            <a:pPr marL="285750" indent="-285750">
-              <a:spcBef>
-                <a:spcPts val="1200"/>
-              </a:spcBef>
-              <a:buFont typeface="Wingdings" panose="05000000000000000000" pitchFamily="2" charset="2"/>
-              <a:buChar char="Ø"/>
-            </a:pPr>
-            <a:r>
-              <a:rPr lang="en-US" dirty="0">
-                <a:solidFill>
-                  <a:srgbClr val="505050"/>
-                </a:solidFill>
-                <a:latin typeface="Segoe UI" panose="020B0502040204020203" pitchFamily="34" charset="0"/>
-              </a:rPr>
-              <a:t>Web Essentials - a tool for every web developers</a:t>
-            </a:r>
-          </a:p>
-          <a:p>
-            <a:pPr marL="285750" indent="-285750">
-              <a:spcBef>
-                <a:spcPts val="1200"/>
-              </a:spcBef>
-              <a:buFont typeface="Wingdings" panose="05000000000000000000" pitchFamily="2" charset="2"/>
-              <a:buChar char="Ø"/>
-            </a:pPr>
-            <a:r>
-              <a:rPr lang="en-US" dirty="0">
-                <a:solidFill>
-                  <a:srgbClr val="505050"/>
-                </a:solidFill>
-                <a:latin typeface="Segoe UI" panose="020B0502040204020203" pitchFamily="34" charset="0"/>
-              </a:rPr>
-              <a:t>Using CDN after Bundling and </a:t>
-            </a:r>
-            <a:r>
-              <a:rPr lang="en-US" dirty="0" err="1">
-                <a:solidFill>
-                  <a:srgbClr val="505050"/>
-                </a:solidFill>
-                <a:latin typeface="Segoe UI" panose="020B0502040204020203" pitchFamily="34" charset="0"/>
-              </a:rPr>
-              <a:t>Minification</a:t>
-            </a:r>
-            <a:endParaRPr lang="en-US" dirty="0">
-              <a:solidFill>
-                <a:srgbClr val="505050"/>
-              </a:solidFill>
-              <a:latin typeface="Segoe UI" panose="020B0502040204020203" pitchFamily="34" charset="0"/>
-            </a:endParaRPr>
-          </a:p>
-          <a:p>
-            <a:pPr marL="285750" indent="-285750">
-              <a:spcBef>
-                <a:spcPts val="1200"/>
-              </a:spcBef>
-              <a:buFont typeface="Wingdings" panose="05000000000000000000" pitchFamily="2" charset="2"/>
-              <a:buChar char="Ø"/>
-            </a:pPr>
-            <a:r>
-              <a:rPr lang="en-US" dirty="0">
-                <a:solidFill>
-                  <a:srgbClr val="505050"/>
-                </a:solidFill>
-                <a:latin typeface="Segoe UI" panose="020B0502040204020203" pitchFamily="34" charset="0"/>
-              </a:rPr>
-              <a:t>Debug mode vs Release mode</a:t>
-            </a:r>
-          </a:p>
-          <a:p>
-            <a:pPr marL="285750" indent="-285750">
-              <a:spcBef>
-                <a:spcPts val="1200"/>
-              </a:spcBef>
-              <a:buFont typeface="Wingdings" panose="05000000000000000000" pitchFamily="2" charset="2"/>
-              <a:buChar char="Ø"/>
-            </a:pPr>
-            <a:r>
-              <a:rPr lang="en-US" dirty="0">
-                <a:solidFill>
-                  <a:srgbClr val="505050"/>
-                </a:solidFill>
-                <a:latin typeface="Segoe UI" panose="020B0502040204020203" pitchFamily="34" charset="0"/>
-              </a:rPr>
-              <a:t>Removing white space from rendered HTML in MVC</a:t>
-            </a:r>
-          </a:p>
-          <a:p>
-            <a:pPr marL="285750" indent="-285750">
-              <a:spcBef>
-                <a:spcPts val="1200"/>
-              </a:spcBef>
-              <a:buFont typeface="Wingdings" panose="05000000000000000000" pitchFamily="2" charset="2"/>
-              <a:buChar char="Ø"/>
-            </a:pPr>
-            <a:r>
-              <a:rPr lang="en-US" dirty="0">
-                <a:solidFill>
-                  <a:srgbClr val="505050"/>
-                </a:solidFill>
-                <a:latin typeface="Segoe UI" panose="020B0502040204020203" pitchFamily="34" charset="0"/>
-              </a:rPr>
-              <a:t>Slug is great for SEO, Stack-Overflow way</a:t>
-            </a:r>
-          </a:p>
-          <a:p>
-            <a:pPr marL="285750" indent="-285750">
-              <a:spcBef>
-                <a:spcPts val="1200"/>
-              </a:spcBef>
-              <a:buFont typeface="Wingdings" panose="05000000000000000000" pitchFamily="2" charset="2"/>
-              <a:buChar char="Ø"/>
-            </a:pPr>
-            <a:r>
-              <a:rPr lang="en-US" dirty="0">
-                <a:solidFill>
-                  <a:srgbClr val="505050"/>
-                </a:solidFill>
-                <a:latin typeface="Segoe UI" panose="020B0502040204020203" pitchFamily="34" charset="0"/>
-              </a:rPr>
-              <a:t>Visual Studio Code Analysis</a:t>
-            </a:r>
-          </a:p>
-          <a:p>
-            <a:pPr marL="285750" indent="-285750">
-              <a:spcBef>
-                <a:spcPts val="1200"/>
-              </a:spcBef>
-              <a:buFont typeface="Wingdings" panose="05000000000000000000" pitchFamily="2" charset="2"/>
-              <a:buChar char="Ø"/>
-            </a:pPr>
-            <a:r>
-              <a:rPr lang="en-US" dirty="0">
-                <a:solidFill>
-                  <a:srgbClr val="505050"/>
-                </a:solidFill>
-                <a:latin typeface="Segoe UI" panose="020B0502040204020203" pitchFamily="34" charset="0"/>
-              </a:rPr>
-              <a:t>Q&amp;A</a:t>
-            </a:r>
-          </a:p>
-        </p:txBody>
-      </p:sp>
-      <p:sp>
-        <p:nvSpPr>
-          <p:cNvPr id="10" name="Rectangle 9"/>
           <p:cNvSpPr/>
           <p:nvPr/>
         </p:nvSpPr>
@@ -5898,51 +5327,642 @@
           </a:p>
         </p:txBody>
       </p:sp>
-      <p:pic>
-        <p:nvPicPr>
-          <p:cNvPr id="5122" name="Picture 2" descr="http://www.zurb.com/blog_uploads/0000/0894/agenda.jpg"/>
-          <p:cNvPicPr>
-            <a:picLocks noChangeAspect="1" noChangeArrowheads="1"/>
-          </p:cNvPicPr>
+      <p:sp>
+        <p:nvSpPr>
+          <p:cNvPr id="8" name="Rectangle 7"/>
+          <p:cNvSpPr/>
           <p:nvPr/>
-        </p:nvPicPr>
-        <p:blipFill>
-          <a:blip r:embed="rId2">
-            <a:extLst>
-              <a:ext uri="{28A0092B-C50C-407E-A947-70E740481C1C}">
-                <a14:useLocalDpi xmlns:a14="http://schemas.microsoft.com/office/drawing/2010/main" val="0"/>
-              </a:ext>
-            </a:extLst>
-          </a:blip>
-          <a:srcRect/>
-          <a:stretch>
-            <a:fillRect/>
-          </a:stretch>
-        </p:blipFill>
-        <p:spPr bwMode="auto">
+        </p:nvSpPr>
+        <p:spPr>
           <a:xfrm>
-            <a:off x="8206104" y="1645103"/>
-            <a:ext cx="2949575" cy="3038062"/>
+            <a:off x="832104" y="1797502"/>
+            <a:ext cx="10048059" cy="369332"/>
           </a:xfrm>
           <a:prstGeom prst="rect">
             <a:avLst/>
           </a:prstGeom>
-          <a:noFill/>
-          <a:extLst>
-            <a:ext uri="{909E8E84-426E-40DD-AFC4-6F175D3DCCD1}">
-              <a14:hiddenFill xmlns:a14="http://schemas.microsoft.com/office/drawing/2010/main">
-                <a:solidFill>
-                  <a:srgbClr val="FFFFFF"/>
-                </a:solidFill>
-              </a14:hiddenFill>
-            </a:ext>
-          </a:extLst>
         </p:spPr>
-      </p:pic>
+        <p:txBody>
+          <a:bodyPr wrap="square">
+            <a:spAutoFit/>
+          </a:bodyPr>
+          <a:lstStyle/>
+          <a:p>
+            <a:pPr>
+              <a:spcBef>
+                <a:spcPts val="1200"/>
+              </a:spcBef>
+            </a:pPr>
+            <a:r>
+              <a:rPr lang="en-US" dirty="0">
+                <a:solidFill>
+                  <a:srgbClr val="505050"/>
+                </a:solidFill>
+                <a:latin typeface="Segoe UI" panose="020B0502040204020203" pitchFamily="34" charset="0"/>
+              </a:rPr>
+              <a:t>Need to write this </a:t>
+            </a:r>
+            <a:endParaRPr lang="en-US" dirty="0"/>
+          </a:p>
+        </p:txBody>
+      </p:sp>
+      <p:sp>
+        <p:nvSpPr>
+          <p:cNvPr id="2" name="Rectangle 1"/>
+          <p:cNvSpPr/>
+          <p:nvPr/>
+        </p:nvSpPr>
+        <p:spPr>
+          <a:xfrm>
+            <a:off x="832104" y="6209995"/>
+            <a:ext cx="4841454" cy="369332"/>
+          </a:xfrm>
+          <a:prstGeom prst="rect">
+            <a:avLst/>
+          </a:prstGeom>
+        </p:spPr>
+        <p:txBody>
+          <a:bodyPr wrap="none">
+            <a:spAutoFit/>
+          </a:bodyPr>
+          <a:lstStyle/>
+          <a:p>
+            <a:r>
+              <a:rPr lang="en-US" dirty="0"/>
+              <a:t>https://github.com/itorian/SlugInMVCApplication</a:t>
+            </a:r>
+          </a:p>
+        </p:txBody>
+      </p:sp>
+      <p:sp>
+        <p:nvSpPr>
+          <p:cNvPr id="3" name="Rectangle 2"/>
+          <p:cNvSpPr/>
+          <p:nvPr/>
+        </p:nvSpPr>
+        <p:spPr>
+          <a:xfrm>
+            <a:off x="975689" y="3289955"/>
+            <a:ext cx="10036404" cy="2554545"/>
+          </a:xfrm>
+          <a:prstGeom prst="rect">
+            <a:avLst/>
+          </a:prstGeom>
+        </p:spPr>
+        <p:txBody>
+          <a:bodyPr wrap="square">
+            <a:spAutoFit/>
+          </a:bodyPr>
+          <a:lstStyle/>
+          <a:p>
+            <a:r>
+              <a:rPr lang="en-GB" sz="1000" dirty="0">
+                <a:solidFill>
+                  <a:srgbClr val="0000FF"/>
+                </a:solidFill>
+                <a:latin typeface="Consolas" panose="020B0609020204030204" pitchFamily="49" charset="0"/>
+              </a:rPr>
+              <a:t>public</a:t>
+            </a:r>
+            <a:r>
+              <a:rPr lang="en-GB" sz="1000" dirty="0">
+                <a:solidFill>
+                  <a:srgbClr val="000000"/>
+                </a:solidFill>
+                <a:latin typeface="Consolas" panose="020B0609020204030204" pitchFamily="49" charset="0"/>
+              </a:rPr>
+              <a:t> </a:t>
+            </a:r>
+            <a:r>
+              <a:rPr lang="en-GB" sz="1000" dirty="0" err="1">
+                <a:solidFill>
+                  <a:srgbClr val="2B91AF"/>
+                </a:solidFill>
+                <a:latin typeface="Consolas" panose="020B0609020204030204" pitchFamily="49" charset="0"/>
+              </a:rPr>
+              <a:t>ActionResult</a:t>
+            </a:r>
+            <a:r>
+              <a:rPr lang="en-GB" sz="1000" dirty="0">
+                <a:solidFill>
+                  <a:srgbClr val="000000"/>
+                </a:solidFill>
+                <a:latin typeface="Consolas" panose="020B0609020204030204" pitchFamily="49" charset="0"/>
+              </a:rPr>
+              <a:t> Index(</a:t>
+            </a:r>
+            <a:r>
+              <a:rPr lang="en-GB" sz="1000" dirty="0">
+                <a:solidFill>
+                  <a:srgbClr val="0000FF"/>
+                </a:solidFill>
+                <a:latin typeface="Consolas" panose="020B0609020204030204" pitchFamily="49" charset="0"/>
+              </a:rPr>
+              <a:t>string</a:t>
+            </a:r>
+            <a:r>
+              <a:rPr lang="en-GB" sz="1000" dirty="0">
+                <a:solidFill>
+                  <a:srgbClr val="000000"/>
+                </a:solidFill>
+                <a:latin typeface="Consolas" panose="020B0609020204030204" pitchFamily="49" charset="0"/>
+              </a:rPr>
+              <a:t> id, </a:t>
+            </a:r>
+            <a:r>
+              <a:rPr lang="en-GB" sz="1000" dirty="0">
+                <a:solidFill>
+                  <a:srgbClr val="0000FF"/>
+                </a:solidFill>
+                <a:latin typeface="Consolas" panose="020B0609020204030204" pitchFamily="49" charset="0"/>
+              </a:rPr>
+              <a:t>string</a:t>
+            </a:r>
+            <a:r>
+              <a:rPr lang="en-GB" sz="1000" dirty="0">
+                <a:solidFill>
+                  <a:srgbClr val="000000"/>
+                </a:solidFill>
+                <a:latin typeface="Consolas" panose="020B0609020204030204" pitchFamily="49" charset="0"/>
+              </a:rPr>
+              <a:t> slug)</a:t>
+            </a:r>
+          </a:p>
+          <a:p>
+            <a:r>
+              <a:rPr lang="en-US" sz="1000" dirty="0">
+                <a:solidFill>
+                  <a:srgbClr val="000000"/>
+                </a:solidFill>
+                <a:latin typeface="Consolas" panose="020B0609020204030204" pitchFamily="49" charset="0"/>
+              </a:rPr>
+              <a:t>{</a:t>
+            </a:r>
+          </a:p>
+          <a:p>
+            <a:r>
+              <a:rPr lang="en-US" sz="1000" dirty="0">
+                <a:solidFill>
+                  <a:srgbClr val="000000"/>
+                </a:solidFill>
+                <a:latin typeface="Consolas" panose="020B0609020204030204" pitchFamily="49" charset="0"/>
+              </a:rPr>
+              <a:t>    </a:t>
+            </a:r>
+            <a:r>
+              <a:rPr lang="en-US" sz="1000" dirty="0" err="1">
+                <a:solidFill>
+                  <a:srgbClr val="0000FF"/>
+                </a:solidFill>
+                <a:latin typeface="Consolas" panose="020B0609020204030204" pitchFamily="49" charset="0"/>
+              </a:rPr>
+              <a:t>var</a:t>
+            </a:r>
+            <a:r>
+              <a:rPr lang="en-US" sz="1000" dirty="0">
+                <a:solidFill>
+                  <a:srgbClr val="000000"/>
+                </a:solidFill>
+                <a:latin typeface="Consolas" panose="020B0609020204030204" pitchFamily="49" charset="0"/>
+              </a:rPr>
+              <a:t> course = </a:t>
+            </a:r>
+            <a:r>
+              <a:rPr lang="en-US" sz="1000" dirty="0" err="1">
+                <a:solidFill>
+                  <a:srgbClr val="000000"/>
+                </a:solidFill>
+                <a:latin typeface="Consolas" panose="020B0609020204030204" pitchFamily="49" charset="0"/>
+              </a:rPr>
+              <a:t>CourseExtension.GetCourse</a:t>
+            </a:r>
+            <a:r>
+              <a:rPr lang="en-US" sz="1000" dirty="0">
+                <a:solidFill>
+                  <a:srgbClr val="000000"/>
+                </a:solidFill>
+                <a:latin typeface="Consolas" panose="020B0609020204030204" pitchFamily="49" charset="0"/>
+              </a:rPr>
+              <a:t>(id);</a:t>
+            </a:r>
+          </a:p>
+          <a:p>
+            <a:endParaRPr lang="en-US" sz="1000" dirty="0">
+              <a:solidFill>
+                <a:srgbClr val="000000"/>
+              </a:solidFill>
+              <a:latin typeface="Consolas" panose="020B0609020204030204" pitchFamily="49" charset="0"/>
+            </a:endParaRPr>
+          </a:p>
+          <a:p>
+            <a:r>
+              <a:rPr lang="en-US" sz="1000" dirty="0">
+                <a:solidFill>
+                  <a:srgbClr val="000000"/>
+                </a:solidFill>
+                <a:latin typeface="Consolas" panose="020B0609020204030204" pitchFamily="49" charset="0"/>
+              </a:rPr>
+              <a:t>    </a:t>
+            </a:r>
+            <a:r>
+              <a:rPr lang="en-US" sz="1000" dirty="0">
+                <a:solidFill>
+                  <a:srgbClr val="0000FF"/>
+                </a:solidFill>
+                <a:latin typeface="Consolas" panose="020B0609020204030204" pitchFamily="49" charset="0"/>
+              </a:rPr>
+              <a:t>if</a:t>
+            </a:r>
+            <a:r>
+              <a:rPr lang="en-US" sz="1000" dirty="0">
+                <a:solidFill>
+                  <a:srgbClr val="000000"/>
+                </a:solidFill>
+                <a:latin typeface="Consolas" panose="020B0609020204030204" pitchFamily="49" charset="0"/>
+              </a:rPr>
+              <a:t> (course == </a:t>
+            </a:r>
+            <a:r>
+              <a:rPr lang="en-US" sz="1000" dirty="0">
+                <a:solidFill>
+                  <a:srgbClr val="0000FF"/>
+                </a:solidFill>
+                <a:latin typeface="Consolas" panose="020B0609020204030204" pitchFamily="49" charset="0"/>
+              </a:rPr>
+              <a:t>null</a:t>
+            </a:r>
+            <a:r>
+              <a:rPr lang="en-US" sz="1000" dirty="0">
+                <a:solidFill>
+                  <a:srgbClr val="000000"/>
+                </a:solidFill>
+                <a:latin typeface="Consolas" panose="020B0609020204030204" pitchFamily="49" charset="0"/>
+              </a:rPr>
+              <a:t>)</a:t>
+            </a:r>
+          </a:p>
+          <a:p>
+            <a:r>
+              <a:rPr lang="en-US" sz="1000" dirty="0">
+                <a:solidFill>
+                  <a:srgbClr val="000000"/>
+                </a:solidFill>
+                <a:latin typeface="Consolas" panose="020B0609020204030204" pitchFamily="49" charset="0"/>
+              </a:rPr>
+              <a:t>        </a:t>
+            </a:r>
+            <a:r>
+              <a:rPr lang="en-US" sz="1000" dirty="0">
+                <a:solidFill>
+                  <a:srgbClr val="0000FF"/>
+                </a:solidFill>
+                <a:latin typeface="Consolas" panose="020B0609020204030204" pitchFamily="49" charset="0"/>
+              </a:rPr>
+              <a:t>return</a:t>
+            </a:r>
+            <a:r>
+              <a:rPr lang="en-US" sz="1000" dirty="0">
+                <a:solidFill>
+                  <a:srgbClr val="000000"/>
+                </a:solidFill>
+                <a:latin typeface="Consolas" panose="020B0609020204030204" pitchFamily="49" charset="0"/>
+              </a:rPr>
+              <a:t> Redirect(</a:t>
+            </a:r>
+            <a:r>
+              <a:rPr lang="en-US" sz="1000" dirty="0">
+                <a:solidFill>
+                  <a:srgbClr val="A31515"/>
+                </a:solidFill>
+                <a:latin typeface="Consolas" panose="020B0609020204030204" pitchFamily="49" charset="0"/>
+              </a:rPr>
+              <a:t>"~/error/</a:t>
+            </a:r>
+            <a:r>
+              <a:rPr lang="en-US" sz="1000" dirty="0" err="1">
+                <a:solidFill>
+                  <a:srgbClr val="A31515"/>
+                </a:solidFill>
+                <a:latin typeface="Consolas" panose="020B0609020204030204" pitchFamily="49" charset="0"/>
+              </a:rPr>
+              <a:t>noactivecourse</a:t>
+            </a:r>
+            <a:r>
+              <a:rPr lang="en-US" sz="1000" dirty="0">
+                <a:solidFill>
+                  <a:srgbClr val="A31515"/>
+                </a:solidFill>
+                <a:latin typeface="Consolas" panose="020B0609020204030204" pitchFamily="49" charset="0"/>
+              </a:rPr>
+              <a:t>"</a:t>
+            </a:r>
+            <a:r>
+              <a:rPr lang="en-US" sz="1000" dirty="0">
+                <a:solidFill>
+                  <a:srgbClr val="000000"/>
+                </a:solidFill>
+                <a:latin typeface="Consolas" panose="020B0609020204030204" pitchFamily="49" charset="0"/>
+              </a:rPr>
+              <a:t>);</a:t>
+            </a:r>
+          </a:p>
+          <a:p>
+            <a:endParaRPr lang="en-US" sz="1000" dirty="0">
+              <a:solidFill>
+                <a:srgbClr val="000000"/>
+              </a:solidFill>
+              <a:latin typeface="Consolas" panose="020B0609020204030204" pitchFamily="49" charset="0"/>
+            </a:endParaRPr>
+          </a:p>
+          <a:p>
+            <a:r>
+              <a:rPr lang="en-GB" sz="1000" dirty="0">
+                <a:solidFill>
+                  <a:srgbClr val="000000"/>
+                </a:solidFill>
+                <a:latin typeface="Consolas" panose="020B0609020204030204" pitchFamily="49" charset="0"/>
+              </a:rPr>
+              <a:t>    </a:t>
+            </a:r>
+            <a:r>
+              <a:rPr lang="en-GB" sz="1000" dirty="0">
+                <a:solidFill>
+                  <a:srgbClr val="008000"/>
+                </a:solidFill>
+                <a:latin typeface="Consolas" panose="020B0609020204030204" pitchFamily="49" charset="0"/>
+              </a:rPr>
+              <a:t>// redirect on slug based </a:t>
+            </a:r>
+            <a:r>
+              <a:rPr lang="en-GB" sz="1000" dirty="0" err="1">
+                <a:solidFill>
+                  <a:srgbClr val="008000"/>
+                </a:solidFill>
+                <a:latin typeface="Consolas" panose="020B0609020204030204" pitchFamily="49" charset="0"/>
+              </a:rPr>
+              <a:t>url</a:t>
+            </a:r>
+            <a:endParaRPr lang="en-GB" sz="1000" dirty="0">
+              <a:solidFill>
+                <a:srgbClr val="000000"/>
+              </a:solidFill>
+              <a:latin typeface="Consolas" panose="020B0609020204030204" pitchFamily="49" charset="0"/>
+            </a:endParaRPr>
+          </a:p>
+          <a:p>
+            <a:r>
+              <a:rPr lang="en-US" sz="1000" dirty="0">
+                <a:solidFill>
+                  <a:srgbClr val="000000"/>
+                </a:solidFill>
+                <a:latin typeface="Consolas" panose="020B0609020204030204" pitchFamily="49" charset="0"/>
+              </a:rPr>
+              <a:t>    </a:t>
+            </a:r>
+            <a:r>
+              <a:rPr lang="en-US" sz="1000" dirty="0">
+                <a:solidFill>
+                  <a:srgbClr val="0000FF"/>
+                </a:solidFill>
+                <a:latin typeface="Consolas" panose="020B0609020204030204" pitchFamily="49" charset="0"/>
+              </a:rPr>
+              <a:t>if</a:t>
+            </a:r>
+            <a:r>
+              <a:rPr lang="en-US" sz="1000" dirty="0">
+                <a:solidFill>
+                  <a:srgbClr val="000000"/>
+                </a:solidFill>
+                <a:latin typeface="Consolas" panose="020B0609020204030204" pitchFamily="49" charset="0"/>
+              </a:rPr>
+              <a:t> (</a:t>
+            </a:r>
+            <a:r>
+              <a:rPr lang="en-US" sz="1000" dirty="0" err="1">
+                <a:solidFill>
+                  <a:srgbClr val="0000FF"/>
+                </a:solidFill>
+                <a:latin typeface="Consolas" panose="020B0609020204030204" pitchFamily="49" charset="0"/>
+              </a:rPr>
+              <a:t>string</a:t>
+            </a:r>
+            <a:r>
+              <a:rPr lang="en-US" sz="1000" dirty="0" err="1">
+                <a:solidFill>
+                  <a:srgbClr val="000000"/>
+                </a:solidFill>
+                <a:latin typeface="Consolas" panose="020B0609020204030204" pitchFamily="49" charset="0"/>
+              </a:rPr>
+              <a:t>.IsNullOrEmpty</a:t>
+            </a:r>
+            <a:r>
+              <a:rPr lang="en-US" sz="1000" dirty="0">
+                <a:solidFill>
+                  <a:srgbClr val="000000"/>
+                </a:solidFill>
+                <a:latin typeface="Consolas" panose="020B0609020204030204" pitchFamily="49" charset="0"/>
+              </a:rPr>
+              <a:t>(slug))</a:t>
+            </a:r>
+          </a:p>
+          <a:p>
+            <a:r>
+              <a:rPr lang="en-US" sz="1000" dirty="0">
+                <a:solidFill>
+                  <a:srgbClr val="000000"/>
+                </a:solidFill>
+                <a:latin typeface="Consolas" panose="020B0609020204030204" pitchFamily="49" charset="0"/>
+              </a:rPr>
+              <a:t>    {</a:t>
+            </a:r>
+          </a:p>
+          <a:p>
+            <a:r>
+              <a:rPr lang="en-US" sz="1000" dirty="0">
+                <a:solidFill>
+                  <a:srgbClr val="000000"/>
+                </a:solidFill>
+                <a:latin typeface="Consolas" panose="020B0609020204030204" pitchFamily="49" charset="0"/>
+              </a:rPr>
+              <a:t>        slug = </a:t>
+            </a:r>
+            <a:r>
+              <a:rPr lang="en-US" sz="1000" dirty="0" err="1">
+                <a:solidFill>
+                  <a:srgbClr val="000000"/>
+                </a:solidFill>
+                <a:latin typeface="Consolas" panose="020B0609020204030204" pitchFamily="49" charset="0"/>
+              </a:rPr>
+              <a:t>course.Course.Slug</a:t>
+            </a:r>
+            <a:r>
+              <a:rPr lang="en-US" sz="1000" dirty="0">
+                <a:solidFill>
+                  <a:srgbClr val="000000"/>
+                </a:solidFill>
+                <a:latin typeface="Consolas" panose="020B0609020204030204" pitchFamily="49" charset="0"/>
+              </a:rPr>
+              <a:t>;</a:t>
+            </a:r>
+          </a:p>
+          <a:p>
+            <a:r>
+              <a:rPr lang="en-GB" sz="1000" dirty="0">
+                <a:solidFill>
+                  <a:srgbClr val="000000"/>
+                </a:solidFill>
+                <a:latin typeface="Consolas" panose="020B0609020204030204" pitchFamily="49" charset="0"/>
+              </a:rPr>
+              <a:t>        </a:t>
+            </a:r>
+            <a:r>
+              <a:rPr lang="en-GB" sz="1000" dirty="0">
+                <a:solidFill>
+                  <a:srgbClr val="0000FF"/>
+                </a:solidFill>
+                <a:latin typeface="Consolas" panose="020B0609020204030204" pitchFamily="49" charset="0"/>
+              </a:rPr>
+              <a:t>return</a:t>
+            </a:r>
+            <a:r>
+              <a:rPr lang="en-GB" sz="1000" dirty="0">
+                <a:solidFill>
+                  <a:srgbClr val="000000"/>
+                </a:solidFill>
+                <a:latin typeface="Consolas" panose="020B0609020204030204" pitchFamily="49" charset="0"/>
+              </a:rPr>
+              <a:t> </a:t>
+            </a:r>
+            <a:r>
+              <a:rPr lang="en-GB" sz="1000" dirty="0" err="1">
+                <a:solidFill>
+                  <a:srgbClr val="000000"/>
+                </a:solidFill>
+                <a:latin typeface="Consolas" panose="020B0609020204030204" pitchFamily="49" charset="0"/>
+              </a:rPr>
+              <a:t>RedirectToRoute</a:t>
+            </a:r>
+            <a:r>
+              <a:rPr lang="en-GB" sz="1000" dirty="0">
+                <a:solidFill>
+                  <a:srgbClr val="000000"/>
+                </a:solidFill>
+                <a:latin typeface="Consolas" panose="020B0609020204030204" pitchFamily="49" charset="0"/>
+              </a:rPr>
+              <a:t>(</a:t>
+            </a:r>
+            <a:r>
+              <a:rPr lang="en-GB" sz="1000" dirty="0">
+                <a:solidFill>
+                  <a:srgbClr val="A31515"/>
+                </a:solidFill>
+                <a:latin typeface="Consolas" panose="020B0609020204030204" pitchFamily="49" charset="0"/>
+              </a:rPr>
+              <a:t>"</a:t>
+            </a:r>
+            <a:r>
+              <a:rPr lang="en-GB" sz="1000" dirty="0" err="1">
+                <a:solidFill>
+                  <a:srgbClr val="A31515"/>
+                </a:solidFill>
+                <a:latin typeface="Consolas" panose="020B0609020204030204" pitchFamily="49" charset="0"/>
+              </a:rPr>
+              <a:t>CourseRoute</a:t>
+            </a:r>
+            <a:r>
+              <a:rPr lang="en-GB" sz="1000" dirty="0">
+                <a:solidFill>
+                  <a:srgbClr val="A31515"/>
+                </a:solidFill>
+                <a:latin typeface="Consolas" panose="020B0609020204030204" pitchFamily="49" charset="0"/>
+              </a:rPr>
+              <a:t>"</a:t>
+            </a:r>
+            <a:r>
+              <a:rPr lang="en-GB" sz="1000" dirty="0">
+                <a:solidFill>
+                  <a:srgbClr val="000000"/>
+                </a:solidFill>
+                <a:latin typeface="Consolas" panose="020B0609020204030204" pitchFamily="49" charset="0"/>
+              </a:rPr>
+              <a:t>, </a:t>
+            </a:r>
+            <a:r>
+              <a:rPr lang="en-GB" sz="1000" dirty="0">
+                <a:solidFill>
+                  <a:srgbClr val="0000FF"/>
+                </a:solidFill>
+                <a:latin typeface="Consolas" panose="020B0609020204030204" pitchFamily="49" charset="0"/>
+              </a:rPr>
+              <a:t>new</a:t>
+            </a:r>
+            <a:r>
+              <a:rPr lang="en-GB" sz="1000" dirty="0">
+                <a:solidFill>
+                  <a:srgbClr val="000000"/>
+                </a:solidFill>
+                <a:latin typeface="Consolas" panose="020B0609020204030204" pitchFamily="49" charset="0"/>
+              </a:rPr>
+              <a:t> { id = id, slug = slug });</a:t>
+            </a:r>
+          </a:p>
+          <a:p>
+            <a:r>
+              <a:rPr lang="en-US" sz="1000" dirty="0">
+                <a:solidFill>
+                  <a:srgbClr val="000000"/>
+                </a:solidFill>
+                <a:latin typeface="Consolas" panose="020B0609020204030204" pitchFamily="49" charset="0"/>
+              </a:rPr>
+              <a:t>    }</a:t>
+            </a:r>
+          </a:p>
+          <a:p>
+            <a:endParaRPr lang="en-US" sz="1000" dirty="0">
+              <a:solidFill>
+                <a:srgbClr val="000000"/>
+              </a:solidFill>
+              <a:latin typeface="Consolas" panose="020B0609020204030204" pitchFamily="49" charset="0"/>
+            </a:endParaRPr>
+          </a:p>
+          <a:p>
+            <a:r>
+              <a:rPr lang="en-US" sz="1000" dirty="0">
+                <a:solidFill>
+                  <a:srgbClr val="0000FF"/>
+                </a:solidFill>
+                <a:latin typeface="Consolas" panose="020B0609020204030204" pitchFamily="49" charset="0"/>
+              </a:rPr>
+              <a:t>    return</a:t>
+            </a:r>
+            <a:r>
+              <a:rPr lang="en-US" sz="1000" dirty="0">
+                <a:solidFill>
+                  <a:srgbClr val="000000"/>
+                </a:solidFill>
+                <a:latin typeface="Consolas" panose="020B0609020204030204" pitchFamily="49" charset="0"/>
+              </a:rPr>
+              <a:t> View(course);</a:t>
+            </a:r>
+          </a:p>
+          <a:p>
+            <a:r>
+              <a:rPr lang="en-US" sz="1000" dirty="0">
+                <a:solidFill>
+                  <a:srgbClr val="000000"/>
+                </a:solidFill>
+                <a:latin typeface="Consolas" panose="020B0609020204030204" pitchFamily="49" charset="0"/>
+              </a:rPr>
+              <a:t>}</a:t>
+            </a:r>
+            <a:endParaRPr lang="en-US" sz="1000" dirty="0"/>
+          </a:p>
+        </p:txBody>
+      </p:sp>
     </p:spTree>
     <p:extLst>
       <p:ext uri="{BB962C8B-B14F-4D97-AF65-F5344CB8AC3E}">
-        <p14:creationId xmlns:p14="http://schemas.microsoft.com/office/powerpoint/2010/main" val="586098755"/>
+        <p14:creationId xmlns:p14="http://schemas.microsoft.com/office/powerpoint/2010/main" val="3705442125"/>
       </p:ext>
     </p:extLst>
   </p:cSld>
@@ -5952,7 +5972,7 @@
 </p:sld>
 </file>
 
-<file path=ppt/slides/slide3.xml><?xml version="1.0" encoding="utf-8"?>
+<file path=ppt/slides/slide15.xml><?xml version="1.0" encoding="utf-8"?>
 <p:sld xmlns:a="http://schemas.openxmlformats.org/drawingml/2006/main" xmlns:r="http://schemas.openxmlformats.org/officeDocument/2006/relationships" xmlns:p="http://schemas.openxmlformats.org/presentationml/2006/main">
   <p:cSld>
     <p:spTree>
@@ -5969,6 +5989,47 @@
           <a:chExt cx="0" cy="0"/>
         </a:xfrm>
       </p:grpSpPr>
+      <p:sp>
+        <p:nvSpPr>
+          <p:cNvPr id="7" name="Rectangle 6"/>
+          <p:cNvSpPr/>
+          <p:nvPr/>
+        </p:nvSpPr>
+        <p:spPr>
+          <a:xfrm>
+            <a:off x="832104" y="396147"/>
+            <a:ext cx="10323575" cy="830997"/>
+          </a:xfrm>
+          <a:prstGeom prst="rect">
+            <a:avLst/>
+          </a:prstGeom>
+          <a:noFill/>
+        </p:spPr>
+        <p:txBody>
+          <a:bodyPr wrap="square" lIns="91440" tIns="45720" rIns="91440" bIns="45720">
+            <a:spAutoFit/>
+          </a:bodyPr>
+          <a:lstStyle/>
+          <a:p>
+            <a:r>
+              <a:rPr lang="en-US" sz="4800" b="0" cap="none" spc="0" dirty="0">
+                <a:ln w="0"/>
+                <a:solidFill>
+                  <a:srgbClr val="00BCF2"/>
+                </a:solidFill>
+                <a:effectLst>
+                  <a:outerShdw blurRad="38100" dist="19050" dir="2700000" algn="tl" rotWithShape="0">
+                    <a:schemeClr val="dk1">
+                      <a:alpha val="40000"/>
+                    </a:schemeClr>
+                  </a:outerShdw>
+                </a:effectLst>
+              </a:rPr>
+              <a:t>Visual Studio Code Analysis</a:t>
+            </a:r>
+          </a:p>
+        </p:txBody>
+      </p:sp>
       <p:sp>
         <p:nvSpPr>
           <p:cNvPr id="9" name="Rectangle 8"/>
@@ -6017,14 +6078,14 @@
       </p:sp>
       <p:sp>
         <p:nvSpPr>
-          <p:cNvPr id="4" name="Rectangle 3"/>
+          <p:cNvPr id="8" name="Rectangle 7"/>
           <p:cNvSpPr/>
           <p:nvPr/>
         </p:nvSpPr>
         <p:spPr>
           <a:xfrm>
-            <a:off x="823801" y="1997839"/>
-            <a:ext cx="10649880" cy="2862322"/>
+            <a:off x="832104" y="1797502"/>
+            <a:ext cx="10048059" cy="369332"/>
           </a:xfrm>
           <a:prstGeom prst="rect">
             <a:avLst/>
@@ -6036,17 +6097,37 @@
           </a:bodyPr>
           <a:lstStyle/>
           <a:p>
-            <a:r>
-              <a:rPr lang="en-US" sz="3600" dirty="0"/>
-              <a:t>Before deploying your app on production or pre-production we should always look at every possible way to improve performance. This session will be all about improving performance in the code, on server and i will share all the hard lessons that I learned so far.</a:t>
-            </a:r>
+            <a:pPr>
+              <a:spcBef>
+                <a:spcPts val="1200"/>
+              </a:spcBef>
+            </a:pPr>
+            <a:r>
+              <a:rPr lang="en-US" dirty="0">
+                <a:solidFill>
+                  <a:srgbClr val="505050"/>
+                </a:solidFill>
+                <a:latin typeface="Segoe UI" panose="020B0502040204020203" pitchFamily="34" charset="0"/>
+              </a:rPr>
+              <a:t>Need to </a:t>
+            </a:r>
+            <a:r>
+              <a:rPr lang="en-US">
+                <a:solidFill>
+                  <a:srgbClr val="505050"/>
+                </a:solidFill>
+                <a:latin typeface="Segoe UI" panose="020B0502040204020203" pitchFamily="34" charset="0"/>
+              </a:rPr>
+              <a:t>write this </a:t>
+            </a:r>
+            <a:endParaRPr lang="en-US" dirty="0"/>
           </a:p>
         </p:txBody>
       </p:sp>
     </p:spTree>
     <p:extLst>
       <p:ext uri="{BB962C8B-B14F-4D97-AF65-F5344CB8AC3E}">
-        <p14:creationId xmlns:p14="http://schemas.microsoft.com/office/powerpoint/2010/main" val="3331366805"/>
+        <p14:creationId xmlns:p14="http://schemas.microsoft.com/office/powerpoint/2010/main" val="1112162478"/>
       </p:ext>
     </p:extLst>
   </p:cSld>
@@ -6056,7 +6137,7 @@
 </p:sld>
 </file>
 
-<file path=ppt/slides/slide4.xml><?xml version="1.0" encoding="utf-8"?>
+<file path=ppt/slides/slide16.xml><?xml version="1.0" encoding="utf-8"?>
 <p:sld xmlns:a="http://schemas.openxmlformats.org/drawingml/2006/main" xmlns:r="http://schemas.openxmlformats.org/officeDocument/2006/relationships" xmlns:p="http://schemas.openxmlformats.org/presentationml/2006/main">
   <p:cSld>
     <p:spTree>
@@ -6075,14 +6156,14 @@
       </p:grpSpPr>
       <p:sp>
         <p:nvSpPr>
-          <p:cNvPr id="7" name="Rectangle 6"/>
+          <p:cNvPr id="2" name="Rectangle 1"/>
           <p:cNvSpPr/>
           <p:nvPr/>
         </p:nvSpPr>
         <p:spPr>
           <a:xfrm>
-            <a:off x="832104" y="396147"/>
-            <a:ext cx="10323575" cy="830997"/>
+            <a:off x="5112005" y="3013501"/>
+            <a:ext cx="3663696" cy="830997"/>
           </a:xfrm>
           <a:prstGeom prst="rect">
             <a:avLst/>
@@ -6109,7 +6190,7 @@
                   </a:outerShdw>
                 </a:effectLst>
               </a:rPr>
-              <a:t>Application Insights</a:t>
+              <a:t>Q &amp; A</a:t>
             </a:r>
             <a:endParaRPr lang="en-US" sz="4800" b="0" cap="none" spc="0" dirty="0">
               <a:ln w="0"/>
@@ -6129,7 +6210,7 @@
       </p:sp>
       <p:sp>
         <p:nvSpPr>
-          <p:cNvPr id="9" name="Rectangle 8"/>
+          <p:cNvPr id="3" name="Rectangle 2"/>
           <p:cNvSpPr/>
           <p:nvPr/>
         </p:nvSpPr>
@@ -6176,7 +6257,7 @@
     </p:spTree>
     <p:extLst>
       <p:ext uri="{BB962C8B-B14F-4D97-AF65-F5344CB8AC3E}">
-        <p14:creationId xmlns:p14="http://schemas.microsoft.com/office/powerpoint/2010/main" val="1576673638"/>
+        <p14:creationId xmlns:p14="http://schemas.microsoft.com/office/powerpoint/2010/main" val="1577005009"/>
       </p:ext>
     </p:extLst>
   </p:cSld>
@@ -6186,7 +6267,7 @@
 </p:sld>
 </file>
 
-<file path=ppt/slides/slide5.xml><?xml version="1.0" encoding="utf-8"?>
+<file path=ppt/slides/slide2.xml><?xml version="1.0" encoding="utf-8"?>
 <p:sld xmlns:a="http://schemas.openxmlformats.org/drawingml/2006/main" xmlns:r="http://schemas.openxmlformats.org/officeDocument/2006/relationships" xmlns:p="http://schemas.openxmlformats.org/presentationml/2006/main">
   <p:cSld>
     <p:spTree>
@@ -6226,7 +6307,7 @@
           <a:lstStyle/>
           <a:p>
             <a:r>
-              <a:rPr lang="en-US" sz="4800" dirty="0">
+              <a:rPr lang="en-US" sz="4800" b="0" cap="none" spc="0" dirty="0">
                 <a:ln w="0"/>
                 <a:solidFill>
                   <a:srgbClr val="00BCF2"/>
@@ -6239,27 +6320,195 @@
                   </a:outerShdw>
                 </a:effectLst>
               </a:rPr>
-              <a:t>Application Insights - Track Exceptions</a:t>
-            </a:r>
-            <a:endParaRPr lang="en-US" sz="4800" b="0" cap="none" spc="0" dirty="0">
-              <a:ln w="0"/>
+              <a:t>Agenda</a:t>
+            </a:r>
+          </a:p>
+        </p:txBody>
+      </p:sp>
+      <p:sp>
+        <p:nvSpPr>
+          <p:cNvPr id="9" name="Rectangle 8"/>
+          <p:cNvSpPr/>
+          <p:nvPr/>
+        </p:nvSpPr>
+        <p:spPr>
+          <a:xfrm>
+            <a:off x="1263903" y="1608281"/>
+            <a:ext cx="9073897" cy="4616648"/>
+          </a:xfrm>
+          <a:prstGeom prst="rect">
+            <a:avLst/>
+          </a:prstGeom>
+        </p:spPr>
+        <p:txBody>
+          <a:bodyPr wrap="square">
+            <a:spAutoFit/>
+          </a:bodyPr>
+          <a:lstStyle/>
+          <a:p>
+            <a:pPr marL="457200" indent="-457200">
+              <a:spcBef>
+                <a:spcPts val="1200"/>
+              </a:spcBef>
+              <a:buFont typeface="Wingdings" panose="05000000000000000000" pitchFamily="2" charset="2"/>
+              <a:buChar char="ü"/>
+            </a:pPr>
+            <a:r>
+              <a:rPr lang="en-US" sz="2800" dirty="0">
+                <a:solidFill>
+                  <a:srgbClr val="505050"/>
+                </a:solidFill>
+                <a:latin typeface="Segoe UI" panose="020B0502040204020203" pitchFamily="34" charset="0"/>
+              </a:rPr>
+              <a:t>Application Insight</a:t>
+            </a:r>
+          </a:p>
+          <a:p>
+            <a:pPr marL="457200" indent="-457200">
+              <a:spcBef>
+                <a:spcPts val="1200"/>
+              </a:spcBef>
+              <a:buFont typeface="Wingdings" panose="05000000000000000000" pitchFamily="2" charset="2"/>
+              <a:buChar char="ü"/>
+            </a:pPr>
+            <a:r>
+              <a:rPr lang="en-US" sz="2800" dirty="0">
+                <a:solidFill>
+                  <a:srgbClr val="505050"/>
+                </a:solidFill>
+                <a:latin typeface="Segoe UI" panose="020B0502040204020203" pitchFamily="34" charset="0"/>
+              </a:rPr>
+              <a:t>Web Essentials - a tool for every web developers</a:t>
+            </a:r>
+          </a:p>
+          <a:p>
+            <a:pPr marL="457200" indent="-457200">
+              <a:spcBef>
+                <a:spcPts val="1200"/>
+              </a:spcBef>
+              <a:buFont typeface="Wingdings" panose="05000000000000000000" pitchFamily="2" charset="2"/>
+              <a:buChar char="ü"/>
+            </a:pPr>
+            <a:r>
+              <a:rPr lang="en-US" sz="2800" dirty="0">
+                <a:solidFill>
+                  <a:srgbClr val="505050"/>
+                </a:solidFill>
+                <a:latin typeface="Segoe UI" panose="020B0502040204020203" pitchFamily="34" charset="0"/>
+              </a:rPr>
+              <a:t>Using CDN after Bundling and </a:t>
+            </a:r>
+            <a:r>
+              <a:rPr lang="en-US" sz="2800" dirty="0" err="1">
+                <a:solidFill>
+                  <a:srgbClr val="505050"/>
+                </a:solidFill>
+                <a:latin typeface="Segoe UI" panose="020B0502040204020203" pitchFamily="34" charset="0"/>
+              </a:rPr>
+              <a:t>Minification</a:t>
+            </a:r>
+            <a:endParaRPr lang="en-US" sz="2800" dirty="0">
               <a:solidFill>
-                <a:srgbClr val="00BCF2"/>
+                <a:srgbClr val="505050"/>
               </a:solidFill>
-              <a:effectLst>
-                <a:outerShdw blurRad="38100" dist="19050" dir="2700000" algn="tl" rotWithShape="0">
-                  <a:schemeClr val="dk1">
-                    <a:alpha val="40000"/>
-                  </a:schemeClr>
-                </a:outerShdw>
-              </a:effectLst>
+              <a:latin typeface="Segoe UI" panose="020B0502040204020203" pitchFamily="34" charset="0"/>
             </a:endParaRPr>
           </a:p>
-        </p:txBody>
-      </p:sp>
-      <p:sp>
-        <p:nvSpPr>
-          <p:cNvPr id="9" name="Rectangle 8"/>
+          <a:p>
+            <a:pPr marL="457200" indent="-457200">
+              <a:spcBef>
+                <a:spcPts val="1200"/>
+              </a:spcBef>
+              <a:buFont typeface="Wingdings" panose="05000000000000000000" pitchFamily="2" charset="2"/>
+              <a:buChar char="ü"/>
+            </a:pPr>
+            <a:r>
+              <a:rPr lang="en-US" sz="2800" dirty="0">
+                <a:solidFill>
+                  <a:srgbClr val="505050"/>
+                </a:solidFill>
+                <a:latin typeface="Segoe UI" panose="020B0502040204020203" pitchFamily="34" charset="0"/>
+              </a:rPr>
+              <a:t>Debug mode vs Release mode</a:t>
+            </a:r>
+          </a:p>
+          <a:p>
+            <a:pPr marL="457200" indent="-457200">
+              <a:spcBef>
+                <a:spcPts val="1200"/>
+              </a:spcBef>
+              <a:buFont typeface="Wingdings" panose="05000000000000000000" pitchFamily="2" charset="2"/>
+              <a:buChar char="ü"/>
+            </a:pPr>
+            <a:r>
+              <a:rPr lang="en-US" sz="2800" dirty="0">
+                <a:solidFill>
+                  <a:srgbClr val="505050"/>
+                </a:solidFill>
+                <a:latin typeface="Segoe UI" panose="020B0502040204020203" pitchFamily="34" charset="0"/>
+              </a:rPr>
+              <a:t>Removing white space from rendered HTML in MVC</a:t>
+            </a:r>
+          </a:p>
+          <a:p>
+            <a:pPr marL="457200" indent="-457200">
+              <a:spcBef>
+                <a:spcPts val="1200"/>
+              </a:spcBef>
+              <a:buFont typeface="Wingdings" panose="05000000000000000000" pitchFamily="2" charset="2"/>
+              <a:buChar char="ü"/>
+            </a:pPr>
+            <a:r>
+              <a:rPr lang="en-US" sz="2800" dirty="0">
+                <a:solidFill>
+                  <a:srgbClr val="505050"/>
+                </a:solidFill>
+                <a:latin typeface="Segoe UI" panose="020B0502040204020203" pitchFamily="34" charset="0"/>
+              </a:rPr>
+              <a:t>Slug is great for SEO, Stack-Overflow way</a:t>
+            </a:r>
+          </a:p>
+          <a:p>
+            <a:pPr marL="457200" indent="-457200">
+              <a:spcBef>
+                <a:spcPts val="1200"/>
+              </a:spcBef>
+              <a:buFont typeface="Wingdings" panose="05000000000000000000" pitchFamily="2" charset="2"/>
+              <a:buChar char="ü"/>
+            </a:pPr>
+            <a:r>
+              <a:rPr lang="en-US" sz="2800" dirty="0">
+                <a:solidFill>
+                  <a:srgbClr val="505050"/>
+                </a:solidFill>
+                <a:latin typeface="Segoe UI" panose="020B0502040204020203" pitchFamily="34" charset="0"/>
+              </a:rPr>
+              <a:t>Visual Studio Code Analysis</a:t>
+            </a:r>
+          </a:p>
+          <a:p>
+            <a:pPr marL="457200" indent="-457200">
+              <a:spcBef>
+                <a:spcPts val="1200"/>
+              </a:spcBef>
+              <a:buFont typeface="Wingdings" panose="05000000000000000000" pitchFamily="2" charset="2"/>
+              <a:buChar char="ü"/>
+            </a:pPr>
+            <a:r>
+              <a:rPr lang="en-US" sz="2800" dirty="0">
+                <a:solidFill>
+                  <a:srgbClr val="505050"/>
+                </a:solidFill>
+                <a:latin typeface="Segoe UI" panose="020B0502040204020203" pitchFamily="34" charset="0"/>
+              </a:rPr>
+              <a:t>Q&amp;A</a:t>
+            </a:r>
+          </a:p>
+        </p:txBody>
+      </p:sp>
+      <p:sp>
+        <p:nvSpPr>
+          <p:cNvPr id="10" name="Rectangle 9"/>
           <p:cNvSpPr/>
           <p:nvPr/>
         </p:nvSpPr>
@@ -6303,1111 +6552,10 @@
           </a:p>
         </p:txBody>
       </p:sp>
-      <p:sp>
-        <p:nvSpPr>
-          <p:cNvPr id="3" name="Rectangle 2"/>
-          <p:cNvSpPr/>
-          <p:nvPr/>
-        </p:nvSpPr>
-        <p:spPr>
-          <a:xfrm>
-            <a:off x="917541" y="1958002"/>
-            <a:ext cx="10441758" cy="3600986"/>
-          </a:xfrm>
-          <a:prstGeom prst="rect">
-            <a:avLst/>
-          </a:prstGeom>
-        </p:spPr>
-        <p:txBody>
-          <a:bodyPr wrap="square">
-            <a:spAutoFit/>
-          </a:bodyPr>
-          <a:lstStyle/>
-          <a:p>
-            <a:r>
-              <a:rPr lang="en-GB" sz="1200" dirty="0">
-                <a:solidFill>
-                  <a:srgbClr val="000000"/>
-                </a:solidFill>
-                <a:latin typeface="Consolas" panose="020B0609020204030204" pitchFamily="49" charset="0"/>
-              </a:rPr>
-              <a:t>[</a:t>
-            </a:r>
-            <a:r>
-              <a:rPr lang="en-GB" sz="1200" dirty="0" err="1">
-                <a:solidFill>
-                  <a:srgbClr val="2B91AF"/>
-                </a:solidFill>
-                <a:latin typeface="Consolas" panose="020B0609020204030204" pitchFamily="49" charset="0"/>
-              </a:rPr>
-              <a:t>AttributeUsage</a:t>
-            </a:r>
-            <a:r>
-              <a:rPr lang="en-GB" sz="1200" dirty="0">
-                <a:solidFill>
-                  <a:srgbClr val="000000"/>
-                </a:solidFill>
-                <a:latin typeface="Consolas" panose="020B0609020204030204" pitchFamily="49" charset="0"/>
-              </a:rPr>
-              <a:t>(</a:t>
-            </a:r>
-            <a:r>
-              <a:rPr lang="en-GB" sz="1200" dirty="0" err="1">
-                <a:solidFill>
-                  <a:srgbClr val="2B91AF"/>
-                </a:solidFill>
-                <a:latin typeface="Consolas" panose="020B0609020204030204" pitchFamily="49" charset="0"/>
-              </a:rPr>
-              <a:t>AttributeTargets</a:t>
-            </a:r>
-            <a:r>
-              <a:rPr lang="en-GB" sz="1200" dirty="0" err="1">
-                <a:solidFill>
-                  <a:srgbClr val="000000"/>
-                </a:solidFill>
-                <a:latin typeface="Consolas" panose="020B0609020204030204" pitchFamily="49" charset="0"/>
-              </a:rPr>
-              <a:t>.Class</a:t>
-            </a:r>
-            <a:r>
-              <a:rPr lang="en-GB" sz="1200" dirty="0">
-                <a:solidFill>
-                  <a:srgbClr val="000000"/>
-                </a:solidFill>
-                <a:latin typeface="Consolas" panose="020B0609020204030204" pitchFamily="49" charset="0"/>
-              </a:rPr>
-              <a:t> | </a:t>
-            </a:r>
-            <a:r>
-              <a:rPr lang="en-GB" sz="1200" dirty="0" err="1">
-                <a:solidFill>
-                  <a:srgbClr val="2B91AF"/>
-                </a:solidFill>
-                <a:latin typeface="Consolas" panose="020B0609020204030204" pitchFamily="49" charset="0"/>
-              </a:rPr>
-              <a:t>AttributeTargets</a:t>
-            </a:r>
-            <a:r>
-              <a:rPr lang="en-GB" sz="1200" dirty="0" err="1">
-                <a:solidFill>
-                  <a:srgbClr val="000000"/>
-                </a:solidFill>
-                <a:latin typeface="Consolas" panose="020B0609020204030204" pitchFamily="49" charset="0"/>
-              </a:rPr>
-              <a:t>.Method</a:t>
-            </a:r>
-            <a:r>
-              <a:rPr lang="en-GB" sz="1200" dirty="0">
-                <a:solidFill>
-                  <a:srgbClr val="000000"/>
-                </a:solidFill>
-                <a:latin typeface="Consolas" panose="020B0609020204030204" pitchFamily="49" charset="0"/>
-              </a:rPr>
-              <a:t>, Inherited = </a:t>
-            </a:r>
-            <a:r>
-              <a:rPr lang="en-GB" sz="1200" dirty="0">
-                <a:solidFill>
-                  <a:srgbClr val="0000FF"/>
-                </a:solidFill>
-                <a:latin typeface="Consolas" panose="020B0609020204030204" pitchFamily="49" charset="0"/>
-              </a:rPr>
-              <a:t>true</a:t>
-            </a:r>
-            <a:r>
-              <a:rPr lang="en-GB" sz="1200" dirty="0">
-                <a:solidFill>
-                  <a:srgbClr val="000000"/>
-                </a:solidFill>
-                <a:latin typeface="Consolas" panose="020B0609020204030204" pitchFamily="49" charset="0"/>
-              </a:rPr>
-              <a:t>, </a:t>
-            </a:r>
-            <a:r>
-              <a:rPr lang="en-GB" sz="1200" dirty="0" err="1">
-                <a:solidFill>
-                  <a:srgbClr val="000000"/>
-                </a:solidFill>
-                <a:latin typeface="Consolas" panose="020B0609020204030204" pitchFamily="49" charset="0"/>
-              </a:rPr>
-              <a:t>AllowMultiple</a:t>
-            </a:r>
-            <a:r>
-              <a:rPr lang="en-GB" sz="1200" dirty="0">
-                <a:solidFill>
-                  <a:srgbClr val="000000"/>
-                </a:solidFill>
-                <a:latin typeface="Consolas" panose="020B0609020204030204" pitchFamily="49" charset="0"/>
-              </a:rPr>
-              <a:t> = </a:t>
-            </a:r>
-            <a:r>
-              <a:rPr lang="en-GB" sz="1200" dirty="0">
-                <a:solidFill>
-                  <a:srgbClr val="0000FF"/>
-                </a:solidFill>
-                <a:latin typeface="Consolas" panose="020B0609020204030204" pitchFamily="49" charset="0"/>
-              </a:rPr>
-              <a:t>true</a:t>
-            </a:r>
-            <a:r>
-              <a:rPr lang="en-GB" sz="1200" dirty="0">
-                <a:solidFill>
-                  <a:srgbClr val="000000"/>
-                </a:solidFill>
-                <a:latin typeface="Consolas" panose="020B0609020204030204" pitchFamily="49" charset="0"/>
-              </a:rPr>
-              <a:t>)]</a:t>
-            </a:r>
-          </a:p>
-          <a:p>
-            <a:r>
-              <a:rPr lang="en-US" sz="1200" dirty="0">
-                <a:solidFill>
-                  <a:srgbClr val="0000FF"/>
-                </a:solidFill>
-                <a:latin typeface="Consolas" panose="020B0609020204030204" pitchFamily="49" charset="0"/>
-              </a:rPr>
-              <a:t>public</a:t>
-            </a:r>
-            <a:r>
-              <a:rPr lang="en-US" sz="1200" dirty="0">
-                <a:solidFill>
-                  <a:srgbClr val="000000"/>
-                </a:solidFill>
-                <a:latin typeface="Consolas" panose="020B0609020204030204" pitchFamily="49" charset="0"/>
-              </a:rPr>
-              <a:t> </a:t>
-            </a:r>
-            <a:r>
-              <a:rPr lang="en-US" sz="1200" dirty="0">
-                <a:solidFill>
-                  <a:srgbClr val="0000FF"/>
-                </a:solidFill>
-                <a:latin typeface="Consolas" panose="020B0609020204030204" pitchFamily="49" charset="0"/>
-              </a:rPr>
-              <a:t>class</a:t>
-            </a:r>
-            <a:r>
-              <a:rPr lang="en-US" sz="1200" dirty="0">
-                <a:solidFill>
-                  <a:srgbClr val="000000"/>
-                </a:solidFill>
-                <a:latin typeface="Consolas" panose="020B0609020204030204" pitchFamily="49" charset="0"/>
-              </a:rPr>
-              <a:t> </a:t>
-            </a:r>
-            <a:r>
-              <a:rPr lang="en-US" sz="1200" dirty="0" err="1">
-                <a:solidFill>
-                  <a:srgbClr val="2B91AF"/>
-                </a:solidFill>
-                <a:latin typeface="Consolas" panose="020B0609020204030204" pitchFamily="49" charset="0"/>
-              </a:rPr>
-              <a:t>AiHandleErrorAttribute</a:t>
-            </a:r>
-            <a:r>
-              <a:rPr lang="en-US" sz="1200" dirty="0">
-                <a:solidFill>
-                  <a:srgbClr val="000000"/>
-                </a:solidFill>
-                <a:latin typeface="Consolas" panose="020B0609020204030204" pitchFamily="49" charset="0"/>
-              </a:rPr>
-              <a:t> : </a:t>
-            </a:r>
-            <a:r>
-              <a:rPr lang="en-US" sz="1200" dirty="0" err="1">
-                <a:solidFill>
-                  <a:srgbClr val="2B91AF"/>
-                </a:solidFill>
-                <a:latin typeface="Consolas" panose="020B0609020204030204" pitchFamily="49" charset="0"/>
-              </a:rPr>
-              <a:t>HandleErrorAttribute</a:t>
-            </a:r>
-            <a:endParaRPr lang="en-US" sz="1200" dirty="0">
-              <a:solidFill>
-                <a:srgbClr val="000000"/>
-              </a:solidFill>
-              <a:latin typeface="Consolas" panose="020B0609020204030204" pitchFamily="49" charset="0"/>
-            </a:endParaRPr>
-          </a:p>
-          <a:p>
-            <a:r>
-              <a:rPr lang="en-US" sz="1200" dirty="0">
-                <a:solidFill>
-                  <a:srgbClr val="000000"/>
-                </a:solidFill>
-                <a:latin typeface="Consolas" panose="020B0609020204030204" pitchFamily="49" charset="0"/>
-              </a:rPr>
-              <a:t>{</a:t>
-            </a:r>
-          </a:p>
-          <a:p>
-            <a:r>
-              <a:rPr lang="fr-FR" sz="1200" dirty="0">
-                <a:solidFill>
-                  <a:srgbClr val="000000"/>
-                </a:solidFill>
-                <a:latin typeface="Consolas" panose="020B0609020204030204" pitchFamily="49" charset="0"/>
-              </a:rPr>
-              <a:t>    </a:t>
-            </a:r>
-            <a:r>
-              <a:rPr lang="fr-FR" sz="1200" dirty="0">
-                <a:solidFill>
-                  <a:srgbClr val="0000FF"/>
-                </a:solidFill>
-                <a:latin typeface="Consolas" panose="020B0609020204030204" pitchFamily="49" charset="0"/>
-              </a:rPr>
-              <a:t>public</a:t>
-            </a:r>
-            <a:r>
-              <a:rPr lang="fr-FR" sz="1200" dirty="0">
-                <a:solidFill>
-                  <a:srgbClr val="000000"/>
-                </a:solidFill>
-                <a:latin typeface="Consolas" panose="020B0609020204030204" pitchFamily="49" charset="0"/>
-              </a:rPr>
-              <a:t> </a:t>
-            </a:r>
-            <a:r>
-              <a:rPr lang="fr-FR" sz="1200" dirty="0" err="1">
-                <a:solidFill>
-                  <a:srgbClr val="0000FF"/>
-                </a:solidFill>
-                <a:latin typeface="Consolas" panose="020B0609020204030204" pitchFamily="49" charset="0"/>
-              </a:rPr>
-              <a:t>override</a:t>
-            </a:r>
-            <a:r>
-              <a:rPr lang="fr-FR" sz="1200" dirty="0">
-                <a:solidFill>
-                  <a:srgbClr val="000000"/>
-                </a:solidFill>
-                <a:latin typeface="Consolas" panose="020B0609020204030204" pitchFamily="49" charset="0"/>
-              </a:rPr>
-              <a:t> </a:t>
-            </a:r>
-            <a:r>
-              <a:rPr lang="fr-FR" sz="1200" dirty="0" err="1">
-                <a:solidFill>
-                  <a:srgbClr val="0000FF"/>
-                </a:solidFill>
-                <a:latin typeface="Consolas" panose="020B0609020204030204" pitchFamily="49" charset="0"/>
-              </a:rPr>
-              <a:t>void</a:t>
-            </a:r>
-            <a:r>
-              <a:rPr lang="fr-FR" sz="1200" dirty="0">
-                <a:solidFill>
-                  <a:srgbClr val="000000"/>
-                </a:solidFill>
-                <a:latin typeface="Consolas" panose="020B0609020204030204" pitchFamily="49" charset="0"/>
-              </a:rPr>
-              <a:t> </a:t>
-            </a:r>
-            <a:r>
-              <a:rPr lang="fr-FR" sz="1200" dirty="0" err="1">
-                <a:solidFill>
-                  <a:srgbClr val="000000"/>
-                </a:solidFill>
-                <a:latin typeface="Consolas" panose="020B0609020204030204" pitchFamily="49" charset="0"/>
-              </a:rPr>
-              <a:t>OnException</a:t>
-            </a:r>
-            <a:r>
-              <a:rPr lang="fr-FR" sz="1200" dirty="0">
-                <a:solidFill>
-                  <a:srgbClr val="000000"/>
-                </a:solidFill>
-                <a:latin typeface="Consolas" panose="020B0609020204030204" pitchFamily="49" charset="0"/>
-              </a:rPr>
-              <a:t>(</a:t>
-            </a:r>
-            <a:r>
-              <a:rPr lang="fr-FR" sz="1200" dirty="0" err="1">
-                <a:solidFill>
-                  <a:srgbClr val="2B91AF"/>
-                </a:solidFill>
-                <a:latin typeface="Consolas" panose="020B0609020204030204" pitchFamily="49" charset="0"/>
-              </a:rPr>
-              <a:t>ExceptionContext</a:t>
-            </a:r>
-            <a:r>
-              <a:rPr lang="fr-FR" sz="1200" dirty="0">
-                <a:solidFill>
-                  <a:srgbClr val="000000"/>
-                </a:solidFill>
-                <a:latin typeface="Consolas" panose="020B0609020204030204" pitchFamily="49" charset="0"/>
-              </a:rPr>
-              <a:t> </a:t>
-            </a:r>
-            <a:r>
-              <a:rPr lang="fr-FR" sz="1200" dirty="0" err="1">
-                <a:solidFill>
-                  <a:srgbClr val="000000"/>
-                </a:solidFill>
-                <a:latin typeface="Consolas" panose="020B0609020204030204" pitchFamily="49" charset="0"/>
-              </a:rPr>
-              <a:t>filterContext</a:t>
-            </a:r>
-            <a:r>
-              <a:rPr lang="fr-FR" sz="1200" dirty="0">
-                <a:solidFill>
-                  <a:srgbClr val="000000"/>
-                </a:solidFill>
-                <a:latin typeface="Consolas" panose="020B0609020204030204" pitchFamily="49" charset="0"/>
-              </a:rPr>
-              <a:t>)</a:t>
-            </a:r>
-          </a:p>
-          <a:p>
-            <a:r>
-              <a:rPr lang="en-US" sz="1200" dirty="0">
-                <a:solidFill>
-                  <a:srgbClr val="000000"/>
-                </a:solidFill>
-                <a:latin typeface="Consolas" panose="020B0609020204030204" pitchFamily="49" charset="0"/>
-              </a:rPr>
-              <a:t>    {</a:t>
-            </a:r>
-          </a:p>
-          <a:p>
-            <a:r>
-              <a:rPr lang="en-US" sz="1200" dirty="0">
-                <a:solidFill>
-                  <a:srgbClr val="000000"/>
-                </a:solidFill>
-                <a:latin typeface="Consolas" panose="020B0609020204030204" pitchFamily="49" charset="0"/>
-              </a:rPr>
-              <a:t>        </a:t>
-            </a:r>
-            <a:r>
-              <a:rPr lang="en-US" sz="1200" dirty="0">
-                <a:solidFill>
-                  <a:srgbClr val="0000FF"/>
-                </a:solidFill>
-                <a:latin typeface="Consolas" panose="020B0609020204030204" pitchFamily="49" charset="0"/>
-              </a:rPr>
-              <a:t>if</a:t>
-            </a:r>
-            <a:r>
-              <a:rPr lang="en-US" sz="1200" dirty="0">
-                <a:solidFill>
-                  <a:srgbClr val="000000"/>
-                </a:solidFill>
-                <a:latin typeface="Consolas" panose="020B0609020204030204" pitchFamily="49" charset="0"/>
-              </a:rPr>
-              <a:t> (</a:t>
-            </a:r>
-            <a:r>
-              <a:rPr lang="en-US" sz="1200" dirty="0" err="1">
-                <a:solidFill>
-                  <a:srgbClr val="000000"/>
-                </a:solidFill>
-                <a:latin typeface="Consolas" panose="020B0609020204030204" pitchFamily="49" charset="0"/>
-              </a:rPr>
-              <a:t>filterContext</a:t>
-            </a:r>
-            <a:r>
-              <a:rPr lang="en-US" sz="1200" dirty="0">
-                <a:solidFill>
-                  <a:srgbClr val="000000"/>
-                </a:solidFill>
-                <a:latin typeface="Consolas" panose="020B0609020204030204" pitchFamily="49" charset="0"/>
-              </a:rPr>
-              <a:t> != </a:t>
-            </a:r>
-            <a:r>
-              <a:rPr lang="en-US" sz="1200" dirty="0">
-                <a:solidFill>
-                  <a:srgbClr val="0000FF"/>
-                </a:solidFill>
-                <a:latin typeface="Consolas" panose="020B0609020204030204" pitchFamily="49" charset="0"/>
-              </a:rPr>
-              <a:t>null</a:t>
-            </a:r>
-            <a:r>
-              <a:rPr lang="en-US" sz="1200" dirty="0">
-                <a:solidFill>
-                  <a:srgbClr val="000000"/>
-                </a:solidFill>
-                <a:latin typeface="Consolas" panose="020B0609020204030204" pitchFamily="49" charset="0"/>
-              </a:rPr>
-              <a:t> &amp;&amp; </a:t>
-            </a:r>
-            <a:r>
-              <a:rPr lang="en-US" sz="1200" dirty="0" err="1">
-                <a:solidFill>
-                  <a:srgbClr val="000000"/>
-                </a:solidFill>
-                <a:latin typeface="Consolas" panose="020B0609020204030204" pitchFamily="49" charset="0"/>
-              </a:rPr>
-              <a:t>filterContext.HttpContext</a:t>
-            </a:r>
-            <a:r>
-              <a:rPr lang="en-US" sz="1200" dirty="0">
-                <a:solidFill>
-                  <a:srgbClr val="000000"/>
-                </a:solidFill>
-                <a:latin typeface="Consolas" panose="020B0609020204030204" pitchFamily="49" charset="0"/>
-              </a:rPr>
-              <a:t> != </a:t>
-            </a:r>
-            <a:r>
-              <a:rPr lang="en-US" sz="1200" dirty="0">
-                <a:solidFill>
-                  <a:srgbClr val="0000FF"/>
-                </a:solidFill>
-                <a:latin typeface="Consolas" panose="020B0609020204030204" pitchFamily="49" charset="0"/>
-              </a:rPr>
-              <a:t>null</a:t>
-            </a:r>
-            <a:r>
-              <a:rPr lang="en-US" sz="1200" dirty="0">
-                <a:solidFill>
-                  <a:srgbClr val="000000"/>
-                </a:solidFill>
-                <a:latin typeface="Consolas" panose="020B0609020204030204" pitchFamily="49" charset="0"/>
-              </a:rPr>
-              <a:t> &amp;&amp; </a:t>
-            </a:r>
-            <a:r>
-              <a:rPr lang="en-US" sz="1200" dirty="0" err="1">
-                <a:solidFill>
-                  <a:srgbClr val="000000"/>
-                </a:solidFill>
-                <a:latin typeface="Consolas" panose="020B0609020204030204" pitchFamily="49" charset="0"/>
-              </a:rPr>
-              <a:t>filterContext.Exception</a:t>
-            </a:r>
-            <a:r>
-              <a:rPr lang="en-US" sz="1200" dirty="0">
-                <a:solidFill>
-                  <a:srgbClr val="000000"/>
-                </a:solidFill>
-                <a:latin typeface="Consolas" panose="020B0609020204030204" pitchFamily="49" charset="0"/>
-              </a:rPr>
-              <a:t> != </a:t>
-            </a:r>
-            <a:r>
-              <a:rPr lang="en-US" sz="1200" dirty="0">
-                <a:solidFill>
-                  <a:srgbClr val="0000FF"/>
-                </a:solidFill>
-                <a:latin typeface="Consolas" panose="020B0609020204030204" pitchFamily="49" charset="0"/>
-              </a:rPr>
-              <a:t>null</a:t>
-            </a:r>
-            <a:r>
-              <a:rPr lang="en-US" sz="1200" dirty="0">
-                <a:solidFill>
-                  <a:srgbClr val="000000"/>
-                </a:solidFill>
-                <a:latin typeface="Consolas" panose="020B0609020204030204" pitchFamily="49" charset="0"/>
-              </a:rPr>
-              <a:t>)</a:t>
-            </a:r>
-          </a:p>
-          <a:p>
-            <a:r>
-              <a:rPr lang="en-US" sz="1200" dirty="0">
-                <a:solidFill>
-                  <a:srgbClr val="000000"/>
-                </a:solidFill>
-                <a:latin typeface="Consolas" panose="020B0609020204030204" pitchFamily="49" charset="0"/>
-              </a:rPr>
-              <a:t>        {</a:t>
-            </a:r>
-          </a:p>
-          <a:p>
-            <a:r>
-              <a:rPr lang="en-GB" sz="1200" dirty="0">
-                <a:solidFill>
-                  <a:srgbClr val="000000"/>
-                </a:solidFill>
-                <a:latin typeface="Consolas" panose="020B0609020204030204" pitchFamily="49" charset="0"/>
-              </a:rPr>
-              <a:t>            </a:t>
-            </a:r>
-            <a:r>
-              <a:rPr lang="en-GB" sz="1200" dirty="0">
-                <a:solidFill>
-                  <a:srgbClr val="008000"/>
-                </a:solidFill>
-                <a:latin typeface="Consolas" panose="020B0609020204030204" pitchFamily="49" charset="0"/>
-              </a:rPr>
-              <a:t>//If </a:t>
-            </a:r>
-            <a:r>
-              <a:rPr lang="en-GB" sz="1200" dirty="0" err="1">
-                <a:solidFill>
-                  <a:srgbClr val="008000"/>
-                </a:solidFill>
-                <a:latin typeface="Consolas" panose="020B0609020204030204" pitchFamily="49" charset="0"/>
-              </a:rPr>
-              <a:t>customError</a:t>
-            </a:r>
-            <a:r>
-              <a:rPr lang="en-GB" sz="1200" dirty="0">
-                <a:solidFill>
-                  <a:srgbClr val="008000"/>
-                </a:solidFill>
-                <a:latin typeface="Consolas" panose="020B0609020204030204" pitchFamily="49" charset="0"/>
-              </a:rPr>
-              <a:t> is Off, then AI </a:t>
-            </a:r>
-            <a:r>
-              <a:rPr lang="en-GB" sz="1200" dirty="0" err="1">
-                <a:solidFill>
-                  <a:srgbClr val="008000"/>
-                </a:solidFill>
-                <a:latin typeface="Consolas" panose="020B0609020204030204" pitchFamily="49" charset="0"/>
-              </a:rPr>
-              <a:t>HTTPModule</a:t>
-            </a:r>
-            <a:r>
-              <a:rPr lang="en-GB" sz="1200" dirty="0">
-                <a:solidFill>
-                  <a:srgbClr val="008000"/>
-                </a:solidFill>
-                <a:latin typeface="Consolas" panose="020B0609020204030204" pitchFamily="49" charset="0"/>
-              </a:rPr>
-              <a:t> will report the exception</a:t>
-            </a:r>
-            <a:endParaRPr lang="en-GB" sz="1200" dirty="0">
-              <a:solidFill>
-                <a:srgbClr val="000000"/>
-              </a:solidFill>
-              <a:latin typeface="Consolas" panose="020B0609020204030204" pitchFamily="49" charset="0"/>
-            </a:endParaRPr>
-          </a:p>
-          <a:p>
-            <a:r>
-              <a:rPr lang="en-US" sz="1200" dirty="0">
-                <a:solidFill>
-                  <a:srgbClr val="000000"/>
-                </a:solidFill>
-                <a:latin typeface="Consolas" panose="020B0609020204030204" pitchFamily="49" charset="0"/>
-              </a:rPr>
-              <a:t>            </a:t>
-            </a:r>
-            <a:r>
-              <a:rPr lang="en-US" sz="1200" dirty="0">
-                <a:solidFill>
-                  <a:srgbClr val="0000FF"/>
-                </a:solidFill>
-                <a:latin typeface="Consolas" panose="020B0609020204030204" pitchFamily="49" charset="0"/>
-              </a:rPr>
-              <a:t>if</a:t>
-            </a:r>
-            <a:r>
-              <a:rPr lang="en-US" sz="1200" dirty="0">
-                <a:solidFill>
-                  <a:srgbClr val="000000"/>
-                </a:solidFill>
-                <a:latin typeface="Consolas" panose="020B0609020204030204" pitchFamily="49" charset="0"/>
-              </a:rPr>
-              <a:t> (</a:t>
-            </a:r>
-            <a:r>
-              <a:rPr lang="en-US" sz="1200" dirty="0" err="1">
-                <a:solidFill>
-                  <a:srgbClr val="000000"/>
-                </a:solidFill>
-                <a:latin typeface="Consolas" panose="020B0609020204030204" pitchFamily="49" charset="0"/>
-              </a:rPr>
-              <a:t>filterContext.HttpContext.IsCustomErrorEnabled</a:t>
-            </a:r>
-            <a:r>
-              <a:rPr lang="en-US" sz="1200" dirty="0">
-                <a:solidFill>
-                  <a:srgbClr val="000000"/>
-                </a:solidFill>
-                <a:latin typeface="Consolas" panose="020B0609020204030204" pitchFamily="49" charset="0"/>
-              </a:rPr>
-              <a:t>)</a:t>
-            </a:r>
-          </a:p>
-          <a:p>
-            <a:r>
-              <a:rPr lang="en-US" sz="1200" dirty="0">
-                <a:solidFill>
-                  <a:srgbClr val="000000"/>
-                </a:solidFill>
-                <a:latin typeface="Consolas" panose="020B0609020204030204" pitchFamily="49" charset="0"/>
-              </a:rPr>
-              <a:t>            {</a:t>
-            </a:r>
-          </a:p>
-          <a:p>
-            <a:r>
-              <a:rPr lang="en-GB" sz="1200" dirty="0">
-                <a:solidFill>
-                  <a:srgbClr val="000000"/>
-                </a:solidFill>
-                <a:latin typeface="Consolas" panose="020B0609020204030204" pitchFamily="49" charset="0"/>
-              </a:rPr>
-              <a:t>                </a:t>
-            </a:r>
-            <a:r>
-              <a:rPr lang="en-GB" sz="1200" dirty="0">
-                <a:solidFill>
-                  <a:srgbClr val="008000"/>
-                </a:solidFill>
-                <a:latin typeface="Consolas" panose="020B0609020204030204" pitchFamily="49" charset="0"/>
-              </a:rPr>
-              <a:t>// Note: A single instance of telemetry client is sufficient to track multiple telemetry items.</a:t>
-            </a:r>
-            <a:endParaRPr lang="en-GB" sz="1200" dirty="0">
-              <a:solidFill>
-                <a:srgbClr val="000000"/>
-              </a:solidFill>
-              <a:latin typeface="Consolas" panose="020B0609020204030204" pitchFamily="49" charset="0"/>
-            </a:endParaRPr>
-          </a:p>
-          <a:p>
-            <a:r>
-              <a:rPr lang="en-US" sz="1200" dirty="0">
-                <a:solidFill>
-                  <a:srgbClr val="000000"/>
-                </a:solidFill>
-                <a:latin typeface="Consolas" panose="020B0609020204030204" pitchFamily="49" charset="0"/>
-              </a:rPr>
-              <a:t>                </a:t>
-            </a:r>
-            <a:r>
-              <a:rPr lang="en-US" sz="1200" dirty="0" err="1">
-                <a:solidFill>
-                  <a:srgbClr val="0000FF"/>
-                </a:solidFill>
-                <a:latin typeface="Consolas" panose="020B0609020204030204" pitchFamily="49" charset="0"/>
-              </a:rPr>
-              <a:t>var</a:t>
-            </a:r>
-            <a:r>
-              <a:rPr lang="en-US" sz="1200" dirty="0">
-                <a:solidFill>
-                  <a:srgbClr val="000000"/>
-                </a:solidFill>
-                <a:latin typeface="Consolas" panose="020B0609020204030204" pitchFamily="49" charset="0"/>
-              </a:rPr>
-              <a:t> </a:t>
-            </a:r>
-            <a:r>
-              <a:rPr lang="en-US" sz="1200" dirty="0" err="1">
-                <a:solidFill>
-                  <a:srgbClr val="000000"/>
-                </a:solidFill>
-                <a:latin typeface="Consolas" panose="020B0609020204030204" pitchFamily="49" charset="0"/>
-              </a:rPr>
-              <a:t>ai</a:t>
-            </a:r>
-            <a:r>
-              <a:rPr lang="en-US" sz="1200" dirty="0">
-                <a:solidFill>
-                  <a:srgbClr val="000000"/>
-                </a:solidFill>
-                <a:latin typeface="Consolas" panose="020B0609020204030204" pitchFamily="49" charset="0"/>
-              </a:rPr>
-              <a:t> = </a:t>
-            </a:r>
-            <a:r>
-              <a:rPr lang="en-US" sz="1200" dirty="0">
-                <a:solidFill>
-                  <a:srgbClr val="0000FF"/>
-                </a:solidFill>
-                <a:latin typeface="Consolas" panose="020B0609020204030204" pitchFamily="49" charset="0"/>
-              </a:rPr>
-              <a:t>new</a:t>
-            </a:r>
-            <a:r>
-              <a:rPr lang="en-US" sz="1200" dirty="0">
-                <a:solidFill>
-                  <a:srgbClr val="000000"/>
-                </a:solidFill>
-                <a:latin typeface="Consolas" panose="020B0609020204030204" pitchFamily="49" charset="0"/>
-              </a:rPr>
-              <a:t> </a:t>
-            </a:r>
-            <a:r>
-              <a:rPr lang="en-US" sz="1200" dirty="0" err="1">
-                <a:solidFill>
-                  <a:srgbClr val="2B91AF"/>
-                </a:solidFill>
-                <a:latin typeface="Consolas" panose="020B0609020204030204" pitchFamily="49" charset="0"/>
-              </a:rPr>
-              <a:t>TelemetryClient</a:t>
-            </a:r>
-            <a:r>
-              <a:rPr lang="en-US" sz="1200" dirty="0">
-                <a:solidFill>
-                  <a:srgbClr val="000000"/>
-                </a:solidFill>
-                <a:latin typeface="Consolas" panose="020B0609020204030204" pitchFamily="49" charset="0"/>
-              </a:rPr>
-              <a:t>();</a:t>
-            </a:r>
-          </a:p>
-          <a:p>
-            <a:r>
-              <a:rPr lang="en-GB" sz="1200" dirty="0">
-                <a:solidFill>
-                  <a:srgbClr val="000000"/>
-                </a:solidFill>
-                <a:latin typeface="Consolas" panose="020B0609020204030204" pitchFamily="49" charset="0"/>
-              </a:rPr>
-              <a:t>                </a:t>
-            </a:r>
-            <a:r>
-              <a:rPr lang="en-GB" sz="1200" dirty="0">
-                <a:solidFill>
-                  <a:srgbClr val="008000"/>
-                </a:solidFill>
-                <a:latin typeface="Consolas" panose="020B0609020204030204" pitchFamily="49" charset="0"/>
-              </a:rPr>
-              <a:t>//</a:t>
-            </a:r>
-            <a:r>
-              <a:rPr lang="en-GB" sz="1200" dirty="0" err="1">
-                <a:solidFill>
-                  <a:srgbClr val="008000"/>
-                </a:solidFill>
-                <a:latin typeface="Consolas" panose="020B0609020204030204" pitchFamily="49" charset="0"/>
-              </a:rPr>
-              <a:t>ai.InstrumentationKey</a:t>
-            </a:r>
-            <a:r>
-              <a:rPr lang="en-GB" sz="1200" dirty="0">
-                <a:solidFill>
-                  <a:srgbClr val="008000"/>
-                </a:solidFill>
-                <a:latin typeface="Consolas" panose="020B0609020204030204" pitchFamily="49" charset="0"/>
-              </a:rPr>
-              <a:t> = ""; //configured this globally in </a:t>
-            </a:r>
-            <a:r>
-              <a:rPr lang="en-GB" sz="1200" dirty="0" err="1">
-                <a:solidFill>
-                  <a:srgbClr val="008000"/>
-                </a:solidFill>
-                <a:latin typeface="Consolas" panose="020B0609020204030204" pitchFamily="49" charset="0"/>
-              </a:rPr>
-              <a:t>Application_Start</a:t>
-            </a:r>
-            <a:endParaRPr lang="en-GB" sz="1200" dirty="0">
-              <a:solidFill>
-                <a:srgbClr val="000000"/>
-              </a:solidFill>
-              <a:latin typeface="Consolas" panose="020B0609020204030204" pitchFamily="49" charset="0"/>
-            </a:endParaRPr>
-          </a:p>
-          <a:p>
-            <a:r>
-              <a:rPr lang="en-US" sz="1200" dirty="0">
-                <a:solidFill>
-                  <a:srgbClr val="000000"/>
-                </a:solidFill>
-                <a:latin typeface="Consolas" panose="020B0609020204030204" pitchFamily="49" charset="0"/>
-              </a:rPr>
-              <a:t>                </a:t>
-            </a:r>
-            <a:r>
-              <a:rPr lang="en-US" sz="1200" dirty="0" err="1">
-                <a:solidFill>
-                  <a:srgbClr val="000000"/>
-                </a:solidFill>
-                <a:latin typeface="Consolas" panose="020B0609020204030204" pitchFamily="49" charset="0"/>
-              </a:rPr>
-              <a:t>ai.TrackException</a:t>
-            </a:r>
-            <a:r>
-              <a:rPr lang="en-US" sz="1200" dirty="0">
-                <a:solidFill>
-                  <a:srgbClr val="000000"/>
-                </a:solidFill>
-                <a:latin typeface="Consolas" panose="020B0609020204030204" pitchFamily="49" charset="0"/>
-              </a:rPr>
-              <a:t>(</a:t>
-            </a:r>
-            <a:r>
-              <a:rPr lang="en-US" sz="1200" dirty="0" err="1">
-                <a:solidFill>
-                  <a:srgbClr val="000000"/>
-                </a:solidFill>
-                <a:latin typeface="Consolas" panose="020B0609020204030204" pitchFamily="49" charset="0"/>
-              </a:rPr>
-              <a:t>filterContext.Exception</a:t>
-            </a:r>
-            <a:r>
-              <a:rPr lang="en-US" sz="1200" dirty="0">
-                <a:solidFill>
-                  <a:srgbClr val="000000"/>
-                </a:solidFill>
-                <a:latin typeface="Consolas" panose="020B0609020204030204" pitchFamily="49" charset="0"/>
-              </a:rPr>
-              <a:t>);</a:t>
-            </a:r>
-          </a:p>
-          <a:p>
-            <a:r>
-              <a:rPr lang="en-US" sz="1200" dirty="0">
-                <a:solidFill>
-                  <a:srgbClr val="000000"/>
-                </a:solidFill>
-                <a:latin typeface="Consolas" panose="020B0609020204030204" pitchFamily="49" charset="0"/>
-              </a:rPr>
-              <a:t>            }</a:t>
-            </a:r>
-          </a:p>
-          <a:p>
-            <a:r>
-              <a:rPr lang="en-US" sz="1200" dirty="0">
-                <a:solidFill>
-                  <a:srgbClr val="000000"/>
-                </a:solidFill>
-                <a:latin typeface="Consolas" panose="020B0609020204030204" pitchFamily="49" charset="0"/>
-              </a:rPr>
-              <a:t>        }</a:t>
-            </a:r>
-          </a:p>
-          <a:p>
-            <a:r>
-              <a:rPr lang="en-US" sz="1200" dirty="0">
-                <a:solidFill>
-                  <a:srgbClr val="000000"/>
-                </a:solidFill>
-                <a:latin typeface="Consolas" panose="020B0609020204030204" pitchFamily="49" charset="0"/>
-              </a:rPr>
-              <a:t>        </a:t>
-            </a:r>
-            <a:r>
-              <a:rPr lang="en-US" sz="1200" dirty="0" err="1">
-                <a:solidFill>
-                  <a:srgbClr val="0000FF"/>
-                </a:solidFill>
-                <a:latin typeface="Consolas" panose="020B0609020204030204" pitchFamily="49" charset="0"/>
-              </a:rPr>
-              <a:t>base</a:t>
-            </a:r>
-            <a:r>
-              <a:rPr lang="en-US" sz="1200" dirty="0" err="1">
-                <a:solidFill>
-                  <a:srgbClr val="000000"/>
-                </a:solidFill>
-                <a:latin typeface="Consolas" panose="020B0609020204030204" pitchFamily="49" charset="0"/>
-              </a:rPr>
-              <a:t>.OnException</a:t>
-            </a:r>
-            <a:r>
-              <a:rPr lang="en-US" sz="1200" dirty="0">
-                <a:solidFill>
-                  <a:srgbClr val="000000"/>
-                </a:solidFill>
-                <a:latin typeface="Consolas" panose="020B0609020204030204" pitchFamily="49" charset="0"/>
-              </a:rPr>
-              <a:t>(</a:t>
-            </a:r>
-            <a:r>
-              <a:rPr lang="en-US" sz="1200" dirty="0" err="1">
-                <a:solidFill>
-                  <a:srgbClr val="000000"/>
-                </a:solidFill>
-                <a:latin typeface="Consolas" panose="020B0609020204030204" pitchFamily="49" charset="0"/>
-              </a:rPr>
-              <a:t>filterContext</a:t>
-            </a:r>
-            <a:r>
-              <a:rPr lang="en-US" sz="1200" dirty="0">
-                <a:solidFill>
-                  <a:srgbClr val="000000"/>
-                </a:solidFill>
-                <a:latin typeface="Consolas" panose="020B0609020204030204" pitchFamily="49" charset="0"/>
-              </a:rPr>
-              <a:t>);</a:t>
-            </a:r>
-          </a:p>
-          <a:p>
-            <a:r>
-              <a:rPr lang="en-US" sz="1200" dirty="0">
-                <a:solidFill>
-                  <a:srgbClr val="000000"/>
-                </a:solidFill>
-                <a:latin typeface="Consolas" panose="020B0609020204030204" pitchFamily="49" charset="0"/>
-              </a:rPr>
-              <a:t>    }</a:t>
-            </a:r>
-          </a:p>
-          <a:p>
-            <a:r>
-              <a:rPr lang="en-US" sz="1200" dirty="0">
-                <a:solidFill>
-                  <a:srgbClr val="000000"/>
-                </a:solidFill>
-                <a:latin typeface="Consolas" panose="020B0609020204030204" pitchFamily="49" charset="0"/>
-              </a:rPr>
-              <a:t>}</a:t>
-            </a:r>
-            <a:endParaRPr lang="en-US" sz="1200" dirty="0"/>
-          </a:p>
-        </p:txBody>
-      </p:sp>
-      <p:sp>
-        <p:nvSpPr>
-          <p:cNvPr id="4" name="Rectangle 3"/>
-          <p:cNvSpPr/>
-          <p:nvPr/>
-        </p:nvSpPr>
-        <p:spPr>
-          <a:xfrm>
-            <a:off x="832104" y="6012847"/>
-            <a:ext cx="11007962" cy="276999"/>
-          </a:xfrm>
-          <a:prstGeom prst="rect">
-            <a:avLst/>
-          </a:prstGeom>
-        </p:spPr>
-        <p:txBody>
-          <a:bodyPr wrap="square">
-            <a:spAutoFit/>
-          </a:bodyPr>
-          <a:lstStyle/>
-          <a:p>
-            <a:r>
-              <a:rPr lang="en-US" sz="1200" dirty="0" err="1">
-                <a:solidFill>
-                  <a:srgbClr val="2B91AF"/>
-                </a:solidFill>
-                <a:latin typeface="Consolas" panose="020B0609020204030204" pitchFamily="49" charset="0"/>
-              </a:rPr>
-              <a:t>TelemetryConfiguration</a:t>
-            </a:r>
-            <a:r>
-              <a:rPr lang="en-US" sz="1200" dirty="0" err="1">
-                <a:solidFill>
-                  <a:srgbClr val="000000"/>
-                </a:solidFill>
-                <a:latin typeface="Consolas" panose="020B0609020204030204" pitchFamily="49" charset="0"/>
-              </a:rPr>
-              <a:t>.Active.InstrumentationKey</a:t>
-            </a:r>
-            <a:r>
-              <a:rPr lang="en-US" sz="1200" dirty="0">
-                <a:solidFill>
-                  <a:srgbClr val="000000"/>
-                </a:solidFill>
-                <a:latin typeface="Consolas" panose="020B0609020204030204" pitchFamily="49" charset="0"/>
-              </a:rPr>
-              <a:t> = </a:t>
-            </a:r>
-            <a:r>
-              <a:rPr lang="en-US" sz="1200" dirty="0" err="1">
-                <a:solidFill>
-                  <a:srgbClr val="2B91AF"/>
-                </a:solidFill>
-                <a:latin typeface="Consolas" panose="020B0609020204030204" pitchFamily="49" charset="0"/>
-              </a:rPr>
-              <a:t>WebConfigurationManager</a:t>
-            </a:r>
-            <a:r>
-              <a:rPr lang="en-US" sz="1200" dirty="0" err="1">
-                <a:solidFill>
-                  <a:srgbClr val="000000"/>
-                </a:solidFill>
-                <a:latin typeface="Consolas" panose="020B0609020204030204" pitchFamily="49" charset="0"/>
-              </a:rPr>
-              <a:t>.AppSettings</a:t>
-            </a:r>
-            <a:r>
-              <a:rPr lang="en-US" sz="1200" dirty="0">
-                <a:solidFill>
-                  <a:srgbClr val="000000"/>
-                </a:solidFill>
-                <a:latin typeface="Consolas" panose="020B0609020204030204" pitchFamily="49" charset="0"/>
-              </a:rPr>
-              <a:t>[</a:t>
-            </a:r>
-            <a:r>
-              <a:rPr lang="en-US" sz="1200" dirty="0">
-                <a:solidFill>
-                  <a:srgbClr val="A31515"/>
-                </a:solidFill>
-                <a:latin typeface="Consolas" panose="020B0609020204030204" pitchFamily="49" charset="0"/>
-              </a:rPr>
-              <a:t>"</a:t>
-            </a:r>
-            <a:r>
-              <a:rPr lang="en-US" sz="1200" dirty="0" err="1">
-                <a:solidFill>
-                  <a:srgbClr val="A31515"/>
-                </a:solidFill>
-                <a:latin typeface="Consolas" panose="020B0609020204030204" pitchFamily="49" charset="0"/>
-              </a:rPr>
-              <a:t>iKey</a:t>
-            </a:r>
-            <a:r>
-              <a:rPr lang="en-US" sz="1200" dirty="0">
-                <a:solidFill>
-                  <a:srgbClr val="A31515"/>
-                </a:solidFill>
-                <a:latin typeface="Consolas" panose="020B0609020204030204" pitchFamily="49" charset="0"/>
-              </a:rPr>
-              <a:t>"</a:t>
-            </a:r>
-            <a:r>
-              <a:rPr lang="en-US" sz="1200" dirty="0">
-                <a:solidFill>
-                  <a:srgbClr val="000000"/>
-                </a:solidFill>
-                <a:latin typeface="Consolas" panose="020B0609020204030204" pitchFamily="49" charset="0"/>
-              </a:rPr>
-              <a:t>];</a:t>
-            </a:r>
-            <a:endParaRPr lang="en-US" sz="1200" dirty="0"/>
-          </a:p>
-        </p:txBody>
-      </p:sp>
-      <p:sp>
-        <p:nvSpPr>
-          <p:cNvPr id="5" name="Rectangle 4"/>
-          <p:cNvSpPr/>
-          <p:nvPr/>
-        </p:nvSpPr>
-        <p:spPr>
-          <a:xfrm>
-            <a:off x="917541" y="1407907"/>
-            <a:ext cx="5539820" cy="369332"/>
-          </a:xfrm>
-          <a:prstGeom prst="rect">
-            <a:avLst/>
-          </a:prstGeom>
-        </p:spPr>
-        <p:txBody>
-          <a:bodyPr wrap="square">
-            <a:spAutoFit/>
-          </a:bodyPr>
-          <a:lstStyle/>
-          <a:p>
-            <a:r>
-              <a:rPr lang="en-US" dirty="0" err="1"/>
-              <a:t>NuGet</a:t>
-            </a:r>
-            <a:r>
-              <a:rPr lang="en-US" dirty="0"/>
-              <a:t>: </a:t>
-            </a:r>
-            <a:r>
-              <a:rPr lang="en-US" dirty="0" err="1"/>
-              <a:t>Microsoft.ApplicationInsights.Web</a:t>
-            </a:r>
-            <a:endParaRPr lang="en-US" dirty="0"/>
-          </a:p>
-        </p:txBody>
-      </p:sp>
     </p:spTree>
     <p:extLst>
       <p:ext uri="{BB962C8B-B14F-4D97-AF65-F5344CB8AC3E}">
-        <p14:creationId xmlns:p14="http://schemas.microsoft.com/office/powerpoint/2010/main" val="2644067907"/>
+        <p14:creationId xmlns:p14="http://schemas.microsoft.com/office/powerpoint/2010/main" val="586098755"/>
       </p:ext>
     </p:extLst>
   </p:cSld>
@@ -7417,7 +6565,7 @@
 </p:sld>
 </file>
 
-<file path=ppt/slides/slide6.xml><?xml version="1.0" encoding="utf-8"?>
+<file path=ppt/slides/slide3.xml><?xml version="1.0" encoding="utf-8"?>
 <p:sld xmlns:a="http://schemas.openxmlformats.org/drawingml/2006/main" xmlns:r="http://schemas.openxmlformats.org/officeDocument/2006/relationships" xmlns:p="http://schemas.openxmlformats.org/presentationml/2006/main">
   <p:cSld>
     <p:spTree>
@@ -7434,60 +6582,6 @@
           <a:chExt cx="0" cy="0"/>
         </a:xfrm>
       </p:grpSpPr>
-      <p:sp>
-        <p:nvSpPr>
-          <p:cNvPr id="7" name="Rectangle 6"/>
-          <p:cNvSpPr/>
-          <p:nvPr/>
-        </p:nvSpPr>
-        <p:spPr>
-          <a:xfrm>
-            <a:off x="832104" y="396147"/>
-            <a:ext cx="10323575" cy="830997"/>
-          </a:xfrm>
-          <a:prstGeom prst="rect">
-            <a:avLst/>
-          </a:prstGeom>
-          <a:noFill/>
-        </p:spPr>
-        <p:txBody>
-          <a:bodyPr wrap="square" lIns="91440" tIns="45720" rIns="91440" bIns="45720">
-            <a:spAutoFit/>
-          </a:bodyPr>
-          <a:lstStyle/>
-          <a:p>
-            <a:r>
-              <a:rPr lang="en-US" sz="4800" dirty="0">
-                <a:ln w="0"/>
-                <a:solidFill>
-                  <a:srgbClr val="00BCF2"/>
-                </a:solidFill>
-                <a:effectLst>
-                  <a:outerShdw blurRad="38100" dist="19050" dir="2700000" algn="tl" rotWithShape="0">
-                    <a:schemeClr val="dk1">
-                      <a:alpha val="40000"/>
-                    </a:schemeClr>
-                  </a:outerShdw>
-                </a:effectLst>
-              </a:rPr>
-              <a:t>Application Insights - Track Page Views </a:t>
-            </a:r>
-            <a:endParaRPr lang="en-US" sz="4800" b="0" cap="none" spc="0" dirty="0">
-              <a:ln w="0"/>
-              <a:solidFill>
-                <a:srgbClr val="00BCF2"/>
-              </a:solidFill>
-              <a:effectLst>
-                <a:outerShdw blurRad="38100" dist="19050" dir="2700000" algn="tl" rotWithShape="0">
-                  <a:schemeClr val="dk1">
-                    <a:alpha val="40000"/>
-                  </a:schemeClr>
-                </a:outerShdw>
-              </a:effectLst>
-            </a:endParaRPr>
-          </a:p>
-        </p:txBody>
-      </p:sp>
       <p:sp>
         <p:nvSpPr>
           <p:cNvPr id="9" name="Rectangle 8"/>
@@ -7536,14 +6630,14 @@
       </p:sp>
       <p:sp>
         <p:nvSpPr>
-          <p:cNvPr id="2" name="Rectangle 1"/>
+          <p:cNvPr id="4" name="Rectangle 3"/>
           <p:cNvSpPr/>
           <p:nvPr/>
         </p:nvSpPr>
         <p:spPr>
           <a:xfrm>
-            <a:off x="936394" y="1813173"/>
-            <a:ext cx="10988513" cy="3046988"/>
+            <a:off x="829939" y="2875417"/>
+            <a:ext cx="10649880" cy="3046988"/>
           </a:xfrm>
           <a:prstGeom prst="rect">
             <a:avLst/>
@@ -7556,1695 +6650,40 @@
           <a:lstStyle/>
           <a:p>
             <a:r>
-              <a:rPr lang="en-US" sz="1200" dirty="0">
-                <a:solidFill>
-                  <a:srgbClr val="0000FF"/>
-                </a:solidFill>
-                <a:latin typeface="Consolas" panose="020B0609020204030204" pitchFamily="49" charset="0"/>
-              </a:rPr>
-              <a:t>&lt;</a:t>
-            </a:r>
-            <a:r>
-              <a:rPr lang="en-US" sz="1200" dirty="0">
-                <a:solidFill>
-                  <a:srgbClr val="800000"/>
-                </a:solidFill>
-                <a:latin typeface="Consolas" panose="020B0609020204030204" pitchFamily="49" charset="0"/>
-              </a:rPr>
-              <a:t>script</a:t>
-            </a:r>
-            <a:r>
-              <a:rPr lang="en-US" sz="1200" dirty="0">
-                <a:solidFill>
-                  <a:srgbClr val="000000"/>
-                </a:solidFill>
-                <a:latin typeface="Consolas" panose="020B0609020204030204" pitchFamily="49" charset="0"/>
-              </a:rPr>
-              <a:t> </a:t>
-            </a:r>
-            <a:r>
-              <a:rPr lang="en-US" sz="1200" dirty="0">
-                <a:solidFill>
-                  <a:srgbClr val="FF0000"/>
-                </a:solidFill>
-                <a:latin typeface="Consolas" panose="020B0609020204030204" pitchFamily="49" charset="0"/>
-              </a:rPr>
-              <a:t>type</a:t>
-            </a:r>
-            <a:r>
-              <a:rPr lang="en-US" sz="1200" dirty="0">
-                <a:solidFill>
-                  <a:srgbClr val="0000FF"/>
-                </a:solidFill>
-                <a:latin typeface="Consolas" panose="020B0609020204030204" pitchFamily="49" charset="0"/>
-              </a:rPr>
-              <a:t>="text/</a:t>
-            </a:r>
-            <a:r>
-              <a:rPr lang="en-US" sz="1200" dirty="0" err="1">
-                <a:solidFill>
-                  <a:srgbClr val="0000FF"/>
-                </a:solidFill>
-                <a:latin typeface="Consolas" panose="020B0609020204030204" pitchFamily="49" charset="0"/>
-              </a:rPr>
-              <a:t>javascript</a:t>
-            </a:r>
-            <a:r>
-              <a:rPr lang="en-US" sz="1200" dirty="0">
-                <a:solidFill>
-                  <a:srgbClr val="0000FF"/>
-                </a:solidFill>
-                <a:latin typeface="Consolas" panose="020B0609020204030204" pitchFamily="49" charset="0"/>
-              </a:rPr>
-              <a:t>"&gt;</a:t>
-            </a:r>
-            <a:endParaRPr lang="en-US" sz="1200" dirty="0">
-              <a:solidFill>
-                <a:srgbClr val="000000"/>
-              </a:solidFill>
-              <a:latin typeface="Consolas" panose="020B0609020204030204" pitchFamily="49" charset="0"/>
-            </a:endParaRPr>
-          </a:p>
-          <a:p>
-            <a:r>
-              <a:rPr lang="en-GB" sz="1200" dirty="0">
-                <a:solidFill>
-                  <a:srgbClr val="000000"/>
-                </a:solidFill>
-                <a:latin typeface="Consolas" panose="020B0609020204030204" pitchFamily="49" charset="0"/>
-              </a:rPr>
-              <a:t>    </a:t>
-            </a:r>
-            <a:r>
-              <a:rPr lang="en-GB" sz="1200" dirty="0" err="1">
-                <a:solidFill>
-                  <a:srgbClr val="0000FF"/>
-                </a:solidFill>
-                <a:latin typeface="Consolas" panose="020B0609020204030204" pitchFamily="49" charset="0"/>
-              </a:rPr>
-              <a:t>var</a:t>
-            </a:r>
-            <a:r>
-              <a:rPr lang="en-GB" sz="1200" dirty="0">
-                <a:solidFill>
-                  <a:srgbClr val="000000"/>
-                </a:solidFill>
-                <a:latin typeface="Consolas" panose="020B0609020204030204" pitchFamily="49" charset="0"/>
-              </a:rPr>
-              <a:t> </a:t>
-            </a:r>
-            <a:r>
-              <a:rPr lang="en-GB" sz="1200" dirty="0" err="1">
-                <a:solidFill>
-                  <a:srgbClr val="000000"/>
-                </a:solidFill>
-                <a:latin typeface="Consolas" panose="020B0609020204030204" pitchFamily="49" charset="0"/>
-              </a:rPr>
-              <a:t>appInsights</a:t>
-            </a:r>
-            <a:r>
-              <a:rPr lang="en-GB" sz="1200" dirty="0">
-                <a:solidFill>
-                  <a:srgbClr val="000000"/>
-                </a:solidFill>
-                <a:latin typeface="Consolas" panose="020B0609020204030204" pitchFamily="49" charset="0"/>
-              </a:rPr>
-              <a:t> = </a:t>
-            </a:r>
-            <a:r>
-              <a:rPr lang="en-GB" sz="1200" dirty="0" err="1">
-                <a:solidFill>
-                  <a:srgbClr val="000000"/>
-                </a:solidFill>
-                <a:latin typeface="Consolas" panose="020B0609020204030204" pitchFamily="49" charset="0"/>
-              </a:rPr>
-              <a:t>window.appInsights</a:t>
-            </a:r>
-            <a:r>
-              <a:rPr lang="en-GB" sz="1200" dirty="0">
-                <a:solidFill>
-                  <a:srgbClr val="000000"/>
-                </a:solidFill>
-                <a:latin typeface="Consolas" panose="020B0609020204030204" pitchFamily="49" charset="0"/>
-              </a:rPr>
-              <a:t> || </a:t>
-            </a:r>
-            <a:r>
-              <a:rPr lang="en-GB" sz="1200" dirty="0">
-                <a:solidFill>
-                  <a:srgbClr val="0000FF"/>
-                </a:solidFill>
-                <a:latin typeface="Consolas" panose="020B0609020204030204" pitchFamily="49" charset="0"/>
-              </a:rPr>
-              <a:t>function</a:t>
-            </a:r>
-            <a:r>
-              <a:rPr lang="en-GB" sz="1200" dirty="0">
-                <a:solidFill>
-                  <a:srgbClr val="000000"/>
-                </a:solidFill>
-                <a:latin typeface="Consolas" panose="020B0609020204030204" pitchFamily="49" charset="0"/>
-              </a:rPr>
-              <a:t> (config) {</a:t>
-            </a:r>
-          </a:p>
-          <a:p>
-            <a:r>
-              <a:rPr lang="en-US" sz="1200" dirty="0">
-                <a:solidFill>
-                  <a:srgbClr val="000000"/>
-                </a:solidFill>
-                <a:latin typeface="Consolas" panose="020B0609020204030204" pitchFamily="49" charset="0"/>
-              </a:rPr>
-              <a:t>        </a:t>
-            </a:r>
-            <a:r>
-              <a:rPr lang="en-US" sz="1200" dirty="0">
-                <a:solidFill>
-                  <a:srgbClr val="0000FF"/>
-                </a:solidFill>
-                <a:latin typeface="Consolas" panose="020B0609020204030204" pitchFamily="49" charset="0"/>
-              </a:rPr>
-              <a:t>function</a:t>
-            </a:r>
-            <a:r>
-              <a:rPr lang="en-US" sz="1200" dirty="0">
-                <a:solidFill>
-                  <a:srgbClr val="000000"/>
-                </a:solidFill>
-                <a:latin typeface="Consolas" panose="020B0609020204030204" pitchFamily="49" charset="0"/>
-              </a:rPr>
-              <a:t> </a:t>
-            </a:r>
-            <a:r>
-              <a:rPr lang="en-US" sz="1200" dirty="0" err="1">
-                <a:solidFill>
-                  <a:srgbClr val="000000"/>
-                </a:solidFill>
-                <a:latin typeface="Consolas" panose="020B0609020204030204" pitchFamily="49" charset="0"/>
-              </a:rPr>
-              <a:t>i</a:t>
-            </a:r>
-            <a:r>
-              <a:rPr lang="en-US" sz="1200" dirty="0">
-                <a:solidFill>
-                  <a:srgbClr val="000000"/>
-                </a:solidFill>
-                <a:latin typeface="Consolas" panose="020B0609020204030204" pitchFamily="49" charset="0"/>
-              </a:rPr>
-              <a:t>(config) { t[config] = </a:t>
-            </a:r>
-            <a:r>
-              <a:rPr lang="en-US" sz="1200" dirty="0">
-                <a:solidFill>
-                  <a:srgbClr val="0000FF"/>
-                </a:solidFill>
-                <a:latin typeface="Consolas" panose="020B0609020204030204" pitchFamily="49" charset="0"/>
-              </a:rPr>
-              <a:t>function</a:t>
-            </a:r>
-            <a:r>
-              <a:rPr lang="en-US" sz="1200" dirty="0">
-                <a:solidFill>
-                  <a:srgbClr val="000000"/>
-                </a:solidFill>
-                <a:latin typeface="Consolas" panose="020B0609020204030204" pitchFamily="49" charset="0"/>
-              </a:rPr>
-              <a:t> () { </a:t>
-            </a:r>
-            <a:r>
-              <a:rPr lang="en-US" sz="1200" dirty="0" err="1">
-                <a:solidFill>
-                  <a:srgbClr val="0000FF"/>
-                </a:solidFill>
-                <a:latin typeface="Consolas" panose="020B0609020204030204" pitchFamily="49" charset="0"/>
-              </a:rPr>
-              <a:t>var</a:t>
-            </a:r>
-            <a:r>
-              <a:rPr lang="en-US" sz="1200" dirty="0">
-                <a:solidFill>
-                  <a:srgbClr val="000000"/>
-                </a:solidFill>
-                <a:latin typeface="Consolas" panose="020B0609020204030204" pitchFamily="49" charset="0"/>
-              </a:rPr>
-              <a:t> </a:t>
-            </a:r>
-            <a:r>
-              <a:rPr lang="en-US" sz="1200" dirty="0" err="1">
-                <a:solidFill>
-                  <a:srgbClr val="000000"/>
-                </a:solidFill>
-                <a:latin typeface="Consolas" panose="020B0609020204030204" pitchFamily="49" charset="0"/>
-              </a:rPr>
-              <a:t>i</a:t>
-            </a:r>
-            <a:r>
-              <a:rPr lang="en-US" sz="1200" dirty="0">
-                <a:solidFill>
-                  <a:srgbClr val="000000"/>
-                </a:solidFill>
-                <a:latin typeface="Consolas" panose="020B0609020204030204" pitchFamily="49" charset="0"/>
-              </a:rPr>
-              <a:t> = arguments; </a:t>
-            </a:r>
-            <a:r>
-              <a:rPr lang="en-US" sz="1200" dirty="0" err="1">
-                <a:solidFill>
-                  <a:srgbClr val="000000"/>
-                </a:solidFill>
-                <a:latin typeface="Consolas" panose="020B0609020204030204" pitchFamily="49" charset="0"/>
-              </a:rPr>
-              <a:t>t.queue.push</a:t>
-            </a:r>
-            <a:r>
-              <a:rPr lang="en-US" sz="1200" dirty="0">
-                <a:solidFill>
-                  <a:srgbClr val="000000"/>
-                </a:solidFill>
-                <a:latin typeface="Consolas" panose="020B0609020204030204" pitchFamily="49" charset="0"/>
-              </a:rPr>
-              <a:t>(</a:t>
-            </a:r>
-            <a:r>
-              <a:rPr lang="en-US" sz="1200" dirty="0">
-                <a:solidFill>
-                  <a:srgbClr val="0000FF"/>
-                </a:solidFill>
-                <a:latin typeface="Consolas" panose="020B0609020204030204" pitchFamily="49" charset="0"/>
-              </a:rPr>
-              <a:t>function</a:t>
-            </a:r>
-            <a:r>
-              <a:rPr lang="en-US" sz="1200" dirty="0">
-                <a:solidFill>
-                  <a:srgbClr val="000000"/>
-                </a:solidFill>
-                <a:latin typeface="Consolas" panose="020B0609020204030204" pitchFamily="49" charset="0"/>
-              </a:rPr>
-              <a:t> () { t[config].apply(t, </a:t>
-            </a:r>
-            <a:r>
-              <a:rPr lang="en-US" sz="1200" dirty="0" err="1">
-                <a:solidFill>
-                  <a:srgbClr val="000000"/>
-                </a:solidFill>
-                <a:latin typeface="Consolas" panose="020B0609020204030204" pitchFamily="49" charset="0"/>
-              </a:rPr>
-              <a:t>i</a:t>
-            </a:r>
-            <a:r>
-              <a:rPr lang="en-US" sz="1200" dirty="0">
-                <a:solidFill>
-                  <a:srgbClr val="000000"/>
-                </a:solidFill>
-                <a:latin typeface="Consolas" panose="020B0609020204030204" pitchFamily="49" charset="0"/>
-              </a:rPr>
-              <a:t>) }) } } </a:t>
-            </a:r>
-            <a:r>
-              <a:rPr lang="en-US" sz="1200" dirty="0" err="1">
-                <a:solidFill>
-                  <a:srgbClr val="0000FF"/>
-                </a:solidFill>
-                <a:latin typeface="Consolas" panose="020B0609020204030204" pitchFamily="49" charset="0"/>
-              </a:rPr>
-              <a:t>var</a:t>
-            </a:r>
-            <a:r>
-              <a:rPr lang="en-US" sz="1200" dirty="0">
-                <a:solidFill>
-                  <a:srgbClr val="000000"/>
-                </a:solidFill>
-                <a:latin typeface="Consolas" panose="020B0609020204030204" pitchFamily="49" charset="0"/>
-              </a:rPr>
-              <a:t> t = { config: config }, u = document, e = window, o = </a:t>
-            </a:r>
-            <a:r>
-              <a:rPr lang="en-US" sz="1200" dirty="0">
-                <a:solidFill>
-                  <a:srgbClr val="A31515"/>
-                </a:solidFill>
-                <a:latin typeface="Consolas" panose="020B0609020204030204" pitchFamily="49" charset="0"/>
-              </a:rPr>
-              <a:t>"script"</a:t>
-            </a:r>
-            <a:r>
-              <a:rPr lang="en-US" sz="1200" dirty="0">
-                <a:solidFill>
-                  <a:srgbClr val="000000"/>
-                </a:solidFill>
-                <a:latin typeface="Consolas" panose="020B0609020204030204" pitchFamily="49" charset="0"/>
-              </a:rPr>
-              <a:t>, s = </a:t>
-            </a:r>
-            <a:r>
-              <a:rPr lang="en-US" sz="1200" dirty="0">
-                <a:solidFill>
-                  <a:srgbClr val="A31515"/>
-                </a:solidFill>
-                <a:latin typeface="Consolas" panose="020B0609020204030204" pitchFamily="49" charset="0"/>
-              </a:rPr>
-              <a:t>"</a:t>
-            </a:r>
-            <a:r>
-              <a:rPr lang="en-US" sz="1200" dirty="0" err="1">
-                <a:solidFill>
-                  <a:srgbClr val="A31515"/>
-                </a:solidFill>
-                <a:latin typeface="Consolas" panose="020B0609020204030204" pitchFamily="49" charset="0"/>
-              </a:rPr>
-              <a:t>AuthenticatedUserContext</a:t>
-            </a:r>
-            <a:r>
-              <a:rPr lang="en-US" sz="1200" dirty="0">
-                <a:solidFill>
-                  <a:srgbClr val="A31515"/>
-                </a:solidFill>
-                <a:latin typeface="Consolas" panose="020B0609020204030204" pitchFamily="49" charset="0"/>
-              </a:rPr>
-              <a:t>"</a:t>
-            </a:r>
-            <a:r>
-              <a:rPr lang="en-US" sz="1200" dirty="0">
-                <a:solidFill>
-                  <a:srgbClr val="000000"/>
-                </a:solidFill>
-                <a:latin typeface="Consolas" panose="020B0609020204030204" pitchFamily="49" charset="0"/>
-              </a:rPr>
-              <a:t>, h = </a:t>
-            </a:r>
-            <a:r>
-              <a:rPr lang="en-US" sz="1200" dirty="0">
-                <a:solidFill>
-                  <a:srgbClr val="A31515"/>
-                </a:solidFill>
-                <a:latin typeface="Consolas" panose="020B0609020204030204" pitchFamily="49" charset="0"/>
-              </a:rPr>
-              <a:t>"start"</a:t>
-            </a:r>
-            <a:r>
-              <a:rPr lang="en-US" sz="1200" dirty="0">
-                <a:solidFill>
-                  <a:srgbClr val="000000"/>
-                </a:solidFill>
-                <a:latin typeface="Consolas" panose="020B0609020204030204" pitchFamily="49" charset="0"/>
-              </a:rPr>
-              <a:t>, c = </a:t>
-            </a:r>
-            <a:r>
-              <a:rPr lang="en-US" sz="1200" dirty="0">
-                <a:solidFill>
-                  <a:srgbClr val="A31515"/>
-                </a:solidFill>
-                <a:latin typeface="Consolas" panose="020B0609020204030204" pitchFamily="49" charset="0"/>
-              </a:rPr>
-              <a:t>"stop"</a:t>
-            </a:r>
-            <a:r>
-              <a:rPr lang="en-US" sz="1200" dirty="0">
-                <a:solidFill>
-                  <a:srgbClr val="000000"/>
-                </a:solidFill>
-                <a:latin typeface="Consolas" panose="020B0609020204030204" pitchFamily="49" charset="0"/>
-              </a:rPr>
-              <a:t>, l = </a:t>
-            </a:r>
-            <a:r>
-              <a:rPr lang="en-US" sz="1200" dirty="0">
-                <a:solidFill>
-                  <a:srgbClr val="A31515"/>
-                </a:solidFill>
-                <a:latin typeface="Consolas" panose="020B0609020204030204" pitchFamily="49" charset="0"/>
-              </a:rPr>
-              <a:t>"Track"</a:t>
-            </a:r>
-            <a:r>
-              <a:rPr lang="en-US" sz="1200" dirty="0">
-                <a:solidFill>
-                  <a:srgbClr val="000000"/>
-                </a:solidFill>
-                <a:latin typeface="Consolas" panose="020B0609020204030204" pitchFamily="49" charset="0"/>
-              </a:rPr>
-              <a:t>, a = l + </a:t>
-            </a:r>
-            <a:r>
-              <a:rPr lang="en-US" sz="1200" dirty="0">
-                <a:solidFill>
-                  <a:srgbClr val="A31515"/>
-                </a:solidFill>
-                <a:latin typeface="Consolas" panose="020B0609020204030204" pitchFamily="49" charset="0"/>
-              </a:rPr>
-              <a:t>"Event"</a:t>
-            </a:r>
-            <a:r>
-              <a:rPr lang="en-US" sz="1200" dirty="0">
-                <a:solidFill>
-                  <a:srgbClr val="000000"/>
-                </a:solidFill>
-                <a:latin typeface="Consolas" panose="020B0609020204030204" pitchFamily="49" charset="0"/>
-              </a:rPr>
-              <a:t>, v = l + </a:t>
-            </a:r>
-            <a:r>
-              <a:rPr lang="en-US" sz="1200" dirty="0">
-                <a:solidFill>
-                  <a:srgbClr val="A31515"/>
-                </a:solidFill>
-                <a:latin typeface="Consolas" panose="020B0609020204030204" pitchFamily="49" charset="0"/>
-              </a:rPr>
-              <a:t>"Page"</a:t>
-            </a:r>
-            <a:r>
-              <a:rPr lang="en-US" sz="1200" dirty="0">
-                <a:solidFill>
-                  <a:srgbClr val="000000"/>
-                </a:solidFill>
-                <a:latin typeface="Consolas" panose="020B0609020204030204" pitchFamily="49" charset="0"/>
-              </a:rPr>
-              <a:t>, y = </a:t>
-            </a:r>
-            <a:r>
-              <a:rPr lang="en-US" sz="1200" dirty="0" err="1">
-                <a:solidFill>
-                  <a:srgbClr val="000000"/>
-                </a:solidFill>
-                <a:latin typeface="Consolas" panose="020B0609020204030204" pitchFamily="49" charset="0"/>
-              </a:rPr>
-              <a:t>u.createElement</a:t>
-            </a:r>
-            <a:r>
-              <a:rPr lang="en-US" sz="1200" dirty="0">
-                <a:solidFill>
-                  <a:srgbClr val="000000"/>
-                </a:solidFill>
-                <a:latin typeface="Consolas" panose="020B0609020204030204" pitchFamily="49" charset="0"/>
-              </a:rPr>
-              <a:t>(o), r, f; </a:t>
-            </a:r>
-            <a:r>
-              <a:rPr lang="en-US" sz="1200" dirty="0" err="1">
-                <a:solidFill>
-                  <a:srgbClr val="000000"/>
-                </a:solidFill>
-                <a:latin typeface="Consolas" panose="020B0609020204030204" pitchFamily="49" charset="0"/>
-              </a:rPr>
-              <a:t>y.src</a:t>
-            </a:r>
-            <a:r>
-              <a:rPr lang="en-US" sz="1200" dirty="0">
-                <a:solidFill>
-                  <a:srgbClr val="000000"/>
-                </a:solidFill>
-                <a:latin typeface="Consolas" panose="020B0609020204030204" pitchFamily="49" charset="0"/>
-              </a:rPr>
-              <a:t> = config.url || </a:t>
-            </a:r>
-            <a:r>
-              <a:rPr lang="en-US" sz="1200" dirty="0">
-                <a:solidFill>
-                  <a:srgbClr val="A31515"/>
-                </a:solidFill>
-                <a:latin typeface="Consolas" panose="020B0609020204030204" pitchFamily="49" charset="0"/>
-              </a:rPr>
-              <a:t>"https://az416426.vo.msecnd.net/scripts/a/ai.0.js"</a:t>
-            </a:r>
-            <a:r>
-              <a:rPr lang="en-US" sz="1200" dirty="0">
-                <a:solidFill>
-                  <a:srgbClr val="000000"/>
-                </a:solidFill>
-                <a:latin typeface="Consolas" panose="020B0609020204030204" pitchFamily="49" charset="0"/>
-              </a:rPr>
-              <a:t>; </a:t>
-            </a:r>
-            <a:r>
-              <a:rPr lang="en-US" sz="1200" dirty="0" err="1">
-                <a:solidFill>
-                  <a:srgbClr val="000000"/>
-                </a:solidFill>
-                <a:latin typeface="Consolas" panose="020B0609020204030204" pitchFamily="49" charset="0"/>
-              </a:rPr>
-              <a:t>u.getElementsByTagName</a:t>
-            </a:r>
-            <a:r>
-              <a:rPr lang="en-US" sz="1200" dirty="0">
-                <a:solidFill>
-                  <a:srgbClr val="000000"/>
-                </a:solidFill>
-                <a:latin typeface="Consolas" panose="020B0609020204030204" pitchFamily="49" charset="0"/>
-              </a:rPr>
-              <a:t>(o)[0].</a:t>
-            </a:r>
-            <a:r>
-              <a:rPr lang="en-US" sz="1200" dirty="0" err="1">
-                <a:solidFill>
-                  <a:srgbClr val="000000"/>
-                </a:solidFill>
-                <a:latin typeface="Consolas" panose="020B0609020204030204" pitchFamily="49" charset="0"/>
-              </a:rPr>
-              <a:t>parentNode.appendChild</a:t>
-            </a:r>
-            <a:r>
-              <a:rPr lang="en-US" sz="1200" dirty="0">
-                <a:solidFill>
-                  <a:srgbClr val="000000"/>
-                </a:solidFill>
-                <a:latin typeface="Consolas" panose="020B0609020204030204" pitchFamily="49" charset="0"/>
-              </a:rPr>
-              <a:t>(y); </a:t>
-            </a:r>
-            <a:r>
-              <a:rPr lang="en-US" sz="1200" dirty="0">
-                <a:solidFill>
-                  <a:srgbClr val="0000FF"/>
-                </a:solidFill>
-                <a:latin typeface="Consolas" panose="020B0609020204030204" pitchFamily="49" charset="0"/>
-              </a:rPr>
-              <a:t>try</a:t>
-            </a:r>
-            <a:r>
-              <a:rPr lang="en-US" sz="1200" dirty="0">
-                <a:solidFill>
-                  <a:srgbClr val="000000"/>
-                </a:solidFill>
-                <a:latin typeface="Consolas" panose="020B0609020204030204" pitchFamily="49" charset="0"/>
-              </a:rPr>
-              <a:t> { </a:t>
-            </a:r>
-            <a:r>
-              <a:rPr lang="en-US" sz="1200" dirty="0" err="1">
-                <a:solidFill>
-                  <a:srgbClr val="000000"/>
-                </a:solidFill>
-                <a:latin typeface="Consolas" panose="020B0609020204030204" pitchFamily="49" charset="0"/>
-              </a:rPr>
-              <a:t>t.cookie</a:t>
-            </a:r>
-            <a:r>
-              <a:rPr lang="en-US" sz="1200" dirty="0">
-                <a:solidFill>
-                  <a:srgbClr val="000000"/>
-                </a:solidFill>
-                <a:latin typeface="Consolas" panose="020B0609020204030204" pitchFamily="49" charset="0"/>
-              </a:rPr>
-              <a:t> = </a:t>
-            </a:r>
-            <a:r>
-              <a:rPr lang="en-US" sz="1200" dirty="0" err="1">
-                <a:solidFill>
-                  <a:srgbClr val="000000"/>
-                </a:solidFill>
-                <a:latin typeface="Consolas" panose="020B0609020204030204" pitchFamily="49" charset="0"/>
-              </a:rPr>
-              <a:t>u.cookie</a:t>
-            </a:r>
-            <a:r>
-              <a:rPr lang="en-US" sz="1200" dirty="0">
-                <a:solidFill>
-                  <a:srgbClr val="000000"/>
-                </a:solidFill>
-                <a:latin typeface="Consolas" panose="020B0609020204030204" pitchFamily="49" charset="0"/>
-              </a:rPr>
-              <a:t> } </a:t>
-            </a:r>
-            <a:r>
-              <a:rPr lang="en-US" sz="1200" dirty="0">
-                <a:solidFill>
-                  <a:srgbClr val="0000FF"/>
-                </a:solidFill>
-                <a:latin typeface="Consolas" panose="020B0609020204030204" pitchFamily="49" charset="0"/>
-              </a:rPr>
-              <a:t>catch</a:t>
-            </a:r>
-            <a:r>
-              <a:rPr lang="en-US" sz="1200" dirty="0">
-                <a:solidFill>
-                  <a:srgbClr val="000000"/>
-                </a:solidFill>
-                <a:latin typeface="Consolas" panose="020B0609020204030204" pitchFamily="49" charset="0"/>
-              </a:rPr>
-              <a:t> (p) { } </a:t>
-            </a:r>
-            <a:r>
-              <a:rPr lang="en-US" sz="1200" dirty="0">
-                <a:solidFill>
-                  <a:srgbClr val="0000FF"/>
-                </a:solidFill>
-                <a:latin typeface="Consolas" panose="020B0609020204030204" pitchFamily="49" charset="0"/>
-              </a:rPr>
-              <a:t>for</a:t>
-            </a:r>
-            <a:r>
-              <a:rPr lang="en-US" sz="1200" dirty="0">
-                <a:solidFill>
-                  <a:srgbClr val="000000"/>
-                </a:solidFill>
-                <a:latin typeface="Consolas" panose="020B0609020204030204" pitchFamily="49" charset="0"/>
-              </a:rPr>
-              <a:t> (</a:t>
-            </a:r>
-            <a:r>
-              <a:rPr lang="en-US" sz="1200" dirty="0" err="1">
-                <a:solidFill>
-                  <a:srgbClr val="000000"/>
-                </a:solidFill>
-                <a:latin typeface="Consolas" panose="020B0609020204030204" pitchFamily="49" charset="0"/>
-              </a:rPr>
-              <a:t>t.queue</a:t>
-            </a:r>
-            <a:r>
-              <a:rPr lang="en-US" sz="1200" dirty="0">
-                <a:solidFill>
-                  <a:srgbClr val="000000"/>
-                </a:solidFill>
-                <a:latin typeface="Consolas" panose="020B0609020204030204" pitchFamily="49" charset="0"/>
-              </a:rPr>
-              <a:t> = [], </a:t>
-            </a:r>
-            <a:r>
-              <a:rPr lang="en-US" sz="1200" dirty="0" err="1">
-                <a:solidFill>
-                  <a:srgbClr val="000000"/>
-                </a:solidFill>
-                <a:latin typeface="Consolas" panose="020B0609020204030204" pitchFamily="49" charset="0"/>
-              </a:rPr>
-              <a:t>t.version</a:t>
-            </a:r>
-            <a:r>
-              <a:rPr lang="en-US" sz="1200" dirty="0">
-                <a:solidFill>
-                  <a:srgbClr val="000000"/>
-                </a:solidFill>
-                <a:latin typeface="Consolas" panose="020B0609020204030204" pitchFamily="49" charset="0"/>
-              </a:rPr>
-              <a:t> = </a:t>
-            </a:r>
-            <a:r>
-              <a:rPr lang="en-US" sz="1200" dirty="0">
-                <a:solidFill>
-                  <a:srgbClr val="A31515"/>
-                </a:solidFill>
-                <a:latin typeface="Consolas" panose="020B0609020204030204" pitchFamily="49" charset="0"/>
-              </a:rPr>
-              <a:t>"1.0"</a:t>
-            </a:r>
-            <a:r>
-              <a:rPr lang="en-US" sz="1200" dirty="0">
-                <a:solidFill>
-                  <a:srgbClr val="000000"/>
-                </a:solidFill>
-                <a:latin typeface="Consolas" panose="020B0609020204030204" pitchFamily="49" charset="0"/>
-              </a:rPr>
-              <a:t>, r = [</a:t>
-            </a:r>
-            <a:r>
-              <a:rPr lang="en-US" sz="1200" dirty="0">
-                <a:solidFill>
-                  <a:srgbClr val="A31515"/>
-                </a:solidFill>
-                <a:latin typeface="Consolas" panose="020B0609020204030204" pitchFamily="49" charset="0"/>
-              </a:rPr>
-              <a:t>"Event"</a:t>
-            </a:r>
-            <a:r>
-              <a:rPr lang="en-US" sz="1200" dirty="0">
-                <a:solidFill>
-                  <a:srgbClr val="000000"/>
-                </a:solidFill>
-                <a:latin typeface="Consolas" panose="020B0609020204030204" pitchFamily="49" charset="0"/>
-              </a:rPr>
-              <a:t>, </a:t>
-            </a:r>
-            <a:r>
-              <a:rPr lang="en-US" sz="1200" dirty="0">
-                <a:solidFill>
-                  <a:srgbClr val="A31515"/>
-                </a:solidFill>
-                <a:latin typeface="Consolas" panose="020B0609020204030204" pitchFamily="49" charset="0"/>
-              </a:rPr>
-              <a:t>"Exception"</a:t>
-            </a:r>
-            <a:r>
-              <a:rPr lang="en-US" sz="1200" dirty="0">
-                <a:solidFill>
-                  <a:srgbClr val="000000"/>
-                </a:solidFill>
-                <a:latin typeface="Consolas" panose="020B0609020204030204" pitchFamily="49" charset="0"/>
-              </a:rPr>
-              <a:t>, </a:t>
-            </a:r>
-            <a:r>
-              <a:rPr lang="en-US" sz="1200" dirty="0">
-                <a:solidFill>
-                  <a:srgbClr val="A31515"/>
-                </a:solidFill>
-                <a:latin typeface="Consolas" panose="020B0609020204030204" pitchFamily="49" charset="0"/>
-              </a:rPr>
-              <a:t>"Metric"</a:t>
-            </a:r>
-            <a:r>
-              <a:rPr lang="en-US" sz="1200" dirty="0">
-                <a:solidFill>
-                  <a:srgbClr val="000000"/>
-                </a:solidFill>
-                <a:latin typeface="Consolas" panose="020B0609020204030204" pitchFamily="49" charset="0"/>
-              </a:rPr>
-              <a:t>, </a:t>
-            </a:r>
-            <a:r>
-              <a:rPr lang="en-US" sz="1200" dirty="0">
-                <a:solidFill>
-                  <a:srgbClr val="A31515"/>
-                </a:solidFill>
-                <a:latin typeface="Consolas" panose="020B0609020204030204" pitchFamily="49" charset="0"/>
-              </a:rPr>
-              <a:t>"</a:t>
-            </a:r>
-            <a:r>
-              <a:rPr lang="en-US" sz="1200" dirty="0" err="1">
-                <a:solidFill>
-                  <a:srgbClr val="A31515"/>
-                </a:solidFill>
-                <a:latin typeface="Consolas" panose="020B0609020204030204" pitchFamily="49" charset="0"/>
-              </a:rPr>
-              <a:t>PageView</a:t>
-            </a:r>
-            <a:r>
-              <a:rPr lang="en-US" sz="1200" dirty="0">
-                <a:solidFill>
-                  <a:srgbClr val="A31515"/>
-                </a:solidFill>
-                <a:latin typeface="Consolas" panose="020B0609020204030204" pitchFamily="49" charset="0"/>
-              </a:rPr>
-              <a:t>"</a:t>
-            </a:r>
-            <a:r>
-              <a:rPr lang="en-US" sz="1200" dirty="0">
-                <a:solidFill>
-                  <a:srgbClr val="000000"/>
-                </a:solidFill>
-                <a:latin typeface="Consolas" panose="020B0609020204030204" pitchFamily="49" charset="0"/>
-              </a:rPr>
-              <a:t>, </a:t>
-            </a:r>
-            <a:r>
-              <a:rPr lang="en-US" sz="1200" dirty="0">
-                <a:solidFill>
-                  <a:srgbClr val="A31515"/>
-                </a:solidFill>
-                <a:latin typeface="Consolas" panose="020B0609020204030204" pitchFamily="49" charset="0"/>
-              </a:rPr>
-              <a:t>"Trace"</a:t>
-            </a:r>
-            <a:r>
-              <a:rPr lang="en-US" sz="1200" dirty="0">
-                <a:solidFill>
-                  <a:srgbClr val="000000"/>
-                </a:solidFill>
-                <a:latin typeface="Consolas" panose="020B0609020204030204" pitchFamily="49" charset="0"/>
-              </a:rPr>
-              <a:t>, </a:t>
-            </a:r>
-            <a:r>
-              <a:rPr lang="en-US" sz="1200" dirty="0">
-                <a:solidFill>
-                  <a:srgbClr val="A31515"/>
-                </a:solidFill>
-                <a:latin typeface="Consolas" panose="020B0609020204030204" pitchFamily="49" charset="0"/>
-              </a:rPr>
-              <a:t>"Dependency"</a:t>
-            </a:r>
-            <a:r>
-              <a:rPr lang="en-US" sz="1200" dirty="0">
-                <a:solidFill>
-                  <a:srgbClr val="000000"/>
-                </a:solidFill>
-                <a:latin typeface="Consolas" panose="020B0609020204030204" pitchFamily="49" charset="0"/>
-              </a:rPr>
-              <a:t>]; </a:t>
-            </a:r>
-            <a:r>
-              <a:rPr lang="en-US" sz="1200" dirty="0" err="1">
-                <a:solidFill>
-                  <a:srgbClr val="000000"/>
-                </a:solidFill>
-                <a:latin typeface="Consolas" panose="020B0609020204030204" pitchFamily="49" charset="0"/>
-              </a:rPr>
-              <a:t>r.length</a:t>
-            </a:r>
-            <a:r>
-              <a:rPr lang="en-US" sz="1200" dirty="0">
-                <a:solidFill>
-                  <a:srgbClr val="000000"/>
-                </a:solidFill>
-                <a:latin typeface="Consolas" panose="020B0609020204030204" pitchFamily="49" charset="0"/>
-              </a:rPr>
-              <a:t>;) </a:t>
-            </a:r>
-            <a:r>
-              <a:rPr lang="en-US" sz="1200" dirty="0" err="1">
-                <a:solidFill>
-                  <a:srgbClr val="000000"/>
-                </a:solidFill>
-                <a:latin typeface="Consolas" panose="020B0609020204030204" pitchFamily="49" charset="0"/>
-              </a:rPr>
-              <a:t>i</a:t>
-            </a:r>
-            <a:r>
-              <a:rPr lang="en-US" sz="1200" dirty="0">
-                <a:solidFill>
-                  <a:srgbClr val="000000"/>
-                </a:solidFill>
-                <a:latin typeface="Consolas" panose="020B0609020204030204" pitchFamily="49" charset="0"/>
-              </a:rPr>
-              <a:t>(</a:t>
-            </a:r>
-            <a:r>
-              <a:rPr lang="en-US" sz="1200" dirty="0">
-                <a:solidFill>
-                  <a:srgbClr val="A31515"/>
-                </a:solidFill>
-                <a:latin typeface="Consolas" panose="020B0609020204030204" pitchFamily="49" charset="0"/>
-              </a:rPr>
-              <a:t>"track"</a:t>
-            </a:r>
-            <a:r>
-              <a:rPr lang="en-US" sz="1200" dirty="0">
-                <a:solidFill>
-                  <a:srgbClr val="000000"/>
-                </a:solidFill>
-                <a:latin typeface="Consolas" panose="020B0609020204030204" pitchFamily="49" charset="0"/>
-              </a:rPr>
-              <a:t> + </a:t>
-            </a:r>
-            <a:r>
-              <a:rPr lang="en-US" sz="1200" dirty="0" err="1">
-                <a:solidFill>
-                  <a:srgbClr val="000000"/>
-                </a:solidFill>
-                <a:latin typeface="Consolas" panose="020B0609020204030204" pitchFamily="49" charset="0"/>
-              </a:rPr>
-              <a:t>r.pop</a:t>
-            </a:r>
-            <a:r>
-              <a:rPr lang="en-US" sz="1200" dirty="0">
-                <a:solidFill>
-                  <a:srgbClr val="000000"/>
-                </a:solidFill>
-                <a:latin typeface="Consolas" panose="020B0609020204030204" pitchFamily="49" charset="0"/>
-              </a:rPr>
-              <a:t>()); </a:t>
-            </a:r>
-            <a:r>
-              <a:rPr lang="en-US" sz="1200" dirty="0">
-                <a:solidFill>
-                  <a:srgbClr val="0000FF"/>
-                </a:solidFill>
-                <a:latin typeface="Consolas" panose="020B0609020204030204" pitchFamily="49" charset="0"/>
-              </a:rPr>
-              <a:t>return</a:t>
-            </a:r>
-            <a:r>
-              <a:rPr lang="en-US" sz="1200" dirty="0">
-                <a:solidFill>
-                  <a:srgbClr val="000000"/>
-                </a:solidFill>
-                <a:latin typeface="Consolas" panose="020B0609020204030204" pitchFamily="49" charset="0"/>
-              </a:rPr>
-              <a:t> </a:t>
-            </a:r>
-            <a:r>
-              <a:rPr lang="en-US" sz="1200" dirty="0" err="1">
-                <a:solidFill>
-                  <a:srgbClr val="000000"/>
-                </a:solidFill>
-                <a:latin typeface="Consolas" panose="020B0609020204030204" pitchFamily="49" charset="0"/>
-              </a:rPr>
-              <a:t>i</a:t>
-            </a:r>
-            <a:r>
-              <a:rPr lang="en-US" sz="1200" dirty="0">
-                <a:solidFill>
-                  <a:srgbClr val="000000"/>
-                </a:solidFill>
-                <a:latin typeface="Consolas" panose="020B0609020204030204" pitchFamily="49" charset="0"/>
-              </a:rPr>
-              <a:t>(</a:t>
-            </a:r>
-            <a:r>
-              <a:rPr lang="en-US" sz="1200" dirty="0">
-                <a:solidFill>
-                  <a:srgbClr val="A31515"/>
-                </a:solidFill>
-                <a:latin typeface="Consolas" panose="020B0609020204030204" pitchFamily="49" charset="0"/>
-              </a:rPr>
-              <a:t>"set"</a:t>
-            </a:r>
-            <a:r>
-              <a:rPr lang="en-US" sz="1200" dirty="0">
-                <a:solidFill>
-                  <a:srgbClr val="000000"/>
-                </a:solidFill>
-                <a:latin typeface="Consolas" panose="020B0609020204030204" pitchFamily="49" charset="0"/>
-              </a:rPr>
-              <a:t> + s), </a:t>
-            </a:r>
-            <a:r>
-              <a:rPr lang="en-US" sz="1200" dirty="0" err="1">
-                <a:solidFill>
-                  <a:srgbClr val="000000"/>
-                </a:solidFill>
-                <a:latin typeface="Consolas" panose="020B0609020204030204" pitchFamily="49" charset="0"/>
-              </a:rPr>
-              <a:t>i</a:t>
-            </a:r>
-            <a:r>
-              <a:rPr lang="en-US" sz="1200" dirty="0">
-                <a:solidFill>
-                  <a:srgbClr val="000000"/>
-                </a:solidFill>
-                <a:latin typeface="Consolas" panose="020B0609020204030204" pitchFamily="49" charset="0"/>
-              </a:rPr>
-              <a:t>(</a:t>
-            </a:r>
-            <a:r>
-              <a:rPr lang="en-US" sz="1200" dirty="0">
-                <a:solidFill>
-                  <a:srgbClr val="A31515"/>
-                </a:solidFill>
-                <a:latin typeface="Consolas" panose="020B0609020204030204" pitchFamily="49" charset="0"/>
-              </a:rPr>
-              <a:t>"clear"</a:t>
-            </a:r>
-            <a:r>
-              <a:rPr lang="en-US" sz="1200" dirty="0">
-                <a:solidFill>
-                  <a:srgbClr val="000000"/>
-                </a:solidFill>
-                <a:latin typeface="Consolas" panose="020B0609020204030204" pitchFamily="49" charset="0"/>
-              </a:rPr>
-              <a:t> + s), </a:t>
-            </a:r>
-            <a:r>
-              <a:rPr lang="en-US" sz="1200" dirty="0" err="1">
-                <a:solidFill>
-                  <a:srgbClr val="000000"/>
-                </a:solidFill>
-                <a:latin typeface="Consolas" panose="020B0609020204030204" pitchFamily="49" charset="0"/>
-              </a:rPr>
-              <a:t>i</a:t>
-            </a:r>
-            <a:r>
-              <a:rPr lang="en-US" sz="1200" dirty="0">
-                <a:solidFill>
-                  <a:srgbClr val="000000"/>
-                </a:solidFill>
-                <a:latin typeface="Consolas" panose="020B0609020204030204" pitchFamily="49" charset="0"/>
-              </a:rPr>
-              <a:t>(h + a), </a:t>
-            </a:r>
-            <a:r>
-              <a:rPr lang="en-US" sz="1200" dirty="0" err="1">
-                <a:solidFill>
-                  <a:srgbClr val="000000"/>
-                </a:solidFill>
-                <a:latin typeface="Consolas" panose="020B0609020204030204" pitchFamily="49" charset="0"/>
-              </a:rPr>
-              <a:t>i</a:t>
-            </a:r>
-            <a:r>
-              <a:rPr lang="en-US" sz="1200" dirty="0">
-                <a:solidFill>
-                  <a:srgbClr val="000000"/>
-                </a:solidFill>
-                <a:latin typeface="Consolas" panose="020B0609020204030204" pitchFamily="49" charset="0"/>
-              </a:rPr>
-              <a:t>(c + a), </a:t>
-            </a:r>
-            <a:r>
-              <a:rPr lang="en-US" sz="1200" dirty="0" err="1">
-                <a:solidFill>
-                  <a:srgbClr val="000000"/>
-                </a:solidFill>
-                <a:latin typeface="Consolas" panose="020B0609020204030204" pitchFamily="49" charset="0"/>
-              </a:rPr>
-              <a:t>i</a:t>
-            </a:r>
-            <a:r>
-              <a:rPr lang="en-US" sz="1200" dirty="0">
-                <a:solidFill>
-                  <a:srgbClr val="000000"/>
-                </a:solidFill>
-                <a:latin typeface="Consolas" panose="020B0609020204030204" pitchFamily="49" charset="0"/>
-              </a:rPr>
-              <a:t>(h + v), </a:t>
-            </a:r>
-            <a:r>
-              <a:rPr lang="en-US" sz="1200" dirty="0" err="1">
-                <a:solidFill>
-                  <a:srgbClr val="000000"/>
-                </a:solidFill>
-                <a:latin typeface="Consolas" panose="020B0609020204030204" pitchFamily="49" charset="0"/>
-              </a:rPr>
-              <a:t>i</a:t>
-            </a:r>
-            <a:r>
-              <a:rPr lang="en-US" sz="1200" dirty="0">
-                <a:solidFill>
-                  <a:srgbClr val="000000"/>
-                </a:solidFill>
-                <a:latin typeface="Consolas" panose="020B0609020204030204" pitchFamily="49" charset="0"/>
-              </a:rPr>
-              <a:t>(c + v), </a:t>
-            </a:r>
-            <a:r>
-              <a:rPr lang="en-US" sz="1200" dirty="0" err="1">
-                <a:solidFill>
-                  <a:srgbClr val="000000"/>
-                </a:solidFill>
-                <a:latin typeface="Consolas" panose="020B0609020204030204" pitchFamily="49" charset="0"/>
-              </a:rPr>
-              <a:t>i</a:t>
-            </a:r>
-            <a:r>
-              <a:rPr lang="en-US" sz="1200" dirty="0">
-                <a:solidFill>
-                  <a:srgbClr val="000000"/>
-                </a:solidFill>
-                <a:latin typeface="Consolas" panose="020B0609020204030204" pitchFamily="49" charset="0"/>
-              </a:rPr>
-              <a:t>(</a:t>
-            </a:r>
-            <a:r>
-              <a:rPr lang="en-US" sz="1200" dirty="0">
-                <a:solidFill>
-                  <a:srgbClr val="A31515"/>
-                </a:solidFill>
-                <a:latin typeface="Consolas" panose="020B0609020204030204" pitchFamily="49" charset="0"/>
-              </a:rPr>
-              <a:t>"flush"</a:t>
-            </a:r>
-            <a:r>
-              <a:rPr lang="en-US" sz="1200" dirty="0">
-                <a:solidFill>
-                  <a:srgbClr val="000000"/>
-                </a:solidFill>
-                <a:latin typeface="Consolas" panose="020B0609020204030204" pitchFamily="49" charset="0"/>
-              </a:rPr>
-              <a:t>), </a:t>
-            </a:r>
-            <a:r>
-              <a:rPr lang="en-US" sz="1200" dirty="0" err="1">
-                <a:solidFill>
-                  <a:srgbClr val="000000"/>
-                </a:solidFill>
-                <a:latin typeface="Consolas" panose="020B0609020204030204" pitchFamily="49" charset="0"/>
-              </a:rPr>
-              <a:t>config.disableExceptionTracking</a:t>
-            </a:r>
-            <a:r>
-              <a:rPr lang="en-US" sz="1200" dirty="0">
-                <a:solidFill>
-                  <a:srgbClr val="000000"/>
-                </a:solidFill>
-                <a:latin typeface="Consolas" panose="020B0609020204030204" pitchFamily="49" charset="0"/>
-              </a:rPr>
-              <a:t> || (r = </a:t>
-            </a:r>
-            <a:r>
-              <a:rPr lang="en-US" sz="1200" dirty="0">
-                <a:solidFill>
-                  <a:srgbClr val="A31515"/>
-                </a:solidFill>
-                <a:latin typeface="Consolas" panose="020B0609020204030204" pitchFamily="49" charset="0"/>
-              </a:rPr>
-              <a:t>"</a:t>
-            </a:r>
-            <a:r>
-              <a:rPr lang="en-US" sz="1200" dirty="0" err="1">
-                <a:solidFill>
-                  <a:srgbClr val="A31515"/>
-                </a:solidFill>
-                <a:latin typeface="Consolas" panose="020B0609020204030204" pitchFamily="49" charset="0"/>
-              </a:rPr>
-              <a:t>onerror</a:t>
-            </a:r>
-            <a:r>
-              <a:rPr lang="en-US" sz="1200" dirty="0">
-                <a:solidFill>
-                  <a:srgbClr val="A31515"/>
-                </a:solidFill>
-                <a:latin typeface="Consolas" panose="020B0609020204030204" pitchFamily="49" charset="0"/>
-              </a:rPr>
-              <a:t>"</a:t>
-            </a:r>
-            <a:r>
-              <a:rPr lang="en-US" sz="1200" dirty="0">
-                <a:solidFill>
-                  <a:srgbClr val="000000"/>
-                </a:solidFill>
-                <a:latin typeface="Consolas" panose="020B0609020204030204" pitchFamily="49" charset="0"/>
-              </a:rPr>
-              <a:t>, </a:t>
-            </a:r>
-            <a:r>
-              <a:rPr lang="en-US" sz="1200" dirty="0" err="1">
-                <a:solidFill>
-                  <a:srgbClr val="000000"/>
-                </a:solidFill>
-                <a:latin typeface="Consolas" panose="020B0609020204030204" pitchFamily="49" charset="0"/>
-              </a:rPr>
-              <a:t>i</a:t>
-            </a:r>
-            <a:r>
-              <a:rPr lang="en-US" sz="1200" dirty="0">
-                <a:solidFill>
-                  <a:srgbClr val="000000"/>
-                </a:solidFill>
-                <a:latin typeface="Consolas" panose="020B0609020204030204" pitchFamily="49" charset="0"/>
-              </a:rPr>
-              <a:t>(</a:t>
-            </a:r>
-            <a:r>
-              <a:rPr lang="en-US" sz="1200" dirty="0">
-                <a:solidFill>
-                  <a:srgbClr val="A31515"/>
-                </a:solidFill>
-                <a:latin typeface="Consolas" panose="020B0609020204030204" pitchFamily="49" charset="0"/>
-              </a:rPr>
-              <a:t>"_"</a:t>
-            </a:r>
-            <a:r>
-              <a:rPr lang="en-US" sz="1200" dirty="0">
-                <a:solidFill>
-                  <a:srgbClr val="000000"/>
-                </a:solidFill>
-                <a:latin typeface="Consolas" panose="020B0609020204030204" pitchFamily="49" charset="0"/>
-              </a:rPr>
-              <a:t> + r), f = e[r], e[r] = </a:t>
-            </a:r>
-            <a:r>
-              <a:rPr lang="en-US" sz="1200" dirty="0">
-                <a:solidFill>
-                  <a:srgbClr val="0000FF"/>
-                </a:solidFill>
-                <a:latin typeface="Consolas" panose="020B0609020204030204" pitchFamily="49" charset="0"/>
-              </a:rPr>
-              <a:t>function</a:t>
-            </a:r>
-            <a:r>
-              <a:rPr lang="en-US" sz="1200" dirty="0">
-                <a:solidFill>
-                  <a:srgbClr val="000000"/>
-                </a:solidFill>
-                <a:latin typeface="Consolas" panose="020B0609020204030204" pitchFamily="49" charset="0"/>
-              </a:rPr>
-              <a:t> (config, </a:t>
-            </a:r>
-            <a:r>
-              <a:rPr lang="en-US" sz="1200" dirty="0" err="1">
-                <a:solidFill>
-                  <a:srgbClr val="000000"/>
-                </a:solidFill>
-                <a:latin typeface="Consolas" panose="020B0609020204030204" pitchFamily="49" charset="0"/>
-              </a:rPr>
-              <a:t>i</a:t>
-            </a:r>
-            <a:r>
-              <a:rPr lang="en-US" sz="1200" dirty="0">
-                <a:solidFill>
-                  <a:srgbClr val="000000"/>
-                </a:solidFill>
-                <a:latin typeface="Consolas" panose="020B0609020204030204" pitchFamily="49" charset="0"/>
-              </a:rPr>
-              <a:t>, u, e, o) { </a:t>
-            </a:r>
-            <a:r>
-              <a:rPr lang="en-US" sz="1200" dirty="0" err="1">
-                <a:solidFill>
-                  <a:srgbClr val="0000FF"/>
-                </a:solidFill>
-                <a:latin typeface="Consolas" panose="020B0609020204030204" pitchFamily="49" charset="0"/>
-              </a:rPr>
-              <a:t>var</a:t>
-            </a:r>
-            <a:r>
-              <a:rPr lang="en-US" sz="1200" dirty="0">
-                <a:solidFill>
-                  <a:srgbClr val="000000"/>
-                </a:solidFill>
-                <a:latin typeface="Consolas" panose="020B0609020204030204" pitchFamily="49" charset="0"/>
-              </a:rPr>
-              <a:t> s = f &amp;&amp; f(config, </a:t>
-            </a:r>
-            <a:r>
-              <a:rPr lang="en-US" sz="1200" dirty="0" err="1">
-                <a:solidFill>
-                  <a:srgbClr val="000000"/>
-                </a:solidFill>
-                <a:latin typeface="Consolas" panose="020B0609020204030204" pitchFamily="49" charset="0"/>
-              </a:rPr>
-              <a:t>i</a:t>
-            </a:r>
-            <a:r>
-              <a:rPr lang="en-US" sz="1200" dirty="0">
-                <a:solidFill>
-                  <a:srgbClr val="000000"/>
-                </a:solidFill>
-                <a:latin typeface="Consolas" panose="020B0609020204030204" pitchFamily="49" charset="0"/>
-              </a:rPr>
-              <a:t>, u, e, o); </a:t>
-            </a:r>
-            <a:r>
-              <a:rPr lang="en-US" sz="1200" dirty="0">
-                <a:solidFill>
-                  <a:srgbClr val="0000FF"/>
-                </a:solidFill>
-                <a:latin typeface="Consolas" panose="020B0609020204030204" pitchFamily="49" charset="0"/>
-              </a:rPr>
-              <a:t>return</a:t>
-            </a:r>
-            <a:r>
-              <a:rPr lang="en-US" sz="1200" dirty="0">
-                <a:solidFill>
-                  <a:srgbClr val="000000"/>
-                </a:solidFill>
-                <a:latin typeface="Consolas" panose="020B0609020204030204" pitchFamily="49" charset="0"/>
-              </a:rPr>
-              <a:t> s !== !0 &amp;&amp; t[</a:t>
-            </a:r>
-            <a:r>
-              <a:rPr lang="en-US" sz="1200" dirty="0">
-                <a:solidFill>
-                  <a:srgbClr val="A31515"/>
-                </a:solidFill>
-                <a:latin typeface="Consolas" panose="020B0609020204030204" pitchFamily="49" charset="0"/>
-              </a:rPr>
-              <a:t>"_"</a:t>
-            </a:r>
-            <a:r>
-              <a:rPr lang="en-US" sz="1200" dirty="0">
-                <a:solidFill>
-                  <a:srgbClr val="000000"/>
-                </a:solidFill>
-                <a:latin typeface="Consolas" panose="020B0609020204030204" pitchFamily="49" charset="0"/>
-              </a:rPr>
-              <a:t> + r](config, </a:t>
-            </a:r>
-            <a:r>
-              <a:rPr lang="en-US" sz="1200" dirty="0" err="1">
-                <a:solidFill>
-                  <a:srgbClr val="000000"/>
-                </a:solidFill>
-                <a:latin typeface="Consolas" panose="020B0609020204030204" pitchFamily="49" charset="0"/>
-              </a:rPr>
-              <a:t>i</a:t>
-            </a:r>
-            <a:r>
-              <a:rPr lang="en-US" sz="1200" dirty="0">
-                <a:solidFill>
-                  <a:srgbClr val="000000"/>
-                </a:solidFill>
-                <a:latin typeface="Consolas" panose="020B0609020204030204" pitchFamily="49" charset="0"/>
-              </a:rPr>
-              <a:t>, u, e, o), s }), t</a:t>
-            </a:r>
-          </a:p>
-          <a:p>
-            <a:r>
-              <a:rPr lang="en-US" sz="1200" dirty="0">
-                <a:solidFill>
-                  <a:srgbClr val="000000"/>
-                </a:solidFill>
-                <a:latin typeface="Consolas" panose="020B0609020204030204" pitchFamily="49" charset="0"/>
-              </a:rPr>
-              <a:t>    }({</a:t>
-            </a:r>
-          </a:p>
-          <a:p>
-            <a:r>
-              <a:rPr lang="en-US" sz="1200" dirty="0">
-                <a:solidFill>
-                  <a:srgbClr val="000000"/>
-                </a:solidFill>
-                <a:latin typeface="Consolas" panose="020B0609020204030204" pitchFamily="49" charset="0"/>
-              </a:rPr>
-              <a:t>        </a:t>
-            </a:r>
-            <a:r>
-              <a:rPr lang="en-US" sz="1200" dirty="0" err="1">
-                <a:solidFill>
-                  <a:srgbClr val="000000"/>
-                </a:solidFill>
-                <a:latin typeface="Consolas" panose="020B0609020204030204" pitchFamily="49" charset="0"/>
-              </a:rPr>
-              <a:t>instrumentationKey</a:t>
-            </a:r>
-            <a:r>
-              <a:rPr lang="en-US" sz="1200" dirty="0">
-                <a:solidFill>
-                  <a:srgbClr val="000000"/>
-                </a:solidFill>
-                <a:latin typeface="Consolas" panose="020B0609020204030204" pitchFamily="49" charset="0"/>
-              </a:rPr>
-              <a:t>: </a:t>
-            </a:r>
-            <a:r>
-              <a:rPr lang="en-US" sz="1200" dirty="0">
-                <a:solidFill>
-                  <a:srgbClr val="A31515"/>
-                </a:solidFill>
-                <a:latin typeface="Consolas" panose="020B0609020204030204" pitchFamily="49" charset="0"/>
-              </a:rPr>
-              <a:t>"</a:t>
-            </a:r>
-            <a:r>
-              <a:rPr lang="en-US" sz="1200" dirty="0">
-                <a:solidFill>
-                  <a:srgbClr val="000000"/>
-                </a:solidFill>
-                <a:latin typeface="Consolas" panose="020B0609020204030204" pitchFamily="49" charset="0"/>
-              </a:rPr>
-              <a:t>@Microsoft.ApplicationInsights.Extensibility.</a:t>
-            </a:r>
-            <a:r>
-              <a:rPr lang="en-US" sz="1200" dirty="0">
-                <a:solidFill>
-                  <a:srgbClr val="2B91AF"/>
-                </a:solidFill>
-                <a:latin typeface="Consolas" panose="020B0609020204030204" pitchFamily="49" charset="0"/>
-              </a:rPr>
-              <a:t>TelemetryConfiguration</a:t>
-            </a:r>
-            <a:r>
-              <a:rPr lang="en-US" sz="1200" dirty="0">
-                <a:solidFill>
-                  <a:srgbClr val="000000"/>
-                </a:solidFill>
-                <a:latin typeface="Consolas" panose="020B0609020204030204" pitchFamily="49" charset="0"/>
-              </a:rPr>
-              <a:t>.Active.InstrumentationKey</a:t>
-            </a:r>
-            <a:r>
-              <a:rPr lang="en-US" sz="1200" dirty="0">
-                <a:solidFill>
-                  <a:srgbClr val="A31515"/>
-                </a:solidFill>
-                <a:latin typeface="Consolas" panose="020B0609020204030204" pitchFamily="49" charset="0"/>
-              </a:rPr>
-              <a:t>"</a:t>
-            </a:r>
-            <a:endParaRPr lang="en-US" sz="1200" dirty="0">
-              <a:solidFill>
-                <a:srgbClr val="000000"/>
-              </a:solidFill>
-              <a:latin typeface="Consolas" panose="020B0609020204030204" pitchFamily="49" charset="0"/>
-            </a:endParaRPr>
-          </a:p>
-          <a:p>
-            <a:r>
-              <a:rPr lang="en-US" sz="1200" dirty="0">
-                <a:solidFill>
-                  <a:srgbClr val="000000"/>
-                </a:solidFill>
-                <a:latin typeface="Consolas" panose="020B0609020204030204" pitchFamily="49" charset="0"/>
-              </a:rPr>
-              <a:t>    });</a:t>
-            </a:r>
-          </a:p>
-          <a:p>
-            <a:r>
-              <a:rPr lang="en-US" sz="1200" dirty="0">
-                <a:solidFill>
-                  <a:srgbClr val="000000"/>
-                </a:solidFill>
-                <a:latin typeface="Consolas" panose="020B0609020204030204" pitchFamily="49" charset="0"/>
-              </a:rPr>
-              <a:t>    </a:t>
-            </a:r>
-            <a:r>
-              <a:rPr lang="en-US" sz="1200" dirty="0" err="1">
-                <a:solidFill>
-                  <a:srgbClr val="000000"/>
-                </a:solidFill>
-                <a:latin typeface="Consolas" panose="020B0609020204030204" pitchFamily="49" charset="0"/>
-              </a:rPr>
-              <a:t>window.appInsights</a:t>
-            </a:r>
-            <a:r>
-              <a:rPr lang="en-US" sz="1200" dirty="0">
-                <a:solidFill>
-                  <a:srgbClr val="000000"/>
-                </a:solidFill>
-                <a:latin typeface="Consolas" panose="020B0609020204030204" pitchFamily="49" charset="0"/>
-              </a:rPr>
-              <a:t> = </a:t>
-            </a:r>
-            <a:r>
-              <a:rPr lang="en-US" sz="1200" dirty="0" err="1">
-                <a:solidFill>
-                  <a:srgbClr val="000000"/>
-                </a:solidFill>
-                <a:latin typeface="Consolas" panose="020B0609020204030204" pitchFamily="49" charset="0"/>
-              </a:rPr>
-              <a:t>appInsights</a:t>
-            </a:r>
-            <a:r>
-              <a:rPr lang="en-US" sz="1200" dirty="0">
-                <a:solidFill>
-                  <a:srgbClr val="000000"/>
-                </a:solidFill>
-                <a:latin typeface="Consolas" panose="020B0609020204030204" pitchFamily="49" charset="0"/>
-              </a:rPr>
-              <a:t>;</a:t>
-            </a:r>
-          </a:p>
-          <a:p>
-            <a:r>
-              <a:rPr lang="en-US" sz="1200" dirty="0">
-                <a:solidFill>
-                  <a:srgbClr val="000000"/>
-                </a:solidFill>
-                <a:latin typeface="Consolas" panose="020B0609020204030204" pitchFamily="49" charset="0"/>
-              </a:rPr>
-              <a:t>    </a:t>
-            </a:r>
-            <a:r>
-              <a:rPr lang="en-US" sz="1200" dirty="0" err="1">
-                <a:solidFill>
-                  <a:srgbClr val="000000"/>
-                </a:solidFill>
-                <a:latin typeface="Consolas" panose="020B0609020204030204" pitchFamily="49" charset="0"/>
-              </a:rPr>
-              <a:t>appInsights.trackPageView</a:t>
-            </a:r>
-            <a:r>
-              <a:rPr lang="en-US" sz="1200" dirty="0">
-                <a:solidFill>
-                  <a:srgbClr val="000000"/>
-                </a:solidFill>
-                <a:latin typeface="Consolas" panose="020B0609020204030204" pitchFamily="49" charset="0"/>
-              </a:rPr>
-              <a:t>();</a:t>
-            </a:r>
-          </a:p>
-          <a:p>
-            <a:r>
-              <a:rPr lang="en-US" sz="1200" dirty="0">
-                <a:solidFill>
-                  <a:srgbClr val="0000FF"/>
-                </a:solidFill>
-                <a:latin typeface="Consolas" panose="020B0609020204030204" pitchFamily="49" charset="0"/>
-              </a:rPr>
-              <a:t>&lt;/</a:t>
-            </a:r>
-            <a:r>
-              <a:rPr lang="en-US" sz="1200" dirty="0">
-                <a:solidFill>
-                  <a:srgbClr val="800000"/>
-                </a:solidFill>
-                <a:latin typeface="Consolas" panose="020B0609020204030204" pitchFamily="49" charset="0"/>
-              </a:rPr>
-              <a:t>script</a:t>
-            </a:r>
-            <a:r>
-              <a:rPr lang="en-US" sz="1200" dirty="0">
-                <a:solidFill>
-                  <a:srgbClr val="0000FF"/>
-                </a:solidFill>
-                <a:latin typeface="Consolas" panose="020B0609020204030204" pitchFamily="49" charset="0"/>
-              </a:rPr>
-              <a:t>&gt;</a:t>
-            </a:r>
-            <a:endParaRPr lang="en-US" sz="1200" dirty="0"/>
-          </a:p>
-        </p:txBody>
-      </p:sp>
-      <p:sp>
-        <p:nvSpPr>
-          <p:cNvPr id="5" name="Rectangle 4"/>
-          <p:cNvSpPr/>
+              <a:rPr lang="en-US" sz="4800" dirty="0"/>
+              <a:t>Before deploying your app on production or staging we should always look at every possible way to improve performance and monitor how your app doing online.</a:t>
+            </a:r>
+          </a:p>
+        </p:txBody>
+      </p:sp>
+      <p:pic>
+        <p:nvPicPr>
+          <p:cNvPr id="2" name="Picture 1"/>
+          <p:cNvPicPr>
+            <a:picLocks noChangeAspect="1"/>
+          </p:cNvPicPr>
           <p:nvPr/>
-        </p:nvSpPr>
+        </p:nvPicPr>
+        <p:blipFill>
+          <a:blip r:embed="rId2"/>
+          <a:stretch>
+            <a:fillRect/>
+          </a:stretch>
+        </p:blipFill>
         <p:spPr>
           <a:xfrm>
-            <a:off x="936394" y="5613364"/>
-            <a:ext cx="10583161" cy="276999"/>
+            <a:off x="1173972" y="771045"/>
+            <a:ext cx="6992533" cy="1837142"/>
           </a:xfrm>
           <a:prstGeom prst="rect">
             <a:avLst/>
           </a:prstGeom>
         </p:spPr>
-        <p:txBody>
-          <a:bodyPr wrap="square">
-            <a:spAutoFit/>
-          </a:bodyPr>
-          <a:lstStyle/>
-          <a:p>
-            <a:r>
-              <a:rPr lang="en-GB" sz="1200" dirty="0">
-                <a:solidFill>
-                  <a:srgbClr val="0000FF"/>
-                </a:solidFill>
-                <a:latin typeface="Consolas" panose="020B0609020204030204" pitchFamily="49" charset="0"/>
-              </a:rPr>
-              <a:t>&lt;</a:t>
-            </a:r>
-            <a:r>
-              <a:rPr lang="en-GB" sz="1200" dirty="0">
-                <a:solidFill>
-                  <a:srgbClr val="A31515"/>
-                </a:solidFill>
-                <a:latin typeface="Consolas" panose="020B0609020204030204" pitchFamily="49" charset="0"/>
-              </a:rPr>
-              <a:t>add</a:t>
-            </a:r>
-            <a:r>
-              <a:rPr lang="en-GB" sz="1200" dirty="0">
-                <a:solidFill>
-                  <a:srgbClr val="0000FF"/>
-                </a:solidFill>
-                <a:latin typeface="Consolas" panose="020B0609020204030204" pitchFamily="49" charset="0"/>
-              </a:rPr>
-              <a:t> </a:t>
-            </a:r>
-            <a:r>
-              <a:rPr lang="en-GB" sz="1200" dirty="0">
-                <a:solidFill>
-                  <a:srgbClr val="FF0000"/>
-                </a:solidFill>
-                <a:latin typeface="Consolas" panose="020B0609020204030204" pitchFamily="49" charset="0"/>
-              </a:rPr>
-              <a:t>key</a:t>
-            </a:r>
-            <a:r>
-              <a:rPr lang="en-GB" sz="1200" dirty="0">
-                <a:solidFill>
-                  <a:srgbClr val="0000FF"/>
-                </a:solidFill>
-                <a:latin typeface="Consolas" panose="020B0609020204030204" pitchFamily="49" charset="0"/>
-              </a:rPr>
-              <a:t>=</a:t>
-            </a:r>
-            <a:r>
-              <a:rPr lang="en-GB" sz="1200" dirty="0">
-                <a:solidFill>
-                  <a:srgbClr val="000000"/>
-                </a:solidFill>
-                <a:latin typeface="Consolas" panose="020B0609020204030204" pitchFamily="49" charset="0"/>
-              </a:rPr>
-              <a:t>"</a:t>
-            </a:r>
-            <a:r>
-              <a:rPr lang="en-GB" sz="1200" dirty="0" err="1">
-                <a:solidFill>
-                  <a:srgbClr val="0000FF"/>
-                </a:solidFill>
-                <a:latin typeface="Consolas" panose="020B0609020204030204" pitchFamily="49" charset="0"/>
-              </a:rPr>
-              <a:t>iKey</a:t>
-            </a:r>
-            <a:r>
-              <a:rPr lang="en-GB" sz="1200" dirty="0">
-                <a:solidFill>
-                  <a:srgbClr val="000000"/>
-                </a:solidFill>
-                <a:latin typeface="Consolas" panose="020B0609020204030204" pitchFamily="49" charset="0"/>
-              </a:rPr>
-              <a:t>"</a:t>
-            </a:r>
-            <a:r>
-              <a:rPr lang="en-GB" sz="1200" dirty="0">
-                <a:solidFill>
-                  <a:srgbClr val="0000FF"/>
-                </a:solidFill>
-                <a:latin typeface="Consolas" panose="020B0609020204030204" pitchFamily="49" charset="0"/>
-              </a:rPr>
-              <a:t> </a:t>
-            </a:r>
-            <a:r>
-              <a:rPr lang="en-GB" sz="1200" dirty="0">
-                <a:solidFill>
-                  <a:srgbClr val="FF0000"/>
-                </a:solidFill>
-                <a:latin typeface="Consolas" panose="020B0609020204030204" pitchFamily="49" charset="0"/>
-              </a:rPr>
-              <a:t>value</a:t>
-            </a:r>
-            <a:r>
-              <a:rPr lang="en-GB" sz="1200" dirty="0">
-                <a:solidFill>
-                  <a:srgbClr val="0000FF"/>
-                </a:solidFill>
-                <a:latin typeface="Consolas" panose="020B0609020204030204" pitchFamily="49" charset="0"/>
-              </a:rPr>
-              <a:t>=</a:t>
-            </a:r>
-            <a:r>
-              <a:rPr lang="en-GB" sz="1200" dirty="0">
-                <a:solidFill>
-                  <a:srgbClr val="000000"/>
-                </a:solidFill>
-                <a:latin typeface="Consolas" panose="020B0609020204030204" pitchFamily="49" charset="0"/>
-              </a:rPr>
-              <a:t>"</a:t>
-            </a:r>
-            <a:r>
-              <a:rPr lang="en-GB" sz="1200" dirty="0" err="1">
-                <a:solidFill>
-                  <a:srgbClr val="0000FF"/>
-                </a:solidFill>
-                <a:latin typeface="Consolas" panose="020B0609020204030204" pitchFamily="49" charset="0"/>
-              </a:rPr>
-              <a:t>get_it_from_azure_portal</a:t>
-            </a:r>
-            <a:r>
-              <a:rPr lang="en-GB" sz="1200" dirty="0">
-                <a:solidFill>
-                  <a:srgbClr val="000000"/>
-                </a:solidFill>
-                <a:latin typeface="Consolas" panose="020B0609020204030204" pitchFamily="49" charset="0"/>
-              </a:rPr>
-              <a:t>"</a:t>
-            </a:r>
-            <a:r>
-              <a:rPr lang="en-GB" sz="1200" dirty="0">
-                <a:solidFill>
-                  <a:srgbClr val="0000FF"/>
-                </a:solidFill>
-                <a:latin typeface="Consolas" panose="020B0609020204030204" pitchFamily="49" charset="0"/>
-              </a:rPr>
-              <a:t>/&gt;</a:t>
-            </a:r>
-            <a:endParaRPr lang="en-US" sz="1200" dirty="0"/>
-          </a:p>
-        </p:txBody>
-      </p:sp>
+      </p:pic>
     </p:spTree>
     <p:extLst>
       <p:ext uri="{BB962C8B-B14F-4D97-AF65-F5344CB8AC3E}">
-        <p14:creationId xmlns:p14="http://schemas.microsoft.com/office/powerpoint/2010/main" val="1257610452"/>
+        <p14:creationId xmlns:p14="http://schemas.microsoft.com/office/powerpoint/2010/main" val="3331366805"/>
       </p:ext>
     </p:extLst>
   </p:cSld>
@@ -9254,7 +6693,7 @@
 </p:sld>
 </file>
 
-<file path=ppt/slides/slide7.xml><?xml version="1.0" encoding="utf-8"?>
+<file path=ppt/slides/slide4.xml><?xml version="1.0" encoding="utf-8"?>
 <p:sld xmlns:a="http://schemas.openxmlformats.org/drawingml/2006/main" xmlns:r="http://schemas.openxmlformats.org/officeDocument/2006/relationships" xmlns:p="http://schemas.openxmlformats.org/presentationml/2006/main">
   <p:cSld>
     <p:spTree>
@@ -9280,7 +6719,7 @@
         <p:spPr>
           <a:xfrm>
             <a:off x="832104" y="396147"/>
-            <a:ext cx="10323575" cy="1569660"/>
+            <a:ext cx="10323575" cy="830997"/>
           </a:xfrm>
           <a:prstGeom prst="rect">
             <a:avLst/>
@@ -9307,26 +6746,21 @@
                   </a:outerShdw>
                 </a:effectLst>
               </a:rPr>
-              <a:t>Web Essentials</a:t>
-            </a:r>
-          </a:p>
-          <a:p>
-            <a:r>
-              <a:rPr lang="en-US" sz="4800" b="0" cap="none" spc="0" dirty="0">
-                <a:ln w="0"/>
-                <a:solidFill>
-                  <a:srgbClr val="00BCF2"/>
-                </a:solidFill>
-                <a:effectLst>
-                  <a:outerShdw blurRad="38100" dist="19050" dir="2700000" algn="tl" rotWithShape="0">
-                    <a:schemeClr val="dk1">
-                      <a:alpha val="40000"/>
-                    </a:schemeClr>
-                  </a:outerShdw>
-                </a:effectLst>
-              </a:rPr>
-              <a:t>A tool for every web developers</a:t>
-            </a:r>
+              <a:t>Application Insights</a:t>
+            </a:r>
+            <a:endParaRPr lang="en-US" sz="4800" b="0" cap="none" spc="0" dirty="0">
+              <a:ln w="0"/>
+              <a:solidFill>
+                <a:srgbClr val="00BCF2"/>
+              </a:solidFill>
+              <a:effectLst>
+                <a:outerShdw blurRad="38100" dist="19050" dir="2700000" algn="tl" rotWithShape="0">
+                  <a:schemeClr val="dk1">
+                    <a:alpha val="40000"/>
+                  </a:schemeClr>
+                </a:outerShdw>
+              </a:effectLst>
+            </a:endParaRPr>
           </a:p>
         </p:txBody>
       </p:sp>
@@ -9378,14 +6812,14 @@
       </p:sp>
       <p:sp>
         <p:nvSpPr>
-          <p:cNvPr id="8" name="Rectangle 7"/>
+          <p:cNvPr id="2" name="Rectangle 1"/>
           <p:cNvSpPr/>
           <p:nvPr/>
         </p:nvSpPr>
         <p:spPr>
           <a:xfrm>
-            <a:off x="832104" y="2432339"/>
-            <a:ext cx="10048059" cy="3477875"/>
+            <a:off x="925290" y="1490007"/>
+            <a:ext cx="10631649" cy="4493538"/>
           </a:xfrm>
           <a:prstGeom prst="rect">
             <a:avLst/>
@@ -9397,117 +6831,72 @@
           </a:bodyPr>
           <a:lstStyle/>
           <a:p>
-            <a:pPr>
-              <a:spcBef>
-                <a:spcPts val="1200"/>
-              </a:spcBef>
+            <a:r>
+              <a:rPr lang="en-US" sz="2800" b="1" dirty="0">
+                <a:solidFill>
+                  <a:schemeClr val="accent6"/>
+                </a:solidFill>
+              </a:rPr>
+              <a:t>Gain actionable insights of your application through application performance management and instant analytics</a:t>
+            </a:r>
+          </a:p>
+          <a:p>
+            <a:endParaRPr lang="en-US" sz="2000" dirty="0"/>
+          </a:p>
+          <a:p>
+            <a:pPr marL="285750" indent="-285750">
+              <a:lnSpc>
+                <a:spcPct val="150000"/>
+              </a:lnSpc>
+              <a:buFont typeface="Wingdings" panose="05000000000000000000" pitchFamily="2" charset="2"/>
+              <a:buChar char="ü"/>
             </a:pPr>
             <a:r>
-              <a:rPr lang="en-US" dirty="0">
-                <a:solidFill>
-                  <a:srgbClr val="505050"/>
-                </a:solidFill>
-                <a:latin typeface="Segoe UI" panose="020B0502040204020203" pitchFamily="34" charset="0"/>
-              </a:rPr>
-              <a:t>I minify the </a:t>
-            </a:r>
-            <a:r>
-              <a:rPr lang="en-US" dirty="0" err="1">
-                <a:solidFill>
-                  <a:srgbClr val="505050"/>
-                </a:solidFill>
-                <a:latin typeface="Segoe UI" panose="020B0502040204020203" pitchFamily="34" charset="0"/>
-              </a:rPr>
-              <a:t>Javascript</a:t>
-            </a:r>
-            <a:r>
-              <a:rPr lang="en-US" dirty="0">
-                <a:solidFill>
-                  <a:srgbClr val="505050"/>
-                </a:solidFill>
-                <a:latin typeface="Segoe UI" panose="020B0502040204020203" pitchFamily="34" charset="0"/>
-              </a:rPr>
-              <a:t> and the CSS files using Web Essentials </a:t>
-            </a:r>
-            <a:r>
-              <a:rPr lang="en-US" dirty="0">
-                <a:solidFill>
-                  <a:srgbClr val="505050"/>
-                </a:solidFill>
-                <a:latin typeface="Segoe UI" panose="020B0502040204020203" pitchFamily="34" charset="0"/>
-                <a:hlinkClick r:id="rId2"/>
-              </a:rPr>
-              <a:t>https://github.com/madskristensen/webEssentials2015</a:t>
-            </a:r>
-            <a:r>
-              <a:rPr lang="en-US" dirty="0">
-                <a:solidFill>
-                  <a:srgbClr val="505050"/>
-                </a:solidFill>
-                <a:latin typeface="Segoe UI" panose="020B0502040204020203" pitchFamily="34" charset="0"/>
-              </a:rPr>
-              <a:t>, and even images using similar projects extension.</a:t>
-            </a:r>
-          </a:p>
-          <a:p>
-            <a:pPr>
-              <a:spcBef>
-                <a:spcPts val="1200"/>
-              </a:spcBef>
+              <a:rPr lang="en-US" sz="2800" dirty="0"/>
+              <a:t>Detect and diagnose exceptions and application performance issues</a:t>
+            </a:r>
+          </a:p>
+          <a:p>
+            <a:pPr marL="285750" indent="-285750">
+              <a:lnSpc>
+                <a:spcPct val="150000"/>
+              </a:lnSpc>
+              <a:buFont typeface="Wingdings" panose="05000000000000000000" pitchFamily="2" charset="2"/>
+              <a:buChar char="ü"/>
             </a:pPr>
-            <a:endParaRPr lang="en-US" dirty="0">
-              <a:solidFill>
-                <a:srgbClr val="505050"/>
-              </a:solidFill>
-              <a:latin typeface="Segoe UI" panose="020B0502040204020203" pitchFamily="34" charset="0"/>
-            </a:endParaRPr>
-          </a:p>
-          <a:p>
-            <a:pPr>
-              <a:spcBef>
-                <a:spcPts val="1200"/>
-              </a:spcBef>
+            <a:r>
+              <a:rPr lang="en-US" sz="2800" dirty="0"/>
+              <a:t>Monitor Azure websites or container hosted or shared hosted</a:t>
+            </a:r>
+          </a:p>
+          <a:p>
+            <a:pPr marL="285750" indent="-285750">
+              <a:lnSpc>
+                <a:spcPct val="150000"/>
+              </a:lnSpc>
+              <a:buFont typeface="Wingdings" panose="05000000000000000000" pitchFamily="2" charset="2"/>
+              <a:buChar char="ü"/>
             </a:pPr>
             <a:r>
-              <a:rPr lang="en-US" dirty="0">
-                <a:solidFill>
-                  <a:srgbClr val="505050"/>
-                </a:solidFill>
-                <a:latin typeface="Segoe UI" panose="020B0502040204020203" pitchFamily="34" charset="0"/>
-              </a:rPr>
-              <a:t>But minifying HTML is more difficult. There are very few tools for that. Most of them integrates in the rendering pipeline. </a:t>
-            </a:r>
-          </a:p>
-          <a:p>
-            <a:pPr>
-              <a:spcBef>
-                <a:spcPts val="1200"/>
-              </a:spcBef>
+              <a:rPr lang="en-US" sz="2800" dirty="0"/>
+              <a:t>Seamlessly integrate with your DevOps pipeline using Visual Studio Team Services, GitHub</a:t>
+            </a:r>
+          </a:p>
+          <a:p>
+            <a:pPr marL="285750" indent="-285750">
+              <a:lnSpc>
+                <a:spcPct val="150000"/>
+              </a:lnSpc>
+              <a:buFont typeface="Wingdings" panose="05000000000000000000" pitchFamily="2" charset="2"/>
+              <a:buChar char="ü"/>
             </a:pPr>
             <a:r>
-              <a:rPr lang="en-US" dirty="0">
-                <a:solidFill>
-                  <a:srgbClr val="505050"/>
-                </a:solidFill>
-                <a:latin typeface="Segoe UI" panose="020B0502040204020203" pitchFamily="34" charset="0"/>
-              </a:rPr>
-              <a:t>They are executed just after the HTML is generated by the pages. It means they are invoked after each page request and thus they increase the CPU usage. </a:t>
-            </a:r>
-          </a:p>
-          <a:p>
-            <a:pPr>
-              <a:spcBef>
-                <a:spcPts val="1200"/>
-              </a:spcBef>
-            </a:pPr>
-            <a:r>
-              <a:rPr lang="en-US" dirty="0">
-                <a:solidFill>
-                  <a:srgbClr val="505050"/>
-                </a:solidFill>
-                <a:latin typeface="Segoe UI" panose="020B0502040204020203" pitchFamily="34" charset="0"/>
-              </a:rPr>
-              <a:t>The only real solution to minify HTML while reducing CPU and bandwidth usage, is to rewrite the pages manually to remove all the useless blank characters.</a:t>
+              <a:rPr lang="en-US" sz="2800" dirty="0"/>
+              <a:t>Get started from within Visual Studio or </a:t>
+            </a:r>
+            <a:r>
+              <a:rPr lang="en-US" sz="2800" dirty="0"/>
+              <a:t>monitor existing apps</a:t>
             </a:r>
           </a:p>
         </p:txBody>
@@ -9515,7 +6904,7 @@
     </p:spTree>
     <p:extLst>
       <p:ext uri="{BB962C8B-B14F-4D97-AF65-F5344CB8AC3E}">
-        <p14:creationId xmlns:p14="http://schemas.microsoft.com/office/powerpoint/2010/main" val="3290775782"/>
+        <p14:creationId xmlns:p14="http://schemas.microsoft.com/office/powerpoint/2010/main" val="1576673638"/>
       </p:ext>
     </p:extLst>
   </p:cSld>
@@ -9525,7 +6914,7 @@
 </p:sld>
 </file>
 
-<file path=ppt/slides/slide8.xml><?xml version="1.0" encoding="utf-8"?>
+<file path=ppt/slides/slide5.xml><?xml version="1.0" encoding="utf-8"?>
 <p:sld xmlns:a="http://schemas.openxmlformats.org/drawingml/2006/main" xmlns:r="http://schemas.openxmlformats.org/officeDocument/2006/relationships" xmlns:p="http://schemas.openxmlformats.org/presentationml/2006/main">
   <p:cSld>
     <p:spTree>
@@ -9551,7 +6940,7 @@
         <p:spPr>
           <a:xfrm>
             <a:off x="832104" y="396147"/>
-            <a:ext cx="10711429" cy="830997"/>
+            <a:ext cx="10323575" cy="830997"/>
           </a:xfrm>
           <a:prstGeom prst="rect">
             <a:avLst/>
@@ -9578,7 +6967,7 @@
                   </a:outerShdw>
                 </a:effectLst>
               </a:rPr>
-              <a:t>Using CDN after Bundling and Minification</a:t>
+              <a:t>Application Insights - Track Exceptions</a:t>
             </a:r>
             <a:endParaRPr lang="en-US" sz="4800" b="0" cap="none" spc="0" dirty="0">
               <a:ln w="0"/>
@@ -9644,14 +7033,14 @@
       </p:sp>
       <p:sp>
         <p:nvSpPr>
-          <p:cNvPr id="2" name="Rectangle 1"/>
+          <p:cNvPr id="3" name="Rectangle 2"/>
           <p:cNvSpPr/>
           <p:nvPr/>
         </p:nvSpPr>
         <p:spPr>
           <a:xfrm>
-            <a:off x="832104" y="1713851"/>
-            <a:ext cx="10436972" cy="2000548"/>
+            <a:off x="1267345" y="2160522"/>
+            <a:ext cx="10644403" cy="3754874"/>
           </a:xfrm>
           <a:prstGeom prst="rect">
             <a:avLst/>
@@ -9664,36 +7053,902 @@
           <a:lstStyle/>
           <a:p>
             <a:r>
-              <a:rPr lang="en-US" sz="2800" dirty="0"/>
-              <a:t>CDN would allow users to get static content (</a:t>
-            </a:r>
-            <a:r>
-              <a:rPr lang="en-US" sz="2800" dirty="0" err="1"/>
-              <a:t>css</a:t>
-            </a:r>
-            <a:r>
-              <a:rPr lang="en-US" sz="2800" dirty="0"/>
+              <a:rPr lang="en-GB" sz="1400" dirty="0">
+                <a:solidFill>
+                  <a:srgbClr val="000000"/>
+                </a:solidFill>
+                <a:latin typeface="Consolas" panose="020B0609020204030204" pitchFamily="49" charset="0"/>
+              </a:rPr>
+              <a:t>[</a:t>
+            </a:r>
+            <a:r>
+              <a:rPr lang="en-GB" sz="1400" dirty="0" err="1">
+                <a:solidFill>
+                  <a:srgbClr val="2B91AF"/>
+                </a:solidFill>
+                <a:latin typeface="Consolas" panose="020B0609020204030204" pitchFamily="49" charset="0"/>
+              </a:rPr>
+              <a:t>AttributeUsage</a:t>
+            </a:r>
+            <a:r>
+              <a:rPr lang="en-GB" sz="1400" dirty="0">
+                <a:solidFill>
+                  <a:srgbClr val="000000"/>
+                </a:solidFill>
+                <a:latin typeface="Consolas" panose="020B0609020204030204" pitchFamily="49" charset="0"/>
+              </a:rPr>
+              <a:t>(</a:t>
+            </a:r>
+            <a:r>
+              <a:rPr lang="en-GB" sz="1400" dirty="0" err="1">
+                <a:solidFill>
+                  <a:srgbClr val="2B91AF"/>
+                </a:solidFill>
+                <a:latin typeface="Consolas" panose="020B0609020204030204" pitchFamily="49" charset="0"/>
+              </a:rPr>
+              <a:t>AttributeTargets</a:t>
+            </a:r>
+            <a:r>
+              <a:rPr lang="en-GB" sz="1400" dirty="0" err="1">
+                <a:solidFill>
+                  <a:srgbClr val="000000"/>
+                </a:solidFill>
+                <a:latin typeface="Consolas" panose="020B0609020204030204" pitchFamily="49" charset="0"/>
+              </a:rPr>
+              <a:t>.Class</a:t>
+            </a:r>
+            <a:r>
+              <a:rPr lang="en-GB" sz="1400" dirty="0">
+                <a:solidFill>
+                  <a:srgbClr val="000000"/>
+                </a:solidFill>
+                <a:latin typeface="Consolas" panose="020B0609020204030204" pitchFamily="49" charset="0"/>
+              </a:rPr>
+              <a:t> | </a:t>
+            </a:r>
+            <a:r>
+              <a:rPr lang="en-GB" sz="1400" dirty="0" err="1">
+                <a:solidFill>
+                  <a:srgbClr val="2B91AF"/>
+                </a:solidFill>
+                <a:latin typeface="Consolas" panose="020B0609020204030204" pitchFamily="49" charset="0"/>
+              </a:rPr>
+              <a:t>AttributeTargets</a:t>
+            </a:r>
+            <a:r>
+              <a:rPr lang="en-GB" sz="1400" dirty="0" err="1">
+                <a:solidFill>
+                  <a:srgbClr val="000000"/>
+                </a:solidFill>
+                <a:latin typeface="Consolas" panose="020B0609020204030204" pitchFamily="49" charset="0"/>
+              </a:rPr>
+              <a:t>.Method</a:t>
+            </a:r>
+            <a:r>
+              <a:rPr lang="en-GB" sz="1400" dirty="0">
+                <a:solidFill>
+                  <a:srgbClr val="000000"/>
+                </a:solidFill>
+                <a:latin typeface="Consolas" panose="020B0609020204030204" pitchFamily="49" charset="0"/>
+              </a:rPr>
+              <a:t>, Inherited = </a:t>
+            </a:r>
+            <a:r>
+              <a:rPr lang="en-GB" sz="1400" dirty="0">
+                <a:solidFill>
+                  <a:srgbClr val="0000FF"/>
+                </a:solidFill>
+                <a:latin typeface="Consolas" panose="020B0609020204030204" pitchFamily="49" charset="0"/>
+              </a:rPr>
+              <a:t>true</a:t>
+            </a:r>
+            <a:r>
+              <a:rPr lang="en-GB" sz="1400" dirty="0">
+                <a:solidFill>
+                  <a:srgbClr val="000000"/>
+                </a:solidFill>
+                <a:latin typeface="Consolas" panose="020B0609020204030204" pitchFamily="49" charset="0"/>
+              </a:rPr>
               <a:t>, </a:t>
             </a:r>
             <a:r>
-              <a:rPr lang="en-US" sz="2800" dirty="0" err="1"/>
-              <a:t>js</a:t>
-            </a:r>
-            <a:r>
-              <a:rPr lang="en-US" sz="2800" dirty="0"/>
-              <a:t>, images files) from closer source. Consider using your CDN for all the static files, this releases huge load from server.</a:t>
-            </a:r>
-          </a:p>
-          <a:p>
+              <a:rPr lang="en-GB" sz="1400" dirty="0" err="1">
+                <a:solidFill>
+                  <a:srgbClr val="000000"/>
+                </a:solidFill>
+                <a:latin typeface="Consolas" panose="020B0609020204030204" pitchFamily="49" charset="0"/>
+              </a:rPr>
+              <a:t>AllowMultiple</a:t>
+            </a:r>
+            <a:r>
+              <a:rPr lang="en-GB" sz="1400" dirty="0">
+                <a:solidFill>
+                  <a:srgbClr val="000000"/>
+                </a:solidFill>
+                <a:latin typeface="Consolas" panose="020B0609020204030204" pitchFamily="49" charset="0"/>
+              </a:rPr>
+              <a:t> = </a:t>
+            </a:r>
+            <a:r>
+              <a:rPr lang="en-GB" sz="1400" dirty="0">
+                <a:solidFill>
+                  <a:srgbClr val="0000FF"/>
+                </a:solidFill>
+                <a:latin typeface="Consolas" panose="020B0609020204030204" pitchFamily="49" charset="0"/>
+              </a:rPr>
+              <a:t>true</a:t>
+            </a:r>
+            <a:r>
+              <a:rPr lang="en-GB" sz="1400" dirty="0">
+                <a:solidFill>
+                  <a:srgbClr val="000000"/>
+                </a:solidFill>
+                <a:latin typeface="Consolas" panose="020B0609020204030204" pitchFamily="49" charset="0"/>
+              </a:rPr>
+              <a:t>)]</a:t>
+            </a:r>
+          </a:p>
+          <a:p>
+            <a:r>
+              <a:rPr lang="en-US" sz="1400" dirty="0">
+                <a:solidFill>
+                  <a:srgbClr val="0000FF"/>
+                </a:solidFill>
+                <a:latin typeface="Consolas" panose="020B0609020204030204" pitchFamily="49" charset="0"/>
+              </a:rPr>
+              <a:t>public</a:t>
+            </a:r>
+            <a:r>
+              <a:rPr lang="en-US" sz="1400" dirty="0">
+                <a:solidFill>
+                  <a:srgbClr val="000000"/>
+                </a:solidFill>
+                <a:latin typeface="Consolas" panose="020B0609020204030204" pitchFamily="49" charset="0"/>
+              </a:rPr>
+              <a:t> </a:t>
+            </a:r>
+            <a:r>
+              <a:rPr lang="en-US" sz="1400" dirty="0">
+                <a:solidFill>
+                  <a:srgbClr val="0000FF"/>
+                </a:solidFill>
+                <a:latin typeface="Consolas" panose="020B0609020204030204" pitchFamily="49" charset="0"/>
+              </a:rPr>
+              <a:t>class</a:t>
+            </a:r>
+            <a:r>
+              <a:rPr lang="en-US" sz="1400" dirty="0">
+                <a:solidFill>
+                  <a:srgbClr val="000000"/>
+                </a:solidFill>
+                <a:latin typeface="Consolas" panose="020B0609020204030204" pitchFamily="49" charset="0"/>
+              </a:rPr>
+              <a:t> </a:t>
+            </a:r>
+            <a:r>
+              <a:rPr lang="en-US" sz="1400" dirty="0" err="1">
+                <a:solidFill>
+                  <a:srgbClr val="2B91AF"/>
+                </a:solidFill>
+                <a:latin typeface="Consolas" panose="020B0609020204030204" pitchFamily="49" charset="0"/>
+              </a:rPr>
+              <a:t>AiHandleErrorAttribute</a:t>
+            </a:r>
+            <a:r>
+              <a:rPr lang="en-US" sz="1400" dirty="0">
+                <a:solidFill>
+                  <a:srgbClr val="000000"/>
+                </a:solidFill>
+                <a:latin typeface="Consolas" panose="020B0609020204030204" pitchFamily="49" charset="0"/>
+              </a:rPr>
+              <a:t> : </a:t>
+            </a:r>
+            <a:r>
+              <a:rPr lang="en-US" sz="1400" dirty="0" err="1">
+                <a:solidFill>
+                  <a:srgbClr val="2B91AF"/>
+                </a:solidFill>
+                <a:latin typeface="Consolas" panose="020B0609020204030204" pitchFamily="49" charset="0"/>
+              </a:rPr>
+              <a:t>HandleErrorAttribute</a:t>
+            </a:r>
+            <a:endParaRPr lang="en-US" sz="1400" dirty="0">
+              <a:solidFill>
+                <a:srgbClr val="000000"/>
+              </a:solidFill>
+              <a:latin typeface="Consolas" panose="020B0609020204030204" pitchFamily="49" charset="0"/>
+            </a:endParaRPr>
+          </a:p>
+          <a:p>
+            <a:r>
+              <a:rPr lang="en-US" sz="1400" dirty="0">
+                <a:solidFill>
+                  <a:srgbClr val="000000"/>
+                </a:solidFill>
+                <a:latin typeface="Consolas" panose="020B0609020204030204" pitchFamily="49" charset="0"/>
+              </a:rPr>
+              <a:t>{</a:t>
+            </a:r>
+          </a:p>
+          <a:p>
+            <a:r>
+              <a:rPr lang="fr-FR" sz="1400" dirty="0">
+                <a:solidFill>
+                  <a:srgbClr val="000000"/>
+                </a:solidFill>
+                <a:latin typeface="Consolas" panose="020B0609020204030204" pitchFamily="49" charset="0"/>
+              </a:rPr>
+              <a:t>    </a:t>
+            </a:r>
+            <a:r>
+              <a:rPr lang="fr-FR" sz="1400" dirty="0">
+                <a:solidFill>
+                  <a:srgbClr val="0000FF"/>
+                </a:solidFill>
+                <a:latin typeface="Consolas" panose="020B0609020204030204" pitchFamily="49" charset="0"/>
+              </a:rPr>
+              <a:t>public</a:t>
+            </a:r>
+            <a:r>
+              <a:rPr lang="fr-FR" sz="1400" dirty="0">
+                <a:solidFill>
+                  <a:srgbClr val="000000"/>
+                </a:solidFill>
+                <a:latin typeface="Consolas" panose="020B0609020204030204" pitchFamily="49" charset="0"/>
+              </a:rPr>
+              <a:t> </a:t>
+            </a:r>
+            <a:r>
+              <a:rPr lang="fr-FR" sz="1400" dirty="0" err="1">
+                <a:solidFill>
+                  <a:srgbClr val="0000FF"/>
+                </a:solidFill>
+                <a:latin typeface="Consolas" panose="020B0609020204030204" pitchFamily="49" charset="0"/>
+              </a:rPr>
+              <a:t>override</a:t>
+            </a:r>
+            <a:r>
+              <a:rPr lang="fr-FR" sz="1400" dirty="0">
+                <a:solidFill>
+                  <a:srgbClr val="000000"/>
+                </a:solidFill>
+                <a:latin typeface="Consolas" panose="020B0609020204030204" pitchFamily="49" charset="0"/>
+              </a:rPr>
+              <a:t> </a:t>
+            </a:r>
+            <a:r>
+              <a:rPr lang="fr-FR" sz="1400" dirty="0" err="1">
+                <a:solidFill>
+                  <a:srgbClr val="0000FF"/>
+                </a:solidFill>
+                <a:latin typeface="Consolas" panose="020B0609020204030204" pitchFamily="49" charset="0"/>
+              </a:rPr>
+              <a:t>void</a:t>
+            </a:r>
+            <a:r>
+              <a:rPr lang="fr-FR" sz="1400" dirty="0">
+                <a:solidFill>
+                  <a:srgbClr val="000000"/>
+                </a:solidFill>
+                <a:latin typeface="Consolas" panose="020B0609020204030204" pitchFamily="49" charset="0"/>
+              </a:rPr>
+              <a:t> </a:t>
+            </a:r>
+            <a:r>
+              <a:rPr lang="fr-FR" sz="1400" dirty="0" err="1">
+                <a:solidFill>
+                  <a:srgbClr val="000000"/>
+                </a:solidFill>
+                <a:latin typeface="Consolas" panose="020B0609020204030204" pitchFamily="49" charset="0"/>
+              </a:rPr>
+              <a:t>OnException</a:t>
+            </a:r>
+            <a:r>
+              <a:rPr lang="fr-FR" sz="1400" dirty="0">
+                <a:solidFill>
+                  <a:srgbClr val="000000"/>
+                </a:solidFill>
+                <a:latin typeface="Consolas" panose="020B0609020204030204" pitchFamily="49" charset="0"/>
+              </a:rPr>
+              <a:t>(</a:t>
+            </a:r>
+            <a:r>
+              <a:rPr lang="fr-FR" sz="1400" dirty="0" err="1">
+                <a:solidFill>
+                  <a:srgbClr val="2B91AF"/>
+                </a:solidFill>
+                <a:latin typeface="Consolas" panose="020B0609020204030204" pitchFamily="49" charset="0"/>
+              </a:rPr>
+              <a:t>ExceptionContext</a:t>
+            </a:r>
+            <a:r>
+              <a:rPr lang="fr-FR" sz="1400" dirty="0">
+                <a:solidFill>
+                  <a:srgbClr val="000000"/>
+                </a:solidFill>
+                <a:latin typeface="Consolas" panose="020B0609020204030204" pitchFamily="49" charset="0"/>
+              </a:rPr>
+              <a:t> </a:t>
+            </a:r>
+            <a:r>
+              <a:rPr lang="fr-FR" sz="1400" dirty="0" err="1">
+                <a:solidFill>
+                  <a:srgbClr val="000000"/>
+                </a:solidFill>
+                <a:latin typeface="Consolas" panose="020B0609020204030204" pitchFamily="49" charset="0"/>
+              </a:rPr>
+              <a:t>filterContext</a:t>
+            </a:r>
+            <a:r>
+              <a:rPr lang="fr-FR" sz="1400" dirty="0">
+                <a:solidFill>
+                  <a:srgbClr val="000000"/>
+                </a:solidFill>
+                <a:latin typeface="Consolas" panose="020B0609020204030204" pitchFamily="49" charset="0"/>
+              </a:rPr>
+              <a:t>)</a:t>
+            </a:r>
+          </a:p>
+          <a:p>
+            <a:r>
+              <a:rPr lang="en-US" sz="1400" dirty="0">
+                <a:solidFill>
+                  <a:srgbClr val="000000"/>
+                </a:solidFill>
+                <a:latin typeface="Consolas" panose="020B0609020204030204" pitchFamily="49" charset="0"/>
+              </a:rPr>
+              <a:t>    {</a:t>
+            </a:r>
+          </a:p>
+          <a:p>
+            <a:r>
+              <a:rPr lang="en-US" sz="1400" dirty="0">
+                <a:solidFill>
+                  <a:srgbClr val="000000"/>
+                </a:solidFill>
+                <a:latin typeface="Consolas" panose="020B0609020204030204" pitchFamily="49" charset="0"/>
+              </a:rPr>
+              <a:t>        </a:t>
+            </a:r>
+            <a:r>
+              <a:rPr lang="en-US" sz="1400" dirty="0">
+                <a:solidFill>
+                  <a:srgbClr val="0000FF"/>
+                </a:solidFill>
+                <a:latin typeface="Consolas" panose="020B0609020204030204" pitchFamily="49" charset="0"/>
+              </a:rPr>
+              <a:t>if</a:t>
+            </a:r>
+            <a:r>
+              <a:rPr lang="en-US" sz="1400" dirty="0">
+                <a:solidFill>
+                  <a:srgbClr val="000000"/>
+                </a:solidFill>
+                <a:latin typeface="Consolas" panose="020B0609020204030204" pitchFamily="49" charset="0"/>
+              </a:rPr>
+              <a:t> (</a:t>
+            </a:r>
+            <a:r>
+              <a:rPr lang="en-US" sz="1400" dirty="0" err="1">
+                <a:solidFill>
+                  <a:srgbClr val="000000"/>
+                </a:solidFill>
+                <a:latin typeface="Consolas" panose="020B0609020204030204" pitchFamily="49" charset="0"/>
+              </a:rPr>
+              <a:t>filterContext</a:t>
+            </a:r>
+            <a:r>
+              <a:rPr lang="en-US" sz="1400" dirty="0">
+                <a:solidFill>
+                  <a:srgbClr val="000000"/>
+                </a:solidFill>
+                <a:latin typeface="Consolas" panose="020B0609020204030204" pitchFamily="49" charset="0"/>
+              </a:rPr>
+              <a:t> != </a:t>
+            </a:r>
+            <a:r>
+              <a:rPr lang="en-US" sz="1400" dirty="0">
+                <a:solidFill>
+                  <a:srgbClr val="0000FF"/>
+                </a:solidFill>
+                <a:latin typeface="Consolas" panose="020B0609020204030204" pitchFamily="49" charset="0"/>
+              </a:rPr>
+              <a:t>null</a:t>
+            </a:r>
+            <a:r>
+              <a:rPr lang="en-US" sz="1400" dirty="0">
+                <a:solidFill>
+                  <a:srgbClr val="000000"/>
+                </a:solidFill>
+                <a:latin typeface="Consolas" panose="020B0609020204030204" pitchFamily="49" charset="0"/>
+              </a:rPr>
+              <a:t> &amp;&amp; </a:t>
+            </a:r>
+            <a:r>
+              <a:rPr lang="en-US" sz="1400" dirty="0" err="1">
+                <a:solidFill>
+                  <a:srgbClr val="000000"/>
+                </a:solidFill>
+                <a:latin typeface="Consolas" panose="020B0609020204030204" pitchFamily="49" charset="0"/>
+              </a:rPr>
+              <a:t>filterContext.HttpContext</a:t>
+            </a:r>
+            <a:r>
+              <a:rPr lang="en-US" sz="1400" dirty="0">
+                <a:solidFill>
+                  <a:srgbClr val="000000"/>
+                </a:solidFill>
+                <a:latin typeface="Consolas" panose="020B0609020204030204" pitchFamily="49" charset="0"/>
+              </a:rPr>
+              <a:t> != </a:t>
+            </a:r>
+            <a:r>
+              <a:rPr lang="en-US" sz="1400" dirty="0">
+                <a:solidFill>
+                  <a:srgbClr val="0000FF"/>
+                </a:solidFill>
+                <a:latin typeface="Consolas" panose="020B0609020204030204" pitchFamily="49" charset="0"/>
+              </a:rPr>
+              <a:t>null</a:t>
+            </a:r>
+            <a:r>
+              <a:rPr lang="en-US" sz="1400" dirty="0">
+                <a:solidFill>
+                  <a:srgbClr val="000000"/>
+                </a:solidFill>
+                <a:latin typeface="Consolas" panose="020B0609020204030204" pitchFamily="49" charset="0"/>
+              </a:rPr>
+              <a:t> &amp;&amp; </a:t>
+            </a:r>
+            <a:r>
+              <a:rPr lang="en-US" sz="1400" dirty="0" err="1">
+                <a:solidFill>
+                  <a:srgbClr val="000000"/>
+                </a:solidFill>
+                <a:latin typeface="Consolas" panose="020B0609020204030204" pitchFamily="49" charset="0"/>
+              </a:rPr>
+              <a:t>filterContext.Exception</a:t>
+            </a:r>
+            <a:r>
+              <a:rPr lang="en-US" sz="1400" dirty="0">
+                <a:solidFill>
+                  <a:srgbClr val="000000"/>
+                </a:solidFill>
+                <a:latin typeface="Consolas" panose="020B0609020204030204" pitchFamily="49" charset="0"/>
+              </a:rPr>
+              <a:t> != </a:t>
+            </a:r>
+            <a:r>
+              <a:rPr lang="en-US" sz="1400" dirty="0">
+                <a:solidFill>
+                  <a:srgbClr val="0000FF"/>
+                </a:solidFill>
+                <a:latin typeface="Consolas" panose="020B0609020204030204" pitchFamily="49" charset="0"/>
+              </a:rPr>
+              <a:t>null</a:t>
+            </a:r>
+            <a:r>
+              <a:rPr lang="en-US" sz="1400" dirty="0">
+                <a:solidFill>
+                  <a:srgbClr val="000000"/>
+                </a:solidFill>
+                <a:latin typeface="Consolas" panose="020B0609020204030204" pitchFamily="49" charset="0"/>
+              </a:rPr>
+              <a:t>)</a:t>
+            </a:r>
+          </a:p>
+          <a:p>
+            <a:r>
+              <a:rPr lang="en-US" sz="1400" dirty="0">
+                <a:solidFill>
+                  <a:srgbClr val="000000"/>
+                </a:solidFill>
+                <a:latin typeface="Consolas" panose="020B0609020204030204" pitchFamily="49" charset="0"/>
+              </a:rPr>
+              <a:t>        {</a:t>
+            </a:r>
+            <a:endParaRPr lang="en-GB" sz="1400" dirty="0">
+              <a:solidFill>
+                <a:srgbClr val="000000"/>
+              </a:solidFill>
+              <a:latin typeface="Consolas" panose="020B0609020204030204" pitchFamily="49" charset="0"/>
+            </a:endParaRPr>
+          </a:p>
+          <a:p>
+            <a:r>
+              <a:rPr lang="en-US" sz="1400" dirty="0">
+                <a:solidFill>
+                  <a:srgbClr val="000000"/>
+                </a:solidFill>
+                <a:latin typeface="Consolas" panose="020B0609020204030204" pitchFamily="49" charset="0"/>
+              </a:rPr>
+              <a:t>            </a:t>
+            </a:r>
+            <a:r>
+              <a:rPr lang="en-US" sz="1400" dirty="0">
+                <a:solidFill>
+                  <a:srgbClr val="0000FF"/>
+                </a:solidFill>
+                <a:latin typeface="Consolas" panose="020B0609020204030204" pitchFamily="49" charset="0"/>
+              </a:rPr>
+              <a:t>if</a:t>
+            </a:r>
+            <a:r>
+              <a:rPr lang="en-US" sz="1400" dirty="0">
+                <a:solidFill>
+                  <a:srgbClr val="000000"/>
+                </a:solidFill>
+                <a:latin typeface="Consolas" panose="020B0609020204030204" pitchFamily="49" charset="0"/>
+              </a:rPr>
+              <a:t> (</a:t>
+            </a:r>
+            <a:r>
+              <a:rPr lang="en-US" sz="1400" dirty="0" err="1">
+                <a:solidFill>
+                  <a:srgbClr val="000000"/>
+                </a:solidFill>
+                <a:latin typeface="Consolas" panose="020B0609020204030204" pitchFamily="49" charset="0"/>
+              </a:rPr>
+              <a:t>filterContext.HttpContext.IsCustomErrorEnabled</a:t>
+            </a:r>
+            <a:r>
+              <a:rPr lang="en-US" sz="1400" dirty="0">
+                <a:solidFill>
+                  <a:srgbClr val="000000"/>
+                </a:solidFill>
+                <a:latin typeface="Consolas" panose="020B0609020204030204" pitchFamily="49" charset="0"/>
+              </a:rPr>
+              <a:t>)</a:t>
+            </a:r>
+          </a:p>
+          <a:p>
+            <a:r>
+              <a:rPr lang="en-US" sz="1400" dirty="0">
+                <a:solidFill>
+                  <a:srgbClr val="000000"/>
+                </a:solidFill>
+                <a:latin typeface="Consolas" panose="020B0609020204030204" pitchFamily="49" charset="0"/>
+              </a:rPr>
+              <a:t>            {</a:t>
+            </a:r>
+            <a:endParaRPr lang="en-GB" sz="1400" dirty="0">
+              <a:solidFill>
+                <a:srgbClr val="000000"/>
+              </a:solidFill>
+              <a:latin typeface="Consolas" panose="020B0609020204030204" pitchFamily="49" charset="0"/>
+            </a:endParaRPr>
+          </a:p>
+          <a:p>
+            <a:r>
+              <a:rPr lang="en-US" sz="1400" dirty="0">
+                <a:solidFill>
+                  <a:srgbClr val="000000"/>
+                </a:solidFill>
+                <a:latin typeface="Consolas" panose="020B0609020204030204" pitchFamily="49" charset="0"/>
+              </a:rPr>
+              <a:t>                </a:t>
+            </a:r>
+            <a:r>
+              <a:rPr lang="en-US" sz="1400" dirty="0" err="1">
+                <a:solidFill>
+                  <a:srgbClr val="0000FF"/>
+                </a:solidFill>
+                <a:latin typeface="Consolas" panose="020B0609020204030204" pitchFamily="49" charset="0"/>
+              </a:rPr>
+              <a:t>var</a:t>
+            </a:r>
+            <a:r>
+              <a:rPr lang="en-US" sz="1400" dirty="0">
+                <a:solidFill>
+                  <a:srgbClr val="000000"/>
+                </a:solidFill>
+                <a:latin typeface="Consolas" panose="020B0609020204030204" pitchFamily="49" charset="0"/>
+              </a:rPr>
+              <a:t> </a:t>
+            </a:r>
+            <a:r>
+              <a:rPr lang="en-US" sz="1400" dirty="0" err="1">
+                <a:solidFill>
+                  <a:srgbClr val="000000"/>
+                </a:solidFill>
+                <a:latin typeface="Consolas" panose="020B0609020204030204" pitchFamily="49" charset="0"/>
+              </a:rPr>
+              <a:t>ai</a:t>
+            </a:r>
+            <a:r>
+              <a:rPr lang="en-US" sz="1400" dirty="0">
+                <a:solidFill>
+                  <a:srgbClr val="000000"/>
+                </a:solidFill>
+                <a:latin typeface="Consolas" panose="020B0609020204030204" pitchFamily="49" charset="0"/>
+              </a:rPr>
+              <a:t> = </a:t>
+            </a:r>
+            <a:r>
+              <a:rPr lang="en-US" sz="1400" dirty="0">
+                <a:solidFill>
+                  <a:srgbClr val="0000FF"/>
+                </a:solidFill>
+                <a:latin typeface="Consolas" panose="020B0609020204030204" pitchFamily="49" charset="0"/>
+              </a:rPr>
+              <a:t>new</a:t>
+            </a:r>
+            <a:r>
+              <a:rPr lang="en-US" sz="1400" dirty="0">
+                <a:solidFill>
+                  <a:srgbClr val="000000"/>
+                </a:solidFill>
+                <a:latin typeface="Consolas" panose="020B0609020204030204" pitchFamily="49" charset="0"/>
+              </a:rPr>
+              <a:t> </a:t>
+            </a:r>
+            <a:r>
+              <a:rPr lang="en-US" sz="1400" dirty="0" err="1">
+                <a:solidFill>
+                  <a:srgbClr val="2B91AF"/>
+                </a:solidFill>
+                <a:latin typeface="Consolas" panose="020B0609020204030204" pitchFamily="49" charset="0"/>
+              </a:rPr>
+              <a:t>TelemetryClient</a:t>
+            </a:r>
+            <a:r>
+              <a:rPr lang="en-US" sz="1400" dirty="0">
+                <a:solidFill>
+                  <a:srgbClr val="000000"/>
+                </a:solidFill>
+                <a:latin typeface="Consolas" panose="020B0609020204030204" pitchFamily="49" charset="0"/>
+              </a:rPr>
+              <a:t>();</a:t>
+            </a:r>
+          </a:p>
+          <a:p>
+            <a:r>
+              <a:rPr lang="en-GB" sz="1400" dirty="0">
+                <a:solidFill>
+                  <a:srgbClr val="000000"/>
+                </a:solidFill>
+                <a:latin typeface="Consolas" panose="020B0609020204030204" pitchFamily="49" charset="0"/>
+              </a:rPr>
+              <a:t>                </a:t>
+            </a:r>
+            <a:r>
+              <a:rPr lang="en-GB" sz="1400" dirty="0">
+                <a:solidFill>
+                  <a:srgbClr val="008000"/>
+                </a:solidFill>
+                <a:latin typeface="Consolas" panose="020B0609020204030204" pitchFamily="49" charset="0"/>
+              </a:rPr>
+              <a:t>//</a:t>
+            </a:r>
+            <a:r>
+              <a:rPr lang="en-GB" sz="1400" dirty="0" err="1">
+                <a:solidFill>
+                  <a:srgbClr val="008000"/>
+                </a:solidFill>
+                <a:latin typeface="Consolas" panose="020B0609020204030204" pitchFamily="49" charset="0"/>
+              </a:rPr>
+              <a:t>ai.InstrumentationKey</a:t>
+            </a:r>
+            <a:r>
+              <a:rPr lang="en-GB" sz="1400" dirty="0">
+                <a:solidFill>
+                  <a:srgbClr val="008000"/>
+                </a:solidFill>
+                <a:latin typeface="Consolas" panose="020B0609020204030204" pitchFamily="49" charset="0"/>
+              </a:rPr>
+              <a:t> = ""; //configured this globally in </a:t>
+            </a:r>
+            <a:r>
+              <a:rPr lang="en-GB" sz="1400" dirty="0" err="1">
+                <a:solidFill>
+                  <a:srgbClr val="008000"/>
+                </a:solidFill>
+                <a:latin typeface="Consolas" panose="020B0609020204030204" pitchFamily="49" charset="0"/>
+              </a:rPr>
+              <a:t>Application_Start</a:t>
+            </a:r>
+            <a:endParaRPr lang="en-GB" sz="1400" dirty="0">
+              <a:solidFill>
+                <a:srgbClr val="000000"/>
+              </a:solidFill>
+              <a:latin typeface="Consolas" panose="020B0609020204030204" pitchFamily="49" charset="0"/>
+            </a:endParaRPr>
+          </a:p>
+          <a:p>
+            <a:r>
+              <a:rPr lang="en-US" sz="1400" dirty="0">
+                <a:solidFill>
+                  <a:srgbClr val="000000"/>
+                </a:solidFill>
+                <a:latin typeface="Consolas" panose="020B0609020204030204" pitchFamily="49" charset="0"/>
+              </a:rPr>
+              <a:t>                </a:t>
+            </a:r>
+            <a:r>
+              <a:rPr lang="en-US" sz="1400" dirty="0" err="1">
+                <a:solidFill>
+                  <a:srgbClr val="000000"/>
+                </a:solidFill>
+                <a:latin typeface="Consolas" panose="020B0609020204030204" pitchFamily="49" charset="0"/>
+              </a:rPr>
+              <a:t>ai.TrackException</a:t>
+            </a:r>
+            <a:r>
+              <a:rPr lang="en-US" sz="1400" dirty="0">
+                <a:solidFill>
+                  <a:srgbClr val="000000"/>
+                </a:solidFill>
+                <a:latin typeface="Consolas" panose="020B0609020204030204" pitchFamily="49" charset="0"/>
+              </a:rPr>
+              <a:t>(</a:t>
+            </a:r>
+            <a:r>
+              <a:rPr lang="en-US" sz="1400" dirty="0" err="1">
+                <a:solidFill>
+                  <a:srgbClr val="000000"/>
+                </a:solidFill>
+                <a:latin typeface="Consolas" panose="020B0609020204030204" pitchFamily="49" charset="0"/>
+              </a:rPr>
+              <a:t>filterContext.Exception</a:t>
+            </a:r>
+            <a:r>
+              <a:rPr lang="en-US" sz="1400" dirty="0">
+                <a:solidFill>
+                  <a:srgbClr val="000000"/>
+                </a:solidFill>
+                <a:latin typeface="Consolas" panose="020B0609020204030204" pitchFamily="49" charset="0"/>
+              </a:rPr>
+              <a:t>);</a:t>
+            </a:r>
+          </a:p>
+          <a:p>
+            <a:r>
+              <a:rPr lang="en-US" sz="1400" dirty="0">
+                <a:solidFill>
+                  <a:srgbClr val="000000"/>
+                </a:solidFill>
+                <a:latin typeface="Consolas" panose="020B0609020204030204" pitchFamily="49" charset="0"/>
+              </a:rPr>
+              <a:t>            }</a:t>
+            </a:r>
+          </a:p>
+          <a:p>
+            <a:r>
+              <a:rPr lang="en-US" sz="1400" dirty="0">
+                <a:solidFill>
+                  <a:srgbClr val="000000"/>
+                </a:solidFill>
+                <a:latin typeface="Consolas" panose="020B0609020204030204" pitchFamily="49" charset="0"/>
+              </a:rPr>
+              <a:t>        }</a:t>
+            </a:r>
+          </a:p>
+          <a:p>
+            <a:r>
+              <a:rPr lang="en-US" sz="1400" dirty="0">
+                <a:solidFill>
+                  <a:srgbClr val="000000"/>
+                </a:solidFill>
+                <a:latin typeface="Consolas" panose="020B0609020204030204" pitchFamily="49" charset="0"/>
+              </a:rPr>
+              <a:t>        </a:t>
+            </a:r>
+            <a:r>
+              <a:rPr lang="en-US" sz="1400" dirty="0" err="1">
+                <a:solidFill>
+                  <a:srgbClr val="0000FF"/>
+                </a:solidFill>
+                <a:latin typeface="Consolas" panose="020B0609020204030204" pitchFamily="49" charset="0"/>
+              </a:rPr>
+              <a:t>base</a:t>
+            </a:r>
+            <a:r>
+              <a:rPr lang="en-US" sz="1400" dirty="0" err="1">
+                <a:solidFill>
+                  <a:srgbClr val="000000"/>
+                </a:solidFill>
+                <a:latin typeface="Consolas" panose="020B0609020204030204" pitchFamily="49" charset="0"/>
+              </a:rPr>
+              <a:t>.OnException</a:t>
+            </a:r>
+            <a:r>
+              <a:rPr lang="en-US" sz="1400" dirty="0">
+                <a:solidFill>
+                  <a:srgbClr val="000000"/>
+                </a:solidFill>
+                <a:latin typeface="Consolas" panose="020B0609020204030204" pitchFamily="49" charset="0"/>
+              </a:rPr>
+              <a:t>(</a:t>
+            </a:r>
+            <a:r>
+              <a:rPr lang="en-US" sz="1400" dirty="0" err="1">
+                <a:solidFill>
+                  <a:srgbClr val="000000"/>
+                </a:solidFill>
+                <a:latin typeface="Consolas" panose="020B0609020204030204" pitchFamily="49" charset="0"/>
+              </a:rPr>
+              <a:t>filterContext</a:t>
+            </a:r>
+            <a:r>
+              <a:rPr lang="en-US" sz="1400" dirty="0">
+                <a:solidFill>
+                  <a:srgbClr val="000000"/>
+                </a:solidFill>
+                <a:latin typeface="Consolas" panose="020B0609020204030204" pitchFamily="49" charset="0"/>
+              </a:rPr>
+              <a:t>);</a:t>
+            </a:r>
+          </a:p>
+          <a:p>
+            <a:r>
+              <a:rPr lang="en-US" sz="1400" dirty="0">
+                <a:solidFill>
+                  <a:srgbClr val="000000"/>
+                </a:solidFill>
+                <a:latin typeface="Consolas" panose="020B0609020204030204" pitchFamily="49" charset="0"/>
+              </a:rPr>
+              <a:t>    }</a:t>
+            </a:r>
+          </a:p>
+          <a:p>
+            <a:r>
+              <a:rPr lang="en-US" sz="1400" dirty="0">
+                <a:solidFill>
+                  <a:srgbClr val="000000"/>
+                </a:solidFill>
+                <a:latin typeface="Consolas" panose="020B0609020204030204" pitchFamily="49" charset="0"/>
+              </a:rPr>
+              <a:t>}</a:t>
+            </a:r>
+            <a:endParaRPr lang="en-US" sz="1400" dirty="0"/>
+          </a:p>
+        </p:txBody>
+      </p:sp>
+      <p:sp>
+        <p:nvSpPr>
+          <p:cNvPr id="5" name="Rectangle 4"/>
+          <p:cNvSpPr/>
+          <p:nvPr/>
+        </p:nvSpPr>
+        <p:spPr>
+          <a:xfrm>
+            <a:off x="917540" y="1407907"/>
+            <a:ext cx="8103721" cy="707886"/>
+          </a:xfrm>
+          <a:prstGeom prst="rect">
+            <a:avLst/>
+          </a:prstGeom>
+        </p:spPr>
+        <p:txBody>
+          <a:bodyPr wrap="square">
+            <a:spAutoFit/>
+          </a:bodyPr>
+          <a:lstStyle/>
+          <a:p>
+            <a:pPr marL="342900" indent="-342900">
+              <a:buAutoNum type="arabicPeriod"/>
+            </a:pPr>
             <a:r>
               <a:rPr lang="en-US" sz="2000" dirty="0"/>
-              <a:t>    - C# Corner website uses CDN</a:t>
-            </a:r>
-          </a:p>
-          <a:p>
+              <a:t>Install NuGet package: </a:t>
+            </a:r>
+            <a:r>
+              <a:rPr lang="en-US" sz="2000" dirty="0" err="1">
+                <a:latin typeface="Consolas" panose="020B0609020204030204" pitchFamily="49" charset="0"/>
+              </a:rPr>
+              <a:t>Microsoft.ApplicationInsights.Web</a:t>
+            </a:r>
+            <a:endParaRPr lang="en-US" sz="2000" dirty="0">
+              <a:latin typeface="Consolas" panose="020B0609020204030204" pitchFamily="49" charset="0"/>
+            </a:endParaRPr>
+          </a:p>
+          <a:p>
+            <a:pPr marL="342900" indent="-342900">
+              <a:buAutoNum type="arabicPeriod"/>
+            </a:pPr>
             <a:r>
               <a:rPr lang="en-US" sz="2000" dirty="0"/>
-              <a:t>    - Stack-Overflow uses CDN</a:t>
+              <a:t>Use below code to track application exceptions</a:t>
             </a:r>
           </a:p>
         </p:txBody>
@@ -9701,7 +7956,7 @@
     </p:spTree>
     <p:extLst>
       <p:ext uri="{BB962C8B-B14F-4D97-AF65-F5344CB8AC3E}">
-        <p14:creationId xmlns:p14="http://schemas.microsoft.com/office/powerpoint/2010/main" val="2656227912"/>
+        <p14:creationId xmlns:p14="http://schemas.microsoft.com/office/powerpoint/2010/main" val="2644067907"/>
       </p:ext>
     </p:extLst>
   </p:cSld>
@@ -9711,7 +7966,7 @@
 </p:sld>
 </file>
 
-<file path=ppt/slides/slide9.xml><?xml version="1.0" encoding="utf-8"?>
+<file path=ppt/slides/slide6.xml><?xml version="1.0" encoding="utf-8"?>
 <p:sld xmlns:a="http://schemas.openxmlformats.org/drawingml/2006/main" xmlns:r="http://schemas.openxmlformats.org/officeDocument/2006/relationships" xmlns:p="http://schemas.openxmlformats.org/presentationml/2006/main">
   <p:cSld>
     <p:spTree>
@@ -9764,7 +8019,7 @@
                   </a:outerShdw>
                 </a:effectLst>
               </a:rPr>
-              <a:t>Debug mode vs Release mode</a:t>
+              <a:t>Application Insights - Track Page Views </a:t>
             </a:r>
             <a:endParaRPr lang="en-US" sz="4800" b="0" cap="none" spc="0" dirty="0">
               <a:ln w="0"/>
@@ -9830,14 +8085,14 @@
       </p:sp>
       <p:sp>
         <p:nvSpPr>
-          <p:cNvPr id="4" name="Rectangle 3"/>
+          <p:cNvPr id="2" name="Rectangle 1"/>
           <p:cNvSpPr/>
           <p:nvPr/>
         </p:nvSpPr>
         <p:spPr>
           <a:xfrm>
-            <a:off x="902751" y="1673664"/>
-            <a:ext cx="10471919" cy="2800767"/>
+            <a:off x="936394" y="1940452"/>
+            <a:ext cx="10988513" cy="3046988"/>
           </a:xfrm>
           <a:prstGeom prst="rect">
             <a:avLst/>
@@ -9850,26 +8105,1941 @@
           <a:lstStyle/>
           <a:p>
             <a:r>
-              <a:rPr lang="en-US" sz="2800" dirty="0"/>
-              <a:t>In Debug Mode your DLL has debug information inside of it (source code, variable names, symbolic information and other similar stuff).</a:t>
-            </a:r>
-          </a:p>
-          <a:p>
-            <a:r>
-              <a:rPr lang="en-US" sz="2400" dirty="0"/>
-              <a:t>      - Debug Mode creates PDB file to store debug information</a:t>
-            </a:r>
-          </a:p>
-          <a:p>
-            <a:endParaRPr lang="en-US" sz="2400" dirty="0"/>
-          </a:p>
-          <a:p>
+              <a:rPr lang="en-US" sz="1200" dirty="0">
+                <a:solidFill>
+                  <a:srgbClr val="0000FF"/>
+                </a:solidFill>
+                <a:latin typeface="Consolas" panose="020B0609020204030204" pitchFamily="49" charset="0"/>
+              </a:rPr>
+              <a:t>&lt;</a:t>
+            </a:r>
+            <a:r>
+              <a:rPr lang="en-US" sz="1200" dirty="0">
+                <a:solidFill>
+                  <a:srgbClr val="800000"/>
+                </a:solidFill>
+                <a:latin typeface="Consolas" panose="020B0609020204030204" pitchFamily="49" charset="0"/>
+              </a:rPr>
+              <a:t>script</a:t>
+            </a:r>
+            <a:r>
+              <a:rPr lang="en-US" sz="1200" dirty="0">
+                <a:solidFill>
+                  <a:srgbClr val="000000"/>
+                </a:solidFill>
+                <a:latin typeface="Consolas" panose="020B0609020204030204" pitchFamily="49" charset="0"/>
+              </a:rPr>
+              <a:t> </a:t>
+            </a:r>
+            <a:r>
+              <a:rPr lang="en-US" sz="1200" dirty="0">
+                <a:solidFill>
+                  <a:srgbClr val="FF0000"/>
+                </a:solidFill>
+                <a:latin typeface="Consolas" panose="020B0609020204030204" pitchFamily="49" charset="0"/>
+              </a:rPr>
+              <a:t>type</a:t>
+            </a:r>
+            <a:r>
+              <a:rPr lang="en-US" sz="1200" dirty="0">
+                <a:solidFill>
+                  <a:srgbClr val="0000FF"/>
+                </a:solidFill>
+                <a:latin typeface="Consolas" panose="020B0609020204030204" pitchFamily="49" charset="0"/>
+              </a:rPr>
+              <a:t>="text/</a:t>
+            </a:r>
+            <a:r>
+              <a:rPr lang="en-US" sz="1200" dirty="0" err="1">
+                <a:solidFill>
+                  <a:srgbClr val="0000FF"/>
+                </a:solidFill>
+                <a:latin typeface="Consolas" panose="020B0609020204030204" pitchFamily="49" charset="0"/>
+              </a:rPr>
+              <a:t>javascript</a:t>
+            </a:r>
+            <a:r>
+              <a:rPr lang="en-US" sz="1200" dirty="0">
+                <a:solidFill>
+                  <a:srgbClr val="0000FF"/>
+                </a:solidFill>
+                <a:latin typeface="Consolas" panose="020B0609020204030204" pitchFamily="49" charset="0"/>
+              </a:rPr>
+              <a:t>"&gt;</a:t>
+            </a:r>
+            <a:endParaRPr lang="en-US" sz="1200" dirty="0">
+              <a:solidFill>
+                <a:srgbClr val="000000"/>
+              </a:solidFill>
+              <a:latin typeface="Consolas" panose="020B0609020204030204" pitchFamily="49" charset="0"/>
+            </a:endParaRPr>
+          </a:p>
+          <a:p>
+            <a:r>
+              <a:rPr lang="en-GB" sz="1200" dirty="0">
+                <a:solidFill>
+                  <a:srgbClr val="000000"/>
+                </a:solidFill>
+                <a:latin typeface="Consolas" panose="020B0609020204030204" pitchFamily="49" charset="0"/>
+              </a:rPr>
+              <a:t>    </a:t>
+            </a:r>
+            <a:r>
+              <a:rPr lang="en-GB" sz="1200" dirty="0" err="1">
+                <a:solidFill>
+                  <a:srgbClr val="0000FF"/>
+                </a:solidFill>
+                <a:latin typeface="Consolas" panose="020B0609020204030204" pitchFamily="49" charset="0"/>
+              </a:rPr>
+              <a:t>var</a:t>
+            </a:r>
+            <a:r>
+              <a:rPr lang="en-GB" sz="1200" dirty="0">
+                <a:solidFill>
+                  <a:srgbClr val="000000"/>
+                </a:solidFill>
+                <a:latin typeface="Consolas" panose="020B0609020204030204" pitchFamily="49" charset="0"/>
+              </a:rPr>
+              <a:t> </a:t>
+            </a:r>
+            <a:r>
+              <a:rPr lang="en-GB" sz="1200" dirty="0" err="1">
+                <a:solidFill>
+                  <a:srgbClr val="000000"/>
+                </a:solidFill>
+                <a:latin typeface="Consolas" panose="020B0609020204030204" pitchFamily="49" charset="0"/>
+              </a:rPr>
+              <a:t>appInsights</a:t>
+            </a:r>
+            <a:r>
+              <a:rPr lang="en-GB" sz="1200" dirty="0">
+                <a:solidFill>
+                  <a:srgbClr val="000000"/>
+                </a:solidFill>
+                <a:latin typeface="Consolas" panose="020B0609020204030204" pitchFamily="49" charset="0"/>
+              </a:rPr>
+              <a:t> = </a:t>
+            </a:r>
+            <a:r>
+              <a:rPr lang="en-GB" sz="1200" dirty="0" err="1">
+                <a:solidFill>
+                  <a:srgbClr val="000000"/>
+                </a:solidFill>
+                <a:latin typeface="Consolas" panose="020B0609020204030204" pitchFamily="49" charset="0"/>
+              </a:rPr>
+              <a:t>window.appInsights</a:t>
+            </a:r>
+            <a:r>
+              <a:rPr lang="en-GB" sz="1200" dirty="0">
+                <a:solidFill>
+                  <a:srgbClr val="000000"/>
+                </a:solidFill>
+                <a:latin typeface="Consolas" panose="020B0609020204030204" pitchFamily="49" charset="0"/>
+              </a:rPr>
+              <a:t> || </a:t>
+            </a:r>
+            <a:r>
+              <a:rPr lang="en-GB" sz="1200" dirty="0">
+                <a:solidFill>
+                  <a:srgbClr val="0000FF"/>
+                </a:solidFill>
+                <a:latin typeface="Consolas" panose="020B0609020204030204" pitchFamily="49" charset="0"/>
+              </a:rPr>
+              <a:t>function</a:t>
+            </a:r>
+            <a:r>
+              <a:rPr lang="en-GB" sz="1200" dirty="0">
+                <a:solidFill>
+                  <a:srgbClr val="000000"/>
+                </a:solidFill>
+                <a:latin typeface="Consolas" panose="020B0609020204030204" pitchFamily="49" charset="0"/>
+              </a:rPr>
+              <a:t> (config) {</a:t>
+            </a:r>
+          </a:p>
+          <a:p>
+            <a:r>
+              <a:rPr lang="en-US" sz="1200" dirty="0">
+                <a:solidFill>
+                  <a:srgbClr val="000000"/>
+                </a:solidFill>
+                <a:latin typeface="Consolas" panose="020B0609020204030204" pitchFamily="49" charset="0"/>
+              </a:rPr>
+              <a:t>        </a:t>
+            </a:r>
+            <a:r>
+              <a:rPr lang="en-US" sz="1200" dirty="0">
+                <a:solidFill>
+                  <a:srgbClr val="0000FF"/>
+                </a:solidFill>
+                <a:latin typeface="Consolas" panose="020B0609020204030204" pitchFamily="49" charset="0"/>
+              </a:rPr>
+              <a:t>function</a:t>
+            </a:r>
+            <a:r>
+              <a:rPr lang="en-US" sz="1200" dirty="0">
+                <a:solidFill>
+                  <a:srgbClr val="000000"/>
+                </a:solidFill>
+                <a:latin typeface="Consolas" panose="020B0609020204030204" pitchFamily="49" charset="0"/>
+              </a:rPr>
+              <a:t> </a:t>
+            </a:r>
+            <a:r>
+              <a:rPr lang="en-US" sz="1200" dirty="0" err="1">
+                <a:solidFill>
+                  <a:srgbClr val="000000"/>
+                </a:solidFill>
+                <a:latin typeface="Consolas" panose="020B0609020204030204" pitchFamily="49" charset="0"/>
+              </a:rPr>
+              <a:t>i</a:t>
+            </a:r>
+            <a:r>
+              <a:rPr lang="en-US" sz="1200" dirty="0">
+                <a:solidFill>
+                  <a:srgbClr val="000000"/>
+                </a:solidFill>
+                <a:latin typeface="Consolas" panose="020B0609020204030204" pitchFamily="49" charset="0"/>
+              </a:rPr>
+              <a:t>(config) { t[config] = </a:t>
+            </a:r>
+            <a:r>
+              <a:rPr lang="en-US" sz="1200" dirty="0">
+                <a:solidFill>
+                  <a:srgbClr val="0000FF"/>
+                </a:solidFill>
+                <a:latin typeface="Consolas" panose="020B0609020204030204" pitchFamily="49" charset="0"/>
+              </a:rPr>
+              <a:t>function</a:t>
+            </a:r>
+            <a:r>
+              <a:rPr lang="en-US" sz="1200" dirty="0">
+                <a:solidFill>
+                  <a:srgbClr val="000000"/>
+                </a:solidFill>
+                <a:latin typeface="Consolas" panose="020B0609020204030204" pitchFamily="49" charset="0"/>
+              </a:rPr>
+              <a:t> () { </a:t>
+            </a:r>
+            <a:r>
+              <a:rPr lang="en-US" sz="1200" dirty="0" err="1">
+                <a:solidFill>
+                  <a:srgbClr val="0000FF"/>
+                </a:solidFill>
+                <a:latin typeface="Consolas" panose="020B0609020204030204" pitchFamily="49" charset="0"/>
+              </a:rPr>
+              <a:t>var</a:t>
+            </a:r>
+            <a:r>
+              <a:rPr lang="en-US" sz="1200" dirty="0">
+                <a:solidFill>
+                  <a:srgbClr val="000000"/>
+                </a:solidFill>
+                <a:latin typeface="Consolas" panose="020B0609020204030204" pitchFamily="49" charset="0"/>
+              </a:rPr>
+              <a:t> </a:t>
+            </a:r>
+            <a:r>
+              <a:rPr lang="en-US" sz="1200" dirty="0" err="1">
+                <a:solidFill>
+                  <a:srgbClr val="000000"/>
+                </a:solidFill>
+                <a:latin typeface="Consolas" panose="020B0609020204030204" pitchFamily="49" charset="0"/>
+              </a:rPr>
+              <a:t>i</a:t>
+            </a:r>
+            <a:r>
+              <a:rPr lang="en-US" sz="1200" dirty="0">
+                <a:solidFill>
+                  <a:srgbClr val="000000"/>
+                </a:solidFill>
+                <a:latin typeface="Consolas" panose="020B0609020204030204" pitchFamily="49" charset="0"/>
+              </a:rPr>
+              <a:t> = arguments; </a:t>
+            </a:r>
+            <a:r>
+              <a:rPr lang="en-US" sz="1200" dirty="0" err="1">
+                <a:solidFill>
+                  <a:srgbClr val="000000"/>
+                </a:solidFill>
+                <a:latin typeface="Consolas" panose="020B0609020204030204" pitchFamily="49" charset="0"/>
+              </a:rPr>
+              <a:t>t.queue.push</a:t>
+            </a:r>
+            <a:r>
+              <a:rPr lang="en-US" sz="1200" dirty="0">
+                <a:solidFill>
+                  <a:srgbClr val="000000"/>
+                </a:solidFill>
+                <a:latin typeface="Consolas" panose="020B0609020204030204" pitchFamily="49" charset="0"/>
+              </a:rPr>
+              <a:t>(</a:t>
+            </a:r>
+            <a:r>
+              <a:rPr lang="en-US" sz="1200" dirty="0">
+                <a:solidFill>
+                  <a:srgbClr val="0000FF"/>
+                </a:solidFill>
+                <a:latin typeface="Consolas" panose="020B0609020204030204" pitchFamily="49" charset="0"/>
+              </a:rPr>
+              <a:t>function</a:t>
+            </a:r>
+            <a:r>
+              <a:rPr lang="en-US" sz="1200" dirty="0">
+                <a:solidFill>
+                  <a:srgbClr val="000000"/>
+                </a:solidFill>
+                <a:latin typeface="Consolas" panose="020B0609020204030204" pitchFamily="49" charset="0"/>
+              </a:rPr>
+              <a:t> () { t[config].apply(t, </a:t>
+            </a:r>
+            <a:r>
+              <a:rPr lang="en-US" sz="1200" dirty="0" err="1">
+                <a:solidFill>
+                  <a:srgbClr val="000000"/>
+                </a:solidFill>
+                <a:latin typeface="Consolas" panose="020B0609020204030204" pitchFamily="49" charset="0"/>
+              </a:rPr>
+              <a:t>i</a:t>
+            </a:r>
+            <a:r>
+              <a:rPr lang="en-US" sz="1200" dirty="0">
+                <a:solidFill>
+                  <a:srgbClr val="000000"/>
+                </a:solidFill>
+                <a:latin typeface="Consolas" panose="020B0609020204030204" pitchFamily="49" charset="0"/>
+              </a:rPr>
+              <a:t>) }) } } </a:t>
+            </a:r>
+            <a:r>
+              <a:rPr lang="en-US" sz="1200" dirty="0" err="1">
+                <a:solidFill>
+                  <a:srgbClr val="0000FF"/>
+                </a:solidFill>
+                <a:latin typeface="Consolas" panose="020B0609020204030204" pitchFamily="49" charset="0"/>
+              </a:rPr>
+              <a:t>var</a:t>
+            </a:r>
+            <a:r>
+              <a:rPr lang="en-US" sz="1200" dirty="0">
+                <a:solidFill>
+                  <a:srgbClr val="000000"/>
+                </a:solidFill>
+                <a:latin typeface="Consolas" panose="020B0609020204030204" pitchFamily="49" charset="0"/>
+              </a:rPr>
+              <a:t> t = { config: config }, u = document, e = window, o = </a:t>
+            </a:r>
+            <a:r>
+              <a:rPr lang="en-US" sz="1200" dirty="0">
+                <a:solidFill>
+                  <a:srgbClr val="A31515"/>
+                </a:solidFill>
+                <a:latin typeface="Consolas" panose="020B0609020204030204" pitchFamily="49" charset="0"/>
+              </a:rPr>
+              <a:t>"script"</a:t>
+            </a:r>
+            <a:r>
+              <a:rPr lang="en-US" sz="1200" dirty="0">
+                <a:solidFill>
+                  <a:srgbClr val="000000"/>
+                </a:solidFill>
+                <a:latin typeface="Consolas" panose="020B0609020204030204" pitchFamily="49" charset="0"/>
+              </a:rPr>
+              <a:t>, s = </a:t>
+            </a:r>
+            <a:r>
+              <a:rPr lang="en-US" sz="1200" dirty="0">
+                <a:solidFill>
+                  <a:srgbClr val="A31515"/>
+                </a:solidFill>
+                <a:latin typeface="Consolas" panose="020B0609020204030204" pitchFamily="49" charset="0"/>
+              </a:rPr>
+              <a:t>"</a:t>
+            </a:r>
+            <a:r>
+              <a:rPr lang="en-US" sz="1200" dirty="0" err="1">
+                <a:solidFill>
+                  <a:srgbClr val="A31515"/>
+                </a:solidFill>
+                <a:latin typeface="Consolas" panose="020B0609020204030204" pitchFamily="49" charset="0"/>
+              </a:rPr>
+              <a:t>AuthenticatedUserContext</a:t>
+            </a:r>
+            <a:r>
+              <a:rPr lang="en-US" sz="1200" dirty="0">
+                <a:solidFill>
+                  <a:srgbClr val="A31515"/>
+                </a:solidFill>
+                <a:latin typeface="Consolas" panose="020B0609020204030204" pitchFamily="49" charset="0"/>
+              </a:rPr>
+              <a:t>"</a:t>
+            </a:r>
+            <a:r>
+              <a:rPr lang="en-US" sz="1200" dirty="0">
+                <a:solidFill>
+                  <a:srgbClr val="000000"/>
+                </a:solidFill>
+                <a:latin typeface="Consolas" panose="020B0609020204030204" pitchFamily="49" charset="0"/>
+              </a:rPr>
+              <a:t>, h = </a:t>
+            </a:r>
+            <a:r>
+              <a:rPr lang="en-US" sz="1200" dirty="0">
+                <a:solidFill>
+                  <a:srgbClr val="A31515"/>
+                </a:solidFill>
+                <a:latin typeface="Consolas" panose="020B0609020204030204" pitchFamily="49" charset="0"/>
+              </a:rPr>
+              <a:t>"start"</a:t>
+            </a:r>
+            <a:r>
+              <a:rPr lang="en-US" sz="1200" dirty="0">
+                <a:solidFill>
+                  <a:srgbClr val="000000"/>
+                </a:solidFill>
+                <a:latin typeface="Consolas" panose="020B0609020204030204" pitchFamily="49" charset="0"/>
+              </a:rPr>
+              <a:t>, c = </a:t>
+            </a:r>
+            <a:r>
+              <a:rPr lang="en-US" sz="1200" dirty="0">
+                <a:solidFill>
+                  <a:srgbClr val="A31515"/>
+                </a:solidFill>
+                <a:latin typeface="Consolas" panose="020B0609020204030204" pitchFamily="49" charset="0"/>
+              </a:rPr>
+              <a:t>"stop"</a:t>
+            </a:r>
+            <a:r>
+              <a:rPr lang="en-US" sz="1200" dirty="0">
+                <a:solidFill>
+                  <a:srgbClr val="000000"/>
+                </a:solidFill>
+                <a:latin typeface="Consolas" panose="020B0609020204030204" pitchFamily="49" charset="0"/>
+              </a:rPr>
+              <a:t>, l = </a:t>
+            </a:r>
+            <a:r>
+              <a:rPr lang="en-US" sz="1200" dirty="0">
+                <a:solidFill>
+                  <a:srgbClr val="A31515"/>
+                </a:solidFill>
+                <a:latin typeface="Consolas" panose="020B0609020204030204" pitchFamily="49" charset="0"/>
+              </a:rPr>
+              <a:t>"Track"</a:t>
+            </a:r>
+            <a:r>
+              <a:rPr lang="en-US" sz="1200" dirty="0">
+                <a:solidFill>
+                  <a:srgbClr val="000000"/>
+                </a:solidFill>
+                <a:latin typeface="Consolas" panose="020B0609020204030204" pitchFamily="49" charset="0"/>
+              </a:rPr>
+              <a:t>, a = l + </a:t>
+            </a:r>
+            <a:r>
+              <a:rPr lang="en-US" sz="1200" dirty="0">
+                <a:solidFill>
+                  <a:srgbClr val="A31515"/>
+                </a:solidFill>
+                <a:latin typeface="Consolas" panose="020B0609020204030204" pitchFamily="49" charset="0"/>
+              </a:rPr>
+              <a:t>"Event"</a:t>
+            </a:r>
+            <a:r>
+              <a:rPr lang="en-US" sz="1200" dirty="0">
+                <a:solidFill>
+                  <a:srgbClr val="000000"/>
+                </a:solidFill>
+                <a:latin typeface="Consolas" panose="020B0609020204030204" pitchFamily="49" charset="0"/>
+              </a:rPr>
+              <a:t>, v = l + </a:t>
+            </a:r>
+            <a:r>
+              <a:rPr lang="en-US" sz="1200" dirty="0">
+                <a:solidFill>
+                  <a:srgbClr val="A31515"/>
+                </a:solidFill>
+                <a:latin typeface="Consolas" panose="020B0609020204030204" pitchFamily="49" charset="0"/>
+              </a:rPr>
+              <a:t>"Page"</a:t>
+            </a:r>
+            <a:r>
+              <a:rPr lang="en-US" sz="1200" dirty="0">
+                <a:solidFill>
+                  <a:srgbClr val="000000"/>
+                </a:solidFill>
+                <a:latin typeface="Consolas" panose="020B0609020204030204" pitchFamily="49" charset="0"/>
+              </a:rPr>
+              <a:t>, y = </a:t>
+            </a:r>
+            <a:r>
+              <a:rPr lang="en-US" sz="1200" dirty="0" err="1">
+                <a:solidFill>
+                  <a:srgbClr val="000000"/>
+                </a:solidFill>
+                <a:latin typeface="Consolas" panose="020B0609020204030204" pitchFamily="49" charset="0"/>
+              </a:rPr>
+              <a:t>u.createElement</a:t>
+            </a:r>
+            <a:r>
+              <a:rPr lang="en-US" sz="1200" dirty="0">
+                <a:solidFill>
+                  <a:srgbClr val="000000"/>
+                </a:solidFill>
+                <a:latin typeface="Consolas" panose="020B0609020204030204" pitchFamily="49" charset="0"/>
+              </a:rPr>
+              <a:t>(o), r, f; </a:t>
+            </a:r>
+            <a:r>
+              <a:rPr lang="en-US" sz="1200" dirty="0" err="1">
+                <a:solidFill>
+                  <a:srgbClr val="000000"/>
+                </a:solidFill>
+                <a:latin typeface="Consolas" panose="020B0609020204030204" pitchFamily="49" charset="0"/>
+              </a:rPr>
+              <a:t>y.src</a:t>
+            </a:r>
+            <a:r>
+              <a:rPr lang="en-US" sz="1200" dirty="0">
+                <a:solidFill>
+                  <a:srgbClr val="000000"/>
+                </a:solidFill>
+                <a:latin typeface="Consolas" panose="020B0609020204030204" pitchFamily="49" charset="0"/>
+              </a:rPr>
+              <a:t> = config.url || </a:t>
+            </a:r>
+            <a:r>
+              <a:rPr lang="en-US" sz="1200" dirty="0">
+                <a:solidFill>
+                  <a:srgbClr val="A31515"/>
+                </a:solidFill>
+                <a:latin typeface="Consolas" panose="020B0609020204030204" pitchFamily="49" charset="0"/>
+              </a:rPr>
+              <a:t>"https://az416426.vo.msecnd.net/scripts/a/ai.0.js"</a:t>
+            </a:r>
+            <a:r>
+              <a:rPr lang="en-US" sz="1200" dirty="0">
+                <a:solidFill>
+                  <a:srgbClr val="000000"/>
+                </a:solidFill>
+                <a:latin typeface="Consolas" panose="020B0609020204030204" pitchFamily="49" charset="0"/>
+              </a:rPr>
+              <a:t>; </a:t>
+            </a:r>
+            <a:r>
+              <a:rPr lang="en-US" sz="1200" dirty="0" err="1">
+                <a:solidFill>
+                  <a:srgbClr val="000000"/>
+                </a:solidFill>
+                <a:latin typeface="Consolas" panose="020B0609020204030204" pitchFamily="49" charset="0"/>
+              </a:rPr>
+              <a:t>u.getElementsByTagName</a:t>
+            </a:r>
+            <a:r>
+              <a:rPr lang="en-US" sz="1200" dirty="0">
+                <a:solidFill>
+                  <a:srgbClr val="000000"/>
+                </a:solidFill>
+                <a:latin typeface="Consolas" panose="020B0609020204030204" pitchFamily="49" charset="0"/>
+              </a:rPr>
+              <a:t>(o)[0].</a:t>
+            </a:r>
+            <a:r>
+              <a:rPr lang="en-US" sz="1200" dirty="0" err="1">
+                <a:solidFill>
+                  <a:srgbClr val="000000"/>
+                </a:solidFill>
+                <a:latin typeface="Consolas" panose="020B0609020204030204" pitchFamily="49" charset="0"/>
+              </a:rPr>
+              <a:t>parentNode.appendChild</a:t>
+            </a:r>
+            <a:r>
+              <a:rPr lang="en-US" sz="1200" dirty="0">
+                <a:solidFill>
+                  <a:srgbClr val="000000"/>
+                </a:solidFill>
+                <a:latin typeface="Consolas" panose="020B0609020204030204" pitchFamily="49" charset="0"/>
+              </a:rPr>
+              <a:t>(y); </a:t>
+            </a:r>
+            <a:r>
+              <a:rPr lang="en-US" sz="1200" dirty="0">
+                <a:solidFill>
+                  <a:srgbClr val="0000FF"/>
+                </a:solidFill>
+                <a:latin typeface="Consolas" panose="020B0609020204030204" pitchFamily="49" charset="0"/>
+              </a:rPr>
+              <a:t>try</a:t>
+            </a:r>
+            <a:r>
+              <a:rPr lang="en-US" sz="1200" dirty="0">
+                <a:solidFill>
+                  <a:srgbClr val="000000"/>
+                </a:solidFill>
+                <a:latin typeface="Consolas" panose="020B0609020204030204" pitchFamily="49" charset="0"/>
+              </a:rPr>
+              <a:t> { </a:t>
+            </a:r>
+            <a:r>
+              <a:rPr lang="en-US" sz="1200" dirty="0" err="1">
+                <a:solidFill>
+                  <a:srgbClr val="000000"/>
+                </a:solidFill>
+                <a:latin typeface="Consolas" panose="020B0609020204030204" pitchFamily="49" charset="0"/>
+              </a:rPr>
+              <a:t>t.cookie</a:t>
+            </a:r>
+            <a:r>
+              <a:rPr lang="en-US" sz="1200" dirty="0">
+                <a:solidFill>
+                  <a:srgbClr val="000000"/>
+                </a:solidFill>
+                <a:latin typeface="Consolas" panose="020B0609020204030204" pitchFamily="49" charset="0"/>
+              </a:rPr>
+              <a:t> = </a:t>
+            </a:r>
+            <a:r>
+              <a:rPr lang="en-US" sz="1200" dirty="0" err="1">
+                <a:solidFill>
+                  <a:srgbClr val="000000"/>
+                </a:solidFill>
+                <a:latin typeface="Consolas" panose="020B0609020204030204" pitchFamily="49" charset="0"/>
+              </a:rPr>
+              <a:t>u.cookie</a:t>
+            </a:r>
+            <a:r>
+              <a:rPr lang="en-US" sz="1200" dirty="0">
+                <a:solidFill>
+                  <a:srgbClr val="000000"/>
+                </a:solidFill>
+                <a:latin typeface="Consolas" panose="020B0609020204030204" pitchFamily="49" charset="0"/>
+              </a:rPr>
+              <a:t> } </a:t>
+            </a:r>
+            <a:r>
+              <a:rPr lang="en-US" sz="1200" dirty="0">
+                <a:solidFill>
+                  <a:srgbClr val="0000FF"/>
+                </a:solidFill>
+                <a:latin typeface="Consolas" panose="020B0609020204030204" pitchFamily="49" charset="0"/>
+              </a:rPr>
+              <a:t>catch</a:t>
+            </a:r>
+            <a:r>
+              <a:rPr lang="en-US" sz="1200" dirty="0">
+                <a:solidFill>
+                  <a:srgbClr val="000000"/>
+                </a:solidFill>
+                <a:latin typeface="Consolas" panose="020B0609020204030204" pitchFamily="49" charset="0"/>
+              </a:rPr>
+              <a:t> (p) { } </a:t>
+            </a:r>
+            <a:r>
+              <a:rPr lang="en-US" sz="1200" dirty="0">
+                <a:solidFill>
+                  <a:srgbClr val="0000FF"/>
+                </a:solidFill>
+                <a:latin typeface="Consolas" panose="020B0609020204030204" pitchFamily="49" charset="0"/>
+              </a:rPr>
+              <a:t>for</a:t>
+            </a:r>
+            <a:r>
+              <a:rPr lang="en-US" sz="1200" dirty="0">
+                <a:solidFill>
+                  <a:srgbClr val="000000"/>
+                </a:solidFill>
+                <a:latin typeface="Consolas" panose="020B0609020204030204" pitchFamily="49" charset="0"/>
+              </a:rPr>
+              <a:t> (</a:t>
+            </a:r>
+            <a:r>
+              <a:rPr lang="en-US" sz="1200" dirty="0" err="1">
+                <a:solidFill>
+                  <a:srgbClr val="000000"/>
+                </a:solidFill>
+                <a:latin typeface="Consolas" panose="020B0609020204030204" pitchFamily="49" charset="0"/>
+              </a:rPr>
+              <a:t>t.queue</a:t>
+            </a:r>
+            <a:r>
+              <a:rPr lang="en-US" sz="1200" dirty="0">
+                <a:solidFill>
+                  <a:srgbClr val="000000"/>
+                </a:solidFill>
+                <a:latin typeface="Consolas" panose="020B0609020204030204" pitchFamily="49" charset="0"/>
+              </a:rPr>
+              <a:t> = [], </a:t>
+            </a:r>
+            <a:r>
+              <a:rPr lang="en-US" sz="1200" dirty="0" err="1">
+                <a:solidFill>
+                  <a:srgbClr val="000000"/>
+                </a:solidFill>
+                <a:latin typeface="Consolas" panose="020B0609020204030204" pitchFamily="49" charset="0"/>
+              </a:rPr>
+              <a:t>t.version</a:t>
+            </a:r>
+            <a:r>
+              <a:rPr lang="en-US" sz="1200" dirty="0">
+                <a:solidFill>
+                  <a:srgbClr val="000000"/>
+                </a:solidFill>
+                <a:latin typeface="Consolas" panose="020B0609020204030204" pitchFamily="49" charset="0"/>
+              </a:rPr>
+              <a:t> = </a:t>
+            </a:r>
+            <a:r>
+              <a:rPr lang="en-US" sz="1200" dirty="0">
+                <a:solidFill>
+                  <a:srgbClr val="A31515"/>
+                </a:solidFill>
+                <a:latin typeface="Consolas" panose="020B0609020204030204" pitchFamily="49" charset="0"/>
+              </a:rPr>
+              <a:t>"1.0"</a:t>
+            </a:r>
+            <a:r>
+              <a:rPr lang="en-US" sz="1200" dirty="0">
+                <a:solidFill>
+                  <a:srgbClr val="000000"/>
+                </a:solidFill>
+                <a:latin typeface="Consolas" panose="020B0609020204030204" pitchFamily="49" charset="0"/>
+              </a:rPr>
+              <a:t>, r = [</a:t>
+            </a:r>
+            <a:r>
+              <a:rPr lang="en-US" sz="1200" dirty="0">
+                <a:solidFill>
+                  <a:srgbClr val="A31515"/>
+                </a:solidFill>
+                <a:latin typeface="Consolas" panose="020B0609020204030204" pitchFamily="49" charset="0"/>
+              </a:rPr>
+              <a:t>"Event"</a:t>
+            </a:r>
+            <a:r>
+              <a:rPr lang="en-US" sz="1200" dirty="0">
+                <a:solidFill>
+                  <a:srgbClr val="000000"/>
+                </a:solidFill>
+                <a:latin typeface="Consolas" panose="020B0609020204030204" pitchFamily="49" charset="0"/>
+              </a:rPr>
+              <a:t>, </a:t>
+            </a:r>
+            <a:r>
+              <a:rPr lang="en-US" sz="1200" dirty="0">
+                <a:solidFill>
+                  <a:srgbClr val="A31515"/>
+                </a:solidFill>
+                <a:latin typeface="Consolas" panose="020B0609020204030204" pitchFamily="49" charset="0"/>
+              </a:rPr>
+              <a:t>"Exception"</a:t>
+            </a:r>
+            <a:r>
+              <a:rPr lang="en-US" sz="1200" dirty="0">
+                <a:solidFill>
+                  <a:srgbClr val="000000"/>
+                </a:solidFill>
+                <a:latin typeface="Consolas" panose="020B0609020204030204" pitchFamily="49" charset="0"/>
+              </a:rPr>
+              <a:t>, </a:t>
+            </a:r>
+            <a:r>
+              <a:rPr lang="en-US" sz="1200" dirty="0">
+                <a:solidFill>
+                  <a:srgbClr val="A31515"/>
+                </a:solidFill>
+                <a:latin typeface="Consolas" panose="020B0609020204030204" pitchFamily="49" charset="0"/>
+              </a:rPr>
+              <a:t>"Metric"</a:t>
+            </a:r>
+            <a:r>
+              <a:rPr lang="en-US" sz="1200" dirty="0">
+                <a:solidFill>
+                  <a:srgbClr val="000000"/>
+                </a:solidFill>
+                <a:latin typeface="Consolas" panose="020B0609020204030204" pitchFamily="49" charset="0"/>
+              </a:rPr>
+              <a:t>, </a:t>
+            </a:r>
+            <a:r>
+              <a:rPr lang="en-US" sz="1200" dirty="0">
+                <a:solidFill>
+                  <a:srgbClr val="A31515"/>
+                </a:solidFill>
+                <a:latin typeface="Consolas" panose="020B0609020204030204" pitchFamily="49" charset="0"/>
+              </a:rPr>
+              <a:t>"</a:t>
+            </a:r>
+            <a:r>
+              <a:rPr lang="en-US" sz="1200" dirty="0" err="1">
+                <a:solidFill>
+                  <a:srgbClr val="A31515"/>
+                </a:solidFill>
+                <a:latin typeface="Consolas" panose="020B0609020204030204" pitchFamily="49" charset="0"/>
+              </a:rPr>
+              <a:t>PageView</a:t>
+            </a:r>
+            <a:r>
+              <a:rPr lang="en-US" sz="1200" dirty="0">
+                <a:solidFill>
+                  <a:srgbClr val="A31515"/>
+                </a:solidFill>
+                <a:latin typeface="Consolas" panose="020B0609020204030204" pitchFamily="49" charset="0"/>
+              </a:rPr>
+              <a:t>"</a:t>
+            </a:r>
+            <a:r>
+              <a:rPr lang="en-US" sz="1200" dirty="0">
+                <a:solidFill>
+                  <a:srgbClr val="000000"/>
+                </a:solidFill>
+                <a:latin typeface="Consolas" panose="020B0609020204030204" pitchFamily="49" charset="0"/>
+              </a:rPr>
+              <a:t>, </a:t>
+            </a:r>
+            <a:r>
+              <a:rPr lang="en-US" sz="1200" dirty="0">
+                <a:solidFill>
+                  <a:srgbClr val="A31515"/>
+                </a:solidFill>
+                <a:latin typeface="Consolas" panose="020B0609020204030204" pitchFamily="49" charset="0"/>
+              </a:rPr>
+              <a:t>"Trace"</a:t>
+            </a:r>
+            <a:r>
+              <a:rPr lang="en-US" sz="1200" dirty="0">
+                <a:solidFill>
+                  <a:srgbClr val="000000"/>
+                </a:solidFill>
+                <a:latin typeface="Consolas" panose="020B0609020204030204" pitchFamily="49" charset="0"/>
+              </a:rPr>
+              <a:t>, </a:t>
+            </a:r>
+            <a:r>
+              <a:rPr lang="en-US" sz="1200" dirty="0">
+                <a:solidFill>
+                  <a:srgbClr val="A31515"/>
+                </a:solidFill>
+                <a:latin typeface="Consolas" panose="020B0609020204030204" pitchFamily="49" charset="0"/>
+              </a:rPr>
+              <a:t>"Dependency"</a:t>
+            </a:r>
+            <a:r>
+              <a:rPr lang="en-US" sz="1200" dirty="0">
+                <a:solidFill>
+                  <a:srgbClr val="000000"/>
+                </a:solidFill>
+                <a:latin typeface="Consolas" panose="020B0609020204030204" pitchFamily="49" charset="0"/>
+              </a:rPr>
+              <a:t>]; </a:t>
+            </a:r>
+            <a:r>
+              <a:rPr lang="en-US" sz="1200" dirty="0" err="1">
+                <a:solidFill>
+                  <a:srgbClr val="000000"/>
+                </a:solidFill>
+                <a:latin typeface="Consolas" panose="020B0609020204030204" pitchFamily="49" charset="0"/>
+              </a:rPr>
+              <a:t>r.length</a:t>
+            </a:r>
+            <a:r>
+              <a:rPr lang="en-US" sz="1200" dirty="0">
+                <a:solidFill>
+                  <a:srgbClr val="000000"/>
+                </a:solidFill>
+                <a:latin typeface="Consolas" panose="020B0609020204030204" pitchFamily="49" charset="0"/>
+              </a:rPr>
+              <a:t>;) </a:t>
+            </a:r>
+            <a:r>
+              <a:rPr lang="en-US" sz="1200" dirty="0" err="1">
+                <a:solidFill>
+                  <a:srgbClr val="000000"/>
+                </a:solidFill>
+                <a:latin typeface="Consolas" panose="020B0609020204030204" pitchFamily="49" charset="0"/>
+              </a:rPr>
+              <a:t>i</a:t>
+            </a:r>
+            <a:r>
+              <a:rPr lang="en-US" sz="1200" dirty="0">
+                <a:solidFill>
+                  <a:srgbClr val="000000"/>
+                </a:solidFill>
+                <a:latin typeface="Consolas" panose="020B0609020204030204" pitchFamily="49" charset="0"/>
+              </a:rPr>
+              <a:t>(</a:t>
+            </a:r>
+            <a:r>
+              <a:rPr lang="en-US" sz="1200" dirty="0">
+                <a:solidFill>
+                  <a:srgbClr val="A31515"/>
+                </a:solidFill>
+                <a:latin typeface="Consolas" panose="020B0609020204030204" pitchFamily="49" charset="0"/>
+              </a:rPr>
+              <a:t>"track"</a:t>
+            </a:r>
+            <a:r>
+              <a:rPr lang="en-US" sz="1200" dirty="0">
+                <a:solidFill>
+                  <a:srgbClr val="000000"/>
+                </a:solidFill>
+                <a:latin typeface="Consolas" panose="020B0609020204030204" pitchFamily="49" charset="0"/>
+              </a:rPr>
+              <a:t> + </a:t>
+            </a:r>
+            <a:r>
+              <a:rPr lang="en-US" sz="1200" dirty="0" err="1">
+                <a:solidFill>
+                  <a:srgbClr val="000000"/>
+                </a:solidFill>
+                <a:latin typeface="Consolas" panose="020B0609020204030204" pitchFamily="49" charset="0"/>
+              </a:rPr>
+              <a:t>r.pop</a:t>
+            </a:r>
+            <a:r>
+              <a:rPr lang="en-US" sz="1200" dirty="0">
+                <a:solidFill>
+                  <a:srgbClr val="000000"/>
+                </a:solidFill>
+                <a:latin typeface="Consolas" panose="020B0609020204030204" pitchFamily="49" charset="0"/>
+              </a:rPr>
+              <a:t>()); </a:t>
+            </a:r>
+            <a:r>
+              <a:rPr lang="en-US" sz="1200" dirty="0">
+                <a:solidFill>
+                  <a:srgbClr val="0000FF"/>
+                </a:solidFill>
+                <a:latin typeface="Consolas" panose="020B0609020204030204" pitchFamily="49" charset="0"/>
+              </a:rPr>
+              <a:t>return</a:t>
+            </a:r>
+            <a:r>
+              <a:rPr lang="en-US" sz="1200" dirty="0">
+                <a:solidFill>
+                  <a:srgbClr val="000000"/>
+                </a:solidFill>
+                <a:latin typeface="Consolas" panose="020B0609020204030204" pitchFamily="49" charset="0"/>
+              </a:rPr>
+              <a:t> </a:t>
+            </a:r>
+            <a:r>
+              <a:rPr lang="en-US" sz="1200" dirty="0" err="1">
+                <a:solidFill>
+                  <a:srgbClr val="000000"/>
+                </a:solidFill>
+                <a:latin typeface="Consolas" panose="020B0609020204030204" pitchFamily="49" charset="0"/>
+              </a:rPr>
+              <a:t>i</a:t>
+            </a:r>
+            <a:r>
+              <a:rPr lang="en-US" sz="1200" dirty="0">
+                <a:solidFill>
+                  <a:srgbClr val="000000"/>
+                </a:solidFill>
+                <a:latin typeface="Consolas" panose="020B0609020204030204" pitchFamily="49" charset="0"/>
+              </a:rPr>
+              <a:t>(</a:t>
+            </a:r>
+            <a:r>
+              <a:rPr lang="en-US" sz="1200" dirty="0">
+                <a:solidFill>
+                  <a:srgbClr val="A31515"/>
+                </a:solidFill>
+                <a:latin typeface="Consolas" panose="020B0609020204030204" pitchFamily="49" charset="0"/>
+              </a:rPr>
+              <a:t>"set"</a:t>
+            </a:r>
+            <a:r>
+              <a:rPr lang="en-US" sz="1200" dirty="0">
+                <a:solidFill>
+                  <a:srgbClr val="000000"/>
+                </a:solidFill>
+                <a:latin typeface="Consolas" panose="020B0609020204030204" pitchFamily="49" charset="0"/>
+              </a:rPr>
+              <a:t> + s), </a:t>
+            </a:r>
+            <a:r>
+              <a:rPr lang="en-US" sz="1200" dirty="0" err="1">
+                <a:solidFill>
+                  <a:srgbClr val="000000"/>
+                </a:solidFill>
+                <a:latin typeface="Consolas" panose="020B0609020204030204" pitchFamily="49" charset="0"/>
+              </a:rPr>
+              <a:t>i</a:t>
+            </a:r>
+            <a:r>
+              <a:rPr lang="en-US" sz="1200" dirty="0">
+                <a:solidFill>
+                  <a:srgbClr val="000000"/>
+                </a:solidFill>
+                <a:latin typeface="Consolas" panose="020B0609020204030204" pitchFamily="49" charset="0"/>
+              </a:rPr>
+              <a:t>(</a:t>
+            </a:r>
+            <a:r>
+              <a:rPr lang="en-US" sz="1200" dirty="0">
+                <a:solidFill>
+                  <a:srgbClr val="A31515"/>
+                </a:solidFill>
+                <a:latin typeface="Consolas" panose="020B0609020204030204" pitchFamily="49" charset="0"/>
+              </a:rPr>
+              <a:t>"clear"</a:t>
+            </a:r>
+            <a:r>
+              <a:rPr lang="en-US" sz="1200" dirty="0">
+                <a:solidFill>
+                  <a:srgbClr val="000000"/>
+                </a:solidFill>
+                <a:latin typeface="Consolas" panose="020B0609020204030204" pitchFamily="49" charset="0"/>
+              </a:rPr>
+              <a:t> + s), </a:t>
+            </a:r>
+            <a:r>
+              <a:rPr lang="en-US" sz="1200" dirty="0" err="1">
+                <a:solidFill>
+                  <a:srgbClr val="000000"/>
+                </a:solidFill>
+                <a:latin typeface="Consolas" panose="020B0609020204030204" pitchFamily="49" charset="0"/>
+              </a:rPr>
+              <a:t>i</a:t>
+            </a:r>
+            <a:r>
+              <a:rPr lang="en-US" sz="1200" dirty="0">
+                <a:solidFill>
+                  <a:srgbClr val="000000"/>
+                </a:solidFill>
+                <a:latin typeface="Consolas" panose="020B0609020204030204" pitchFamily="49" charset="0"/>
+              </a:rPr>
+              <a:t>(h + a), </a:t>
+            </a:r>
+            <a:r>
+              <a:rPr lang="en-US" sz="1200" dirty="0" err="1">
+                <a:solidFill>
+                  <a:srgbClr val="000000"/>
+                </a:solidFill>
+                <a:latin typeface="Consolas" panose="020B0609020204030204" pitchFamily="49" charset="0"/>
+              </a:rPr>
+              <a:t>i</a:t>
+            </a:r>
+            <a:r>
+              <a:rPr lang="en-US" sz="1200" dirty="0">
+                <a:solidFill>
+                  <a:srgbClr val="000000"/>
+                </a:solidFill>
+                <a:latin typeface="Consolas" panose="020B0609020204030204" pitchFamily="49" charset="0"/>
+              </a:rPr>
+              <a:t>(c + a), </a:t>
+            </a:r>
+            <a:r>
+              <a:rPr lang="en-US" sz="1200" dirty="0" err="1">
+                <a:solidFill>
+                  <a:srgbClr val="000000"/>
+                </a:solidFill>
+                <a:latin typeface="Consolas" panose="020B0609020204030204" pitchFamily="49" charset="0"/>
+              </a:rPr>
+              <a:t>i</a:t>
+            </a:r>
+            <a:r>
+              <a:rPr lang="en-US" sz="1200" dirty="0">
+                <a:solidFill>
+                  <a:srgbClr val="000000"/>
+                </a:solidFill>
+                <a:latin typeface="Consolas" panose="020B0609020204030204" pitchFamily="49" charset="0"/>
+              </a:rPr>
+              <a:t>(h + v), </a:t>
+            </a:r>
+            <a:r>
+              <a:rPr lang="en-US" sz="1200" dirty="0" err="1">
+                <a:solidFill>
+                  <a:srgbClr val="000000"/>
+                </a:solidFill>
+                <a:latin typeface="Consolas" panose="020B0609020204030204" pitchFamily="49" charset="0"/>
+              </a:rPr>
+              <a:t>i</a:t>
+            </a:r>
+            <a:r>
+              <a:rPr lang="en-US" sz="1200" dirty="0">
+                <a:solidFill>
+                  <a:srgbClr val="000000"/>
+                </a:solidFill>
+                <a:latin typeface="Consolas" panose="020B0609020204030204" pitchFamily="49" charset="0"/>
+              </a:rPr>
+              <a:t>(c + v), </a:t>
+            </a:r>
+            <a:r>
+              <a:rPr lang="en-US" sz="1200" dirty="0" err="1">
+                <a:solidFill>
+                  <a:srgbClr val="000000"/>
+                </a:solidFill>
+                <a:latin typeface="Consolas" panose="020B0609020204030204" pitchFamily="49" charset="0"/>
+              </a:rPr>
+              <a:t>i</a:t>
+            </a:r>
+            <a:r>
+              <a:rPr lang="en-US" sz="1200" dirty="0">
+                <a:solidFill>
+                  <a:srgbClr val="000000"/>
+                </a:solidFill>
+                <a:latin typeface="Consolas" panose="020B0609020204030204" pitchFamily="49" charset="0"/>
+              </a:rPr>
+              <a:t>(</a:t>
+            </a:r>
+            <a:r>
+              <a:rPr lang="en-US" sz="1200" dirty="0">
+                <a:solidFill>
+                  <a:srgbClr val="A31515"/>
+                </a:solidFill>
+                <a:latin typeface="Consolas" panose="020B0609020204030204" pitchFamily="49" charset="0"/>
+              </a:rPr>
+              <a:t>"flush"</a:t>
+            </a:r>
+            <a:r>
+              <a:rPr lang="en-US" sz="1200" dirty="0">
+                <a:solidFill>
+                  <a:srgbClr val="000000"/>
+                </a:solidFill>
+                <a:latin typeface="Consolas" panose="020B0609020204030204" pitchFamily="49" charset="0"/>
+              </a:rPr>
+              <a:t>), </a:t>
+            </a:r>
+            <a:r>
+              <a:rPr lang="en-US" sz="1200" dirty="0" err="1">
+                <a:solidFill>
+                  <a:srgbClr val="000000"/>
+                </a:solidFill>
+                <a:latin typeface="Consolas" panose="020B0609020204030204" pitchFamily="49" charset="0"/>
+              </a:rPr>
+              <a:t>config.disableExceptionTracking</a:t>
+            </a:r>
+            <a:r>
+              <a:rPr lang="en-US" sz="1200" dirty="0">
+                <a:solidFill>
+                  <a:srgbClr val="000000"/>
+                </a:solidFill>
+                <a:latin typeface="Consolas" panose="020B0609020204030204" pitchFamily="49" charset="0"/>
+              </a:rPr>
+              <a:t> || (r = </a:t>
+            </a:r>
+            <a:r>
+              <a:rPr lang="en-US" sz="1200" dirty="0">
+                <a:solidFill>
+                  <a:srgbClr val="A31515"/>
+                </a:solidFill>
+                <a:latin typeface="Consolas" panose="020B0609020204030204" pitchFamily="49" charset="0"/>
+              </a:rPr>
+              <a:t>"</a:t>
+            </a:r>
+            <a:r>
+              <a:rPr lang="en-US" sz="1200" dirty="0" err="1">
+                <a:solidFill>
+                  <a:srgbClr val="A31515"/>
+                </a:solidFill>
+                <a:latin typeface="Consolas" panose="020B0609020204030204" pitchFamily="49" charset="0"/>
+              </a:rPr>
+              <a:t>onerror</a:t>
+            </a:r>
+            <a:r>
+              <a:rPr lang="en-US" sz="1200" dirty="0">
+                <a:solidFill>
+                  <a:srgbClr val="A31515"/>
+                </a:solidFill>
+                <a:latin typeface="Consolas" panose="020B0609020204030204" pitchFamily="49" charset="0"/>
+              </a:rPr>
+              <a:t>"</a:t>
+            </a:r>
+            <a:r>
+              <a:rPr lang="en-US" sz="1200" dirty="0">
+                <a:solidFill>
+                  <a:srgbClr val="000000"/>
+                </a:solidFill>
+                <a:latin typeface="Consolas" panose="020B0609020204030204" pitchFamily="49" charset="0"/>
+              </a:rPr>
+              <a:t>, </a:t>
+            </a:r>
+            <a:r>
+              <a:rPr lang="en-US" sz="1200" dirty="0" err="1">
+                <a:solidFill>
+                  <a:srgbClr val="000000"/>
+                </a:solidFill>
+                <a:latin typeface="Consolas" panose="020B0609020204030204" pitchFamily="49" charset="0"/>
+              </a:rPr>
+              <a:t>i</a:t>
+            </a:r>
+            <a:r>
+              <a:rPr lang="en-US" sz="1200" dirty="0">
+                <a:solidFill>
+                  <a:srgbClr val="000000"/>
+                </a:solidFill>
+                <a:latin typeface="Consolas" panose="020B0609020204030204" pitchFamily="49" charset="0"/>
+              </a:rPr>
+              <a:t>(</a:t>
+            </a:r>
+            <a:r>
+              <a:rPr lang="en-US" sz="1200" dirty="0">
+                <a:solidFill>
+                  <a:srgbClr val="A31515"/>
+                </a:solidFill>
+                <a:latin typeface="Consolas" panose="020B0609020204030204" pitchFamily="49" charset="0"/>
+              </a:rPr>
+              <a:t>"_"</a:t>
+            </a:r>
+            <a:r>
+              <a:rPr lang="en-US" sz="1200" dirty="0">
+                <a:solidFill>
+                  <a:srgbClr val="000000"/>
+                </a:solidFill>
+                <a:latin typeface="Consolas" panose="020B0609020204030204" pitchFamily="49" charset="0"/>
+              </a:rPr>
+              <a:t> + r), f = e[r], e[r] = </a:t>
+            </a:r>
+            <a:r>
+              <a:rPr lang="en-US" sz="1200" dirty="0">
+                <a:solidFill>
+                  <a:srgbClr val="0000FF"/>
+                </a:solidFill>
+                <a:latin typeface="Consolas" panose="020B0609020204030204" pitchFamily="49" charset="0"/>
+              </a:rPr>
+              <a:t>function</a:t>
+            </a:r>
+            <a:r>
+              <a:rPr lang="en-US" sz="1200" dirty="0">
+                <a:solidFill>
+                  <a:srgbClr val="000000"/>
+                </a:solidFill>
+                <a:latin typeface="Consolas" panose="020B0609020204030204" pitchFamily="49" charset="0"/>
+              </a:rPr>
+              <a:t> (config, </a:t>
+            </a:r>
+            <a:r>
+              <a:rPr lang="en-US" sz="1200" dirty="0" err="1">
+                <a:solidFill>
+                  <a:srgbClr val="000000"/>
+                </a:solidFill>
+                <a:latin typeface="Consolas" panose="020B0609020204030204" pitchFamily="49" charset="0"/>
+              </a:rPr>
+              <a:t>i</a:t>
+            </a:r>
+            <a:r>
+              <a:rPr lang="en-US" sz="1200" dirty="0">
+                <a:solidFill>
+                  <a:srgbClr val="000000"/>
+                </a:solidFill>
+                <a:latin typeface="Consolas" panose="020B0609020204030204" pitchFamily="49" charset="0"/>
+              </a:rPr>
+              <a:t>, u, e, o) { </a:t>
+            </a:r>
+            <a:r>
+              <a:rPr lang="en-US" sz="1200" dirty="0" err="1">
+                <a:solidFill>
+                  <a:srgbClr val="0000FF"/>
+                </a:solidFill>
+                <a:latin typeface="Consolas" panose="020B0609020204030204" pitchFamily="49" charset="0"/>
+              </a:rPr>
+              <a:t>var</a:t>
+            </a:r>
+            <a:r>
+              <a:rPr lang="en-US" sz="1200" dirty="0">
+                <a:solidFill>
+                  <a:srgbClr val="000000"/>
+                </a:solidFill>
+                <a:latin typeface="Consolas" panose="020B0609020204030204" pitchFamily="49" charset="0"/>
+              </a:rPr>
+              <a:t> s = f &amp;&amp; f(config, </a:t>
+            </a:r>
+            <a:r>
+              <a:rPr lang="en-US" sz="1200" dirty="0" err="1">
+                <a:solidFill>
+                  <a:srgbClr val="000000"/>
+                </a:solidFill>
+                <a:latin typeface="Consolas" panose="020B0609020204030204" pitchFamily="49" charset="0"/>
+              </a:rPr>
+              <a:t>i</a:t>
+            </a:r>
+            <a:r>
+              <a:rPr lang="en-US" sz="1200" dirty="0">
+                <a:solidFill>
+                  <a:srgbClr val="000000"/>
+                </a:solidFill>
+                <a:latin typeface="Consolas" panose="020B0609020204030204" pitchFamily="49" charset="0"/>
+              </a:rPr>
+              <a:t>, u, e, o); </a:t>
+            </a:r>
+            <a:r>
+              <a:rPr lang="en-US" sz="1200" dirty="0">
+                <a:solidFill>
+                  <a:srgbClr val="0000FF"/>
+                </a:solidFill>
+                <a:latin typeface="Consolas" panose="020B0609020204030204" pitchFamily="49" charset="0"/>
+              </a:rPr>
+              <a:t>return</a:t>
+            </a:r>
+            <a:r>
+              <a:rPr lang="en-US" sz="1200" dirty="0">
+                <a:solidFill>
+                  <a:srgbClr val="000000"/>
+                </a:solidFill>
+                <a:latin typeface="Consolas" panose="020B0609020204030204" pitchFamily="49" charset="0"/>
+              </a:rPr>
+              <a:t> s !== !0 &amp;&amp; t[</a:t>
+            </a:r>
+            <a:r>
+              <a:rPr lang="en-US" sz="1200" dirty="0">
+                <a:solidFill>
+                  <a:srgbClr val="A31515"/>
+                </a:solidFill>
+                <a:latin typeface="Consolas" panose="020B0609020204030204" pitchFamily="49" charset="0"/>
+              </a:rPr>
+              <a:t>"_"</a:t>
+            </a:r>
+            <a:r>
+              <a:rPr lang="en-US" sz="1200" dirty="0">
+                <a:solidFill>
+                  <a:srgbClr val="000000"/>
+                </a:solidFill>
+                <a:latin typeface="Consolas" panose="020B0609020204030204" pitchFamily="49" charset="0"/>
+              </a:rPr>
+              <a:t> + r](config, </a:t>
+            </a:r>
+            <a:r>
+              <a:rPr lang="en-US" sz="1200" dirty="0" err="1">
+                <a:solidFill>
+                  <a:srgbClr val="000000"/>
+                </a:solidFill>
+                <a:latin typeface="Consolas" panose="020B0609020204030204" pitchFamily="49" charset="0"/>
+              </a:rPr>
+              <a:t>i</a:t>
+            </a:r>
+            <a:r>
+              <a:rPr lang="en-US" sz="1200" dirty="0">
+                <a:solidFill>
+                  <a:srgbClr val="000000"/>
+                </a:solidFill>
+                <a:latin typeface="Consolas" panose="020B0609020204030204" pitchFamily="49" charset="0"/>
+              </a:rPr>
+              <a:t>, u, e, o), s }), t</a:t>
+            </a:r>
+          </a:p>
+          <a:p>
+            <a:r>
+              <a:rPr lang="en-US" sz="1200" dirty="0">
+                <a:solidFill>
+                  <a:srgbClr val="000000"/>
+                </a:solidFill>
+                <a:latin typeface="Consolas" panose="020B0609020204030204" pitchFamily="49" charset="0"/>
+              </a:rPr>
+              <a:t>    }({</a:t>
+            </a:r>
+          </a:p>
+          <a:p>
+            <a:r>
+              <a:rPr lang="en-US" sz="1200" dirty="0">
+                <a:solidFill>
+                  <a:srgbClr val="000000"/>
+                </a:solidFill>
+                <a:latin typeface="Consolas" panose="020B0609020204030204" pitchFamily="49" charset="0"/>
+              </a:rPr>
+              <a:t>        </a:t>
+            </a:r>
+            <a:r>
+              <a:rPr lang="en-US" sz="1200" b="1" dirty="0" err="1">
+                <a:solidFill>
+                  <a:srgbClr val="000000"/>
+                </a:solidFill>
+                <a:effectLst>
+                  <a:outerShdw blurRad="38100" dist="38100" dir="2700000" algn="tl">
+                    <a:srgbClr val="000000">
+                      <a:alpha val="43137"/>
+                    </a:srgbClr>
+                  </a:outerShdw>
+                </a:effectLst>
+                <a:latin typeface="Consolas" panose="020B0609020204030204" pitchFamily="49" charset="0"/>
+              </a:rPr>
+              <a:t>instrumentationKey</a:t>
+            </a:r>
+            <a:r>
+              <a:rPr lang="en-US" sz="1200" b="1" dirty="0">
+                <a:solidFill>
+                  <a:srgbClr val="000000"/>
+                </a:solidFill>
+                <a:effectLst>
+                  <a:outerShdw blurRad="38100" dist="38100" dir="2700000" algn="tl">
+                    <a:srgbClr val="000000">
+                      <a:alpha val="43137"/>
+                    </a:srgbClr>
+                  </a:outerShdw>
+                </a:effectLst>
+                <a:latin typeface="Consolas" panose="020B0609020204030204" pitchFamily="49" charset="0"/>
+              </a:rPr>
+              <a:t>: </a:t>
+            </a:r>
+            <a:r>
+              <a:rPr lang="en-US" sz="1200" b="1" dirty="0">
+                <a:solidFill>
+                  <a:srgbClr val="A31515"/>
+                </a:solidFill>
+                <a:effectLst>
+                  <a:outerShdw blurRad="38100" dist="38100" dir="2700000" algn="tl">
+                    <a:srgbClr val="000000">
+                      <a:alpha val="43137"/>
+                    </a:srgbClr>
+                  </a:outerShdw>
+                </a:effectLst>
+                <a:latin typeface="Consolas" panose="020B0609020204030204" pitchFamily="49" charset="0"/>
+              </a:rPr>
+              <a:t>"</a:t>
+            </a:r>
+            <a:r>
+              <a:rPr lang="en-US" sz="1200" b="1" dirty="0">
+                <a:solidFill>
+                  <a:srgbClr val="000000"/>
+                </a:solidFill>
+                <a:effectLst>
+                  <a:outerShdw blurRad="38100" dist="38100" dir="2700000" algn="tl">
+                    <a:srgbClr val="000000">
+                      <a:alpha val="43137"/>
+                    </a:srgbClr>
+                  </a:outerShdw>
+                </a:effectLst>
+                <a:latin typeface="Consolas" panose="020B0609020204030204" pitchFamily="49" charset="0"/>
+              </a:rPr>
+              <a:t>@Microsoft.ApplicationInsights.Extensibility.</a:t>
+            </a:r>
+            <a:r>
+              <a:rPr lang="en-US" sz="1200" b="1" dirty="0">
+                <a:solidFill>
+                  <a:srgbClr val="2B91AF"/>
+                </a:solidFill>
+                <a:effectLst>
+                  <a:outerShdw blurRad="38100" dist="38100" dir="2700000" algn="tl">
+                    <a:srgbClr val="000000">
+                      <a:alpha val="43137"/>
+                    </a:srgbClr>
+                  </a:outerShdw>
+                </a:effectLst>
+                <a:latin typeface="Consolas" panose="020B0609020204030204" pitchFamily="49" charset="0"/>
+              </a:rPr>
+              <a:t>TelemetryConfiguration</a:t>
+            </a:r>
+            <a:r>
+              <a:rPr lang="en-US" sz="1200" b="1" dirty="0">
+                <a:solidFill>
+                  <a:srgbClr val="000000"/>
+                </a:solidFill>
+                <a:effectLst>
+                  <a:outerShdw blurRad="38100" dist="38100" dir="2700000" algn="tl">
+                    <a:srgbClr val="000000">
+                      <a:alpha val="43137"/>
+                    </a:srgbClr>
+                  </a:outerShdw>
+                </a:effectLst>
+                <a:latin typeface="Consolas" panose="020B0609020204030204" pitchFamily="49" charset="0"/>
+              </a:rPr>
+              <a:t>.Active.InstrumentationKey</a:t>
+            </a:r>
+            <a:r>
+              <a:rPr lang="en-US" sz="1200" b="1" dirty="0">
+                <a:solidFill>
+                  <a:srgbClr val="A31515"/>
+                </a:solidFill>
+                <a:effectLst>
+                  <a:outerShdw blurRad="38100" dist="38100" dir="2700000" algn="tl">
+                    <a:srgbClr val="000000">
+                      <a:alpha val="43137"/>
+                    </a:srgbClr>
+                  </a:outerShdw>
+                </a:effectLst>
+                <a:latin typeface="Consolas" panose="020B0609020204030204" pitchFamily="49" charset="0"/>
+              </a:rPr>
+              <a:t>"</a:t>
+            </a:r>
+            <a:endParaRPr lang="en-US" sz="1200" b="1" dirty="0">
+              <a:solidFill>
+                <a:srgbClr val="000000"/>
+              </a:solidFill>
+              <a:effectLst>
+                <a:outerShdw blurRad="38100" dist="38100" dir="2700000" algn="tl">
+                  <a:srgbClr val="000000">
+                    <a:alpha val="43137"/>
+                  </a:srgbClr>
+                </a:outerShdw>
+              </a:effectLst>
+              <a:latin typeface="Consolas" panose="020B0609020204030204" pitchFamily="49" charset="0"/>
+            </a:endParaRPr>
+          </a:p>
+          <a:p>
+            <a:r>
+              <a:rPr lang="en-US" sz="1200" dirty="0">
+                <a:solidFill>
+                  <a:srgbClr val="000000"/>
+                </a:solidFill>
+                <a:latin typeface="Consolas" panose="020B0609020204030204" pitchFamily="49" charset="0"/>
+              </a:rPr>
+              <a:t>    });</a:t>
+            </a:r>
+          </a:p>
+          <a:p>
+            <a:r>
+              <a:rPr lang="en-US" sz="1200" dirty="0">
+                <a:solidFill>
+                  <a:srgbClr val="000000"/>
+                </a:solidFill>
+                <a:latin typeface="Consolas" panose="020B0609020204030204" pitchFamily="49" charset="0"/>
+              </a:rPr>
+              <a:t>    </a:t>
+            </a:r>
+            <a:r>
+              <a:rPr lang="en-US" sz="1200" dirty="0" err="1">
+                <a:solidFill>
+                  <a:srgbClr val="000000"/>
+                </a:solidFill>
+                <a:latin typeface="Consolas" panose="020B0609020204030204" pitchFamily="49" charset="0"/>
+              </a:rPr>
+              <a:t>window.appInsights</a:t>
+            </a:r>
+            <a:r>
+              <a:rPr lang="en-US" sz="1200" dirty="0">
+                <a:solidFill>
+                  <a:srgbClr val="000000"/>
+                </a:solidFill>
+                <a:latin typeface="Consolas" panose="020B0609020204030204" pitchFamily="49" charset="0"/>
+              </a:rPr>
+              <a:t> = </a:t>
+            </a:r>
+            <a:r>
+              <a:rPr lang="en-US" sz="1200" dirty="0" err="1">
+                <a:solidFill>
+                  <a:srgbClr val="000000"/>
+                </a:solidFill>
+                <a:latin typeface="Consolas" panose="020B0609020204030204" pitchFamily="49" charset="0"/>
+              </a:rPr>
+              <a:t>appInsights</a:t>
+            </a:r>
+            <a:r>
+              <a:rPr lang="en-US" sz="1200" dirty="0">
+                <a:solidFill>
+                  <a:srgbClr val="000000"/>
+                </a:solidFill>
+                <a:latin typeface="Consolas" panose="020B0609020204030204" pitchFamily="49" charset="0"/>
+              </a:rPr>
+              <a:t>;</a:t>
+            </a:r>
+          </a:p>
+          <a:p>
+            <a:r>
+              <a:rPr lang="en-US" sz="1200" dirty="0">
+                <a:solidFill>
+                  <a:srgbClr val="000000"/>
+                </a:solidFill>
+                <a:latin typeface="Consolas" panose="020B0609020204030204" pitchFamily="49" charset="0"/>
+              </a:rPr>
+              <a:t>    </a:t>
+            </a:r>
+            <a:r>
+              <a:rPr lang="en-US" sz="1200" dirty="0" err="1">
+                <a:solidFill>
+                  <a:srgbClr val="000000"/>
+                </a:solidFill>
+                <a:latin typeface="Consolas" panose="020B0609020204030204" pitchFamily="49" charset="0"/>
+              </a:rPr>
+              <a:t>appInsights.trackPageView</a:t>
+            </a:r>
+            <a:r>
+              <a:rPr lang="en-US" sz="1200" dirty="0">
+                <a:solidFill>
+                  <a:srgbClr val="000000"/>
+                </a:solidFill>
+                <a:latin typeface="Consolas" panose="020B0609020204030204" pitchFamily="49" charset="0"/>
+              </a:rPr>
+              <a:t>();</a:t>
+            </a:r>
+          </a:p>
+          <a:p>
+            <a:r>
+              <a:rPr lang="en-US" sz="1200" dirty="0">
+                <a:solidFill>
+                  <a:srgbClr val="0000FF"/>
+                </a:solidFill>
+                <a:latin typeface="Consolas" panose="020B0609020204030204" pitchFamily="49" charset="0"/>
+              </a:rPr>
+              <a:t>&lt;/</a:t>
+            </a:r>
+            <a:r>
+              <a:rPr lang="en-US" sz="1200" dirty="0">
+                <a:solidFill>
+                  <a:srgbClr val="800000"/>
+                </a:solidFill>
+                <a:latin typeface="Consolas" panose="020B0609020204030204" pitchFamily="49" charset="0"/>
+              </a:rPr>
+              <a:t>script</a:t>
+            </a:r>
+            <a:r>
+              <a:rPr lang="en-US" sz="1200" dirty="0">
+                <a:solidFill>
+                  <a:srgbClr val="0000FF"/>
+                </a:solidFill>
+                <a:latin typeface="Consolas" panose="020B0609020204030204" pitchFamily="49" charset="0"/>
+              </a:rPr>
+              <a:t>&gt;</a:t>
+            </a:r>
+            <a:endParaRPr lang="en-US" sz="1200" dirty="0"/>
+          </a:p>
+        </p:txBody>
+      </p:sp>
+      <p:sp>
+        <p:nvSpPr>
+          <p:cNvPr id="5" name="Rectangle 4"/>
+          <p:cNvSpPr/>
+          <p:nvPr/>
+        </p:nvSpPr>
+        <p:spPr>
+          <a:xfrm>
+            <a:off x="936394" y="5613364"/>
+            <a:ext cx="10583161" cy="338554"/>
+          </a:xfrm>
+          <a:prstGeom prst="rect">
+            <a:avLst/>
+          </a:prstGeom>
+        </p:spPr>
+        <p:txBody>
+          <a:bodyPr wrap="square">
+            <a:spAutoFit/>
+          </a:bodyPr>
+          <a:lstStyle/>
+          <a:p>
+            <a:r>
+              <a:rPr lang="en-GB" sz="1600" dirty="0">
+                <a:solidFill>
+                  <a:srgbClr val="0000FF"/>
+                </a:solidFill>
+                <a:latin typeface="Consolas" panose="020B0609020204030204" pitchFamily="49" charset="0"/>
+              </a:rPr>
+              <a:t>&lt;</a:t>
+            </a:r>
+            <a:r>
+              <a:rPr lang="en-GB" sz="1600" dirty="0">
+                <a:solidFill>
+                  <a:srgbClr val="A31515"/>
+                </a:solidFill>
+                <a:latin typeface="Consolas" panose="020B0609020204030204" pitchFamily="49" charset="0"/>
+              </a:rPr>
+              <a:t>add</a:t>
+            </a:r>
+            <a:r>
+              <a:rPr lang="en-GB" sz="1600" dirty="0">
+                <a:solidFill>
+                  <a:srgbClr val="0000FF"/>
+                </a:solidFill>
+                <a:latin typeface="Consolas" panose="020B0609020204030204" pitchFamily="49" charset="0"/>
+              </a:rPr>
+              <a:t> </a:t>
+            </a:r>
+            <a:r>
+              <a:rPr lang="en-GB" sz="1600" dirty="0">
+                <a:solidFill>
+                  <a:srgbClr val="FF0000"/>
+                </a:solidFill>
+                <a:latin typeface="Consolas" panose="020B0609020204030204" pitchFamily="49" charset="0"/>
+              </a:rPr>
+              <a:t>key</a:t>
+            </a:r>
+            <a:r>
+              <a:rPr lang="en-GB" sz="1600" dirty="0">
+                <a:solidFill>
+                  <a:srgbClr val="0000FF"/>
+                </a:solidFill>
+                <a:latin typeface="Consolas" panose="020B0609020204030204" pitchFamily="49" charset="0"/>
+              </a:rPr>
+              <a:t>=</a:t>
+            </a:r>
+            <a:r>
+              <a:rPr lang="en-GB" sz="1600" dirty="0">
+                <a:solidFill>
+                  <a:srgbClr val="000000"/>
+                </a:solidFill>
+                <a:latin typeface="Consolas" panose="020B0609020204030204" pitchFamily="49" charset="0"/>
+              </a:rPr>
+              <a:t>"</a:t>
+            </a:r>
+            <a:r>
+              <a:rPr lang="en-GB" sz="1600" dirty="0" err="1">
+                <a:solidFill>
+                  <a:srgbClr val="0000FF"/>
+                </a:solidFill>
+                <a:latin typeface="Consolas" panose="020B0609020204030204" pitchFamily="49" charset="0"/>
+              </a:rPr>
+              <a:t>iKey</a:t>
+            </a:r>
+            <a:r>
+              <a:rPr lang="en-GB" sz="1600" dirty="0">
+                <a:solidFill>
+                  <a:srgbClr val="000000"/>
+                </a:solidFill>
+                <a:latin typeface="Consolas" panose="020B0609020204030204" pitchFamily="49" charset="0"/>
+              </a:rPr>
+              <a:t>"</a:t>
+            </a:r>
+            <a:r>
+              <a:rPr lang="en-GB" sz="1600" dirty="0">
+                <a:solidFill>
+                  <a:srgbClr val="0000FF"/>
+                </a:solidFill>
+                <a:latin typeface="Consolas" panose="020B0609020204030204" pitchFamily="49" charset="0"/>
+              </a:rPr>
+              <a:t> </a:t>
+            </a:r>
+            <a:r>
+              <a:rPr lang="en-GB" sz="1600" dirty="0">
+                <a:solidFill>
+                  <a:srgbClr val="FF0000"/>
+                </a:solidFill>
+                <a:latin typeface="Consolas" panose="020B0609020204030204" pitchFamily="49" charset="0"/>
+              </a:rPr>
+              <a:t>value</a:t>
+            </a:r>
+            <a:r>
+              <a:rPr lang="en-GB" sz="1600" dirty="0">
+                <a:solidFill>
+                  <a:srgbClr val="0000FF"/>
+                </a:solidFill>
+                <a:latin typeface="Consolas" panose="020B0609020204030204" pitchFamily="49" charset="0"/>
+              </a:rPr>
+              <a:t>=</a:t>
+            </a:r>
+            <a:r>
+              <a:rPr lang="en-GB" sz="1600" dirty="0">
+                <a:solidFill>
+                  <a:srgbClr val="000000"/>
+                </a:solidFill>
+                <a:latin typeface="Consolas" panose="020B0609020204030204" pitchFamily="49" charset="0"/>
+              </a:rPr>
+              <a:t>"</a:t>
+            </a:r>
+            <a:r>
+              <a:rPr lang="en-GB" sz="1600" dirty="0" err="1">
+                <a:solidFill>
+                  <a:srgbClr val="0000FF"/>
+                </a:solidFill>
+                <a:latin typeface="Consolas" panose="020B0609020204030204" pitchFamily="49" charset="0"/>
+              </a:rPr>
+              <a:t>get_it_from_azure_portal</a:t>
+            </a:r>
+            <a:r>
+              <a:rPr lang="en-GB" sz="1600" dirty="0">
+                <a:solidFill>
+                  <a:srgbClr val="000000"/>
+                </a:solidFill>
+                <a:latin typeface="Consolas" panose="020B0609020204030204" pitchFamily="49" charset="0"/>
+              </a:rPr>
+              <a:t>"</a:t>
+            </a:r>
+            <a:r>
+              <a:rPr lang="en-GB" sz="1600" dirty="0">
+                <a:solidFill>
+                  <a:srgbClr val="0000FF"/>
+                </a:solidFill>
+                <a:latin typeface="Consolas" panose="020B0609020204030204" pitchFamily="49" charset="0"/>
+              </a:rPr>
+              <a:t>/&gt;</a:t>
+            </a:r>
             <a:endParaRPr lang="en-US" sz="1600" dirty="0"/>
           </a:p>
-          <a:p>
-            <a:r>
-              <a:rPr lang="en-US" sz="2800" dirty="0"/>
-              <a:t>In Release Mode your DLL lack of debug information makes it smaller and probably performs better due to its smaller footprint.</a:t>
+        </p:txBody>
+      </p:sp>
+      <p:sp>
+        <p:nvSpPr>
+          <p:cNvPr id="6" name="Rectangle 5"/>
+          <p:cNvSpPr/>
+          <p:nvPr/>
+        </p:nvSpPr>
+        <p:spPr>
+          <a:xfrm>
+            <a:off x="936394" y="6012847"/>
+            <a:ext cx="11007962" cy="338554"/>
+          </a:xfrm>
+          <a:prstGeom prst="rect">
+            <a:avLst/>
+          </a:prstGeom>
+        </p:spPr>
+        <p:txBody>
+          <a:bodyPr wrap="square">
+            <a:spAutoFit/>
+          </a:bodyPr>
+          <a:lstStyle/>
+          <a:p>
+            <a:r>
+              <a:rPr lang="en-US" sz="1600" dirty="0" err="1">
+                <a:solidFill>
+                  <a:srgbClr val="2B91AF"/>
+                </a:solidFill>
+                <a:latin typeface="Consolas" panose="020B0609020204030204" pitchFamily="49" charset="0"/>
+              </a:rPr>
+              <a:t>TelemetryConfiguration</a:t>
+            </a:r>
+            <a:r>
+              <a:rPr lang="en-US" sz="1600" dirty="0" err="1">
+                <a:solidFill>
+                  <a:srgbClr val="000000"/>
+                </a:solidFill>
+                <a:latin typeface="Consolas" panose="020B0609020204030204" pitchFamily="49" charset="0"/>
+              </a:rPr>
+              <a:t>.Active.InstrumentationKey</a:t>
+            </a:r>
+            <a:r>
+              <a:rPr lang="en-US" sz="1600" dirty="0">
+                <a:solidFill>
+                  <a:srgbClr val="000000"/>
+                </a:solidFill>
+                <a:latin typeface="Consolas" panose="020B0609020204030204" pitchFamily="49" charset="0"/>
+              </a:rPr>
+              <a:t> = </a:t>
+            </a:r>
+            <a:r>
+              <a:rPr lang="en-US" sz="1600" dirty="0" err="1">
+                <a:solidFill>
+                  <a:srgbClr val="2B91AF"/>
+                </a:solidFill>
+                <a:latin typeface="Consolas" panose="020B0609020204030204" pitchFamily="49" charset="0"/>
+              </a:rPr>
+              <a:t>WebConfigurationManager</a:t>
+            </a:r>
+            <a:r>
+              <a:rPr lang="en-US" sz="1600" dirty="0" err="1">
+                <a:solidFill>
+                  <a:srgbClr val="000000"/>
+                </a:solidFill>
+                <a:latin typeface="Consolas" panose="020B0609020204030204" pitchFamily="49" charset="0"/>
+              </a:rPr>
+              <a:t>.AppSettings</a:t>
+            </a:r>
+            <a:r>
+              <a:rPr lang="en-US" sz="1600" dirty="0">
+                <a:solidFill>
+                  <a:srgbClr val="000000"/>
+                </a:solidFill>
+                <a:latin typeface="Consolas" panose="020B0609020204030204" pitchFamily="49" charset="0"/>
+              </a:rPr>
+              <a:t>[</a:t>
+            </a:r>
+            <a:r>
+              <a:rPr lang="en-US" sz="1600" dirty="0">
+                <a:solidFill>
+                  <a:srgbClr val="A31515"/>
+                </a:solidFill>
+                <a:latin typeface="Consolas" panose="020B0609020204030204" pitchFamily="49" charset="0"/>
+              </a:rPr>
+              <a:t>"</a:t>
+            </a:r>
+            <a:r>
+              <a:rPr lang="en-US" sz="1600" dirty="0" err="1">
+                <a:solidFill>
+                  <a:srgbClr val="A31515"/>
+                </a:solidFill>
+                <a:latin typeface="Consolas" panose="020B0609020204030204" pitchFamily="49" charset="0"/>
+              </a:rPr>
+              <a:t>iKey</a:t>
+            </a:r>
+            <a:r>
+              <a:rPr lang="en-US" sz="1600" dirty="0">
+                <a:solidFill>
+                  <a:srgbClr val="A31515"/>
+                </a:solidFill>
+                <a:latin typeface="Consolas" panose="020B0609020204030204" pitchFamily="49" charset="0"/>
+              </a:rPr>
+              <a:t>"</a:t>
+            </a:r>
+            <a:r>
+              <a:rPr lang="en-US" sz="1600" dirty="0">
+                <a:solidFill>
+                  <a:srgbClr val="000000"/>
+                </a:solidFill>
+                <a:latin typeface="Consolas" panose="020B0609020204030204" pitchFamily="49" charset="0"/>
+              </a:rPr>
+              <a:t>];</a:t>
+            </a:r>
+            <a:endParaRPr lang="en-US" sz="1600" dirty="0"/>
+          </a:p>
+        </p:txBody>
+      </p:sp>
+      <p:sp>
+        <p:nvSpPr>
+          <p:cNvPr id="8" name="Rectangle 7"/>
+          <p:cNvSpPr/>
+          <p:nvPr/>
+        </p:nvSpPr>
+        <p:spPr>
+          <a:xfrm>
+            <a:off x="917540" y="1407907"/>
+            <a:ext cx="10681225" cy="400110"/>
+          </a:xfrm>
+          <a:prstGeom prst="rect">
+            <a:avLst/>
+          </a:prstGeom>
+        </p:spPr>
+        <p:txBody>
+          <a:bodyPr wrap="square">
+            <a:spAutoFit/>
+          </a:bodyPr>
+          <a:lstStyle/>
+          <a:p>
+            <a:pPr marL="342900" indent="-342900">
+              <a:buAutoNum type="arabicPeriod"/>
+            </a:pPr>
+            <a:r>
+              <a:rPr lang="en-US" sz="2000" dirty="0"/>
+              <a:t>Code to track page views and dependency</a:t>
+            </a:r>
+          </a:p>
+        </p:txBody>
+      </p:sp>
+      <p:sp>
+        <p:nvSpPr>
+          <p:cNvPr id="10" name="Rectangle 9"/>
+          <p:cNvSpPr/>
+          <p:nvPr/>
+        </p:nvSpPr>
+        <p:spPr>
+          <a:xfrm>
+            <a:off x="832104" y="5090770"/>
+            <a:ext cx="8103721" cy="400110"/>
+          </a:xfrm>
+          <a:prstGeom prst="rect">
+            <a:avLst/>
+          </a:prstGeom>
+        </p:spPr>
+        <p:txBody>
+          <a:bodyPr wrap="square">
+            <a:spAutoFit/>
+          </a:bodyPr>
+          <a:lstStyle/>
+          <a:p>
+            <a:r>
+              <a:rPr lang="en-US" sz="2000" dirty="0"/>
+              <a:t>2.  Use below code in </a:t>
+            </a:r>
+            <a:r>
+              <a:rPr lang="en-US" sz="2000" dirty="0" err="1"/>
+              <a:t>web.config</a:t>
+            </a:r>
+            <a:r>
+              <a:rPr lang="en-US" sz="2000" dirty="0"/>
+              <a:t> and </a:t>
+            </a:r>
+            <a:r>
+              <a:rPr lang="en-US" sz="2000" dirty="0" err="1"/>
+              <a:t>Global.asax</a:t>
+            </a:r>
+            <a:r>
+              <a:rPr lang="en-US" sz="2000" dirty="0"/>
+              <a:t> | </a:t>
+            </a:r>
+            <a:r>
+              <a:rPr lang="en-US" sz="2000" dirty="0" err="1"/>
+              <a:t>Application_Start</a:t>
+            </a:r>
+            <a:r>
+              <a:rPr lang="en-US" sz="2000" dirty="0"/>
+              <a:t>()</a:t>
             </a:r>
           </a:p>
         </p:txBody>
@@ -9877,7 +10047,634 @@
     </p:spTree>
     <p:extLst>
       <p:ext uri="{BB962C8B-B14F-4D97-AF65-F5344CB8AC3E}">
-        <p14:creationId xmlns:p14="http://schemas.microsoft.com/office/powerpoint/2010/main" val="1725472280"/>
+        <p14:creationId xmlns:p14="http://schemas.microsoft.com/office/powerpoint/2010/main" val="1257610452"/>
+      </p:ext>
+    </p:extLst>
+  </p:cSld>
+  <p:clrMapOvr>
+    <a:masterClrMapping/>
+  </p:clrMapOvr>
+</p:sld>
+</file>
+
+<file path=ppt/slides/slide7.xml><?xml version="1.0" encoding="utf-8"?>
+<p:sld xmlns:a="http://schemas.openxmlformats.org/drawingml/2006/main" xmlns:r="http://schemas.openxmlformats.org/officeDocument/2006/relationships" xmlns:p="http://schemas.openxmlformats.org/presentationml/2006/main">
+  <p:cSld>
+    <p:spTree>
+      <p:nvGrpSpPr>
+        <p:cNvPr id="1" name=""/>
+        <p:cNvGrpSpPr/>
+        <p:nvPr/>
+      </p:nvGrpSpPr>
+      <p:grpSpPr>
+        <a:xfrm>
+          <a:off x="0" y="0"/>
+          <a:ext cx="0" cy="0"/>
+          <a:chOff x="0" y="0"/>
+          <a:chExt cx="0" cy="0"/>
+        </a:xfrm>
+      </p:grpSpPr>
+      <p:sp>
+        <p:nvSpPr>
+          <p:cNvPr id="7" name="Rectangle 6"/>
+          <p:cNvSpPr/>
+          <p:nvPr/>
+        </p:nvSpPr>
+        <p:spPr>
+          <a:xfrm>
+            <a:off x="832104" y="396147"/>
+            <a:ext cx="10323575" cy="830997"/>
+          </a:xfrm>
+          <a:prstGeom prst="rect">
+            <a:avLst/>
+          </a:prstGeom>
+          <a:noFill/>
+        </p:spPr>
+        <p:txBody>
+          <a:bodyPr wrap="square" lIns="91440" tIns="45720" rIns="91440" bIns="45720">
+            <a:spAutoFit/>
+          </a:bodyPr>
+          <a:lstStyle/>
+          <a:p>
+            <a:r>
+              <a:rPr lang="en-US" sz="4800" dirty="0">
+                <a:ln w="0"/>
+                <a:solidFill>
+                  <a:srgbClr val="00BCF2"/>
+                </a:solidFill>
+                <a:effectLst>
+                  <a:outerShdw blurRad="38100" dist="19050" dir="2700000" algn="tl" rotWithShape="0">
+                    <a:schemeClr val="dk1">
+                      <a:alpha val="40000"/>
+                    </a:schemeClr>
+                  </a:outerShdw>
+                </a:effectLst>
+              </a:rPr>
+              <a:t>Application Insights - Demo</a:t>
+            </a:r>
+            <a:endParaRPr lang="en-US" sz="4800" b="0" cap="none" spc="0" dirty="0">
+              <a:ln w="0"/>
+              <a:solidFill>
+                <a:srgbClr val="00BCF2"/>
+              </a:solidFill>
+              <a:effectLst>
+                <a:outerShdw blurRad="38100" dist="19050" dir="2700000" algn="tl" rotWithShape="0">
+                  <a:schemeClr val="dk1">
+                    <a:alpha val="40000"/>
+                  </a:schemeClr>
+                </a:outerShdw>
+              </a:effectLst>
+            </a:endParaRPr>
+          </a:p>
+        </p:txBody>
+      </p:sp>
+      <p:sp>
+        <p:nvSpPr>
+          <p:cNvPr id="9" name="Rectangle 8"/>
+          <p:cNvSpPr/>
+          <p:nvPr/>
+        </p:nvSpPr>
+        <p:spPr>
+          <a:xfrm>
+            <a:off x="0" y="0"/>
+            <a:ext cx="182880" cy="6858000"/>
+          </a:xfrm>
+          <a:prstGeom prst="rect">
+            <a:avLst/>
+          </a:prstGeom>
+          <a:solidFill>
+            <a:srgbClr val="00BCF2"/>
+          </a:solidFill>
+          <a:ln>
+            <a:noFill/>
+          </a:ln>
+        </p:spPr>
+        <p:style>
+          <a:lnRef idx="2">
+            <a:schemeClr val="accent1">
+              <a:shade val="50000"/>
+            </a:schemeClr>
+          </a:lnRef>
+          <a:fillRef idx="1">
+            <a:schemeClr val="accent1"/>
+          </a:fillRef>
+          <a:effectRef idx="0">
+            <a:schemeClr val="accent1"/>
+          </a:effectRef>
+          <a:fontRef idx="minor">
+            <a:schemeClr val="lt1"/>
+          </a:fontRef>
+        </p:style>
+        <p:txBody>
+          <a:bodyPr rtlCol="0" anchor="ctr"/>
+          <a:lstStyle/>
+          <a:p>
+            <a:pPr algn="ctr"/>
+            <a:endParaRPr lang="en-US"/>
+          </a:p>
+        </p:txBody>
+      </p:sp>
+    </p:spTree>
+    <p:extLst>
+      <p:ext uri="{BB962C8B-B14F-4D97-AF65-F5344CB8AC3E}">
+        <p14:creationId xmlns:p14="http://schemas.microsoft.com/office/powerpoint/2010/main" val="1455344273"/>
+      </p:ext>
+    </p:extLst>
+  </p:cSld>
+  <p:clrMapOvr>
+    <a:masterClrMapping/>
+  </p:clrMapOvr>
+</p:sld>
+</file>
+
+<file path=ppt/slides/slide8.xml><?xml version="1.0" encoding="utf-8"?>
+<p:sld xmlns:a="http://schemas.openxmlformats.org/drawingml/2006/main" xmlns:r="http://schemas.openxmlformats.org/officeDocument/2006/relationships" xmlns:p="http://schemas.openxmlformats.org/presentationml/2006/main">
+  <p:cSld>
+    <p:spTree>
+      <p:nvGrpSpPr>
+        <p:cNvPr id="1" name=""/>
+        <p:cNvGrpSpPr/>
+        <p:nvPr/>
+      </p:nvGrpSpPr>
+      <p:grpSpPr>
+        <a:xfrm>
+          <a:off x="0" y="0"/>
+          <a:ext cx="0" cy="0"/>
+          <a:chOff x="0" y="0"/>
+          <a:chExt cx="0" cy="0"/>
+        </a:xfrm>
+      </p:grpSpPr>
+      <p:sp>
+        <p:nvSpPr>
+          <p:cNvPr id="7" name="Rectangle 6"/>
+          <p:cNvSpPr/>
+          <p:nvPr/>
+        </p:nvSpPr>
+        <p:spPr>
+          <a:xfrm>
+            <a:off x="832104" y="396147"/>
+            <a:ext cx="10323575" cy="830997"/>
+          </a:xfrm>
+          <a:prstGeom prst="rect">
+            <a:avLst/>
+          </a:prstGeom>
+          <a:noFill/>
+        </p:spPr>
+        <p:txBody>
+          <a:bodyPr wrap="square" lIns="91440" tIns="45720" rIns="91440" bIns="45720">
+            <a:spAutoFit/>
+          </a:bodyPr>
+          <a:lstStyle/>
+          <a:p>
+            <a:r>
+              <a:rPr lang="en-US" sz="4800" dirty="0">
+                <a:ln w="0"/>
+                <a:solidFill>
+                  <a:srgbClr val="00BCF2"/>
+                </a:solidFill>
+                <a:effectLst>
+                  <a:outerShdw blurRad="38100" dist="19050" dir="2700000" algn="tl" rotWithShape="0">
+                    <a:schemeClr val="dk1">
+                      <a:alpha val="40000"/>
+                    </a:schemeClr>
+                  </a:outerShdw>
+                </a:effectLst>
+              </a:rPr>
+              <a:t>Web Essentials</a:t>
+            </a:r>
+          </a:p>
+        </p:txBody>
+      </p:sp>
+      <p:sp>
+        <p:nvSpPr>
+          <p:cNvPr id="9" name="Rectangle 8"/>
+          <p:cNvSpPr/>
+          <p:nvPr/>
+        </p:nvSpPr>
+        <p:spPr>
+          <a:xfrm>
+            <a:off x="0" y="0"/>
+            <a:ext cx="182880" cy="6858000"/>
+          </a:xfrm>
+          <a:prstGeom prst="rect">
+            <a:avLst/>
+          </a:prstGeom>
+          <a:solidFill>
+            <a:srgbClr val="00BCF2"/>
+          </a:solidFill>
+          <a:ln>
+            <a:noFill/>
+          </a:ln>
+        </p:spPr>
+        <p:style>
+          <a:lnRef idx="2">
+            <a:schemeClr val="accent1">
+              <a:shade val="50000"/>
+            </a:schemeClr>
+          </a:lnRef>
+          <a:fillRef idx="1">
+            <a:schemeClr val="accent1"/>
+          </a:fillRef>
+          <a:effectRef idx="0">
+            <a:schemeClr val="accent1"/>
+          </a:effectRef>
+          <a:fontRef idx="minor">
+            <a:schemeClr val="lt1"/>
+          </a:fontRef>
+        </p:style>
+        <p:txBody>
+          <a:bodyPr rtlCol="0" anchor="ctr"/>
+          <a:lstStyle/>
+          <a:p>
+            <a:pPr algn="ctr"/>
+            <a:endParaRPr lang="en-US"/>
+          </a:p>
+        </p:txBody>
+      </p:sp>
+      <p:sp>
+        <p:nvSpPr>
+          <p:cNvPr id="8" name="Rectangle 7"/>
+          <p:cNvSpPr/>
+          <p:nvPr/>
+        </p:nvSpPr>
+        <p:spPr>
+          <a:xfrm>
+            <a:off x="1751423" y="2631791"/>
+            <a:ext cx="10001825" cy="2246769"/>
+          </a:xfrm>
+          <a:prstGeom prst="rect">
+            <a:avLst/>
+          </a:prstGeom>
+        </p:spPr>
+        <p:txBody>
+          <a:bodyPr wrap="square">
+            <a:spAutoFit/>
+          </a:bodyPr>
+          <a:lstStyle/>
+          <a:p>
+            <a:pPr>
+              <a:spcBef>
+                <a:spcPts val="1200"/>
+              </a:spcBef>
+            </a:pPr>
+            <a:r>
+              <a:rPr lang="en-US" sz="2000" dirty="0">
+                <a:solidFill>
+                  <a:srgbClr val="505050"/>
+                </a:solidFill>
+                <a:latin typeface="Segoe UI" panose="020B0502040204020203" pitchFamily="34" charset="0"/>
+              </a:rPr>
+              <a:t>Bundle &amp; Minification - </a:t>
+            </a:r>
+            <a:r>
+              <a:rPr lang="en-US" sz="1400" dirty="0">
+                <a:solidFill>
+                  <a:srgbClr val="505050"/>
+                </a:solidFill>
+                <a:latin typeface="Segoe UI" panose="020B0502040204020203" pitchFamily="34" charset="0"/>
+              </a:rPr>
+              <a:t>https://marketplace.visualstudio.com/items?itemName=MadsKristensen.BundlerMinifier</a:t>
+            </a:r>
+            <a:endParaRPr lang="en-US" sz="2000" dirty="0">
+              <a:solidFill>
+                <a:srgbClr val="505050"/>
+              </a:solidFill>
+              <a:latin typeface="Segoe UI" panose="020B0502040204020203" pitchFamily="34" charset="0"/>
+            </a:endParaRPr>
+          </a:p>
+          <a:p>
+            <a:pPr>
+              <a:spcBef>
+                <a:spcPts val="1200"/>
+              </a:spcBef>
+            </a:pPr>
+            <a:endParaRPr lang="en-US" sz="2000" dirty="0">
+              <a:solidFill>
+                <a:srgbClr val="505050"/>
+              </a:solidFill>
+              <a:latin typeface="Segoe UI" panose="020B0502040204020203" pitchFamily="34" charset="0"/>
+            </a:endParaRPr>
+          </a:p>
+          <a:p>
+            <a:pPr>
+              <a:spcBef>
+                <a:spcPts val="1200"/>
+              </a:spcBef>
+            </a:pPr>
+            <a:r>
+              <a:rPr lang="en-US" sz="2000" dirty="0">
+                <a:solidFill>
+                  <a:srgbClr val="505050"/>
+                </a:solidFill>
+                <a:latin typeface="Segoe UI" panose="020B0502040204020203" pitchFamily="34" charset="0"/>
+              </a:rPr>
+              <a:t>Image Optimizer - </a:t>
+            </a:r>
+            <a:r>
+              <a:rPr lang="en-US" sz="1400" dirty="0">
+                <a:solidFill>
+                  <a:srgbClr val="505050"/>
+                </a:solidFill>
+                <a:latin typeface="Segoe UI" panose="020B0502040204020203" pitchFamily="34" charset="0"/>
+              </a:rPr>
+              <a:t>https://marketplace.visualstudio.com/items?itemName=MadsKristensen.ImageOptimizer</a:t>
+            </a:r>
+            <a:endParaRPr lang="en-US" sz="2000" dirty="0">
+              <a:solidFill>
+                <a:srgbClr val="505050"/>
+              </a:solidFill>
+              <a:latin typeface="Segoe UI" panose="020B0502040204020203" pitchFamily="34" charset="0"/>
+            </a:endParaRPr>
+          </a:p>
+          <a:p>
+            <a:pPr>
+              <a:spcBef>
+                <a:spcPts val="1200"/>
+              </a:spcBef>
+            </a:pPr>
+            <a:endParaRPr lang="en-US" sz="2000" dirty="0">
+              <a:solidFill>
+                <a:srgbClr val="505050"/>
+              </a:solidFill>
+              <a:latin typeface="Segoe UI" panose="020B0502040204020203" pitchFamily="34" charset="0"/>
+            </a:endParaRPr>
+          </a:p>
+          <a:p>
+            <a:pPr>
+              <a:spcBef>
+                <a:spcPts val="1200"/>
+              </a:spcBef>
+            </a:pPr>
+            <a:r>
+              <a:rPr lang="en-US" sz="2000" dirty="0">
+                <a:solidFill>
+                  <a:srgbClr val="505050"/>
+                </a:solidFill>
+                <a:latin typeface="Segoe UI" panose="020B0502040204020203" pitchFamily="34" charset="0"/>
+              </a:rPr>
+              <a:t>Image Sprites - </a:t>
+            </a:r>
+            <a:r>
+              <a:rPr lang="en-US" sz="1400" dirty="0">
+                <a:solidFill>
+                  <a:srgbClr val="505050"/>
+                </a:solidFill>
+                <a:latin typeface="Segoe UI" panose="020B0502040204020203" pitchFamily="34" charset="0"/>
+              </a:rPr>
+              <a:t>https://marketplace.visualstudio.com/items?itemName=MadsKristensen.ImageSprites</a:t>
+            </a:r>
+            <a:endParaRPr lang="en-US" sz="2000" dirty="0">
+              <a:solidFill>
+                <a:srgbClr val="505050"/>
+              </a:solidFill>
+              <a:latin typeface="Segoe UI" panose="020B0502040204020203" pitchFamily="34" charset="0"/>
+            </a:endParaRPr>
+          </a:p>
+        </p:txBody>
+      </p:sp>
+      <p:pic>
+        <p:nvPicPr>
+          <p:cNvPr id="4" name="Picture 3"/>
+          <p:cNvPicPr>
+            <a:picLocks noChangeAspect="1"/>
+          </p:cNvPicPr>
+          <p:nvPr/>
+        </p:nvPicPr>
+        <p:blipFill>
+          <a:blip r:embed="rId2">
+            <a:extLst>
+              <a:ext uri="{28A0092B-C50C-407E-A947-70E740481C1C}">
+                <a14:useLocalDpi xmlns:a14="http://schemas.microsoft.com/office/drawing/2010/main" val="0"/>
+              </a:ext>
+            </a:extLst>
+          </a:blip>
+          <a:stretch>
+            <a:fillRect/>
+          </a:stretch>
+        </p:blipFill>
+        <p:spPr>
+          <a:xfrm>
+            <a:off x="1222331" y="2586855"/>
+            <a:ext cx="529092" cy="529092"/>
+          </a:xfrm>
+          <a:prstGeom prst="rect">
+            <a:avLst/>
+          </a:prstGeom>
+        </p:spPr>
+      </p:pic>
+      <p:pic>
+        <p:nvPicPr>
+          <p:cNvPr id="5" name="Picture 4"/>
+          <p:cNvPicPr>
+            <a:picLocks noChangeAspect="1"/>
+          </p:cNvPicPr>
+          <p:nvPr/>
+        </p:nvPicPr>
+        <p:blipFill>
+          <a:blip r:embed="rId3">
+            <a:extLst>
+              <a:ext uri="{28A0092B-C50C-407E-A947-70E740481C1C}">
+                <a14:useLocalDpi xmlns:a14="http://schemas.microsoft.com/office/drawing/2010/main" val="0"/>
+              </a:ext>
+            </a:extLst>
+          </a:blip>
+          <a:stretch>
+            <a:fillRect/>
+          </a:stretch>
+        </p:blipFill>
+        <p:spPr>
+          <a:xfrm>
+            <a:off x="1249984" y="3507060"/>
+            <a:ext cx="501440" cy="501440"/>
+          </a:xfrm>
+          <a:prstGeom prst="rect">
+            <a:avLst/>
+          </a:prstGeom>
+        </p:spPr>
+      </p:pic>
+      <p:pic>
+        <p:nvPicPr>
+          <p:cNvPr id="6" name="Picture 5"/>
+          <p:cNvPicPr>
+            <a:picLocks noChangeAspect="1"/>
+          </p:cNvPicPr>
+          <p:nvPr/>
+        </p:nvPicPr>
+        <p:blipFill>
+          <a:blip r:embed="rId4">
+            <a:extLst>
+              <a:ext uri="{28A0092B-C50C-407E-A947-70E740481C1C}">
+                <a14:useLocalDpi xmlns:a14="http://schemas.microsoft.com/office/drawing/2010/main" val="0"/>
+              </a:ext>
+            </a:extLst>
+          </a:blip>
+          <a:stretch>
+            <a:fillRect/>
+          </a:stretch>
+        </p:blipFill>
+        <p:spPr>
+          <a:xfrm>
+            <a:off x="1274746" y="4453805"/>
+            <a:ext cx="457235" cy="457235"/>
+          </a:xfrm>
+          <a:prstGeom prst="rect">
+            <a:avLst/>
+          </a:prstGeom>
+        </p:spPr>
+      </p:pic>
+      <p:sp>
+        <p:nvSpPr>
+          <p:cNvPr id="10" name="Rectangle 9"/>
+          <p:cNvSpPr/>
+          <p:nvPr/>
+        </p:nvSpPr>
+        <p:spPr>
+          <a:xfrm>
+            <a:off x="1096892" y="1395593"/>
+            <a:ext cx="9648764" cy="461665"/>
+          </a:xfrm>
+          <a:prstGeom prst="rect">
+            <a:avLst/>
+          </a:prstGeom>
+        </p:spPr>
+        <p:txBody>
+          <a:bodyPr wrap="square">
+            <a:spAutoFit/>
+          </a:bodyPr>
+          <a:lstStyle/>
+          <a:p>
+            <a:r>
+              <a:rPr lang="en-US" sz="2400" b="1" dirty="0">
+                <a:solidFill>
+                  <a:schemeClr val="accent6"/>
+                </a:solidFill>
+              </a:rPr>
+              <a:t>Extends Visual Studio that makes your life as a developer easier.</a:t>
+            </a:r>
+          </a:p>
+        </p:txBody>
+      </p:sp>
+    </p:spTree>
+    <p:extLst>
+      <p:ext uri="{BB962C8B-B14F-4D97-AF65-F5344CB8AC3E}">
+        <p14:creationId xmlns:p14="http://schemas.microsoft.com/office/powerpoint/2010/main" val="3290775782"/>
+      </p:ext>
+    </p:extLst>
+  </p:cSld>
+  <p:clrMapOvr>
+    <a:masterClrMapping/>
+  </p:clrMapOvr>
+</p:sld>
+</file>
+
+<file path=ppt/slides/slide9.xml><?xml version="1.0" encoding="utf-8"?>
+<p:sld xmlns:a="http://schemas.openxmlformats.org/drawingml/2006/main" xmlns:r="http://schemas.openxmlformats.org/officeDocument/2006/relationships" xmlns:p="http://schemas.openxmlformats.org/presentationml/2006/main">
+  <p:cSld>
+    <p:spTree>
+      <p:nvGrpSpPr>
+        <p:cNvPr id="1" name=""/>
+        <p:cNvGrpSpPr/>
+        <p:nvPr/>
+      </p:nvGrpSpPr>
+      <p:grpSpPr>
+        <a:xfrm>
+          <a:off x="0" y="0"/>
+          <a:ext cx="0" cy="0"/>
+          <a:chOff x="0" y="0"/>
+          <a:chExt cx="0" cy="0"/>
+        </a:xfrm>
+      </p:grpSpPr>
+      <p:sp>
+        <p:nvSpPr>
+          <p:cNvPr id="7" name="Rectangle 6"/>
+          <p:cNvSpPr/>
+          <p:nvPr/>
+        </p:nvSpPr>
+        <p:spPr>
+          <a:xfrm>
+            <a:off x="832104" y="396147"/>
+            <a:ext cx="10323575" cy="830997"/>
+          </a:xfrm>
+          <a:prstGeom prst="rect">
+            <a:avLst/>
+          </a:prstGeom>
+          <a:noFill/>
+        </p:spPr>
+        <p:txBody>
+          <a:bodyPr wrap="square" lIns="91440" tIns="45720" rIns="91440" bIns="45720">
+            <a:spAutoFit/>
+          </a:bodyPr>
+          <a:lstStyle/>
+          <a:p>
+            <a:r>
+              <a:rPr lang="en-US" sz="4800" dirty="0">
+                <a:ln w="0"/>
+                <a:solidFill>
+                  <a:srgbClr val="00BCF2"/>
+                </a:solidFill>
+                <a:effectLst>
+                  <a:outerShdw blurRad="38100" dist="19050" dir="2700000" algn="tl" rotWithShape="0">
+                    <a:schemeClr val="dk1">
+                      <a:alpha val="40000"/>
+                    </a:schemeClr>
+                  </a:outerShdw>
+                </a:effectLst>
+              </a:rPr>
+              <a:t>Web Essentials - Demo</a:t>
+            </a:r>
+          </a:p>
+        </p:txBody>
+      </p:sp>
+      <p:sp>
+        <p:nvSpPr>
+          <p:cNvPr id="9" name="Rectangle 8"/>
+          <p:cNvSpPr/>
+          <p:nvPr/>
+        </p:nvSpPr>
+        <p:spPr>
+          <a:xfrm>
+            <a:off x="0" y="0"/>
+            <a:ext cx="182880" cy="6858000"/>
+          </a:xfrm>
+          <a:prstGeom prst="rect">
+            <a:avLst/>
+          </a:prstGeom>
+          <a:solidFill>
+            <a:srgbClr val="00BCF2"/>
+          </a:solidFill>
+          <a:ln>
+            <a:noFill/>
+          </a:ln>
+        </p:spPr>
+        <p:style>
+          <a:lnRef idx="2">
+            <a:schemeClr val="accent1">
+              <a:shade val="50000"/>
+            </a:schemeClr>
+          </a:lnRef>
+          <a:fillRef idx="1">
+            <a:schemeClr val="accent1"/>
+          </a:fillRef>
+          <a:effectRef idx="0">
+            <a:schemeClr val="accent1"/>
+          </a:effectRef>
+          <a:fontRef idx="minor">
+            <a:schemeClr val="lt1"/>
+          </a:fontRef>
+        </p:style>
+        <p:txBody>
+          <a:bodyPr rtlCol="0" anchor="ctr"/>
+          <a:lstStyle/>
+          <a:p>
+            <a:pPr algn="ctr"/>
+            <a:endParaRPr lang="en-US"/>
+          </a:p>
+        </p:txBody>
+      </p:sp>
+    </p:spTree>
+    <p:extLst>
+      <p:ext uri="{BB962C8B-B14F-4D97-AF65-F5344CB8AC3E}">
+        <p14:creationId xmlns:p14="http://schemas.microsoft.com/office/powerpoint/2010/main" val="1433561023"/>
       </p:ext>
     </p:extLst>
   </p:cSld>

--- a/EmptyProject/Slides.pptx
+++ b/EmptyProject/Slides.pptx
@@ -212,7 +212,7 @@
           <a:p>
             <a:fld id="{89EC5367-D7F6-45B2-A116-EA915C4B1310}" type="datetimeFigureOut">
               <a:rPr lang="en-US" smtClean="0"/>
-              <a:t>1/11/2017</a:t>
+              <a:t>1/12/2017</a:t>
             </a:fld>
             <a:endParaRPr lang="en-US"/>
           </a:p>
@@ -1426,7 +1426,7 @@
           <a:p>
             <a:fld id="{C0F3BAF6-6DB2-4A07-AEEA-A0824374C276}" type="datetimeFigureOut">
               <a:rPr lang="en-US" smtClean="0"/>
-              <a:t>1/11/2017</a:t>
+              <a:t>1/12/2017</a:t>
             </a:fld>
             <a:endParaRPr lang="en-US"/>
           </a:p>
@@ -1594,7 +1594,7 @@
           <a:p>
             <a:fld id="{C0F3BAF6-6DB2-4A07-AEEA-A0824374C276}" type="datetimeFigureOut">
               <a:rPr lang="en-US" smtClean="0"/>
-              <a:t>1/11/2017</a:t>
+              <a:t>1/12/2017</a:t>
             </a:fld>
             <a:endParaRPr lang="en-US"/>
           </a:p>
@@ -1772,7 +1772,7 @@
           <a:p>
             <a:fld id="{C0F3BAF6-6DB2-4A07-AEEA-A0824374C276}" type="datetimeFigureOut">
               <a:rPr lang="en-US" smtClean="0"/>
-              <a:t>1/11/2017</a:t>
+              <a:t>1/12/2017</a:t>
             </a:fld>
             <a:endParaRPr lang="en-US"/>
           </a:p>
@@ -1940,7 +1940,7 @@
           <a:p>
             <a:fld id="{C0F3BAF6-6DB2-4A07-AEEA-A0824374C276}" type="datetimeFigureOut">
               <a:rPr lang="en-US" smtClean="0"/>
-              <a:t>1/11/2017</a:t>
+              <a:t>1/12/2017</a:t>
             </a:fld>
             <a:endParaRPr lang="en-US"/>
           </a:p>
@@ -2185,7 +2185,7 @@
           <a:p>
             <a:fld id="{C0F3BAF6-6DB2-4A07-AEEA-A0824374C276}" type="datetimeFigureOut">
               <a:rPr lang="en-US" smtClean="0"/>
-              <a:t>1/11/2017</a:t>
+              <a:t>1/12/2017</a:t>
             </a:fld>
             <a:endParaRPr lang="en-US"/>
           </a:p>
@@ -2414,7 +2414,7 @@
           <a:p>
             <a:fld id="{C0F3BAF6-6DB2-4A07-AEEA-A0824374C276}" type="datetimeFigureOut">
               <a:rPr lang="en-US" smtClean="0"/>
-              <a:t>1/11/2017</a:t>
+              <a:t>1/12/2017</a:t>
             </a:fld>
             <a:endParaRPr lang="en-US"/>
           </a:p>
@@ -2778,7 +2778,7 @@
           <a:p>
             <a:fld id="{C0F3BAF6-6DB2-4A07-AEEA-A0824374C276}" type="datetimeFigureOut">
               <a:rPr lang="en-US" smtClean="0"/>
-              <a:t>1/11/2017</a:t>
+              <a:t>1/12/2017</a:t>
             </a:fld>
             <a:endParaRPr lang="en-US"/>
           </a:p>
@@ -2895,7 +2895,7 @@
           <a:p>
             <a:fld id="{C0F3BAF6-6DB2-4A07-AEEA-A0824374C276}" type="datetimeFigureOut">
               <a:rPr lang="en-US" smtClean="0"/>
-              <a:t>1/11/2017</a:t>
+              <a:t>1/12/2017</a:t>
             </a:fld>
             <a:endParaRPr lang="en-US"/>
           </a:p>
@@ -2990,7 +2990,7 @@
           <a:p>
             <a:fld id="{C0F3BAF6-6DB2-4A07-AEEA-A0824374C276}" type="datetimeFigureOut">
               <a:rPr lang="en-US" smtClean="0"/>
-              <a:t>1/11/2017</a:t>
+              <a:t>1/12/2017</a:t>
             </a:fld>
             <a:endParaRPr lang="en-US"/>
           </a:p>
@@ -3265,7 +3265,7 @@
           <a:p>
             <a:fld id="{C0F3BAF6-6DB2-4A07-AEEA-A0824374C276}" type="datetimeFigureOut">
               <a:rPr lang="en-US" smtClean="0"/>
-              <a:t>1/11/2017</a:t>
+              <a:t>1/12/2017</a:t>
             </a:fld>
             <a:endParaRPr lang="en-US"/>
           </a:p>
@@ -3517,7 +3517,7 @@
           <a:p>
             <a:fld id="{C0F3BAF6-6DB2-4A07-AEEA-A0824374C276}" type="datetimeFigureOut">
               <a:rPr lang="en-US" smtClean="0"/>
-              <a:t>1/11/2017</a:t>
+              <a:t>1/12/2017</a:t>
             </a:fld>
             <a:endParaRPr lang="en-US"/>
           </a:p>
@@ -3728,7 +3728,7 @@
           <a:p>
             <a:fld id="{C0F3BAF6-6DB2-4A07-AEEA-A0824374C276}" type="datetimeFigureOut">
               <a:rPr lang="en-US" smtClean="0"/>
-              <a:t>1/11/2017</a:t>
+              <a:t>1/12/2017</a:t>
             </a:fld>
             <a:endParaRPr lang="en-US"/>
           </a:p>
@@ -4525,7 +4525,7 @@
         <p:spPr>
           <a:xfrm>
             <a:off x="832104" y="1713851"/>
-            <a:ext cx="10436972" cy="3970318"/>
+            <a:ext cx="10436972" cy="3293209"/>
           </a:xfrm>
           <a:prstGeom prst="rect">
             <a:avLst/>
@@ -4538,69 +4538,151 @@
           <a:lstStyle/>
           <a:p>
             <a:pPr marL="457200" indent="-457200">
-              <a:lnSpc>
-                <a:spcPct val="150000"/>
-              </a:lnSpc>
+              <a:spcBef>
+                <a:spcPts val="600"/>
+              </a:spcBef>
+              <a:spcAft>
+                <a:spcPts val="600"/>
+              </a:spcAft>
               <a:buFont typeface="Wingdings" panose="05000000000000000000" pitchFamily="2" charset="2"/>
               <a:buChar char="ü"/>
             </a:pPr>
             <a:r>
-              <a:rPr lang="en-US" sz="2800" dirty="0"/>
+              <a:rPr lang="en-US" sz="2400" dirty="0">
+                <a:solidFill>
+                  <a:schemeClr val="bg1">
+                    <a:lumMod val="50000"/>
+                  </a:schemeClr>
+                </a:solidFill>
+              </a:rPr>
               <a:t>CDN would allow users to get static content (</a:t>
             </a:r>
             <a:r>
-              <a:rPr lang="en-US" sz="2800" dirty="0" err="1"/>
+              <a:rPr lang="en-US" sz="2400" dirty="0" err="1">
+                <a:solidFill>
+                  <a:schemeClr val="bg1">
+                    <a:lumMod val="50000"/>
+                  </a:schemeClr>
+                </a:solidFill>
+              </a:rPr>
               <a:t>css</a:t>
             </a:r>
             <a:r>
-              <a:rPr lang="en-US" sz="2800" dirty="0"/>
+              <a:rPr lang="en-US" sz="2400" dirty="0">
+                <a:solidFill>
+                  <a:schemeClr val="bg1">
+                    <a:lumMod val="50000"/>
+                  </a:schemeClr>
+                </a:solidFill>
+              </a:rPr>
               <a:t>, </a:t>
             </a:r>
             <a:r>
-              <a:rPr lang="en-US" sz="2800" dirty="0" err="1"/>
+              <a:rPr lang="en-US" sz="2400" dirty="0" err="1">
+                <a:solidFill>
+                  <a:schemeClr val="bg1">
+                    <a:lumMod val="50000"/>
+                  </a:schemeClr>
+                </a:solidFill>
+              </a:rPr>
               <a:t>js</a:t>
             </a:r>
             <a:r>
-              <a:rPr lang="en-US" sz="2800" dirty="0"/>
-              <a:t>, images files) from closer source.</a:t>
+              <a:rPr lang="en-US" sz="2400" dirty="0">
+                <a:solidFill>
+                  <a:schemeClr val="bg1">
+                    <a:lumMod val="50000"/>
+                  </a:schemeClr>
+                </a:solidFill>
+              </a:rPr>
+              <a:t>, image files) from closer source</a:t>
             </a:r>
           </a:p>
           <a:p>
             <a:pPr marL="457200" indent="-457200">
-              <a:lnSpc>
-                <a:spcPct val="150000"/>
-              </a:lnSpc>
+              <a:spcBef>
+                <a:spcPts val="600"/>
+              </a:spcBef>
+              <a:spcAft>
+                <a:spcPts val="600"/>
+              </a:spcAft>
               <a:buFont typeface="Wingdings" panose="05000000000000000000" pitchFamily="2" charset="2"/>
               <a:buChar char="ü"/>
             </a:pPr>
             <a:r>
-              <a:rPr lang="en-US" sz="2800" dirty="0"/>
-              <a:t>Consider using your CDN for all the static files, this releases huge load from server.</a:t>
+              <a:rPr lang="en-US" sz="2400" dirty="0">
+                <a:solidFill>
+                  <a:schemeClr val="bg1">
+                    <a:lumMod val="50000"/>
+                  </a:schemeClr>
+                </a:solidFill>
+              </a:rPr>
+              <a:t>Consider using your CDN for all the static files, this releases huge load from server</a:t>
             </a:r>
           </a:p>
           <a:p>
             <a:pPr marL="457200" indent="-457200">
-              <a:lnSpc>
-                <a:spcPct val="150000"/>
-              </a:lnSpc>
+              <a:spcBef>
+                <a:spcPts val="600"/>
+              </a:spcBef>
+              <a:spcAft>
+                <a:spcPts val="600"/>
+              </a:spcAft>
               <a:buFont typeface="Wingdings" panose="05000000000000000000" pitchFamily="2" charset="2"/>
               <a:buChar char="ü"/>
             </a:pPr>
             <a:r>
-              <a:rPr lang="en-US" sz="2800" dirty="0"/>
-              <a:t>C# Corner uses CDN</a:t>
+              <a:rPr lang="en-US" sz="2400" dirty="0">
+                <a:solidFill>
+                  <a:schemeClr val="bg1">
+                    <a:lumMod val="50000"/>
+                  </a:schemeClr>
+                </a:solidFill>
+              </a:rPr>
+              <a:t>Consider using CDN on minified and bundles output too</a:t>
             </a:r>
           </a:p>
           <a:p>
             <a:pPr marL="457200" indent="-457200">
-              <a:lnSpc>
-                <a:spcPct val="150000"/>
-              </a:lnSpc>
+              <a:spcBef>
+                <a:spcPts val="600"/>
+              </a:spcBef>
+              <a:spcAft>
+                <a:spcPts val="600"/>
+              </a:spcAft>
               <a:buFont typeface="Wingdings" panose="05000000000000000000" pitchFamily="2" charset="2"/>
               <a:buChar char="ü"/>
             </a:pPr>
             <a:r>
-              <a:rPr lang="en-US" sz="2800" dirty="0"/>
+              <a:rPr lang="en-US" sz="2400" dirty="0">
+                <a:solidFill>
+                  <a:schemeClr val="bg1">
+                    <a:lumMod val="50000"/>
+                  </a:schemeClr>
+                </a:solidFill>
+              </a:rPr>
+              <a:t>C# Corner uses CDN</a:t>
+            </a:r>
+          </a:p>
+          <a:p>
+            <a:pPr marL="457200" indent="-457200">
+              <a:spcBef>
+                <a:spcPts val="600"/>
+              </a:spcBef>
+              <a:spcAft>
+                <a:spcPts val="600"/>
+              </a:spcAft>
+              <a:buFont typeface="Wingdings" panose="05000000000000000000" pitchFamily="2" charset="2"/>
+              <a:buChar char="ü"/>
+            </a:pPr>
+            <a:r>
+              <a:rPr lang="en-US" sz="2400" dirty="0">
+                <a:solidFill>
+                  <a:schemeClr val="bg1">
+                    <a:lumMod val="50000"/>
+                  </a:schemeClr>
+                </a:solidFill>
+              </a:rPr>
               <a:t>Stack-Overflow uses CDN</a:t>
             </a:r>
           </a:p>
@@ -4745,7 +4827,7 @@
         <p:spPr>
           <a:xfrm>
             <a:off x="716910" y="3511233"/>
-            <a:ext cx="11904221" cy="523220"/>
+            <a:ext cx="8574399" cy="400110"/>
           </a:xfrm>
           <a:prstGeom prst="rect">
             <a:avLst/>
@@ -4759,7 +4841,7 @@
           <a:lstStyle/>
           <a:p>
             <a:r>
-              <a:rPr lang="en-US" sz="2800" dirty="0">
+              <a:rPr lang="en-US" sz="2000" dirty="0">
                 <a:solidFill>
                   <a:srgbClr val="FF0000"/>
                 </a:solidFill>
@@ -4908,7 +4990,7 @@
         <p:spPr>
           <a:xfrm>
             <a:off x="902751" y="1673664"/>
-            <a:ext cx="10471919" cy="3903504"/>
+            <a:ext cx="10471919" cy="2769989"/>
           </a:xfrm>
           <a:prstGeom prst="rect">
             <a:avLst/>
@@ -4921,48 +5003,84 @@
           <a:lstStyle/>
           <a:p>
             <a:pPr marL="457200" indent="-457200">
-              <a:lnSpc>
-                <a:spcPct val="150000"/>
-              </a:lnSpc>
+              <a:spcBef>
+                <a:spcPts val="600"/>
+              </a:spcBef>
+              <a:spcAft>
+                <a:spcPts val="600"/>
+              </a:spcAft>
               <a:buFont typeface="Wingdings" panose="05000000000000000000" pitchFamily="2" charset="2"/>
               <a:buChar char="ü"/>
             </a:pPr>
             <a:r>
-              <a:rPr lang="en-US" sz="2800" dirty="0"/>
+              <a:rPr lang="en-US" sz="2400" dirty="0">
+                <a:solidFill>
+                  <a:schemeClr val="bg1">
+                    <a:lumMod val="50000"/>
+                  </a:schemeClr>
+                </a:solidFill>
+              </a:rPr>
               <a:t>In Debug Mode your DLL has debug information inside of it (source code, variable names, symbolic information and other similar stuff).</a:t>
             </a:r>
           </a:p>
           <a:p>
             <a:pPr marL="457200" indent="-457200">
-              <a:lnSpc>
-                <a:spcPct val="150000"/>
-              </a:lnSpc>
+              <a:spcBef>
+                <a:spcPts val="600"/>
+              </a:spcBef>
+              <a:spcAft>
+                <a:spcPts val="600"/>
+              </a:spcAft>
               <a:buFont typeface="Wingdings" panose="05000000000000000000" pitchFamily="2" charset="2"/>
               <a:buChar char="ü"/>
             </a:pPr>
             <a:r>
-              <a:rPr lang="en-US" sz="2800" dirty="0"/>
+              <a:rPr lang="en-US" sz="2400" dirty="0">
+                <a:solidFill>
+                  <a:schemeClr val="bg1">
+                    <a:lumMod val="50000"/>
+                  </a:schemeClr>
+                </a:solidFill>
+              </a:rPr>
               <a:t>Debug Mode creates PDB file to store debug information</a:t>
             </a:r>
           </a:p>
           <a:p>
             <a:pPr>
-              <a:lnSpc>
-                <a:spcPct val="150000"/>
-              </a:lnSpc>
+              <a:spcBef>
+                <a:spcPts val="600"/>
+              </a:spcBef>
+              <a:spcAft>
+                <a:spcPts val="600"/>
+              </a:spcAft>
             </a:pPr>
-            <a:endParaRPr lang="en-US" sz="2800" dirty="0"/>
+            <a:endParaRPr lang="en-US" sz="2400" dirty="0">
+              <a:solidFill>
+                <a:schemeClr val="bg1">
+                  <a:lumMod val="50000"/>
+                </a:schemeClr>
+              </a:solidFill>
+            </a:endParaRPr>
           </a:p>
           <a:p>
             <a:pPr marL="457200" indent="-457200">
-              <a:lnSpc>
-                <a:spcPct val="150000"/>
-              </a:lnSpc>
+              <a:spcBef>
+                <a:spcPts val="600"/>
+              </a:spcBef>
+              <a:spcAft>
+                <a:spcPts val="600"/>
+              </a:spcAft>
               <a:buFont typeface="Wingdings" panose="05000000000000000000" pitchFamily="2" charset="2"/>
               <a:buChar char="ü"/>
             </a:pPr>
             <a:r>
-              <a:rPr lang="en-US" sz="2800" dirty="0"/>
+              <a:rPr lang="en-US" sz="2400" dirty="0">
+                <a:solidFill>
+                  <a:schemeClr val="bg1">
+                    <a:lumMod val="50000"/>
+                  </a:schemeClr>
+                </a:solidFill>
+              </a:rPr>
               <a:t>In Release Mode your DLL lack of debug information makes it smaller and probably performs better due to its smaller footprint.</a:t>
             </a:r>
           </a:p>
@@ -5121,15 +5239,20 @@
           <a:p>
             <a:pPr marL="285750" indent="-285750">
               <a:spcBef>
-                <a:spcPts val="1200"/>
+                <a:spcPts val="600"/>
               </a:spcBef>
+              <a:spcAft>
+                <a:spcPts val="600"/>
+              </a:spcAft>
               <a:buFont typeface="Wingdings" panose="05000000000000000000" pitchFamily="2" charset="2"/>
               <a:buChar char="ü"/>
             </a:pPr>
             <a:r>
               <a:rPr lang="en-US" sz="2000" dirty="0">
                 <a:solidFill>
-                  <a:srgbClr val="505050"/>
+                  <a:schemeClr val="bg1">
+                    <a:lumMod val="50000"/>
+                  </a:schemeClr>
                 </a:solidFill>
                 <a:latin typeface="Segoe UI" panose="020B0502040204020203" pitchFamily="34" charset="0"/>
               </a:rPr>
@@ -5139,15 +5262,20 @@
           <a:p>
             <a:pPr marL="285750" indent="-285750">
               <a:spcBef>
-                <a:spcPts val="1200"/>
+                <a:spcPts val="600"/>
               </a:spcBef>
+              <a:spcAft>
+                <a:spcPts val="600"/>
+              </a:spcAft>
               <a:buFont typeface="Wingdings" panose="05000000000000000000" pitchFamily="2" charset="2"/>
               <a:buChar char="ü"/>
             </a:pPr>
             <a:r>
               <a:rPr lang="en-US" sz="2000" dirty="0">
                 <a:solidFill>
-                  <a:srgbClr val="505050"/>
+                  <a:schemeClr val="bg1">
+                    <a:lumMod val="50000"/>
+                  </a:schemeClr>
                 </a:solidFill>
                 <a:latin typeface="Segoe UI" panose="020B0502040204020203" pitchFamily="34" charset="0"/>
               </a:rPr>
@@ -5157,15 +5285,20 @@
           <a:p>
             <a:pPr marL="285750" indent="-285750">
               <a:spcBef>
-                <a:spcPts val="1200"/>
+                <a:spcPts val="600"/>
               </a:spcBef>
+              <a:spcAft>
+                <a:spcPts val="600"/>
+              </a:spcAft>
               <a:buFont typeface="Wingdings" panose="05000000000000000000" pitchFamily="2" charset="2"/>
               <a:buChar char="ü"/>
             </a:pPr>
             <a:r>
               <a:rPr lang="en-US" sz="2000" dirty="0">
                 <a:solidFill>
-                  <a:srgbClr val="505050"/>
+                  <a:schemeClr val="bg1">
+                    <a:lumMod val="50000"/>
+                  </a:schemeClr>
                 </a:solidFill>
                 <a:latin typeface="Segoe UI" panose="020B0502040204020203" pitchFamily="34" charset="0"/>
               </a:rPr>
@@ -5175,15 +5308,20 @@
           <a:p>
             <a:pPr marL="285750" indent="-285750">
               <a:spcBef>
-                <a:spcPts val="1200"/>
+                <a:spcPts val="600"/>
               </a:spcBef>
+              <a:spcAft>
+                <a:spcPts val="600"/>
+              </a:spcAft>
               <a:buFont typeface="Wingdings" panose="05000000000000000000" pitchFamily="2" charset="2"/>
               <a:buChar char="ü"/>
             </a:pPr>
             <a:r>
               <a:rPr lang="en-US" sz="2000" dirty="0">
                 <a:solidFill>
-                  <a:srgbClr val="505050"/>
+                  <a:schemeClr val="bg1">
+                    <a:lumMod val="50000"/>
+                  </a:schemeClr>
                 </a:solidFill>
                 <a:latin typeface="Segoe UI" panose="020B0502040204020203" pitchFamily="34" charset="0"/>
               </a:rPr>
@@ -5193,15 +5331,20 @@
           <a:p>
             <a:pPr marL="285750" indent="-285750">
               <a:spcBef>
-                <a:spcPts val="1200"/>
+                <a:spcPts val="600"/>
               </a:spcBef>
+              <a:spcAft>
+                <a:spcPts val="600"/>
+              </a:spcAft>
               <a:buFont typeface="Wingdings" panose="05000000000000000000" pitchFamily="2" charset="2"/>
               <a:buChar char="ü"/>
             </a:pPr>
             <a:r>
               <a:rPr lang="en-US" sz="2000" dirty="0">
                 <a:solidFill>
-                  <a:srgbClr val="505050"/>
+                  <a:schemeClr val="bg1">
+                    <a:lumMod val="50000"/>
+                  </a:schemeClr>
                 </a:solidFill>
                 <a:latin typeface="Segoe UI" panose="020B0502040204020203" pitchFamily="34" charset="0"/>
               </a:rPr>
@@ -5356,13 +5499,21 @@
             <a:r>
               <a:rPr lang="en-US" dirty="0">
                 <a:solidFill>
-                  <a:srgbClr val="505050"/>
+                  <a:schemeClr val="bg1">
+                    <a:lumMod val="50000"/>
+                  </a:schemeClr>
                 </a:solidFill>
                 <a:latin typeface="Segoe UI" panose="020B0502040204020203" pitchFamily="34" charset="0"/>
               </a:rPr>
               <a:t>Need to write this </a:t>
             </a:r>
-            <a:endParaRPr lang="en-US" dirty="0"/>
+            <a:endParaRPr lang="en-US" dirty="0">
+              <a:solidFill>
+                <a:schemeClr val="bg1">
+                  <a:lumMod val="50000"/>
+                </a:schemeClr>
+              </a:solidFill>
+            </a:endParaRPr>
           </a:p>
         </p:txBody>
       </p:sp>
@@ -6105,22 +6256,21 @@
             <a:r>
               <a:rPr lang="en-US" dirty="0">
                 <a:solidFill>
-                  <a:srgbClr val="505050"/>
+                  <a:schemeClr val="bg1">
+                    <a:lumMod val="50000"/>
+                  </a:schemeClr>
                 </a:solidFill>
                 <a:latin typeface="Segoe UI" panose="020B0502040204020203" pitchFamily="34" charset="0"/>
               </a:rPr>
-              <a:t>Need to </a:t>
-            </a:r>
-            <a:r>
-              <a:rPr lang="en-US">
-                <a:solidFill>
-                  <a:srgbClr val="505050"/>
-                </a:solidFill>
-                <a:latin typeface="Segoe UI" panose="020B0502040204020203" pitchFamily="34" charset="0"/>
-              </a:rPr>
-              <a:t>write this </a:t>
-            </a:r>
-            <a:endParaRPr lang="en-US" dirty="0"/>
+              <a:t>Need to write this </a:t>
+            </a:r>
+            <a:endParaRPr lang="en-US" dirty="0">
+              <a:solidFill>
+                <a:schemeClr val="bg1">
+                  <a:lumMod val="50000"/>
+                </a:schemeClr>
+              </a:solidFill>
+            </a:endParaRPr>
           </a:p>
         </p:txBody>
       </p:sp>
@@ -6356,7 +6506,9 @@
             <a:r>
               <a:rPr lang="en-US" sz="2800" dirty="0">
                 <a:solidFill>
-                  <a:srgbClr val="505050"/>
+                  <a:schemeClr val="bg1">
+                    <a:lumMod val="50000"/>
+                  </a:schemeClr>
                 </a:solidFill>
                 <a:latin typeface="Segoe UI" panose="020B0502040204020203" pitchFamily="34" charset="0"/>
               </a:rPr>
@@ -6374,7 +6526,9 @@
             <a:r>
               <a:rPr lang="en-US" sz="2800" dirty="0">
                 <a:solidFill>
-                  <a:srgbClr val="505050"/>
+                  <a:schemeClr val="bg1">
+                    <a:lumMod val="50000"/>
+                  </a:schemeClr>
                 </a:solidFill>
                 <a:latin typeface="Segoe UI" panose="020B0502040204020203" pitchFamily="34" charset="0"/>
               </a:rPr>
@@ -6392,7 +6546,9 @@
             <a:r>
               <a:rPr lang="en-US" sz="2800" dirty="0">
                 <a:solidFill>
-                  <a:srgbClr val="505050"/>
+                  <a:schemeClr val="bg1">
+                    <a:lumMod val="50000"/>
+                  </a:schemeClr>
                 </a:solidFill>
                 <a:latin typeface="Segoe UI" panose="020B0502040204020203" pitchFamily="34" charset="0"/>
               </a:rPr>
@@ -6401,7 +6557,9 @@
             <a:r>
               <a:rPr lang="en-US" sz="2800" dirty="0" err="1">
                 <a:solidFill>
-                  <a:srgbClr val="505050"/>
+                  <a:schemeClr val="bg1">
+                    <a:lumMod val="50000"/>
+                  </a:schemeClr>
                 </a:solidFill>
                 <a:latin typeface="Segoe UI" panose="020B0502040204020203" pitchFamily="34" charset="0"/>
               </a:rPr>
@@ -6409,7 +6567,9 @@
             </a:r>
             <a:endParaRPr lang="en-US" sz="2800" dirty="0">
               <a:solidFill>
-                <a:srgbClr val="505050"/>
+                <a:schemeClr val="bg1">
+                  <a:lumMod val="50000"/>
+                </a:schemeClr>
               </a:solidFill>
               <a:latin typeface="Segoe UI" panose="020B0502040204020203" pitchFamily="34" charset="0"/>
             </a:endParaRPr>
@@ -6425,7 +6585,9 @@
             <a:r>
               <a:rPr lang="en-US" sz="2800" dirty="0">
                 <a:solidFill>
-                  <a:srgbClr val="505050"/>
+                  <a:schemeClr val="bg1">
+                    <a:lumMod val="50000"/>
+                  </a:schemeClr>
                 </a:solidFill>
                 <a:latin typeface="Segoe UI" panose="020B0502040204020203" pitchFamily="34" charset="0"/>
               </a:rPr>
@@ -6443,7 +6605,9 @@
             <a:r>
               <a:rPr lang="en-US" sz="2800" dirty="0">
                 <a:solidFill>
-                  <a:srgbClr val="505050"/>
+                  <a:schemeClr val="bg1">
+                    <a:lumMod val="50000"/>
+                  </a:schemeClr>
                 </a:solidFill>
                 <a:latin typeface="Segoe UI" panose="020B0502040204020203" pitchFamily="34" charset="0"/>
               </a:rPr>
@@ -6461,7 +6625,9 @@
             <a:r>
               <a:rPr lang="en-US" sz="2800" dirty="0">
                 <a:solidFill>
-                  <a:srgbClr val="505050"/>
+                  <a:schemeClr val="bg1">
+                    <a:lumMod val="50000"/>
+                  </a:schemeClr>
                 </a:solidFill>
                 <a:latin typeface="Segoe UI" panose="020B0502040204020203" pitchFamily="34" charset="0"/>
               </a:rPr>
@@ -6479,7 +6645,9 @@
             <a:r>
               <a:rPr lang="en-US" sz="2800" dirty="0">
                 <a:solidFill>
-                  <a:srgbClr val="505050"/>
+                  <a:schemeClr val="bg1">
+                    <a:lumMod val="50000"/>
+                  </a:schemeClr>
                 </a:solidFill>
                 <a:latin typeface="Segoe UI" panose="020B0502040204020203" pitchFamily="34" charset="0"/>
               </a:rPr>
@@ -6497,7 +6665,9 @@
             <a:r>
               <a:rPr lang="en-US" sz="2800" dirty="0">
                 <a:solidFill>
-                  <a:srgbClr val="505050"/>
+                  <a:schemeClr val="bg1">
+                    <a:lumMod val="50000"/>
+                  </a:schemeClr>
                 </a:solidFill>
                 <a:latin typeface="Segoe UI" panose="020B0502040204020203" pitchFamily="34" charset="0"/>
               </a:rPr>
@@ -6650,7 +6820,13 @@
           <a:lstStyle/>
           <a:p>
             <a:r>
-              <a:rPr lang="en-US" sz="4800" dirty="0"/>
+              <a:rPr lang="en-US" sz="4800" dirty="0">
+                <a:solidFill>
+                  <a:schemeClr val="bg1">
+                    <a:lumMod val="50000"/>
+                  </a:schemeClr>
+                </a:solidFill>
+              </a:rPr>
               <a:t>Before deploying your app on production or staging we should always look at every possible way to improve performance and monitor how your app doing online.</a:t>
             </a:r>
           </a:p>
@@ -6819,7 +6995,7 @@
         <p:spPr>
           <a:xfrm>
             <a:off x="925290" y="1490007"/>
-            <a:ext cx="10631649" cy="4493538"/>
+            <a:ext cx="10631649" cy="3954929"/>
           </a:xfrm>
           <a:prstGeom prst="rect">
             <a:avLst/>
@@ -6845,58 +7021,90 @@
           </a:p>
           <a:p>
             <a:pPr marL="285750" indent="-285750">
-              <a:lnSpc>
-                <a:spcPct val="150000"/>
-              </a:lnSpc>
+              <a:spcBef>
+                <a:spcPts val="600"/>
+              </a:spcBef>
+              <a:spcAft>
+                <a:spcPts val="600"/>
+              </a:spcAft>
               <a:buFont typeface="Wingdings" panose="05000000000000000000" pitchFamily="2" charset="2"/>
               <a:buChar char="ü"/>
             </a:pPr>
             <a:r>
-              <a:rPr lang="en-US" sz="2800" dirty="0"/>
+              <a:rPr lang="en-US" sz="2800" dirty="0">
+                <a:solidFill>
+                  <a:schemeClr val="bg1">
+                    <a:lumMod val="50000"/>
+                  </a:schemeClr>
+                </a:solidFill>
+              </a:rPr>
               <a:t>Detect and diagnose exceptions and application performance issues</a:t>
             </a:r>
           </a:p>
           <a:p>
             <a:pPr marL="285750" indent="-285750">
-              <a:lnSpc>
-                <a:spcPct val="150000"/>
-              </a:lnSpc>
+              <a:spcBef>
+                <a:spcPts val="600"/>
+              </a:spcBef>
+              <a:spcAft>
+                <a:spcPts val="600"/>
+              </a:spcAft>
               <a:buFont typeface="Wingdings" panose="05000000000000000000" pitchFamily="2" charset="2"/>
               <a:buChar char="ü"/>
             </a:pPr>
             <a:r>
-              <a:rPr lang="en-US" sz="2800" dirty="0"/>
+              <a:rPr lang="en-US" sz="2800" dirty="0">
+                <a:solidFill>
+                  <a:schemeClr val="bg1">
+                    <a:lumMod val="50000"/>
+                  </a:schemeClr>
+                </a:solidFill>
+              </a:rPr>
               <a:t>Monitor Azure websites or container hosted or shared hosted</a:t>
             </a:r>
           </a:p>
           <a:p>
             <a:pPr marL="285750" indent="-285750">
-              <a:lnSpc>
-                <a:spcPct val="150000"/>
-              </a:lnSpc>
+              <a:spcBef>
+                <a:spcPts val="600"/>
+              </a:spcBef>
+              <a:spcAft>
+                <a:spcPts val="600"/>
+              </a:spcAft>
               <a:buFont typeface="Wingdings" panose="05000000000000000000" pitchFamily="2" charset="2"/>
               <a:buChar char="ü"/>
             </a:pPr>
             <a:r>
-              <a:rPr lang="en-US" sz="2800" dirty="0"/>
+              <a:rPr lang="en-US" sz="2800" dirty="0">
+                <a:solidFill>
+                  <a:schemeClr val="bg1">
+                    <a:lumMod val="50000"/>
+                  </a:schemeClr>
+                </a:solidFill>
+              </a:rPr>
               <a:t>Seamlessly integrate with your DevOps pipeline using Visual Studio Team Services, GitHub</a:t>
             </a:r>
           </a:p>
           <a:p>
             <a:pPr marL="285750" indent="-285750">
-              <a:lnSpc>
-                <a:spcPct val="150000"/>
-              </a:lnSpc>
+              <a:spcBef>
+                <a:spcPts val="600"/>
+              </a:spcBef>
+              <a:spcAft>
+                <a:spcPts val="600"/>
+              </a:spcAft>
               <a:buFont typeface="Wingdings" panose="05000000000000000000" pitchFamily="2" charset="2"/>
               <a:buChar char="ü"/>
             </a:pPr>
             <a:r>
-              <a:rPr lang="en-US" sz="2800" dirty="0"/>
-              <a:t>Get started from within Visual Studio or </a:t>
-            </a:r>
-            <a:r>
-              <a:rPr lang="en-US" sz="2800" dirty="0"/>
-              <a:t>monitor existing apps</a:t>
+              <a:rPr lang="en-US" sz="2800" dirty="0">
+                <a:solidFill>
+                  <a:schemeClr val="bg1">
+                    <a:lumMod val="50000"/>
+                  </a:schemeClr>
+                </a:solidFill>
+              </a:rPr>
+              <a:t>Get started from within Visual Studio or monitor existing apps</a:t>
             </a:r>
           </a:p>
         </p:txBody>
@@ -7039,8 +7247,8 @@
         </p:nvSpPr>
         <p:spPr>
           <a:xfrm>
-            <a:off x="1267345" y="2160522"/>
-            <a:ext cx="10644403" cy="3754874"/>
+            <a:off x="1267345" y="2296556"/>
+            <a:ext cx="10644403" cy="3231654"/>
           </a:xfrm>
           <a:prstGeom prst="rect">
             <a:avLst/>
@@ -7053,7 +7261,7 @@
           <a:lstStyle/>
           <a:p>
             <a:r>
-              <a:rPr lang="en-GB" sz="1400" dirty="0">
+              <a:rPr lang="en-GB" sz="1200" dirty="0">
                 <a:solidFill>
                   <a:srgbClr val="000000"/>
                 </a:solidFill>
@@ -7062,7 +7270,7 @@
               <a:t>[</a:t>
             </a:r>
             <a:r>
-              <a:rPr lang="en-GB" sz="1400" dirty="0" err="1">
+              <a:rPr lang="en-GB" sz="1200" dirty="0" err="1">
                 <a:solidFill>
                   <a:srgbClr val="2B91AF"/>
                 </a:solidFill>
@@ -7071,7 +7279,7 @@
               <a:t>AttributeUsage</a:t>
             </a:r>
             <a:r>
-              <a:rPr lang="en-GB" sz="1400" dirty="0">
+              <a:rPr lang="en-GB" sz="1200" dirty="0">
                 <a:solidFill>
                   <a:srgbClr val="000000"/>
                 </a:solidFill>
@@ -7080,7 +7288,7 @@
               <a:t>(</a:t>
             </a:r>
             <a:r>
-              <a:rPr lang="en-GB" sz="1400" dirty="0" err="1">
+              <a:rPr lang="en-GB" sz="1200" dirty="0" err="1">
                 <a:solidFill>
                   <a:srgbClr val="2B91AF"/>
                 </a:solidFill>
@@ -7089,7 +7297,7 @@
               <a:t>AttributeTargets</a:t>
             </a:r>
             <a:r>
-              <a:rPr lang="en-GB" sz="1400" dirty="0" err="1">
+              <a:rPr lang="en-GB" sz="1200" dirty="0" err="1">
                 <a:solidFill>
                   <a:srgbClr val="000000"/>
                 </a:solidFill>
@@ -7098,7 +7306,7 @@
               <a:t>.Class</a:t>
             </a:r>
             <a:r>
-              <a:rPr lang="en-GB" sz="1400" dirty="0">
+              <a:rPr lang="en-GB" sz="1200" dirty="0">
                 <a:solidFill>
                   <a:srgbClr val="000000"/>
                 </a:solidFill>
@@ -7107,7 +7315,7 @@
               <a:t> | </a:t>
             </a:r>
             <a:r>
-              <a:rPr lang="en-GB" sz="1400" dirty="0" err="1">
+              <a:rPr lang="en-GB" sz="1200" dirty="0" err="1">
                 <a:solidFill>
                   <a:srgbClr val="2B91AF"/>
                 </a:solidFill>
@@ -7116,7 +7324,7 @@
               <a:t>AttributeTargets</a:t>
             </a:r>
             <a:r>
-              <a:rPr lang="en-GB" sz="1400" dirty="0" err="1">
+              <a:rPr lang="en-GB" sz="1200" dirty="0" err="1">
                 <a:solidFill>
                   <a:srgbClr val="000000"/>
                 </a:solidFill>
@@ -7125,7 +7333,7 @@
               <a:t>.Method</a:t>
             </a:r>
             <a:r>
-              <a:rPr lang="en-GB" sz="1400" dirty="0">
+              <a:rPr lang="en-GB" sz="1200" dirty="0">
                 <a:solidFill>
                   <a:srgbClr val="000000"/>
                 </a:solidFill>
@@ -7134,7 +7342,7 @@
               <a:t>, Inherited = </a:t>
             </a:r>
             <a:r>
-              <a:rPr lang="en-GB" sz="1400" dirty="0">
+              <a:rPr lang="en-GB" sz="1200" dirty="0">
                 <a:solidFill>
                   <a:srgbClr val="0000FF"/>
                 </a:solidFill>
@@ -7143,7 +7351,7 @@
               <a:t>true</a:t>
             </a:r>
             <a:r>
-              <a:rPr lang="en-GB" sz="1400" dirty="0">
+              <a:rPr lang="en-GB" sz="1200" dirty="0">
                 <a:solidFill>
                   <a:srgbClr val="000000"/>
                 </a:solidFill>
@@ -7152,7 +7360,7 @@
               <a:t>, </a:t>
             </a:r>
             <a:r>
-              <a:rPr lang="en-GB" sz="1400" dirty="0" err="1">
+              <a:rPr lang="en-GB" sz="1200" dirty="0" err="1">
                 <a:solidFill>
                   <a:srgbClr val="000000"/>
                 </a:solidFill>
@@ -7161,7 +7369,7 @@
               <a:t>AllowMultiple</a:t>
             </a:r>
             <a:r>
-              <a:rPr lang="en-GB" sz="1400" dirty="0">
+              <a:rPr lang="en-GB" sz="1200" dirty="0">
                 <a:solidFill>
                   <a:srgbClr val="000000"/>
                 </a:solidFill>
@@ -7170,7 +7378,7 @@
               <a:t> = </a:t>
             </a:r>
             <a:r>
-              <a:rPr lang="en-GB" sz="1400" dirty="0">
+              <a:rPr lang="en-GB" sz="1200" dirty="0">
                 <a:solidFill>
                   <a:srgbClr val="0000FF"/>
                 </a:solidFill>
@@ -7179,7 +7387,7 @@
               <a:t>true</a:t>
             </a:r>
             <a:r>
-              <a:rPr lang="en-GB" sz="1400" dirty="0">
+              <a:rPr lang="en-GB" sz="1200" dirty="0">
                 <a:solidFill>
                   <a:srgbClr val="000000"/>
                 </a:solidFill>
@@ -7190,7 +7398,7 @@
           </a:p>
           <a:p>
             <a:r>
-              <a:rPr lang="en-US" sz="1400" dirty="0">
+              <a:rPr lang="en-US" sz="1200" dirty="0">
                 <a:solidFill>
                   <a:srgbClr val="0000FF"/>
                 </a:solidFill>
@@ -7199,7 +7407,7 @@
               <a:t>public</a:t>
             </a:r>
             <a:r>
-              <a:rPr lang="en-US" sz="1400" dirty="0">
+              <a:rPr lang="en-US" sz="1200" dirty="0">
                 <a:solidFill>
                   <a:srgbClr val="000000"/>
                 </a:solidFill>
@@ -7208,7 +7416,7 @@
               <a:t> </a:t>
             </a:r>
             <a:r>
-              <a:rPr lang="en-US" sz="1400" dirty="0">
+              <a:rPr lang="en-US" sz="1200" dirty="0">
                 <a:solidFill>
                   <a:srgbClr val="0000FF"/>
                 </a:solidFill>
@@ -7217,7 +7425,7 @@
               <a:t>class</a:t>
             </a:r>
             <a:r>
-              <a:rPr lang="en-US" sz="1400" dirty="0">
+              <a:rPr lang="en-US" sz="1200" dirty="0">
                 <a:solidFill>
                   <a:srgbClr val="000000"/>
                 </a:solidFill>
@@ -7226,7 +7434,7 @@
               <a:t> </a:t>
             </a:r>
             <a:r>
-              <a:rPr lang="en-US" sz="1400" dirty="0" err="1">
+              <a:rPr lang="en-US" sz="1200" dirty="0" err="1">
                 <a:solidFill>
                   <a:srgbClr val="2B91AF"/>
                 </a:solidFill>
@@ -7235,7 +7443,7 @@
               <a:t>AiHandleErrorAttribute</a:t>
             </a:r>
             <a:r>
-              <a:rPr lang="en-US" sz="1400" dirty="0">
+              <a:rPr lang="en-US" sz="1200" dirty="0">
                 <a:solidFill>
                   <a:srgbClr val="000000"/>
                 </a:solidFill>
@@ -7244,7 +7452,7 @@
               <a:t> : </a:t>
             </a:r>
             <a:r>
-              <a:rPr lang="en-US" sz="1400" dirty="0" err="1">
+              <a:rPr lang="en-US" sz="1200" dirty="0" err="1">
                 <a:solidFill>
                   <a:srgbClr val="2B91AF"/>
                 </a:solidFill>
@@ -7252,7 +7460,7 @@
               </a:rPr>
               <a:t>HandleErrorAttribute</a:t>
             </a:r>
-            <a:endParaRPr lang="en-US" sz="1400" dirty="0">
+            <a:endParaRPr lang="en-US" sz="1200" dirty="0">
               <a:solidFill>
                 <a:srgbClr val="000000"/>
               </a:solidFill>
@@ -7261,7 +7469,7 @@
           </a:p>
           <a:p>
             <a:r>
-              <a:rPr lang="en-US" sz="1400" dirty="0">
+              <a:rPr lang="en-US" sz="1200" dirty="0">
                 <a:solidFill>
                   <a:srgbClr val="000000"/>
                 </a:solidFill>
@@ -7272,7 +7480,7 @@
           </a:p>
           <a:p>
             <a:r>
-              <a:rPr lang="fr-FR" sz="1400" dirty="0">
+              <a:rPr lang="fr-FR" sz="1200" dirty="0">
                 <a:solidFill>
                   <a:srgbClr val="000000"/>
                 </a:solidFill>
@@ -7281,7 +7489,7 @@
               <a:t>    </a:t>
             </a:r>
             <a:r>
-              <a:rPr lang="fr-FR" sz="1400" dirty="0">
+              <a:rPr lang="fr-FR" sz="1200" dirty="0">
                 <a:solidFill>
                   <a:srgbClr val="0000FF"/>
                 </a:solidFill>
@@ -7290,7 +7498,7 @@
               <a:t>public</a:t>
             </a:r>
             <a:r>
-              <a:rPr lang="fr-FR" sz="1400" dirty="0">
+              <a:rPr lang="fr-FR" sz="1200" dirty="0">
                 <a:solidFill>
                   <a:srgbClr val="000000"/>
                 </a:solidFill>
@@ -7299,7 +7507,7 @@
               <a:t> </a:t>
             </a:r>
             <a:r>
-              <a:rPr lang="fr-FR" sz="1400" dirty="0" err="1">
+              <a:rPr lang="fr-FR" sz="1200" dirty="0" err="1">
                 <a:solidFill>
                   <a:srgbClr val="0000FF"/>
                 </a:solidFill>
@@ -7308,7 +7516,7 @@
               <a:t>override</a:t>
             </a:r>
             <a:r>
-              <a:rPr lang="fr-FR" sz="1400" dirty="0">
+              <a:rPr lang="fr-FR" sz="1200" dirty="0">
                 <a:solidFill>
                   <a:srgbClr val="000000"/>
                 </a:solidFill>
@@ -7317,7 +7525,7 @@
               <a:t> </a:t>
             </a:r>
             <a:r>
-              <a:rPr lang="fr-FR" sz="1400" dirty="0" err="1">
+              <a:rPr lang="fr-FR" sz="1200" dirty="0" err="1">
                 <a:solidFill>
                   <a:srgbClr val="0000FF"/>
                 </a:solidFill>
@@ -7326,7 +7534,7 @@
               <a:t>void</a:t>
             </a:r>
             <a:r>
-              <a:rPr lang="fr-FR" sz="1400" dirty="0">
+              <a:rPr lang="fr-FR" sz="1200" dirty="0">
                 <a:solidFill>
                   <a:srgbClr val="000000"/>
                 </a:solidFill>
@@ -7335,7 +7543,7 @@
               <a:t> </a:t>
             </a:r>
             <a:r>
-              <a:rPr lang="fr-FR" sz="1400" dirty="0" err="1">
+              <a:rPr lang="fr-FR" sz="1200" dirty="0" err="1">
                 <a:solidFill>
                   <a:srgbClr val="000000"/>
                 </a:solidFill>
@@ -7344,7 +7552,7 @@
               <a:t>OnException</a:t>
             </a:r>
             <a:r>
-              <a:rPr lang="fr-FR" sz="1400" dirty="0">
+              <a:rPr lang="fr-FR" sz="1200" dirty="0">
                 <a:solidFill>
                   <a:srgbClr val="000000"/>
                 </a:solidFill>
@@ -7353,7 +7561,7 @@
               <a:t>(</a:t>
             </a:r>
             <a:r>
-              <a:rPr lang="fr-FR" sz="1400" dirty="0" err="1">
+              <a:rPr lang="fr-FR" sz="1200" dirty="0" err="1">
                 <a:solidFill>
                   <a:srgbClr val="2B91AF"/>
                 </a:solidFill>
@@ -7362,7 +7570,7 @@
               <a:t>ExceptionContext</a:t>
             </a:r>
             <a:r>
-              <a:rPr lang="fr-FR" sz="1400" dirty="0">
+              <a:rPr lang="fr-FR" sz="1200" dirty="0">
                 <a:solidFill>
                   <a:srgbClr val="000000"/>
                 </a:solidFill>
@@ -7371,7 +7579,7 @@
               <a:t> </a:t>
             </a:r>
             <a:r>
-              <a:rPr lang="fr-FR" sz="1400" dirty="0" err="1">
+              <a:rPr lang="fr-FR" sz="1200" dirty="0" err="1">
                 <a:solidFill>
                   <a:srgbClr val="000000"/>
                 </a:solidFill>
@@ -7380,7 +7588,7 @@
               <a:t>filterContext</a:t>
             </a:r>
             <a:r>
-              <a:rPr lang="fr-FR" sz="1400" dirty="0">
+              <a:rPr lang="fr-FR" sz="1200" dirty="0">
                 <a:solidFill>
                   <a:srgbClr val="000000"/>
                 </a:solidFill>
@@ -7391,7 +7599,7 @@
           </a:p>
           <a:p>
             <a:r>
-              <a:rPr lang="en-US" sz="1400" dirty="0">
+              <a:rPr lang="en-US" sz="1200" dirty="0">
                 <a:solidFill>
                   <a:srgbClr val="000000"/>
                 </a:solidFill>
@@ -7402,7 +7610,7 @@
           </a:p>
           <a:p>
             <a:r>
-              <a:rPr lang="en-US" sz="1400" dirty="0">
+              <a:rPr lang="en-US" sz="1200" dirty="0">
                 <a:solidFill>
                   <a:srgbClr val="000000"/>
                 </a:solidFill>
@@ -7411,7 +7619,7 @@
               <a:t>        </a:t>
             </a:r>
             <a:r>
-              <a:rPr lang="en-US" sz="1400" dirty="0">
+              <a:rPr lang="en-US" sz="1200" dirty="0">
                 <a:solidFill>
                   <a:srgbClr val="0000FF"/>
                 </a:solidFill>
@@ -7420,7 +7628,7 @@
               <a:t>if</a:t>
             </a:r>
             <a:r>
-              <a:rPr lang="en-US" sz="1400" dirty="0">
+              <a:rPr lang="en-US" sz="1200" dirty="0">
                 <a:solidFill>
                   <a:srgbClr val="000000"/>
                 </a:solidFill>
@@ -7429,7 +7637,7 @@
               <a:t> (</a:t>
             </a:r>
             <a:r>
-              <a:rPr lang="en-US" sz="1400" dirty="0" err="1">
+              <a:rPr lang="en-US" sz="1200" dirty="0" err="1">
                 <a:solidFill>
                   <a:srgbClr val="000000"/>
                 </a:solidFill>
@@ -7438,7 +7646,7 @@
               <a:t>filterContext</a:t>
             </a:r>
             <a:r>
-              <a:rPr lang="en-US" sz="1400" dirty="0">
+              <a:rPr lang="en-US" sz="1200" dirty="0">
                 <a:solidFill>
                   <a:srgbClr val="000000"/>
                 </a:solidFill>
@@ -7447,7 +7655,7 @@
               <a:t> != </a:t>
             </a:r>
             <a:r>
-              <a:rPr lang="en-US" sz="1400" dirty="0">
+              <a:rPr lang="en-US" sz="1200" dirty="0">
                 <a:solidFill>
                   <a:srgbClr val="0000FF"/>
                 </a:solidFill>
@@ -7456,7 +7664,7 @@
               <a:t>null</a:t>
             </a:r>
             <a:r>
-              <a:rPr lang="en-US" sz="1400" dirty="0">
+              <a:rPr lang="en-US" sz="1200" dirty="0">
                 <a:solidFill>
                   <a:srgbClr val="000000"/>
                 </a:solidFill>
@@ -7465,7 +7673,7 @@
               <a:t> &amp;&amp; </a:t>
             </a:r>
             <a:r>
-              <a:rPr lang="en-US" sz="1400" dirty="0" err="1">
+              <a:rPr lang="en-US" sz="1200" dirty="0" err="1">
                 <a:solidFill>
                   <a:srgbClr val="000000"/>
                 </a:solidFill>
@@ -7474,7 +7682,7 @@
               <a:t>filterContext.HttpContext</a:t>
             </a:r>
             <a:r>
-              <a:rPr lang="en-US" sz="1400" dirty="0">
+              <a:rPr lang="en-US" sz="1200" dirty="0">
                 <a:solidFill>
                   <a:srgbClr val="000000"/>
                 </a:solidFill>
@@ -7483,7 +7691,7 @@
               <a:t> != </a:t>
             </a:r>
             <a:r>
-              <a:rPr lang="en-US" sz="1400" dirty="0">
+              <a:rPr lang="en-US" sz="1200" dirty="0">
                 <a:solidFill>
                   <a:srgbClr val="0000FF"/>
                 </a:solidFill>
@@ -7492,7 +7700,7 @@
               <a:t>null</a:t>
             </a:r>
             <a:r>
-              <a:rPr lang="en-US" sz="1400" dirty="0">
+              <a:rPr lang="en-US" sz="1200" dirty="0">
                 <a:solidFill>
                   <a:srgbClr val="000000"/>
                 </a:solidFill>
@@ -7501,7 +7709,7 @@
               <a:t> &amp;&amp; </a:t>
             </a:r>
             <a:r>
-              <a:rPr lang="en-US" sz="1400" dirty="0" err="1">
+              <a:rPr lang="en-US" sz="1200" dirty="0" err="1">
                 <a:solidFill>
                   <a:srgbClr val="000000"/>
                 </a:solidFill>
@@ -7510,7 +7718,7 @@
               <a:t>filterContext.Exception</a:t>
             </a:r>
             <a:r>
-              <a:rPr lang="en-US" sz="1400" dirty="0">
+              <a:rPr lang="en-US" sz="1200" dirty="0">
                 <a:solidFill>
                   <a:srgbClr val="000000"/>
                 </a:solidFill>
@@ -7519,7 +7727,7 @@
               <a:t> != </a:t>
             </a:r>
             <a:r>
-              <a:rPr lang="en-US" sz="1400" dirty="0">
+              <a:rPr lang="en-US" sz="1200" dirty="0">
                 <a:solidFill>
                   <a:srgbClr val="0000FF"/>
                 </a:solidFill>
@@ -7528,7 +7736,7 @@
               <a:t>null</a:t>
             </a:r>
             <a:r>
-              <a:rPr lang="en-US" sz="1400" dirty="0">
+              <a:rPr lang="en-US" sz="1200" dirty="0">
                 <a:solidFill>
                   <a:srgbClr val="000000"/>
                 </a:solidFill>
@@ -7539,7 +7747,7 @@
           </a:p>
           <a:p>
             <a:r>
-              <a:rPr lang="en-US" sz="1400" dirty="0">
+              <a:rPr lang="en-US" sz="1200" dirty="0">
                 <a:solidFill>
                   <a:srgbClr val="000000"/>
                 </a:solidFill>
@@ -7547,7 +7755,7 @@
               </a:rPr>
               <a:t>        {</a:t>
             </a:r>
-            <a:endParaRPr lang="en-GB" sz="1400" dirty="0">
+            <a:endParaRPr lang="en-GB" sz="1200" dirty="0">
               <a:solidFill>
                 <a:srgbClr val="000000"/>
               </a:solidFill>
@@ -7556,7 +7764,7 @@
           </a:p>
           <a:p>
             <a:r>
-              <a:rPr lang="en-US" sz="1400" dirty="0">
+              <a:rPr lang="en-US" sz="1200" dirty="0">
                 <a:solidFill>
                   <a:srgbClr val="000000"/>
                 </a:solidFill>
@@ -7565,7 +7773,7 @@
               <a:t>            </a:t>
             </a:r>
             <a:r>
-              <a:rPr lang="en-US" sz="1400" dirty="0">
+              <a:rPr lang="en-US" sz="1200" dirty="0">
                 <a:solidFill>
                   <a:srgbClr val="0000FF"/>
                 </a:solidFill>
@@ -7574,7 +7782,7 @@
               <a:t>if</a:t>
             </a:r>
             <a:r>
-              <a:rPr lang="en-US" sz="1400" dirty="0">
+              <a:rPr lang="en-US" sz="1200" dirty="0">
                 <a:solidFill>
                   <a:srgbClr val="000000"/>
                 </a:solidFill>
@@ -7583,7 +7791,7 @@
               <a:t> (</a:t>
             </a:r>
             <a:r>
-              <a:rPr lang="en-US" sz="1400" dirty="0" err="1">
+              <a:rPr lang="en-US" sz="1200" dirty="0" err="1">
                 <a:solidFill>
                   <a:srgbClr val="000000"/>
                 </a:solidFill>
@@ -7592,7 +7800,7 @@
               <a:t>filterContext.HttpContext.IsCustomErrorEnabled</a:t>
             </a:r>
             <a:r>
-              <a:rPr lang="en-US" sz="1400" dirty="0">
+              <a:rPr lang="en-US" sz="1200" dirty="0">
                 <a:solidFill>
                   <a:srgbClr val="000000"/>
                 </a:solidFill>
@@ -7603,7 +7811,7 @@
           </a:p>
           <a:p>
             <a:r>
-              <a:rPr lang="en-US" sz="1400" dirty="0">
+              <a:rPr lang="en-US" sz="1200" dirty="0">
                 <a:solidFill>
                   <a:srgbClr val="000000"/>
                 </a:solidFill>
@@ -7611,7 +7819,7 @@
               </a:rPr>
               <a:t>            {</a:t>
             </a:r>
-            <a:endParaRPr lang="en-GB" sz="1400" dirty="0">
+            <a:endParaRPr lang="en-GB" sz="1200" dirty="0">
               <a:solidFill>
                 <a:srgbClr val="000000"/>
               </a:solidFill>
@@ -7620,7 +7828,7 @@
           </a:p>
           <a:p>
             <a:r>
-              <a:rPr lang="en-US" sz="1400" dirty="0">
+              <a:rPr lang="en-US" sz="1200" dirty="0">
                 <a:solidFill>
                   <a:srgbClr val="000000"/>
                 </a:solidFill>
@@ -7629,7 +7837,7 @@
               <a:t>                </a:t>
             </a:r>
             <a:r>
-              <a:rPr lang="en-US" sz="1400" dirty="0" err="1">
+              <a:rPr lang="en-US" sz="1200" dirty="0" err="1">
                 <a:solidFill>
                   <a:srgbClr val="0000FF"/>
                 </a:solidFill>
@@ -7638,7 +7846,7 @@
               <a:t>var</a:t>
             </a:r>
             <a:r>
-              <a:rPr lang="en-US" sz="1400" dirty="0">
+              <a:rPr lang="en-US" sz="1200" dirty="0">
                 <a:solidFill>
                   <a:srgbClr val="000000"/>
                 </a:solidFill>
@@ -7647,7 +7855,7 @@
               <a:t> </a:t>
             </a:r>
             <a:r>
-              <a:rPr lang="en-US" sz="1400" dirty="0" err="1">
+              <a:rPr lang="en-US" sz="1200" dirty="0" err="1">
                 <a:solidFill>
                   <a:srgbClr val="000000"/>
                 </a:solidFill>
@@ -7656,7 +7864,7 @@
               <a:t>ai</a:t>
             </a:r>
             <a:r>
-              <a:rPr lang="en-US" sz="1400" dirty="0">
+              <a:rPr lang="en-US" sz="1200" dirty="0">
                 <a:solidFill>
                   <a:srgbClr val="000000"/>
                 </a:solidFill>
@@ -7665,7 +7873,7 @@
               <a:t> = </a:t>
             </a:r>
             <a:r>
-              <a:rPr lang="en-US" sz="1400" dirty="0">
+              <a:rPr lang="en-US" sz="1200" dirty="0">
                 <a:solidFill>
                   <a:srgbClr val="0000FF"/>
                 </a:solidFill>
@@ -7674,7 +7882,7 @@
               <a:t>new</a:t>
             </a:r>
             <a:r>
-              <a:rPr lang="en-US" sz="1400" dirty="0">
+              <a:rPr lang="en-US" sz="1200" dirty="0">
                 <a:solidFill>
                   <a:srgbClr val="000000"/>
                 </a:solidFill>
@@ -7683,7 +7891,7 @@
               <a:t> </a:t>
             </a:r>
             <a:r>
-              <a:rPr lang="en-US" sz="1400" dirty="0" err="1">
+              <a:rPr lang="en-US" sz="1200" dirty="0" err="1">
                 <a:solidFill>
                   <a:srgbClr val="2B91AF"/>
                 </a:solidFill>
@@ -7692,7 +7900,7 @@
               <a:t>TelemetryClient</a:t>
             </a:r>
             <a:r>
-              <a:rPr lang="en-US" sz="1400" dirty="0">
+              <a:rPr lang="en-US" sz="1200" dirty="0">
                 <a:solidFill>
                   <a:srgbClr val="000000"/>
                 </a:solidFill>
@@ -7703,7 +7911,7 @@
           </a:p>
           <a:p>
             <a:r>
-              <a:rPr lang="en-GB" sz="1400" dirty="0">
+              <a:rPr lang="en-GB" sz="1200" dirty="0">
                 <a:solidFill>
                   <a:srgbClr val="000000"/>
                 </a:solidFill>
@@ -7712,7 +7920,7 @@
               <a:t>                </a:t>
             </a:r>
             <a:r>
-              <a:rPr lang="en-GB" sz="1400" dirty="0">
+              <a:rPr lang="en-GB" sz="1200" dirty="0">
                 <a:solidFill>
                   <a:srgbClr val="008000"/>
                 </a:solidFill>
@@ -7721,7 +7929,7 @@
               <a:t>//</a:t>
             </a:r>
             <a:r>
-              <a:rPr lang="en-GB" sz="1400" dirty="0" err="1">
+              <a:rPr lang="en-GB" sz="1200" dirty="0" err="1">
                 <a:solidFill>
                   <a:srgbClr val="008000"/>
                 </a:solidFill>
@@ -7730,7 +7938,7 @@
               <a:t>ai.InstrumentationKey</a:t>
             </a:r>
             <a:r>
-              <a:rPr lang="en-GB" sz="1400" dirty="0">
+              <a:rPr lang="en-GB" sz="1200" dirty="0">
                 <a:solidFill>
                   <a:srgbClr val="008000"/>
                 </a:solidFill>
@@ -7739,7 +7947,7 @@
               <a:t> = ""; //configured this globally in </a:t>
             </a:r>
             <a:r>
-              <a:rPr lang="en-GB" sz="1400" dirty="0" err="1">
+              <a:rPr lang="en-GB" sz="1200" dirty="0" err="1">
                 <a:solidFill>
                   <a:srgbClr val="008000"/>
                 </a:solidFill>
@@ -7747,7 +7955,7 @@
               </a:rPr>
               <a:t>Application_Start</a:t>
             </a:r>
-            <a:endParaRPr lang="en-GB" sz="1400" dirty="0">
+            <a:endParaRPr lang="en-GB" sz="1200" dirty="0">
               <a:solidFill>
                 <a:srgbClr val="000000"/>
               </a:solidFill>
@@ -7756,7 +7964,7 @@
           </a:p>
           <a:p>
             <a:r>
-              <a:rPr lang="en-US" sz="1400" dirty="0">
+              <a:rPr lang="en-US" sz="1200" dirty="0">
                 <a:solidFill>
                   <a:srgbClr val="000000"/>
                 </a:solidFill>
@@ -7765,7 +7973,7 @@
               <a:t>                </a:t>
             </a:r>
             <a:r>
-              <a:rPr lang="en-US" sz="1400" dirty="0" err="1">
+              <a:rPr lang="en-US" sz="1200" dirty="0" err="1">
                 <a:solidFill>
                   <a:srgbClr val="000000"/>
                 </a:solidFill>
@@ -7774,7 +7982,7 @@
               <a:t>ai.TrackException</a:t>
             </a:r>
             <a:r>
-              <a:rPr lang="en-US" sz="1400" dirty="0">
+              <a:rPr lang="en-US" sz="1200" dirty="0">
                 <a:solidFill>
                   <a:srgbClr val="000000"/>
                 </a:solidFill>
@@ -7783,7 +7991,7 @@
               <a:t>(</a:t>
             </a:r>
             <a:r>
-              <a:rPr lang="en-US" sz="1400" dirty="0" err="1">
+              <a:rPr lang="en-US" sz="1200" dirty="0" err="1">
                 <a:solidFill>
                   <a:srgbClr val="000000"/>
                 </a:solidFill>
@@ -7792,7 +8000,7 @@
               <a:t>filterContext.Exception</a:t>
             </a:r>
             <a:r>
-              <a:rPr lang="en-US" sz="1400" dirty="0">
+              <a:rPr lang="en-US" sz="1200" dirty="0">
                 <a:solidFill>
                   <a:srgbClr val="000000"/>
                 </a:solidFill>
@@ -7803,7 +8011,7 @@
           </a:p>
           <a:p>
             <a:r>
-              <a:rPr lang="en-US" sz="1400" dirty="0">
+              <a:rPr lang="en-US" sz="1200" dirty="0">
                 <a:solidFill>
                   <a:srgbClr val="000000"/>
                 </a:solidFill>
@@ -7814,7 +8022,7 @@
           </a:p>
           <a:p>
             <a:r>
-              <a:rPr lang="en-US" sz="1400" dirty="0">
+              <a:rPr lang="en-US" sz="1200" dirty="0">
                 <a:solidFill>
                   <a:srgbClr val="000000"/>
                 </a:solidFill>
@@ -7825,7 +8033,7 @@
           </a:p>
           <a:p>
             <a:r>
-              <a:rPr lang="en-US" sz="1400" dirty="0">
+              <a:rPr lang="en-US" sz="1200" dirty="0">
                 <a:solidFill>
                   <a:srgbClr val="000000"/>
                 </a:solidFill>
@@ -7834,7 +8042,7 @@
               <a:t>        </a:t>
             </a:r>
             <a:r>
-              <a:rPr lang="en-US" sz="1400" dirty="0" err="1">
+              <a:rPr lang="en-US" sz="1200" dirty="0" err="1">
                 <a:solidFill>
                   <a:srgbClr val="0000FF"/>
                 </a:solidFill>
@@ -7843,7 +8051,7 @@
               <a:t>base</a:t>
             </a:r>
             <a:r>
-              <a:rPr lang="en-US" sz="1400" dirty="0" err="1">
+              <a:rPr lang="en-US" sz="1200" dirty="0" err="1">
                 <a:solidFill>
                   <a:srgbClr val="000000"/>
                 </a:solidFill>
@@ -7852,7 +8060,7 @@
               <a:t>.OnException</a:t>
             </a:r>
             <a:r>
-              <a:rPr lang="en-US" sz="1400" dirty="0">
+              <a:rPr lang="en-US" sz="1200" dirty="0">
                 <a:solidFill>
                   <a:srgbClr val="000000"/>
                 </a:solidFill>
@@ -7861,7 +8069,7 @@
               <a:t>(</a:t>
             </a:r>
             <a:r>
-              <a:rPr lang="en-US" sz="1400" dirty="0" err="1">
+              <a:rPr lang="en-US" sz="1200" dirty="0" err="1">
                 <a:solidFill>
                   <a:srgbClr val="000000"/>
                 </a:solidFill>
@@ -7870,7 +8078,7 @@
               <a:t>filterContext</a:t>
             </a:r>
             <a:r>
-              <a:rPr lang="en-US" sz="1400" dirty="0">
+              <a:rPr lang="en-US" sz="1200" dirty="0">
                 <a:solidFill>
                   <a:srgbClr val="000000"/>
                 </a:solidFill>
@@ -7881,7 +8089,7 @@
           </a:p>
           <a:p>
             <a:r>
-              <a:rPr lang="en-US" sz="1400" dirty="0">
+              <a:rPr lang="en-US" sz="1200" dirty="0">
                 <a:solidFill>
                   <a:srgbClr val="000000"/>
                 </a:solidFill>
@@ -7892,7 +8100,7 @@
           </a:p>
           <a:p>
             <a:r>
-              <a:rPr lang="en-US" sz="1400" dirty="0">
+              <a:rPr lang="en-US" sz="1200" dirty="0">
                 <a:solidFill>
                   <a:srgbClr val="000000"/>
                 </a:solidFill>
@@ -7900,7 +8108,7 @@
               </a:rPr>
               <a:t>}</a:t>
             </a:r>
-            <a:endParaRPr lang="en-US" sz="1400" dirty="0"/>
+            <a:endParaRPr lang="en-US" sz="1200" dirty="0"/>
           </a:p>
         </p:txBody>
       </p:sp>
@@ -7929,16 +8137,32 @@
               <a:buAutoNum type="arabicPeriod"/>
             </a:pPr>
             <a:r>
-              <a:rPr lang="en-US" sz="2000" dirty="0"/>
+              <a:rPr lang="en-US" sz="2000" dirty="0">
+                <a:solidFill>
+                  <a:schemeClr val="bg1">
+                    <a:lumMod val="50000"/>
+                  </a:schemeClr>
+                </a:solidFill>
+              </a:rPr>
               <a:t>Install NuGet package: </a:t>
             </a:r>
             <a:r>
               <a:rPr lang="en-US" sz="2000" dirty="0" err="1">
+                <a:solidFill>
+                  <a:schemeClr val="bg1">
+                    <a:lumMod val="50000"/>
+                  </a:schemeClr>
+                </a:solidFill>
                 <a:latin typeface="Consolas" panose="020B0609020204030204" pitchFamily="49" charset="0"/>
               </a:rPr>
               <a:t>Microsoft.ApplicationInsights.Web</a:t>
             </a:r>
             <a:endParaRPr lang="en-US" sz="2000" dirty="0">
+              <a:solidFill>
+                <a:schemeClr val="bg1">
+                  <a:lumMod val="50000"/>
+                </a:schemeClr>
+              </a:solidFill>
               <a:latin typeface="Consolas" panose="020B0609020204030204" pitchFamily="49" charset="0"/>
             </a:endParaRPr>
           </a:p>
@@ -7947,7 +8171,13 @@
               <a:buAutoNum type="arabicPeriod"/>
             </a:pPr>
             <a:r>
-              <a:rPr lang="en-US" sz="2000" dirty="0"/>
+              <a:rPr lang="en-US" sz="2000" dirty="0">
+                <a:solidFill>
+                  <a:schemeClr val="bg1">
+                    <a:lumMod val="50000"/>
+                  </a:schemeClr>
+                </a:solidFill>
+              </a:rPr>
               <a:t>Use below code to track application exceptions</a:t>
             </a:r>
           </a:p>
@@ -9442,7 +9672,7 @@
               <a:t>        </a:t>
             </a:r>
             <a:r>
-              <a:rPr lang="en-US" sz="1200" b="1" dirty="0" err="1">
+              <a:rPr lang="en-US" sz="1200" dirty="0" err="1">
                 <a:solidFill>
                   <a:srgbClr val="000000"/>
                 </a:solidFill>
@@ -9458,7 +9688,7 @@
               <a:t>instrumentationKey</a:t>
             </a:r>
             <a:r>
-              <a:rPr lang="en-US" sz="1200" b="1" dirty="0">
+              <a:rPr lang="en-US" sz="1200" dirty="0">
                 <a:solidFill>
                   <a:srgbClr val="000000"/>
                 </a:solidFill>
@@ -9474,7 +9704,7 @@
               <a:t>: </a:t>
             </a:r>
             <a:r>
-              <a:rPr lang="en-US" sz="1200" b="1" dirty="0">
+              <a:rPr lang="en-US" sz="1200" dirty="0">
                 <a:solidFill>
                   <a:srgbClr val="A31515"/>
                 </a:solidFill>
@@ -9490,7 +9720,7 @@
               <a:t>"</a:t>
             </a:r>
             <a:r>
-              <a:rPr lang="en-US" sz="1200" b="1" dirty="0">
+              <a:rPr lang="en-US" sz="1200" dirty="0">
                 <a:solidFill>
                   <a:srgbClr val="000000"/>
                 </a:solidFill>
@@ -9506,7 +9736,7 @@
               <a:t>@Microsoft.ApplicationInsights.Extensibility.</a:t>
             </a:r>
             <a:r>
-              <a:rPr lang="en-US" sz="1200" b="1" dirty="0">
+              <a:rPr lang="en-US" sz="1200" dirty="0">
                 <a:solidFill>
                   <a:srgbClr val="2B91AF"/>
                 </a:solidFill>
@@ -9522,7 +9752,7 @@
               <a:t>TelemetryConfiguration</a:t>
             </a:r>
             <a:r>
-              <a:rPr lang="en-US" sz="1200" b="1" dirty="0">
+              <a:rPr lang="en-US" sz="1200" dirty="0">
                 <a:solidFill>
                   <a:srgbClr val="000000"/>
                 </a:solidFill>
@@ -9538,7 +9768,7 @@
               <a:t>.Active.InstrumentationKey</a:t>
             </a:r>
             <a:r>
-              <a:rPr lang="en-US" sz="1200" b="1" dirty="0">
+              <a:rPr lang="en-US" sz="1200" dirty="0">
                 <a:solidFill>
                   <a:srgbClr val="A31515"/>
                 </a:solidFill>
@@ -9553,7 +9783,7 @@
               </a:rPr>
               <a:t>"</a:t>
             </a:r>
-            <a:endParaRPr lang="en-US" sz="1200" b="1" dirty="0">
+            <a:endParaRPr lang="en-US" sz="1200" dirty="0">
               <a:solidFill>
                 <a:srgbClr val="000000"/>
               </a:solidFill>
@@ -9986,7 +10216,13 @@
               <a:buAutoNum type="arabicPeriod"/>
             </a:pPr>
             <a:r>
-              <a:rPr lang="en-US" sz="2000" dirty="0"/>
+              <a:rPr lang="en-US" sz="2000" dirty="0">
+                <a:solidFill>
+                  <a:schemeClr val="bg1">
+                    <a:lumMod val="50000"/>
+                  </a:schemeClr>
+                </a:solidFill>
+              </a:rPr>
               <a:t>Code to track page views and dependency</a:t>
             </a:r>
           </a:p>
@@ -10014,31 +10250,73 @@
           <a:lstStyle/>
           <a:p>
             <a:r>
-              <a:rPr lang="en-US" sz="2000" dirty="0"/>
+              <a:rPr lang="en-US" sz="2000" dirty="0">
+                <a:solidFill>
+                  <a:schemeClr val="bg1">
+                    <a:lumMod val="50000"/>
+                  </a:schemeClr>
+                </a:solidFill>
+              </a:rPr>
               <a:t>2.  Use below code in </a:t>
             </a:r>
             <a:r>
-              <a:rPr lang="en-US" sz="2000" dirty="0" err="1"/>
+              <a:rPr lang="en-US" sz="2000" dirty="0" err="1">
+                <a:solidFill>
+                  <a:schemeClr val="bg1">
+                    <a:lumMod val="50000"/>
+                  </a:schemeClr>
+                </a:solidFill>
+              </a:rPr>
               <a:t>web.config</a:t>
             </a:r>
             <a:r>
-              <a:rPr lang="en-US" sz="2000" dirty="0"/>
+              <a:rPr lang="en-US" sz="2000" dirty="0">
+                <a:solidFill>
+                  <a:schemeClr val="bg1">
+                    <a:lumMod val="50000"/>
+                  </a:schemeClr>
+                </a:solidFill>
+              </a:rPr>
               <a:t> and </a:t>
             </a:r>
             <a:r>
-              <a:rPr lang="en-US" sz="2000" dirty="0" err="1"/>
+              <a:rPr lang="en-US" sz="2000" dirty="0" err="1">
+                <a:solidFill>
+                  <a:schemeClr val="bg1">
+                    <a:lumMod val="50000"/>
+                  </a:schemeClr>
+                </a:solidFill>
+              </a:rPr>
               <a:t>Global.asax</a:t>
             </a:r>
             <a:r>
-              <a:rPr lang="en-US" sz="2000" dirty="0"/>
+              <a:rPr lang="en-US" sz="2000" dirty="0">
+                <a:solidFill>
+                  <a:schemeClr val="bg1">
+                    <a:lumMod val="50000"/>
+                  </a:schemeClr>
+                </a:solidFill>
+              </a:rPr>
               <a:t> | </a:t>
             </a:r>
             <a:r>
-              <a:rPr lang="en-US" sz="2000" dirty="0" err="1"/>
+              <a:rPr lang="en-US" sz="2000" dirty="0" err="1">
+                <a:solidFill>
+                  <a:schemeClr val="bg1">
+                    <a:lumMod val="50000"/>
+                  </a:schemeClr>
+                </a:solidFill>
+              </a:rPr>
               <a:t>Application_Start</a:t>
             </a:r>
             <a:r>
-              <a:rPr lang="en-US" sz="2000" dirty="0"/>
+              <a:rPr lang="en-US" sz="2000" dirty="0">
+                <a:solidFill>
+                  <a:schemeClr val="bg1">
+                    <a:lumMod val="50000"/>
+                  </a:schemeClr>
+                </a:solidFill>
+              </a:rPr>
               <a:t>()</a:t>
             </a:r>
           </a:p>
@@ -10320,7 +10598,9 @@
             <a:r>
               <a:rPr lang="en-US" sz="2000" dirty="0">
                 <a:solidFill>
-                  <a:srgbClr val="505050"/>
+                  <a:schemeClr val="bg1">
+                    <a:lumMod val="50000"/>
+                  </a:schemeClr>
                 </a:solidFill>
                 <a:latin typeface="Segoe UI" panose="020B0502040204020203" pitchFamily="34" charset="0"/>
               </a:rPr>
@@ -10329,7 +10609,9 @@
             <a:r>
               <a:rPr lang="en-US" sz="1400" dirty="0">
                 <a:solidFill>
-                  <a:srgbClr val="505050"/>
+                  <a:schemeClr val="bg1">
+                    <a:lumMod val="50000"/>
+                  </a:schemeClr>
                 </a:solidFill>
                 <a:latin typeface="Segoe UI" panose="020B0502040204020203" pitchFamily="34" charset="0"/>
               </a:rPr>
@@ -10337,7 +10619,9 @@
             </a:r>
             <a:endParaRPr lang="en-US" sz="2000" dirty="0">
               <a:solidFill>
-                <a:srgbClr val="505050"/>
+                <a:schemeClr val="bg1">
+                  <a:lumMod val="50000"/>
+                </a:schemeClr>
               </a:solidFill>
               <a:latin typeface="Segoe UI" panose="020B0502040204020203" pitchFamily="34" charset="0"/>
             </a:endParaRPr>
@@ -10350,7 +10634,9 @@
             </a:pPr>
             <a:endParaRPr lang="en-US" sz="2000" dirty="0">
               <a:solidFill>
-                <a:srgbClr val="505050"/>
+                <a:schemeClr val="bg1">
+                  <a:lumMod val="50000"/>
+                </a:schemeClr>
               </a:solidFill>
               <a:latin typeface="Segoe UI" panose="020B0502040204020203" pitchFamily="34" charset="0"/>
             </a:endParaRPr>
@@ -10364,7 +10650,9 @@
             <a:r>
               <a:rPr lang="en-US" sz="2000" dirty="0">
                 <a:solidFill>
-                  <a:srgbClr val="505050"/>
+                  <a:schemeClr val="bg1">
+                    <a:lumMod val="50000"/>
+                  </a:schemeClr>
                 </a:solidFill>
                 <a:latin typeface="Segoe UI" panose="020B0502040204020203" pitchFamily="34" charset="0"/>
               </a:rPr>
@@ -10373,7 +10661,9 @@
             <a:r>
               <a:rPr lang="en-US" sz="1400" dirty="0">
                 <a:solidFill>
-                  <a:srgbClr val="505050"/>
+                  <a:schemeClr val="bg1">
+                    <a:lumMod val="50000"/>
+                  </a:schemeClr>
                 </a:solidFill>
                 <a:latin typeface="Segoe UI" panose="020B0502040204020203" pitchFamily="34" charset="0"/>
               </a:rPr>
@@ -10381,7 +10671,9 @@
             </a:r>
             <a:endParaRPr lang="en-US" sz="2000" dirty="0">
               <a:solidFill>
-                <a:srgbClr val="505050"/>
+                <a:schemeClr val="bg1">
+                  <a:lumMod val="50000"/>
+                </a:schemeClr>
               </a:solidFill>
               <a:latin typeface="Segoe UI" panose="020B0502040204020203" pitchFamily="34" charset="0"/>
             </a:endParaRPr>
@@ -10394,7 +10686,9 @@
             </a:pPr>
             <a:endParaRPr lang="en-US" sz="2000" dirty="0">
               <a:solidFill>
-                <a:srgbClr val="505050"/>
+                <a:schemeClr val="bg1">
+                  <a:lumMod val="50000"/>
+                </a:schemeClr>
               </a:solidFill>
               <a:latin typeface="Segoe UI" panose="020B0502040204020203" pitchFamily="34" charset="0"/>
             </a:endParaRPr>
@@ -10408,7 +10702,9 @@
             <a:r>
               <a:rPr lang="en-US" sz="2000" dirty="0">
                 <a:solidFill>
-                  <a:srgbClr val="505050"/>
+                  <a:schemeClr val="bg1">
+                    <a:lumMod val="50000"/>
+                  </a:schemeClr>
                 </a:solidFill>
                 <a:latin typeface="Segoe UI" panose="020B0502040204020203" pitchFamily="34" charset="0"/>
               </a:rPr>
@@ -10417,7 +10713,9 @@
             <a:r>
               <a:rPr lang="en-US" sz="1400" dirty="0">
                 <a:solidFill>
-                  <a:srgbClr val="505050"/>
+                  <a:schemeClr val="bg1">
+                    <a:lumMod val="50000"/>
+                  </a:schemeClr>
                 </a:solidFill>
                 <a:latin typeface="Segoe UI" panose="020B0502040204020203" pitchFamily="34" charset="0"/>
               </a:rPr>
@@ -10425,7 +10723,9 @@
             </a:r>
             <a:endParaRPr lang="en-US" sz="2000" dirty="0">
               <a:solidFill>
-                <a:srgbClr val="505050"/>
+                <a:schemeClr val="bg1">
+                  <a:lumMod val="50000"/>
+                </a:schemeClr>
               </a:solidFill>
               <a:latin typeface="Segoe UI" panose="020B0502040204020203" pitchFamily="34" charset="0"/>
             </a:endParaRPr>

--- a/EmptyProject/Slides.pptx
+++ b/EmptyProject/Slides.pptx
@@ -5,7 +5,7 @@
     <p:sldMasterId id="2147483648" r:id="rId1"/>
   </p:sldMasterIdLst>
   <p:notesMasterIdLst>
-    <p:notesMasterId r:id="rId18"/>
+    <p:notesMasterId r:id="rId21"/>
   </p:notesMasterIdLst>
   <p:sldIdLst>
     <p:sldId id="257" r:id="rId2"/>
@@ -19,11 +19,14 @@
     <p:sldId id="283" r:id="rId10"/>
     <p:sldId id="278" r:id="rId11"/>
     <p:sldId id="284" r:id="rId12"/>
-    <p:sldId id="277" r:id="rId13"/>
-    <p:sldId id="259" r:id="rId14"/>
+    <p:sldId id="259" r:id="rId13"/>
+    <p:sldId id="285" r:id="rId14"/>
     <p:sldId id="275" r:id="rId15"/>
-    <p:sldId id="274" r:id="rId16"/>
-    <p:sldId id="271" r:id="rId17"/>
+    <p:sldId id="286" r:id="rId16"/>
+    <p:sldId id="277" r:id="rId17"/>
+    <p:sldId id="287" r:id="rId18"/>
+    <p:sldId id="274" r:id="rId19"/>
+    <p:sldId id="271" r:id="rId20"/>
   </p:sldIdLst>
   <p:sldSz cx="12192000" cy="6858000"/>
   <p:notesSz cx="6858000" cy="9144000"/>
@@ -563,6 +566,191 @@
 </p:notes>
 </file>
 
+<file path=ppt/notesSlides/notesSlide10.xml><?xml version="1.0" encoding="utf-8"?>
+<p:notes xmlns:a="http://schemas.openxmlformats.org/drawingml/2006/main" xmlns:r="http://schemas.openxmlformats.org/officeDocument/2006/relationships" xmlns:p="http://schemas.openxmlformats.org/presentationml/2006/main">
+  <p:cSld>
+    <p:spTree>
+      <p:nvGrpSpPr>
+        <p:cNvPr id="1" name=""/>
+        <p:cNvGrpSpPr/>
+        <p:nvPr/>
+      </p:nvGrpSpPr>
+      <p:grpSpPr>
+        <a:xfrm>
+          <a:off x="0" y="0"/>
+          <a:ext cx="0" cy="0"/>
+          <a:chOff x="0" y="0"/>
+          <a:chExt cx="0" cy="0"/>
+        </a:xfrm>
+      </p:grpSpPr>
+      <p:sp>
+        <p:nvSpPr>
+          <p:cNvPr id="2" name="Slide Image Placeholder 1"/>
+          <p:cNvSpPr>
+            <a:spLocks noGrp="1" noRot="1" noChangeAspect="1"/>
+          </p:cNvSpPr>
+          <p:nvPr>
+            <p:ph type="sldImg"/>
+          </p:nvPr>
+        </p:nvSpPr>
+        <p:spPr/>
+      </p:sp>
+      <p:sp>
+        <p:nvSpPr>
+          <p:cNvPr id="3" name="Notes Placeholder 2"/>
+          <p:cNvSpPr>
+            <a:spLocks noGrp="1"/>
+          </p:cNvSpPr>
+          <p:nvPr>
+            <p:ph type="body" idx="1"/>
+          </p:nvPr>
+        </p:nvSpPr>
+        <p:spPr/>
+        <p:txBody>
+          <a:bodyPr/>
+          <a:lstStyle/>
+          <a:p>
+            <a:endParaRPr lang="en-US" dirty="0"/>
+          </a:p>
+        </p:txBody>
+      </p:sp>
+      <p:sp>
+        <p:nvSpPr>
+          <p:cNvPr id="4" name="Slide Number Placeholder 3"/>
+          <p:cNvSpPr>
+            <a:spLocks noGrp="1"/>
+          </p:cNvSpPr>
+          <p:nvPr>
+            <p:ph type="sldNum" sz="quarter" idx="10"/>
+          </p:nvPr>
+        </p:nvSpPr>
+        <p:spPr/>
+        <p:txBody>
+          <a:bodyPr/>
+          <a:lstStyle/>
+          <a:p>
+            <a:fld id="{7ECEF7E1-8BAB-469F-9B96-5370EF40D848}" type="slidenum">
+              <a:rPr lang="en-US" smtClean="0"/>
+              <a:t>15</a:t>
+            </a:fld>
+            <a:endParaRPr lang="en-US"/>
+          </a:p>
+        </p:txBody>
+      </p:sp>
+    </p:spTree>
+    <p:extLst>
+      <p:ext uri="{BB962C8B-B14F-4D97-AF65-F5344CB8AC3E}">
+        <p14:creationId xmlns:p14="http://schemas.microsoft.com/office/powerpoint/2010/main" val="2300450928"/>
+      </p:ext>
+    </p:extLst>
+  </p:cSld>
+  <p:clrMapOvr>
+    <a:masterClrMapping/>
+  </p:clrMapOvr>
+</p:notes>
+</file>
+
+<file path=ppt/notesSlides/notesSlide11.xml><?xml version="1.0" encoding="utf-8"?>
+<p:notes xmlns:a="http://schemas.openxmlformats.org/drawingml/2006/main" xmlns:r="http://schemas.openxmlformats.org/officeDocument/2006/relationships" xmlns:p="http://schemas.openxmlformats.org/presentationml/2006/main">
+  <p:cSld>
+    <p:spTree>
+      <p:nvGrpSpPr>
+        <p:cNvPr id="1" name=""/>
+        <p:cNvGrpSpPr/>
+        <p:nvPr/>
+      </p:nvGrpSpPr>
+      <p:grpSpPr>
+        <a:xfrm>
+          <a:off x="0" y="0"/>
+          <a:ext cx="0" cy="0"/>
+          <a:chOff x="0" y="0"/>
+          <a:chExt cx="0" cy="0"/>
+        </a:xfrm>
+      </p:grpSpPr>
+      <p:sp>
+        <p:nvSpPr>
+          <p:cNvPr id="2" name="Slide Image Placeholder 1"/>
+          <p:cNvSpPr>
+            <a:spLocks noGrp="1" noRot="1" noChangeAspect="1"/>
+          </p:cNvSpPr>
+          <p:nvPr>
+            <p:ph type="sldImg"/>
+          </p:nvPr>
+        </p:nvSpPr>
+        <p:spPr/>
+      </p:sp>
+      <p:sp>
+        <p:nvSpPr>
+          <p:cNvPr id="3" name="Notes Placeholder 2"/>
+          <p:cNvSpPr>
+            <a:spLocks noGrp="1"/>
+          </p:cNvSpPr>
+          <p:nvPr>
+            <p:ph type="body" idx="1"/>
+          </p:nvPr>
+        </p:nvSpPr>
+        <p:spPr/>
+        <p:txBody>
+          <a:bodyPr/>
+          <a:lstStyle/>
+          <a:p>
+            <a:pPr marL="0" marR="0" lvl="0" indent="0" algn="l" defTabSz="914400" rtl="0" eaLnBrk="1" fontAlgn="auto" latinLnBrk="0" hangingPunct="1">
+              <a:lnSpc>
+                <a:spcPct val="100000"/>
+              </a:lnSpc>
+              <a:spcBef>
+                <a:spcPts val="0"/>
+              </a:spcBef>
+              <a:spcAft>
+                <a:spcPts val="0"/>
+              </a:spcAft>
+              <a:buClrTx/>
+              <a:buSzTx/>
+              <a:buFontTx/>
+              <a:buNone/>
+              <a:tabLst/>
+              <a:defRPr/>
+            </a:pPr>
+            <a:endParaRPr lang="en-US" sz="1200" dirty="0"/>
+          </a:p>
+        </p:txBody>
+      </p:sp>
+      <p:sp>
+        <p:nvSpPr>
+          <p:cNvPr id="4" name="Slide Number Placeholder 3"/>
+          <p:cNvSpPr>
+            <a:spLocks noGrp="1"/>
+          </p:cNvSpPr>
+          <p:nvPr>
+            <p:ph type="sldNum" sz="quarter" idx="10"/>
+          </p:nvPr>
+        </p:nvSpPr>
+        <p:spPr/>
+        <p:txBody>
+          <a:bodyPr/>
+          <a:lstStyle/>
+          <a:p>
+            <a:fld id="{7ECEF7E1-8BAB-469F-9B96-5370EF40D848}" type="slidenum">
+              <a:rPr lang="en-US" smtClean="0"/>
+              <a:t>16</a:t>
+            </a:fld>
+            <a:endParaRPr lang="en-US"/>
+          </a:p>
+        </p:txBody>
+      </p:sp>
+    </p:spTree>
+    <p:extLst>
+      <p:ext uri="{BB962C8B-B14F-4D97-AF65-F5344CB8AC3E}">
+        <p14:creationId xmlns:p14="http://schemas.microsoft.com/office/powerpoint/2010/main" val="4241183378"/>
+      </p:ext>
+    </p:extLst>
+  </p:cSld>
+  <p:clrMapOvr>
+    <a:masterClrMapping/>
+  </p:clrMapOvr>
+</p:notes>
+</file>
+
 <file path=ppt/notesSlides/notesSlide2.xml><?xml version="1.0" encoding="utf-8"?>
 <p:notes xmlns:a="http://schemas.openxmlformats.org/drawingml/2006/main" xmlns:r="http://schemas.openxmlformats.org/officeDocument/2006/relationships" xmlns:p="http://schemas.openxmlformats.org/presentationml/2006/main">
   <p:cSld>
@@ -1061,24 +1249,7 @@
           <a:bodyPr/>
           <a:lstStyle/>
           <a:p>
-            <a:pPr marL="0" marR="0" lvl="0" indent="0" algn="l" defTabSz="914400" rtl="0" eaLnBrk="1" fontAlgn="auto" latinLnBrk="0" hangingPunct="1">
-              <a:lnSpc>
-                <a:spcPct val="100000"/>
-              </a:lnSpc>
-              <a:spcBef>
-                <a:spcPts val="0"/>
-              </a:spcBef>
-              <a:spcAft>
-                <a:spcPts val="0"/>
-              </a:spcAft>
-              <a:buClrTx/>
-              <a:buSzTx/>
-              <a:buFontTx/>
-              <a:buNone/>
-              <a:tabLst/>
-              <a:defRPr/>
-            </a:pPr>
-            <a:endParaRPr lang="en-US" sz="1200" dirty="0"/>
+            <a:endParaRPr lang="en-US" dirty="0"/>
           </a:p>
         </p:txBody>
       </p:sp>
@@ -1108,7 +1279,7 @@
     </p:spTree>
     <p:extLst>
       <p:ext uri="{BB962C8B-B14F-4D97-AF65-F5344CB8AC3E}">
-        <p14:creationId xmlns:p14="http://schemas.microsoft.com/office/powerpoint/2010/main" val="4241183378"/>
+        <p14:creationId xmlns:p14="http://schemas.microsoft.com/office/powerpoint/2010/main" val="3147270713"/>
       </p:ext>
     </p:extLst>
   </p:cSld>
@@ -1192,7 +1363,7 @@
     </p:spTree>
     <p:extLst>
       <p:ext uri="{BB962C8B-B14F-4D97-AF65-F5344CB8AC3E}">
-        <p14:creationId xmlns:p14="http://schemas.microsoft.com/office/powerpoint/2010/main" val="3147270713"/>
+        <p14:creationId xmlns:p14="http://schemas.microsoft.com/office/powerpoint/2010/main" val="755655799"/>
       </p:ext>
     </p:extLst>
   </p:cSld>
@@ -1246,18 +1417,7 @@
           <a:bodyPr/>
           <a:lstStyle/>
           <a:p>
-            <a:r>
-              <a:rPr lang="en-US" dirty="0"/>
-              <a:t>Demo: Use </a:t>
-            </a:r>
-            <a:r>
-              <a:rPr lang="en-US" dirty="0" err="1"/>
-              <a:t>SlugInMVCApplication</a:t>
-            </a:r>
-            <a:r>
-              <a:rPr lang="en-US" dirty="0"/>
-              <a:t> project.</a:t>
-            </a:r>
+            <a:endParaRPr lang="en-US" dirty="0"/>
           </a:p>
         </p:txBody>
       </p:sp>
@@ -4818,39 +4978,6 @@
           </a:p>
         </p:txBody>
       </p:sp>
-      <p:sp>
-        <p:nvSpPr>
-          <p:cNvPr id="3" name="TextBox 2"/>
-          <p:cNvSpPr txBox="1"/>
-          <p:nvPr/>
-        </p:nvSpPr>
-        <p:spPr>
-          <a:xfrm>
-            <a:off x="716910" y="3511233"/>
-            <a:ext cx="8574399" cy="400110"/>
-          </a:xfrm>
-          <a:prstGeom prst="rect">
-            <a:avLst/>
-          </a:prstGeom>
-          <a:noFill/>
-        </p:spPr>
-        <p:txBody>
-          <a:bodyPr wrap="none" rtlCol="0">
-            <a:spAutoFit/>
-          </a:bodyPr>
-          <a:lstStyle/>
-          <a:p>
-            <a:r>
-              <a:rPr lang="en-US" sz="2000" dirty="0">
-                <a:solidFill>
-                  <a:srgbClr val="FF0000"/>
-                </a:solidFill>
-              </a:rPr>
-              <a:t>Create sample project from Knorish project to generate bundle file automatically</a:t>
-            </a:r>
-          </a:p>
-        </p:txBody>
-      </p:sp>
     </p:spTree>
     <p:extLst>
       <p:ext uri="{BB962C8B-B14F-4D97-AF65-F5344CB8AC3E}">
@@ -4890,7 +5017,7 @@
         <p:spPr>
           <a:xfrm>
             <a:off x="832104" y="396147"/>
-            <a:ext cx="10323575" cy="830997"/>
+            <a:ext cx="10323575" cy="1569660"/>
           </a:xfrm>
           <a:prstGeom prst="rect">
             <a:avLst/>
@@ -4917,7 +5044,7 @@
                   </a:outerShdw>
                 </a:effectLst>
               </a:rPr>
-              <a:t>Debug mode vs Release mode</a:t>
+              <a:t>Remove white spaces from rendered HTML in MVC</a:t>
             </a:r>
             <a:endParaRPr lang="en-US" sz="4800" b="0" cap="none" spc="0" dirty="0">
               <a:ln w="0"/>
@@ -4983,14 +5110,14 @@
       </p:sp>
       <p:sp>
         <p:nvSpPr>
-          <p:cNvPr id="4" name="Rectangle 3"/>
+          <p:cNvPr id="6" name="Rectangle 5"/>
           <p:cNvSpPr/>
           <p:nvPr/>
         </p:nvSpPr>
         <p:spPr>
           <a:xfrm>
-            <a:off x="902751" y="1673664"/>
-            <a:ext cx="10471919" cy="2769989"/>
+            <a:off x="955220" y="2239171"/>
+            <a:ext cx="10390329" cy="3477875"/>
           </a:xfrm>
           <a:prstGeom prst="rect">
             <a:avLst/>
@@ -5002,7 +5129,7 @@
           </a:bodyPr>
           <a:lstStyle/>
           <a:p>
-            <a:pPr marL="457200" indent="-457200">
+            <a:pPr marL="285750" indent="-285750">
               <a:spcBef>
                 <a:spcPts val="600"/>
               </a:spcBef>
@@ -5013,18 +5140,19 @@
               <a:buChar char="ü"/>
             </a:pPr>
             <a:r>
-              <a:rPr lang="en-US" sz="2400" dirty="0">
+              <a:rPr lang="en-US" sz="2000" dirty="0">
                 <a:solidFill>
                   <a:schemeClr val="bg1">
                     <a:lumMod val="50000"/>
                   </a:schemeClr>
                 </a:solidFill>
-              </a:rPr>
-              <a:t>In Debug Mode your DLL has debug information inside of it (source code, variable names, symbolic information and other similar stuff).</a:t>
-            </a:r>
-          </a:p>
-          <a:p>
-            <a:pPr marL="457200" indent="-457200">
+                <a:latin typeface="Segoe UI" panose="020B0502040204020203" pitchFamily="34" charset="0"/>
+              </a:rPr>
+              <a:t>I minify the JavaScript, CSS files and bundle them, use image sprite, lossless image optimize using Web Essentials to enhance web application performance.</a:t>
+            </a:r>
+          </a:p>
+          <a:p>
+            <a:pPr marL="285750" indent="-285750">
               <a:spcBef>
                 <a:spcPts val="600"/>
               </a:spcBef>
@@ -5035,35 +5163,19 @@
               <a:buChar char="ü"/>
             </a:pPr>
             <a:r>
-              <a:rPr lang="en-US" sz="2400" dirty="0">
+              <a:rPr lang="en-US" sz="2000" dirty="0">
                 <a:solidFill>
                   <a:schemeClr val="bg1">
                     <a:lumMod val="50000"/>
                   </a:schemeClr>
                 </a:solidFill>
-              </a:rPr>
-              <a:t>Debug Mode creates PDB file to store debug information</a:t>
-            </a:r>
-          </a:p>
-          <a:p>
-            <a:pPr>
-              <a:spcBef>
-                <a:spcPts val="600"/>
-              </a:spcBef>
-              <a:spcAft>
-                <a:spcPts val="600"/>
-              </a:spcAft>
-            </a:pPr>
-            <a:endParaRPr lang="en-US" sz="2400" dirty="0">
-              <a:solidFill>
-                <a:schemeClr val="bg1">
-                  <a:lumMod val="50000"/>
-                </a:schemeClr>
-              </a:solidFill>
-            </a:endParaRPr>
-          </a:p>
-          <a:p>
-            <a:pPr marL="457200" indent="-457200">
+                <a:latin typeface="Segoe UI" panose="020B0502040204020203" pitchFamily="34" charset="0"/>
+              </a:rPr>
+              <a:t>But minifying HTML is equally important but there is more difficulties. There are very few tools for that. Most of them integrates in the rendering pipeline.</a:t>
+            </a:r>
+          </a:p>
+          <a:p>
+            <a:pPr marL="285750" indent="-285750">
               <a:spcBef>
                 <a:spcPts val="600"/>
               </a:spcBef>
@@ -5074,14 +5186,61 @@
               <a:buChar char="ü"/>
             </a:pPr>
             <a:r>
-              <a:rPr lang="en-US" sz="2400" dirty="0">
+              <a:rPr lang="en-US" sz="2000" dirty="0">
                 <a:solidFill>
                   <a:schemeClr val="bg1">
                     <a:lumMod val="50000"/>
                   </a:schemeClr>
                 </a:solidFill>
-              </a:rPr>
-              <a:t>In Release Mode your DLL lack of debug information makes it smaller and probably performs better due to its smaller footprint.</a:t>
+                <a:latin typeface="Segoe UI" panose="020B0502040204020203" pitchFamily="34" charset="0"/>
+              </a:rPr>
+              <a:t>They are executed just after the HTML is generated by the pages. It means they are invoked after each page request and thus they increase the CPU usage.</a:t>
+            </a:r>
+          </a:p>
+          <a:p>
+            <a:pPr marL="285750" indent="-285750">
+              <a:spcBef>
+                <a:spcPts val="600"/>
+              </a:spcBef>
+              <a:spcAft>
+                <a:spcPts val="600"/>
+              </a:spcAft>
+              <a:buFont typeface="Wingdings" panose="05000000000000000000" pitchFamily="2" charset="2"/>
+              <a:buChar char="ü"/>
+            </a:pPr>
+            <a:r>
+              <a:rPr lang="en-US" sz="2000" dirty="0">
+                <a:solidFill>
+                  <a:schemeClr val="bg1">
+                    <a:lumMod val="50000"/>
+                  </a:schemeClr>
+                </a:solidFill>
+                <a:latin typeface="Segoe UI" panose="020B0502040204020203" pitchFamily="34" charset="0"/>
+              </a:rPr>
+              <a:t>The only real solution to minify HTML while reducing CPU and bandwidth usage, is to rewrite the pages manually to remove all the useless blank characters.</a:t>
+            </a:r>
+          </a:p>
+          <a:p>
+            <a:pPr marL="285750" indent="-285750">
+              <a:spcBef>
+                <a:spcPts val="600"/>
+              </a:spcBef>
+              <a:spcAft>
+                <a:spcPts val="600"/>
+              </a:spcAft>
+              <a:buFont typeface="Wingdings" panose="05000000000000000000" pitchFamily="2" charset="2"/>
+              <a:buChar char="ü"/>
+            </a:pPr>
+            <a:r>
+              <a:rPr lang="en-US" sz="2000" dirty="0">
+                <a:solidFill>
+                  <a:schemeClr val="bg1">
+                    <a:lumMod val="50000"/>
+                  </a:schemeClr>
+                </a:solidFill>
+                <a:latin typeface="Segoe UI" panose="020B0502040204020203" pitchFamily="34" charset="0"/>
+              </a:rPr>
+              <a:t>C# Corner website, azure.microsoft.com uses this feature.</a:t>
             </a:r>
           </a:p>
         </p:txBody>
@@ -5089,7 +5248,7 @@
     </p:spTree>
     <p:extLst>
       <p:ext uri="{BB962C8B-B14F-4D97-AF65-F5344CB8AC3E}">
-        <p14:creationId xmlns:p14="http://schemas.microsoft.com/office/powerpoint/2010/main" val="1725472280"/>
+        <p14:creationId xmlns:p14="http://schemas.microsoft.com/office/powerpoint/2010/main" val="770534002"/>
       </p:ext>
     </p:extLst>
   </p:cSld>
@@ -5152,7 +5311,7 @@
                   </a:outerShdw>
                 </a:effectLst>
               </a:rPr>
-              <a:t>Remove white spaces from rendered HTML in MVC</a:t>
+              <a:t>Remove white spaces from rendered HTML in MVC - Demo</a:t>
             </a:r>
             <a:endParaRPr lang="en-US" sz="4800" b="0" cap="none" spc="0" dirty="0">
               <a:ln w="0"/>
@@ -5216,147 +5375,10 @@
           </a:p>
         </p:txBody>
       </p:sp>
-      <p:sp>
-        <p:nvSpPr>
-          <p:cNvPr id="6" name="Rectangle 5"/>
-          <p:cNvSpPr/>
-          <p:nvPr/>
-        </p:nvSpPr>
-        <p:spPr>
-          <a:xfrm>
-            <a:off x="955220" y="2239171"/>
-            <a:ext cx="10390329" cy="3477875"/>
-          </a:xfrm>
-          <a:prstGeom prst="rect">
-            <a:avLst/>
-          </a:prstGeom>
-        </p:spPr>
-        <p:txBody>
-          <a:bodyPr wrap="square">
-            <a:spAutoFit/>
-          </a:bodyPr>
-          <a:lstStyle/>
-          <a:p>
-            <a:pPr marL="285750" indent="-285750">
-              <a:spcBef>
-                <a:spcPts val="600"/>
-              </a:spcBef>
-              <a:spcAft>
-                <a:spcPts val="600"/>
-              </a:spcAft>
-              <a:buFont typeface="Wingdings" panose="05000000000000000000" pitchFamily="2" charset="2"/>
-              <a:buChar char="ü"/>
-            </a:pPr>
-            <a:r>
-              <a:rPr lang="en-US" sz="2000" dirty="0">
-                <a:solidFill>
-                  <a:schemeClr val="bg1">
-                    <a:lumMod val="50000"/>
-                  </a:schemeClr>
-                </a:solidFill>
-                <a:latin typeface="Segoe UI" panose="020B0502040204020203" pitchFamily="34" charset="0"/>
-              </a:rPr>
-              <a:t>I minify the JavaScript, CSS files and bundle them, use image sprite, lossless image optimize using Web Essentials to enhance web application performance.</a:t>
-            </a:r>
-          </a:p>
-          <a:p>
-            <a:pPr marL="285750" indent="-285750">
-              <a:spcBef>
-                <a:spcPts val="600"/>
-              </a:spcBef>
-              <a:spcAft>
-                <a:spcPts val="600"/>
-              </a:spcAft>
-              <a:buFont typeface="Wingdings" panose="05000000000000000000" pitchFamily="2" charset="2"/>
-              <a:buChar char="ü"/>
-            </a:pPr>
-            <a:r>
-              <a:rPr lang="en-US" sz="2000" dirty="0">
-                <a:solidFill>
-                  <a:schemeClr val="bg1">
-                    <a:lumMod val="50000"/>
-                  </a:schemeClr>
-                </a:solidFill>
-                <a:latin typeface="Segoe UI" panose="020B0502040204020203" pitchFamily="34" charset="0"/>
-              </a:rPr>
-              <a:t>But minifying HTML is equally important but there is more difficulties. There are very few tools for that. Most of them integrates in the rendering pipeline.</a:t>
-            </a:r>
-          </a:p>
-          <a:p>
-            <a:pPr marL="285750" indent="-285750">
-              <a:spcBef>
-                <a:spcPts val="600"/>
-              </a:spcBef>
-              <a:spcAft>
-                <a:spcPts val="600"/>
-              </a:spcAft>
-              <a:buFont typeface="Wingdings" panose="05000000000000000000" pitchFamily="2" charset="2"/>
-              <a:buChar char="ü"/>
-            </a:pPr>
-            <a:r>
-              <a:rPr lang="en-US" sz="2000" dirty="0">
-                <a:solidFill>
-                  <a:schemeClr val="bg1">
-                    <a:lumMod val="50000"/>
-                  </a:schemeClr>
-                </a:solidFill>
-                <a:latin typeface="Segoe UI" panose="020B0502040204020203" pitchFamily="34" charset="0"/>
-              </a:rPr>
-              <a:t>They are executed just after the HTML is generated by the pages. It means they are invoked after each page request and thus they increase the CPU usage.</a:t>
-            </a:r>
-          </a:p>
-          <a:p>
-            <a:pPr marL="285750" indent="-285750">
-              <a:spcBef>
-                <a:spcPts val="600"/>
-              </a:spcBef>
-              <a:spcAft>
-                <a:spcPts val="600"/>
-              </a:spcAft>
-              <a:buFont typeface="Wingdings" panose="05000000000000000000" pitchFamily="2" charset="2"/>
-              <a:buChar char="ü"/>
-            </a:pPr>
-            <a:r>
-              <a:rPr lang="en-US" sz="2000" dirty="0">
-                <a:solidFill>
-                  <a:schemeClr val="bg1">
-                    <a:lumMod val="50000"/>
-                  </a:schemeClr>
-                </a:solidFill>
-                <a:latin typeface="Segoe UI" panose="020B0502040204020203" pitchFamily="34" charset="0"/>
-              </a:rPr>
-              <a:t>The only real solution to minify HTML while reducing CPU and bandwidth usage, is to rewrite the pages manually to remove all the useless blank characters.</a:t>
-            </a:r>
-          </a:p>
-          <a:p>
-            <a:pPr marL="285750" indent="-285750">
-              <a:spcBef>
-                <a:spcPts val="600"/>
-              </a:spcBef>
-              <a:spcAft>
-                <a:spcPts val="600"/>
-              </a:spcAft>
-              <a:buFont typeface="Wingdings" panose="05000000000000000000" pitchFamily="2" charset="2"/>
-              <a:buChar char="ü"/>
-            </a:pPr>
-            <a:r>
-              <a:rPr lang="en-US" sz="2000" dirty="0">
-                <a:solidFill>
-                  <a:schemeClr val="bg1">
-                    <a:lumMod val="50000"/>
-                  </a:schemeClr>
-                </a:solidFill>
-                <a:latin typeface="Segoe UI" panose="020B0502040204020203" pitchFamily="34" charset="0"/>
-              </a:rPr>
-              <a:t>C# Corner website, azure.microsoft.com uses this feature.</a:t>
-            </a:r>
-          </a:p>
-        </p:txBody>
-      </p:sp>
     </p:spTree>
     <p:extLst>
       <p:ext uri="{BB962C8B-B14F-4D97-AF65-F5344CB8AC3E}">
-        <p14:creationId xmlns:p14="http://schemas.microsoft.com/office/powerpoint/2010/main" val="770534002"/>
+        <p14:creationId xmlns:p14="http://schemas.microsoft.com/office/powerpoint/2010/main" val="3331766672"/>
       </p:ext>
     </p:extLst>
   </p:cSld>
@@ -5419,7 +5441,7 @@
                   </a:outerShdw>
                 </a:effectLst>
               </a:rPr>
-              <a:t>Slug based URL in MVC - for SEO</a:t>
+              <a:t>Slug based URL in MVC for SEO</a:t>
             </a:r>
           </a:p>
         </p:txBody>
@@ -5478,8 +5500,8 @@
         </p:nvSpPr>
         <p:spPr>
           <a:xfrm>
-            <a:off x="832104" y="1797502"/>
-            <a:ext cx="10048059" cy="369332"/>
+            <a:off x="969861" y="1419269"/>
+            <a:ext cx="10048059" cy="1661993"/>
           </a:xfrm>
           <a:prstGeom prst="rect">
             <a:avLst/>
@@ -5491,13 +5513,15 @@
           </a:bodyPr>
           <a:lstStyle/>
           <a:p>
-            <a:pPr>
+            <a:pPr marL="285750" indent="-285750">
               <a:spcBef>
                 <a:spcPts val="1200"/>
               </a:spcBef>
+              <a:buFont typeface="Wingdings" panose="05000000000000000000" pitchFamily="2" charset="2"/>
+              <a:buChar char="ü"/>
             </a:pPr>
             <a:r>
-              <a:rPr lang="en-US" dirty="0">
+              <a:rPr lang="en-GB" dirty="0">
                 <a:solidFill>
                   <a:schemeClr val="bg1">
                     <a:lumMod val="50000"/>
@@ -5505,7 +5529,67 @@
                 </a:solidFill>
                 <a:latin typeface="Segoe UI" panose="020B0502040204020203" pitchFamily="34" charset="0"/>
               </a:rPr>
-              <a:t>Need to write this </a:t>
+              <a:t>A slug is a few words that describe a post or a page, instead of number in the URL</a:t>
+            </a:r>
+          </a:p>
+          <a:p>
+            <a:pPr marL="285750" indent="-285750">
+              <a:spcBef>
+                <a:spcPts val="1200"/>
+              </a:spcBef>
+              <a:buFont typeface="Wingdings" panose="05000000000000000000" pitchFamily="2" charset="2"/>
+              <a:buChar char="ü"/>
+            </a:pPr>
+            <a:r>
+              <a:rPr lang="en-GB" dirty="0">
+                <a:solidFill>
+                  <a:schemeClr val="bg1">
+                    <a:lumMod val="50000"/>
+                  </a:schemeClr>
+                </a:solidFill>
+                <a:latin typeface="Segoe UI" panose="020B0502040204020203" pitchFamily="34" charset="0"/>
+              </a:rPr>
+              <a:t>Slugs are the possibility to create SEO-friendly URLs and optimize search engines</a:t>
+            </a:r>
+          </a:p>
+          <a:p>
+            <a:pPr marL="285750" indent="-285750">
+              <a:spcBef>
+                <a:spcPts val="1200"/>
+              </a:spcBef>
+              <a:buFont typeface="Wingdings" panose="05000000000000000000" pitchFamily="2" charset="2"/>
+              <a:buChar char="ü"/>
+            </a:pPr>
+            <a:r>
+              <a:rPr lang="en-GB" dirty="0">
+                <a:solidFill>
+                  <a:schemeClr val="bg1">
+                    <a:lumMod val="50000"/>
+                  </a:schemeClr>
+                </a:solidFill>
+                <a:latin typeface="Segoe UI" panose="020B0502040204020203" pitchFamily="34" charset="0"/>
+              </a:rPr>
+              <a:t>Stack-Overflow uses slug</a:t>
+            </a:r>
+          </a:p>
+          <a:p>
+            <a:pPr marL="285750" indent="-285750">
+              <a:spcBef>
+                <a:spcPts val="1200"/>
+              </a:spcBef>
+              <a:buFont typeface="Wingdings" panose="05000000000000000000" pitchFamily="2" charset="2"/>
+              <a:buChar char="ü"/>
+            </a:pPr>
+            <a:r>
+              <a:rPr lang="en-GB" dirty="0">
+                <a:solidFill>
+                  <a:schemeClr val="bg1">
+                    <a:lumMod val="50000"/>
+                  </a:schemeClr>
+                </a:solidFill>
+                <a:latin typeface="Segoe UI" panose="020B0502040204020203" pitchFamily="34" charset="0"/>
+              </a:rPr>
+              <a:t>A quick way to create slug just like stack-overflow:</a:t>
             </a:r>
             <a:endParaRPr lang="en-US" dirty="0">
               <a:solidFill>
@@ -5519,48 +5603,20 @@
       </p:sp>
       <p:sp>
         <p:nvSpPr>
-          <p:cNvPr id="2" name="Rectangle 1"/>
+          <p:cNvPr id="3" name="Rectangle 2"/>
           <p:cNvSpPr/>
           <p:nvPr/>
         </p:nvSpPr>
         <p:spPr>
           <a:xfrm>
-            <a:off x="832104" y="6209995"/>
-            <a:ext cx="4841454" cy="369332"/>
+            <a:off x="1261319" y="3095837"/>
+            <a:ext cx="5902961" cy="2554545"/>
           </a:xfrm>
           <a:prstGeom prst="rect">
             <a:avLst/>
           </a:prstGeom>
         </p:spPr>
         <p:txBody>
-          <a:bodyPr wrap="none">
-            <a:spAutoFit/>
-          </a:bodyPr>
-          <a:lstStyle/>
-          <a:p>
-            <a:r>
-              <a:rPr lang="en-US" dirty="0"/>
-              <a:t>https://github.com/itorian/SlugInMVCApplication</a:t>
-            </a:r>
-          </a:p>
-        </p:txBody>
-      </p:sp>
-      <p:sp>
-        <p:nvSpPr>
-          <p:cNvPr id="3" name="Rectangle 2"/>
-          <p:cNvSpPr/>
-          <p:nvPr/>
-        </p:nvSpPr>
-        <p:spPr>
-          <a:xfrm>
-            <a:off x="975689" y="3289955"/>
-            <a:ext cx="10036404" cy="2554545"/>
-          </a:xfrm>
-          <a:prstGeom prst="rect">
-            <a:avLst/>
-          </a:prstGeom>
-        </p:spPr>
-        <p:txBody>
           <a:bodyPr wrap="square">
             <a:spAutoFit/>
           </a:bodyPr>
@@ -5676,7 +5732,7 @@
                 </a:solidFill>
                 <a:latin typeface="Consolas" panose="020B0609020204030204" pitchFamily="49" charset="0"/>
               </a:rPr>
-              <a:t> course = </a:t>
+              <a:t> question = </a:t>
             </a:r>
             <a:r>
               <a:rPr lang="en-US" sz="1000" dirty="0" err="1">
@@ -5685,7 +5741,7 @@
                 </a:solidFill>
                 <a:latin typeface="Consolas" panose="020B0609020204030204" pitchFamily="49" charset="0"/>
               </a:rPr>
-              <a:t>CourseExtension.GetCourse</a:t>
+              <a:t>questionRepository.Get</a:t>
             </a:r>
             <a:r>
               <a:rPr lang="en-US" sz="1000" dirty="0">
@@ -5731,7 +5787,7 @@
                 </a:solidFill>
                 <a:latin typeface="Consolas" panose="020B0609020204030204" pitchFamily="49" charset="0"/>
               </a:rPr>
-              <a:t> (course == </a:t>
+              <a:t> (question == </a:t>
             </a:r>
             <a:r>
               <a:rPr lang="en-US" sz="1000" dirty="0">
@@ -5796,7 +5852,7 @@
                 </a:solidFill>
                 <a:latin typeface="Consolas" panose="020B0609020204030204" pitchFamily="49" charset="0"/>
               </a:rPr>
-              <a:t>noactivecourse</a:t>
+              <a:t>notfound</a:t>
             </a:r>
             <a:r>
               <a:rPr lang="en-US" sz="1000" dirty="0">
@@ -5944,7 +6000,7 @@
                 </a:solidFill>
                 <a:latin typeface="Consolas" panose="020B0609020204030204" pitchFamily="49" charset="0"/>
               </a:rPr>
-              <a:t>course.Course.Slug</a:t>
+              <a:t>question.Slug</a:t>
             </a:r>
             <a:r>
               <a:rPr lang="en-US" sz="1000" dirty="0">
@@ -6018,7 +6074,7 @@
                 </a:solidFill>
                 <a:latin typeface="Consolas" panose="020B0609020204030204" pitchFamily="49" charset="0"/>
               </a:rPr>
-              <a:t>CourseRoute</a:t>
+              <a:t>QuestionRoute</a:t>
             </a:r>
             <a:r>
               <a:rPr lang="en-GB" sz="1000" dirty="0">
@@ -6093,7 +6149,7 @@
                 </a:solidFill>
                 <a:latin typeface="Consolas" panose="020B0609020204030204" pitchFamily="49" charset="0"/>
               </a:rPr>
-              <a:t> View(course);</a:t>
+              <a:t> View(question);</a:t>
             </a:r>
           </a:p>
           <a:p>
@@ -6105,6 +6161,255 @@
                 <a:latin typeface="Consolas" panose="020B0609020204030204" pitchFamily="49" charset="0"/>
               </a:rPr>
               <a:t>}</a:t>
+            </a:r>
+            <a:endParaRPr lang="en-US" sz="1000" dirty="0"/>
+          </a:p>
+        </p:txBody>
+      </p:sp>
+      <p:sp>
+        <p:nvSpPr>
+          <p:cNvPr id="4" name="Rectangle 3"/>
+          <p:cNvSpPr/>
+          <p:nvPr/>
+        </p:nvSpPr>
+        <p:spPr>
+          <a:xfrm>
+            <a:off x="1261319" y="5700289"/>
+            <a:ext cx="8273988" cy="1015663"/>
+          </a:xfrm>
+          <a:prstGeom prst="rect">
+            <a:avLst/>
+          </a:prstGeom>
+        </p:spPr>
+        <p:txBody>
+          <a:bodyPr wrap="square">
+            <a:spAutoFit/>
+          </a:bodyPr>
+          <a:lstStyle/>
+          <a:p>
+            <a:r>
+              <a:rPr lang="en-US" sz="1000" dirty="0" err="1">
+                <a:solidFill>
+                  <a:srgbClr val="000000"/>
+                </a:solidFill>
+                <a:latin typeface="Consolas" panose="020B0609020204030204" pitchFamily="49" charset="0"/>
+              </a:rPr>
+              <a:t>routes.MapRoute</a:t>
+            </a:r>
+            <a:r>
+              <a:rPr lang="en-US" sz="1000" dirty="0">
+                <a:solidFill>
+                  <a:srgbClr val="000000"/>
+                </a:solidFill>
+                <a:latin typeface="Consolas" panose="020B0609020204030204" pitchFamily="49" charset="0"/>
+              </a:rPr>
+              <a:t>(</a:t>
+            </a:r>
+          </a:p>
+          <a:p>
+            <a:r>
+              <a:rPr lang="en-US" sz="1000" dirty="0">
+                <a:solidFill>
+                  <a:srgbClr val="000000"/>
+                </a:solidFill>
+                <a:latin typeface="Consolas" panose="020B0609020204030204" pitchFamily="49" charset="0"/>
+              </a:rPr>
+              <a:t>    name: </a:t>
+            </a:r>
+            <a:r>
+              <a:rPr lang="en-US" sz="1000" dirty="0">
+                <a:solidFill>
+                  <a:srgbClr val="A31515"/>
+                </a:solidFill>
+                <a:latin typeface="Consolas" panose="020B0609020204030204" pitchFamily="49" charset="0"/>
+              </a:rPr>
+              <a:t>"</a:t>
+            </a:r>
+            <a:r>
+              <a:rPr lang="en-US" sz="1000" dirty="0" err="1">
+                <a:solidFill>
+                  <a:srgbClr val="A31515"/>
+                </a:solidFill>
+                <a:latin typeface="Consolas" panose="020B0609020204030204" pitchFamily="49" charset="0"/>
+              </a:rPr>
+              <a:t>Question_Default</a:t>
+            </a:r>
+            <a:r>
+              <a:rPr lang="en-US" sz="1000" dirty="0">
+                <a:solidFill>
+                  <a:srgbClr val="A31515"/>
+                </a:solidFill>
+                <a:latin typeface="Consolas" panose="020B0609020204030204" pitchFamily="49" charset="0"/>
+              </a:rPr>
+              <a:t>"</a:t>
+            </a:r>
+            <a:r>
+              <a:rPr lang="en-US" sz="1000" dirty="0">
+                <a:solidFill>
+                  <a:srgbClr val="000000"/>
+                </a:solidFill>
+                <a:latin typeface="Consolas" panose="020B0609020204030204" pitchFamily="49" charset="0"/>
+              </a:rPr>
+              <a:t>,</a:t>
+            </a:r>
+          </a:p>
+          <a:p>
+            <a:r>
+              <a:rPr lang="en-US" sz="1000" dirty="0">
+                <a:solidFill>
+                  <a:srgbClr val="000000"/>
+                </a:solidFill>
+                <a:latin typeface="Consolas" panose="020B0609020204030204" pitchFamily="49" charset="0"/>
+              </a:rPr>
+              <a:t>    url: </a:t>
+            </a:r>
+            <a:r>
+              <a:rPr lang="en-US" sz="1000" dirty="0">
+                <a:solidFill>
+                  <a:srgbClr val="A31515"/>
+                </a:solidFill>
+                <a:latin typeface="Consolas" panose="020B0609020204030204" pitchFamily="49" charset="0"/>
+              </a:rPr>
+              <a:t>"question/{id}/{slug}"</a:t>
+            </a:r>
+            <a:r>
+              <a:rPr lang="en-US" sz="1000" dirty="0">
+                <a:solidFill>
+                  <a:srgbClr val="000000"/>
+                </a:solidFill>
+                <a:latin typeface="Consolas" panose="020B0609020204030204" pitchFamily="49" charset="0"/>
+              </a:rPr>
+              <a:t>,</a:t>
+            </a:r>
+          </a:p>
+          <a:p>
+            <a:r>
+              <a:rPr lang="en-US" sz="1000" dirty="0">
+                <a:solidFill>
+                  <a:srgbClr val="000000"/>
+                </a:solidFill>
+                <a:latin typeface="Consolas" panose="020B0609020204030204" pitchFamily="49" charset="0"/>
+              </a:rPr>
+              <a:t>    defaults: </a:t>
+            </a:r>
+            <a:r>
+              <a:rPr lang="en-US" sz="1000" dirty="0">
+                <a:solidFill>
+                  <a:srgbClr val="0000FF"/>
+                </a:solidFill>
+                <a:latin typeface="Consolas" panose="020B0609020204030204" pitchFamily="49" charset="0"/>
+              </a:rPr>
+              <a:t>new</a:t>
+            </a:r>
+            <a:r>
+              <a:rPr lang="en-US" sz="1000" dirty="0">
+                <a:solidFill>
+                  <a:srgbClr val="000000"/>
+                </a:solidFill>
+                <a:latin typeface="Consolas" panose="020B0609020204030204" pitchFamily="49" charset="0"/>
+              </a:rPr>
+              <a:t> { controller = </a:t>
+            </a:r>
+            <a:r>
+              <a:rPr lang="en-US" sz="1000" dirty="0">
+                <a:solidFill>
+                  <a:srgbClr val="A31515"/>
+                </a:solidFill>
+                <a:latin typeface="Consolas" panose="020B0609020204030204" pitchFamily="49" charset="0"/>
+              </a:rPr>
+              <a:t>"home"</a:t>
+            </a:r>
+            <a:r>
+              <a:rPr lang="en-US" sz="1000" dirty="0">
+                <a:solidFill>
+                  <a:srgbClr val="000000"/>
+                </a:solidFill>
+                <a:latin typeface="Consolas" panose="020B0609020204030204" pitchFamily="49" charset="0"/>
+              </a:rPr>
+              <a:t>, action = </a:t>
+            </a:r>
+            <a:r>
+              <a:rPr lang="en-US" sz="1000" dirty="0">
+                <a:solidFill>
+                  <a:srgbClr val="A31515"/>
+                </a:solidFill>
+                <a:latin typeface="Consolas" panose="020B0609020204030204" pitchFamily="49" charset="0"/>
+              </a:rPr>
+              <a:t>"question"</a:t>
+            </a:r>
+            <a:r>
+              <a:rPr lang="en-US" sz="1000" dirty="0">
+                <a:solidFill>
+                  <a:srgbClr val="000000"/>
+                </a:solidFill>
+                <a:latin typeface="Consolas" panose="020B0609020204030204" pitchFamily="49" charset="0"/>
+              </a:rPr>
+              <a:t>, id = </a:t>
+            </a:r>
+            <a:r>
+              <a:rPr lang="en-US" sz="1000" dirty="0" err="1">
+                <a:solidFill>
+                  <a:srgbClr val="2B91AF"/>
+                </a:solidFill>
+                <a:latin typeface="Consolas" panose="020B0609020204030204" pitchFamily="49" charset="0"/>
+              </a:rPr>
+              <a:t>UrlParameter</a:t>
+            </a:r>
+            <a:r>
+              <a:rPr lang="en-US" sz="1000" dirty="0" err="1">
+                <a:solidFill>
+                  <a:srgbClr val="000000"/>
+                </a:solidFill>
+                <a:latin typeface="Consolas" panose="020B0609020204030204" pitchFamily="49" charset="0"/>
+              </a:rPr>
+              <a:t>.Optional</a:t>
+            </a:r>
+            <a:r>
+              <a:rPr lang="en-US" sz="1000" dirty="0">
+                <a:solidFill>
+                  <a:srgbClr val="000000"/>
+                </a:solidFill>
+                <a:latin typeface="Consolas" panose="020B0609020204030204" pitchFamily="49" charset="0"/>
+              </a:rPr>
+              <a:t>, slug = </a:t>
+            </a:r>
+            <a:r>
+              <a:rPr lang="en-US" sz="1000" dirty="0" err="1">
+                <a:solidFill>
+                  <a:srgbClr val="2B91AF"/>
+                </a:solidFill>
+                <a:latin typeface="Consolas" panose="020B0609020204030204" pitchFamily="49" charset="0"/>
+              </a:rPr>
+              <a:t>UrlParameter</a:t>
+            </a:r>
+            <a:r>
+              <a:rPr lang="en-US" sz="1000" dirty="0" err="1">
+                <a:solidFill>
+                  <a:srgbClr val="000000"/>
+                </a:solidFill>
+                <a:latin typeface="Consolas" panose="020B0609020204030204" pitchFamily="49" charset="0"/>
+              </a:rPr>
+              <a:t>.Optional</a:t>
+            </a:r>
+            <a:r>
+              <a:rPr lang="en-US" sz="1000" dirty="0">
+                <a:solidFill>
+                  <a:srgbClr val="000000"/>
+                </a:solidFill>
+                <a:latin typeface="Consolas" panose="020B0609020204030204" pitchFamily="49" charset="0"/>
+              </a:rPr>
+              <a:t> }</a:t>
+            </a:r>
+          </a:p>
+          <a:p>
+            <a:r>
+              <a:rPr lang="en-US" sz="1000" dirty="0">
+                <a:solidFill>
+                  <a:srgbClr val="000000"/>
+                </a:solidFill>
+                <a:latin typeface="Consolas" panose="020B0609020204030204" pitchFamily="49" charset="0"/>
+              </a:rPr>
+              <a:t>);</a:t>
             </a:r>
             <a:endParaRPr lang="en-US" sz="1000" dirty="0"/>
           </a:p>
@@ -6176,7 +6481,7 @@
                   </a:outerShdw>
                 </a:effectLst>
               </a:rPr>
-              <a:t>Visual Studio Code Analysis</a:t>
+              <a:t>Slug based URL in MVC for SEO - Demo</a:t>
             </a:r>
           </a:p>
         </p:txBody>
@@ -6229,55 +6534,42 @@
       </p:sp>
       <p:sp>
         <p:nvSpPr>
-          <p:cNvPr id="8" name="Rectangle 7"/>
+          <p:cNvPr id="2" name="Rectangle 1"/>
           <p:cNvSpPr/>
           <p:nvPr/>
         </p:nvSpPr>
         <p:spPr>
           <a:xfrm>
-            <a:off x="832104" y="1797502"/>
-            <a:ext cx="10048059" cy="369332"/>
+            <a:off x="1189608" y="1810638"/>
+            <a:ext cx="4894481" cy="307777"/>
           </a:xfrm>
           <a:prstGeom prst="rect">
             <a:avLst/>
           </a:prstGeom>
         </p:spPr>
         <p:txBody>
-          <a:bodyPr wrap="square">
+          <a:bodyPr wrap="none">
             <a:spAutoFit/>
           </a:bodyPr>
           <a:lstStyle/>
           <a:p>
-            <a:pPr>
-              <a:spcBef>
-                <a:spcPts val="1200"/>
-              </a:spcBef>
-            </a:pPr>
-            <a:r>
-              <a:rPr lang="en-US" dirty="0">
+            <a:r>
+              <a:rPr lang="en-US" sz="1400" dirty="0">
                 <a:solidFill>
                   <a:schemeClr val="bg1">
                     <a:lumMod val="50000"/>
                   </a:schemeClr>
                 </a:solidFill>
-                <a:latin typeface="Segoe UI" panose="020B0502040204020203" pitchFamily="34" charset="0"/>
-              </a:rPr>
-              <a:t>Need to write this </a:t>
-            </a:r>
-            <a:endParaRPr lang="en-US" dirty="0">
-              <a:solidFill>
-                <a:schemeClr val="bg1">
-                  <a:lumMod val="50000"/>
-                </a:schemeClr>
-              </a:solidFill>
-            </a:endParaRPr>
+              </a:rPr>
+              <a:t>Demo project: https://github.com/itorian/SlugInMVCApplication</a:t>
+            </a:r>
           </a:p>
         </p:txBody>
       </p:sp>
     </p:spTree>
     <p:extLst>
       <p:ext uri="{BB962C8B-B14F-4D97-AF65-F5344CB8AC3E}">
-        <p14:creationId xmlns:p14="http://schemas.microsoft.com/office/powerpoint/2010/main" val="1112162478"/>
+        <p14:creationId xmlns:p14="http://schemas.microsoft.com/office/powerpoint/2010/main" val="4089721568"/>
       </p:ext>
     </p:extLst>
   </p:cSld>
@@ -6306,14 +6598,14 @@
       </p:grpSpPr>
       <p:sp>
         <p:nvSpPr>
-          <p:cNvPr id="2" name="Rectangle 1"/>
+          <p:cNvPr id="7" name="Rectangle 6"/>
           <p:cNvSpPr/>
           <p:nvPr/>
         </p:nvSpPr>
         <p:spPr>
           <a:xfrm>
-            <a:off x="5112005" y="3013501"/>
-            <a:ext cx="3663696" cy="830997"/>
+            <a:off x="832104" y="396147"/>
+            <a:ext cx="10323575" cy="830997"/>
           </a:xfrm>
           <a:prstGeom prst="rect">
             <a:avLst/>
@@ -6340,7 +6632,7 @@
                   </a:outerShdw>
                 </a:effectLst>
               </a:rPr>
-              <a:t>Q &amp; A</a:t>
+              <a:t>Debug mode vs Release mode</a:t>
             </a:r>
             <a:endParaRPr lang="en-US" sz="4800" b="0" cap="none" spc="0" dirty="0">
               <a:ln w="0"/>
@@ -6360,7 +6652,7 @@
       </p:sp>
       <p:sp>
         <p:nvSpPr>
-          <p:cNvPr id="3" name="Rectangle 2"/>
+          <p:cNvPr id="9" name="Rectangle 8"/>
           <p:cNvSpPr/>
           <p:nvPr/>
         </p:nvSpPr>
@@ -6404,6 +6696,569 @@
           </a:p>
         </p:txBody>
       </p:sp>
+      <p:sp>
+        <p:nvSpPr>
+          <p:cNvPr id="4" name="Rectangle 3"/>
+          <p:cNvSpPr/>
+          <p:nvPr/>
+        </p:nvSpPr>
+        <p:spPr>
+          <a:xfrm>
+            <a:off x="902751" y="1673664"/>
+            <a:ext cx="10471919" cy="2769989"/>
+          </a:xfrm>
+          <a:prstGeom prst="rect">
+            <a:avLst/>
+          </a:prstGeom>
+        </p:spPr>
+        <p:txBody>
+          <a:bodyPr wrap="square">
+            <a:spAutoFit/>
+          </a:bodyPr>
+          <a:lstStyle/>
+          <a:p>
+            <a:pPr marL="457200" indent="-457200">
+              <a:spcBef>
+                <a:spcPts val="600"/>
+              </a:spcBef>
+              <a:spcAft>
+                <a:spcPts val="600"/>
+              </a:spcAft>
+              <a:buFont typeface="Wingdings" panose="05000000000000000000" pitchFamily="2" charset="2"/>
+              <a:buChar char="ü"/>
+            </a:pPr>
+            <a:r>
+              <a:rPr lang="en-US" sz="2400" dirty="0">
+                <a:solidFill>
+                  <a:schemeClr val="bg1">
+                    <a:lumMod val="50000"/>
+                  </a:schemeClr>
+                </a:solidFill>
+              </a:rPr>
+              <a:t>In Debug Mode your DLL has debug information inside of it (source code, variable names, symbolic information and other similar stuff).</a:t>
+            </a:r>
+          </a:p>
+          <a:p>
+            <a:pPr marL="457200" indent="-457200">
+              <a:spcBef>
+                <a:spcPts val="600"/>
+              </a:spcBef>
+              <a:spcAft>
+                <a:spcPts val="600"/>
+              </a:spcAft>
+              <a:buFont typeface="Wingdings" panose="05000000000000000000" pitchFamily="2" charset="2"/>
+              <a:buChar char="ü"/>
+            </a:pPr>
+            <a:r>
+              <a:rPr lang="en-US" sz="2400" dirty="0">
+                <a:solidFill>
+                  <a:schemeClr val="bg1">
+                    <a:lumMod val="50000"/>
+                  </a:schemeClr>
+                </a:solidFill>
+              </a:rPr>
+              <a:t>Debug Mode creates PDB file to store debug information</a:t>
+            </a:r>
+          </a:p>
+          <a:p>
+            <a:pPr>
+              <a:spcBef>
+                <a:spcPts val="600"/>
+              </a:spcBef>
+              <a:spcAft>
+                <a:spcPts val="600"/>
+              </a:spcAft>
+            </a:pPr>
+            <a:endParaRPr lang="en-US" sz="2400" dirty="0">
+              <a:solidFill>
+                <a:schemeClr val="bg1">
+                  <a:lumMod val="50000"/>
+                </a:schemeClr>
+              </a:solidFill>
+            </a:endParaRPr>
+          </a:p>
+          <a:p>
+            <a:pPr marL="457200" indent="-457200">
+              <a:spcBef>
+                <a:spcPts val="600"/>
+              </a:spcBef>
+              <a:spcAft>
+                <a:spcPts val="600"/>
+              </a:spcAft>
+              <a:buFont typeface="Wingdings" panose="05000000000000000000" pitchFamily="2" charset="2"/>
+              <a:buChar char="ü"/>
+            </a:pPr>
+            <a:r>
+              <a:rPr lang="en-US" sz="2400" dirty="0">
+                <a:solidFill>
+                  <a:schemeClr val="bg1">
+                    <a:lumMod val="50000"/>
+                  </a:schemeClr>
+                </a:solidFill>
+              </a:rPr>
+              <a:t>In Release Mode your DLL lack of debug information makes it smaller and probably performs better due to its smaller footprint.</a:t>
+            </a:r>
+          </a:p>
+        </p:txBody>
+      </p:sp>
+    </p:spTree>
+    <p:extLst>
+      <p:ext uri="{BB962C8B-B14F-4D97-AF65-F5344CB8AC3E}">
+        <p14:creationId xmlns:p14="http://schemas.microsoft.com/office/powerpoint/2010/main" val="1725472280"/>
+      </p:ext>
+    </p:extLst>
+  </p:cSld>
+  <p:clrMapOvr>
+    <a:masterClrMapping/>
+  </p:clrMapOvr>
+</p:sld>
+</file>
+
+<file path=ppt/slides/slide17.xml><?xml version="1.0" encoding="utf-8"?>
+<p:sld xmlns:a="http://schemas.openxmlformats.org/drawingml/2006/main" xmlns:r="http://schemas.openxmlformats.org/officeDocument/2006/relationships" xmlns:p="http://schemas.openxmlformats.org/presentationml/2006/main">
+  <p:cSld>
+    <p:spTree>
+      <p:nvGrpSpPr>
+        <p:cNvPr id="1" name=""/>
+        <p:cNvGrpSpPr/>
+        <p:nvPr/>
+      </p:nvGrpSpPr>
+      <p:grpSpPr>
+        <a:xfrm>
+          <a:off x="0" y="0"/>
+          <a:ext cx="0" cy="0"/>
+          <a:chOff x="0" y="0"/>
+          <a:chExt cx="0" cy="0"/>
+        </a:xfrm>
+      </p:grpSpPr>
+      <p:sp>
+        <p:nvSpPr>
+          <p:cNvPr id="7" name="Rectangle 6"/>
+          <p:cNvSpPr/>
+          <p:nvPr/>
+        </p:nvSpPr>
+        <p:spPr>
+          <a:xfrm>
+            <a:off x="832104" y="396147"/>
+            <a:ext cx="10323575" cy="830997"/>
+          </a:xfrm>
+          <a:prstGeom prst="rect">
+            <a:avLst/>
+          </a:prstGeom>
+          <a:noFill/>
+        </p:spPr>
+        <p:txBody>
+          <a:bodyPr wrap="square" lIns="91440" tIns="45720" rIns="91440" bIns="45720">
+            <a:spAutoFit/>
+          </a:bodyPr>
+          <a:lstStyle/>
+          <a:p>
+            <a:r>
+              <a:rPr lang="en-US" sz="4800" b="0" cap="none" spc="0" dirty="0">
+                <a:ln w="0"/>
+                <a:solidFill>
+                  <a:srgbClr val="00BCF2"/>
+                </a:solidFill>
+                <a:effectLst>
+                  <a:outerShdw blurRad="38100" dist="19050" dir="2700000" algn="tl" rotWithShape="0">
+                    <a:schemeClr val="dk1">
+                      <a:alpha val="40000"/>
+                    </a:schemeClr>
+                  </a:outerShdw>
+                </a:effectLst>
+              </a:rPr>
+              <a:t>Feedback form dev</a:t>
+            </a:r>
+          </a:p>
+        </p:txBody>
+      </p:sp>
+      <p:sp>
+        <p:nvSpPr>
+          <p:cNvPr id="9" name="Rectangle 8"/>
+          <p:cNvSpPr/>
+          <p:nvPr/>
+        </p:nvSpPr>
+        <p:spPr>
+          <a:xfrm>
+            <a:off x="0" y="0"/>
+            <a:ext cx="182880" cy="6858000"/>
+          </a:xfrm>
+          <a:prstGeom prst="rect">
+            <a:avLst/>
+          </a:prstGeom>
+          <a:solidFill>
+            <a:srgbClr val="00BCF2"/>
+          </a:solidFill>
+          <a:ln>
+            <a:noFill/>
+          </a:ln>
+        </p:spPr>
+        <p:style>
+          <a:lnRef idx="2">
+            <a:schemeClr val="accent1">
+              <a:shade val="50000"/>
+            </a:schemeClr>
+          </a:lnRef>
+          <a:fillRef idx="1">
+            <a:schemeClr val="accent1"/>
+          </a:fillRef>
+          <a:effectRef idx="0">
+            <a:schemeClr val="accent1"/>
+          </a:effectRef>
+          <a:fontRef idx="minor">
+            <a:schemeClr val="lt1"/>
+          </a:fontRef>
+        </p:style>
+        <p:txBody>
+          <a:bodyPr rtlCol="0" anchor="ctr"/>
+          <a:lstStyle/>
+          <a:p>
+            <a:pPr algn="ctr"/>
+            <a:endParaRPr lang="en-US"/>
+          </a:p>
+        </p:txBody>
+      </p:sp>
+      <p:sp>
+        <p:nvSpPr>
+          <p:cNvPr id="8" name="Rectangle 7"/>
+          <p:cNvSpPr/>
+          <p:nvPr/>
+        </p:nvSpPr>
+        <p:spPr>
+          <a:xfrm>
+            <a:off x="832104" y="1797502"/>
+            <a:ext cx="10048059" cy="369332"/>
+          </a:xfrm>
+          <a:prstGeom prst="rect">
+            <a:avLst/>
+          </a:prstGeom>
+        </p:spPr>
+        <p:txBody>
+          <a:bodyPr wrap="square">
+            <a:spAutoFit/>
+          </a:bodyPr>
+          <a:lstStyle/>
+          <a:p>
+            <a:pPr>
+              <a:spcBef>
+                <a:spcPts val="1200"/>
+              </a:spcBef>
+            </a:pPr>
+            <a:r>
+              <a:rPr lang="en-US" dirty="0">
+                <a:solidFill>
+                  <a:schemeClr val="bg1">
+                    <a:lumMod val="50000"/>
+                  </a:schemeClr>
+                </a:solidFill>
+                <a:latin typeface="Segoe UI" panose="020B0502040204020203" pitchFamily="34" charset="0"/>
+              </a:rPr>
+              <a:t>Need to write this </a:t>
+            </a:r>
+            <a:endParaRPr lang="en-US" dirty="0">
+              <a:solidFill>
+                <a:schemeClr val="bg1">
+                  <a:lumMod val="50000"/>
+                </a:schemeClr>
+              </a:solidFill>
+            </a:endParaRPr>
+          </a:p>
+        </p:txBody>
+      </p:sp>
+    </p:spTree>
+    <p:extLst>
+      <p:ext uri="{BB962C8B-B14F-4D97-AF65-F5344CB8AC3E}">
+        <p14:creationId xmlns:p14="http://schemas.microsoft.com/office/powerpoint/2010/main" val="1459048722"/>
+      </p:ext>
+    </p:extLst>
+  </p:cSld>
+  <p:clrMapOvr>
+    <a:masterClrMapping/>
+  </p:clrMapOvr>
+</p:sld>
+</file>
+
+<file path=ppt/slides/slide18.xml><?xml version="1.0" encoding="utf-8"?>
+<p:sld xmlns:a="http://schemas.openxmlformats.org/drawingml/2006/main" xmlns:r="http://schemas.openxmlformats.org/officeDocument/2006/relationships" xmlns:p="http://schemas.openxmlformats.org/presentationml/2006/main">
+  <p:cSld>
+    <p:spTree>
+      <p:nvGrpSpPr>
+        <p:cNvPr id="1" name=""/>
+        <p:cNvGrpSpPr/>
+        <p:nvPr/>
+      </p:nvGrpSpPr>
+      <p:grpSpPr>
+        <a:xfrm>
+          <a:off x="0" y="0"/>
+          <a:ext cx="0" cy="0"/>
+          <a:chOff x="0" y="0"/>
+          <a:chExt cx="0" cy="0"/>
+        </a:xfrm>
+      </p:grpSpPr>
+      <p:sp>
+        <p:nvSpPr>
+          <p:cNvPr id="7" name="Rectangle 6"/>
+          <p:cNvSpPr/>
+          <p:nvPr/>
+        </p:nvSpPr>
+        <p:spPr>
+          <a:xfrm>
+            <a:off x="832104" y="396147"/>
+            <a:ext cx="10323575" cy="830997"/>
+          </a:xfrm>
+          <a:prstGeom prst="rect">
+            <a:avLst/>
+          </a:prstGeom>
+          <a:noFill/>
+        </p:spPr>
+        <p:txBody>
+          <a:bodyPr wrap="square" lIns="91440" tIns="45720" rIns="91440" bIns="45720">
+            <a:spAutoFit/>
+          </a:bodyPr>
+          <a:lstStyle/>
+          <a:p>
+            <a:r>
+              <a:rPr lang="en-US" sz="4800" b="0" cap="none" spc="0" dirty="0">
+                <a:ln w="0"/>
+                <a:solidFill>
+                  <a:srgbClr val="00BCF2"/>
+                </a:solidFill>
+                <a:effectLst>
+                  <a:outerShdw blurRad="38100" dist="19050" dir="2700000" algn="tl" rotWithShape="0">
+                    <a:schemeClr val="dk1">
+                      <a:alpha val="40000"/>
+                    </a:schemeClr>
+                  </a:outerShdw>
+                </a:effectLst>
+              </a:rPr>
+              <a:t>Visual Studio Code Analysis</a:t>
+            </a:r>
+          </a:p>
+        </p:txBody>
+      </p:sp>
+      <p:sp>
+        <p:nvSpPr>
+          <p:cNvPr id="9" name="Rectangle 8"/>
+          <p:cNvSpPr/>
+          <p:nvPr/>
+        </p:nvSpPr>
+        <p:spPr>
+          <a:xfrm>
+            <a:off x="0" y="0"/>
+            <a:ext cx="182880" cy="6858000"/>
+          </a:xfrm>
+          <a:prstGeom prst="rect">
+            <a:avLst/>
+          </a:prstGeom>
+          <a:solidFill>
+            <a:srgbClr val="00BCF2"/>
+          </a:solidFill>
+          <a:ln>
+            <a:noFill/>
+          </a:ln>
+        </p:spPr>
+        <p:style>
+          <a:lnRef idx="2">
+            <a:schemeClr val="accent1">
+              <a:shade val="50000"/>
+            </a:schemeClr>
+          </a:lnRef>
+          <a:fillRef idx="1">
+            <a:schemeClr val="accent1"/>
+          </a:fillRef>
+          <a:effectRef idx="0">
+            <a:schemeClr val="accent1"/>
+          </a:effectRef>
+          <a:fontRef idx="minor">
+            <a:schemeClr val="lt1"/>
+          </a:fontRef>
+        </p:style>
+        <p:txBody>
+          <a:bodyPr rtlCol="0" anchor="ctr"/>
+          <a:lstStyle/>
+          <a:p>
+            <a:pPr algn="ctr"/>
+            <a:endParaRPr lang="en-US"/>
+          </a:p>
+        </p:txBody>
+      </p:sp>
+      <p:sp>
+        <p:nvSpPr>
+          <p:cNvPr id="8" name="Rectangle 7"/>
+          <p:cNvSpPr/>
+          <p:nvPr/>
+        </p:nvSpPr>
+        <p:spPr>
+          <a:xfrm>
+            <a:off x="832104" y="1797502"/>
+            <a:ext cx="10048059" cy="369332"/>
+          </a:xfrm>
+          <a:prstGeom prst="rect">
+            <a:avLst/>
+          </a:prstGeom>
+        </p:spPr>
+        <p:txBody>
+          <a:bodyPr wrap="square">
+            <a:spAutoFit/>
+          </a:bodyPr>
+          <a:lstStyle/>
+          <a:p>
+            <a:pPr>
+              <a:spcBef>
+                <a:spcPts val="1200"/>
+              </a:spcBef>
+            </a:pPr>
+            <a:r>
+              <a:rPr lang="en-US" dirty="0">
+                <a:solidFill>
+                  <a:schemeClr val="bg1">
+                    <a:lumMod val="50000"/>
+                  </a:schemeClr>
+                </a:solidFill>
+                <a:latin typeface="Segoe UI" panose="020B0502040204020203" pitchFamily="34" charset="0"/>
+              </a:rPr>
+              <a:t>Need to write this </a:t>
+            </a:r>
+            <a:endParaRPr lang="en-US" dirty="0">
+              <a:solidFill>
+                <a:schemeClr val="bg1">
+                  <a:lumMod val="50000"/>
+                </a:schemeClr>
+              </a:solidFill>
+            </a:endParaRPr>
+          </a:p>
+        </p:txBody>
+      </p:sp>
+    </p:spTree>
+    <p:extLst>
+      <p:ext uri="{BB962C8B-B14F-4D97-AF65-F5344CB8AC3E}">
+        <p14:creationId xmlns:p14="http://schemas.microsoft.com/office/powerpoint/2010/main" val="1112162478"/>
+      </p:ext>
+    </p:extLst>
+  </p:cSld>
+  <p:clrMapOvr>
+    <a:masterClrMapping/>
+  </p:clrMapOvr>
+</p:sld>
+</file>
+
+<file path=ppt/slides/slide19.xml><?xml version="1.0" encoding="utf-8"?>
+<p:sld xmlns:a="http://schemas.openxmlformats.org/drawingml/2006/main" xmlns:r="http://schemas.openxmlformats.org/officeDocument/2006/relationships" xmlns:p="http://schemas.openxmlformats.org/presentationml/2006/main">
+  <p:cSld>
+    <p:spTree>
+      <p:nvGrpSpPr>
+        <p:cNvPr id="1" name=""/>
+        <p:cNvGrpSpPr/>
+        <p:nvPr/>
+      </p:nvGrpSpPr>
+      <p:grpSpPr>
+        <a:xfrm>
+          <a:off x="0" y="0"/>
+          <a:ext cx="0" cy="0"/>
+          <a:chOff x="0" y="0"/>
+          <a:chExt cx="0" cy="0"/>
+        </a:xfrm>
+      </p:grpSpPr>
+      <p:sp>
+        <p:nvSpPr>
+          <p:cNvPr id="2" name="Rectangle 1"/>
+          <p:cNvSpPr/>
+          <p:nvPr/>
+        </p:nvSpPr>
+        <p:spPr>
+          <a:xfrm>
+            <a:off x="5112005" y="3013501"/>
+            <a:ext cx="3663696" cy="830997"/>
+          </a:xfrm>
+          <a:prstGeom prst="rect">
+            <a:avLst/>
+          </a:prstGeom>
+          <a:noFill/>
+        </p:spPr>
+        <p:txBody>
+          <a:bodyPr wrap="square" lIns="91440" tIns="45720" rIns="91440" bIns="45720">
+            <a:spAutoFit/>
+          </a:bodyPr>
+          <a:lstStyle/>
+          <a:p>
+            <a:r>
+              <a:rPr lang="en-US" sz="4800" dirty="0">
+                <a:ln w="0"/>
+                <a:solidFill>
+                  <a:srgbClr val="00BCF2"/>
+                </a:solidFill>
+                <a:effectLst>
+                  <a:outerShdw blurRad="38100" dist="19050" dir="2700000" algn="tl" rotWithShape="0">
+                    <a:schemeClr val="dk1">
+                      <a:alpha val="40000"/>
+                    </a:schemeClr>
+                  </a:outerShdw>
+                </a:effectLst>
+              </a:rPr>
+              <a:t>Q &amp; A</a:t>
+            </a:r>
+            <a:endParaRPr lang="en-US" sz="4800" b="0" cap="none" spc="0" dirty="0">
+              <a:ln w="0"/>
+              <a:solidFill>
+                <a:srgbClr val="00BCF2"/>
+              </a:solidFill>
+              <a:effectLst>
+                <a:outerShdw blurRad="38100" dist="19050" dir="2700000" algn="tl" rotWithShape="0">
+                  <a:schemeClr val="dk1">
+                    <a:alpha val="40000"/>
+                  </a:schemeClr>
+                </a:outerShdw>
+              </a:effectLst>
+            </a:endParaRPr>
+          </a:p>
+        </p:txBody>
+      </p:sp>
+      <p:sp>
+        <p:nvSpPr>
+          <p:cNvPr id="3" name="Rectangle 2"/>
+          <p:cNvSpPr/>
+          <p:nvPr/>
+        </p:nvSpPr>
+        <p:spPr>
+          <a:xfrm>
+            <a:off x="0" y="0"/>
+            <a:ext cx="182880" cy="6858000"/>
+          </a:xfrm>
+          <a:prstGeom prst="rect">
+            <a:avLst/>
+          </a:prstGeom>
+          <a:solidFill>
+            <a:srgbClr val="00BCF2"/>
+          </a:solidFill>
+          <a:ln>
+            <a:noFill/>
+          </a:ln>
+        </p:spPr>
+        <p:style>
+          <a:lnRef idx="2">
+            <a:schemeClr val="accent1">
+              <a:shade val="50000"/>
+            </a:schemeClr>
+          </a:lnRef>
+          <a:fillRef idx="1">
+            <a:schemeClr val="accent1"/>
+          </a:fillRef>
+          <a:effectRef idx="0">
+            <a:schemeClr val="accent1"/>
+          </a:effectRef>
+          <a:fontRef idx="minor">
+            <a:schemeClr val="lt1"/>
+          </a:fontRef>
+        </p:style>
+        <p:txBody>
+          <a:bodyPr rtlCol="0" anchor="ctr"/>
+          <a:lstStyle/>
+          <a:p>
+            <a:pPr algn="ctr"/>
+            <a:endParaRPr lang="en-US"/>
+          </a:p>
+        </p:txBody>
+      </p:sp>
     </p:spTree>
     <p:extLst>
       <p:ext uri="{BB962C8B-B14F-4D97-AF65-F5344CB8AC3E}">
@@ -6591,7 +7446,7 @@
                 </a:solidFill>
                 <a:latin typeface="Segoe UI" panose="020B0502040204020203" pitchFamily="34" charset="0"/>
               </a:rPr>
-              <a:t>Debug mode vs Release mode</a:t>
+              <a:t>Removing white space from rendered HTML in MVC</a:t>
             </a:r>
           </a:p>
           <a:p>
@@ -6611,7 +7466,7 @@
                 </a:solidFill>
                 <a:latin typeface="Segoe UI" panose="020B0502040204020203" pitchFamily="34" charset="0"/>
               </a:rPr>
-              <a:t>Removing white space from rendered HTML in MVC</a:t>
+              <a:t>Slug is great for SEO, Stack-Overflow way</a:t>
             </a:r>
           </a:p>
           <a:p>
@@ -6631,8 +7486,16 @@
                 </a:solidFill>
                 <a:latin typeface="Segoe UI" panose="020B0502040204020203" pitchFamily="34" charset="0"/>
               </a:rPr>
-              <a:t>Slug is great for SEO, Stack-Overflow way</a:t>
-            </a:r>
+              <a:t>Debug mode vs Release mode</a:t>
+            </a:r>
+            <a:endParaRPr lang="en-US" sz="2800" dirty="0">
+              <a:solidFill>
+                <a:schemeClr val="bg1">
+                  <a:lumMod val="50000"/>
+                </a:schemeClr>
+              </a:solidFill>
+              <a:latin typeface="Segoe UI" panose="020B0502040204020203" pitchFamily="34" charset="0"/>
+            </a:endParaRPr>
           </a:p>
           <a:p>
             <a:pPr marL="457200" indent="-457200">

--- a/EmptyProject/Slides.pptx
+++ b/EmptyProject/Slides.pptx
@@ -215,7 +215,7 @@
           <a:p>
             <a:fld id="{89EC5367-D7F6-45B2-A116-EA915C4B1310}" type="datetimeFigureOut">
               <a:rPr lang="en-US" smtClean="0"/>
-              <a:t>1/12/2017</a:t>
+              <a:t>1/13/2017</a:t>
             </a:fld>
             <a:endParaRPr lang="en-US"/>
           </a:p>
@@ -1586,7 +1586,7 @@
           <a:p>
             <a:fld id="{C0F3BAF6-6DB2-4A07-AEEA-A0824374C276}" type="datetimeFigureOut">
               <a:rPr lang="en-US" smtClean="0"/>
-              <a:t>1/12/2017</a:t>
+              <a:t>1/13/2017</a:t>
             </a:fld>
             <a:endParaRPr lang="en-US"/>
           </a:p>
@@ -1754,7 +1754,7 @@
           <a:p>
             <a:fld id="{C0F3BAF6-6DB2-4A07-AEEA-A0824374C276}" type="datetimeFigureOut">
               <a:rPr lang="en-US" smtClean="0"/>
-              <a:t>1/12/2017</a:t>
+              <a:t>1/13/2017</a:t>
             </a:fld>
             <a:endParaRPr lang="en-US"/>
           </a:p>
@@ -1932,7 +1932,7 @@
           <a:p>
             <a:fld id="{C0F3BAF6-6DB2-4A07-AEEA-A0824374C276}" type="datetimeFigureOut">
               <a:rPr lang="en-US" smtClean="0"/>
-              <a:t>1/12/2017</a:t>
+              <a:t>1/13/2017</a:t>
             </a:fld>
             <a:endParaRPr lang="en-US"/>
           </a:p>
@@ -2100,7 +2100,7 @@
           <a:p>
             <a:fld id="{C0F3BAF6-6DB2-4A07-AEEA-A0824374C276}" type="datetimeFigureOut">
               <a:rPr lang="en-US" smtClean="0"/>
-              <a:t>1/12/2017</a:t>
+              <a:t>1/13/2017</a:t>
             </a:fld>
             <a:endParaRPr lang="en-US"/>
           </a:p>
@@ -2345,7 +2345,7 @@
           <a:p>
             <a:fld id="{C0F3BAF6-6DB2-4A07-AEEA-A0824374C276}" type="datetimeFigureOut">
               <a:rPr lang="en-US" smtClean="0"/>
-              <a:t>1/12/2017</a:t>
+              <a:t>1/13/2017</a:t>
             </a:fld>
             <a:endParaRPr lang="en-US"/>
           </a:p>
@@ -2574,7 +2574,7 @@
           <a:p>
             <a:fld id="{C0F3BAF6-6DB2-4A07-AEEA-A0824374C276}" type="datetimeFigureOut">
               <a:rPr lang="en-US" smtClean="0"/>
-              <a:t>1/12/2017</a:t>
+              <a:t>1/13/2017</a:t>
             </a:fld>
             <a:endParaRPr lang="en-US"/>
           </a:p>
@@ -2938,7 +2938,7 @@
           <a:p>
             <a:fld id="{C0F3BAF6-6DB2-4A07-AEEA-A0824374C276}" type="datetimeFigureOut">
               <a:rPr lang="en-US" smtClean="0"/>
-              <a:t>1/12/2017</a:t>
+              <a:t>1/13/2017</a:t>
             </a:fld>
             <a:endParaRPr lang="en-US"/>
           </a:p>
@@ -3055,7 +3055,7 @@
           <a:p>
             <a:fld id="{C0F3BAF6-6DB2-4A07-AEEA-A0824374C276}" type="datetimeFigureOut">
               <a:rPr lang="en-US" smtClean="0"/>
-              <a:t>1/12/2017</a:t>
+              <a:t>1/13/2017</a:t>
             </a:fld>
             <a:endParaRPr lang="en-US"/>
           </a:p>
@@ -3150,7 +3150,7 @@
           <a:p>
             <a:fld id="{C0F3BAF6-6DB2-4A07-AEEA-A0824374C276}" type="datetimeFigureOut">
               <a:rPr lang="en-US" smtClean="0"/>
-              <a:t>1/12/2017</a:t>
+              <a:t>1/13/2017</a:t>
             </a:fld>
             <a:endParaRPr lang="en-US"/>
           </a:p>
@@ -3425,7 +3425,7 @@
           <a:p>
             <a:fld id="{C0F3BAF6-6DB2-4A07-AEEA-A0824374C276}" type="datetimeFigureOut">
               <a:rPr lang="en-US" smtClean="0"/>
-              <a:t>1/12/2017</a:t>
+              <a:t>1/13/2017</a:t>
             </a:fld>
             <a:endParaRPr lang="en-US"/>
           </a:p>
@@ -3677,7 +3677,7 @@
           <a:p>
             <a:fld id="{C0F3BAF6-6DB2-4A07-AEEA-A0824374C276}" type="datetimeFigureOut">
               <a:rPr lang="en-US" smtClean="0"/>
-              <a:t>1/12/2017</a:t>
+              <a:t>1/13/2017</a:t>
             </a:fld>
             <a:endParaRPr lang="en-US"/>
           </a:p>
@@ -3888,7 +3888,7 @@
           <a:p>
             <a:fld id="{C0F3BAF6-6DB2-4A07-AEEA-A0824374C276}" type="datetimeFigureOut">
               <a:rPr lang="en-US" smtClean="0"/>
-              <a:t>1/12/2017</a:t>
+              <a:t>1/13/2017</a:t>
             </a:fld>
             <a:endParaRPr lang="en-US"/>
           </a:p>
@@ -5117,7 +5117,7 @@
         <p:spPr>
           <a:xfrm>
             <a:off x="955220" y="2239171"/>
-            <a:ext cx="10390329" cy="3477875"/>
+            <a:ext cx="10390329" cy="2092881"/>
           </a:xfrm>
           <a:prstGeom prst="rect">
             <a:avLst/>
@@ -5148,7 +5148,7 @@
                 </a:solidFill>
                 <a:latin typeface="Segoe UI" panose="020B0502040204020203" pitchFamily="34" charset="0"/>
               </a:rPr>
-              <a:t>I minify the JavaScript, CSS files and bundle them, use image sprite, lossless image optimize using Web Essentials to enhance web application performance.</a:t>
+              <a:t>We minified/bundled/optimized JS, CSS and images using Web Essentials</a:t>
             </a:r>
           </a:p>
           <a:p>
@@ -5171,7 +5171,7 @@
                 </a:solidFill>
                 <a:latin typeface="Segoe UI" panose="020B0502040204020203" pitchFamily="34" charset="0"/>
               </a:rPr>
-              <a:t>But minifying HTML is equally important but there is more difficulties. There are very few tools for that. Most of them integrates in the rendering pipeline.</a:t>
+              <a:t>Minifying HTML is equally important but there is very few tools that rewrites the HTML page manually to remove all useless bytes</a:t>
             </a:r>
           </a:p>
           <a:p>
@@ -5194,7 +5194,7 @@
                 </a:solidFill>
                 <a:latin typeface="Segoe UI" panose="020B0502040204020203" pitchFamily="34" charset="0"/>
               </a:rPr>
-              <a:t>They are executed just after the HTML is generated by the pages. It means they are invoked after each page request and thus they increase the CPU usage.</a:t>
+              <a:t>C# Corner website uses this feature</a:t>
             </a:r>
           </a:p>
           <a:p>
@@ -5217,30 +5217,7 @@
                 </a:solidFill>
                 <a:latin typeface="Segoe UI" panose="020B0502040204020203" pitchFamily="34" charset="0"/>
               </a:rPr>
-              <a:t>The only real solution to minify HTML while reducing CPU and bandwidth usage, is to rewrite the pages manually to remove all the useless blank characters.</a:t>
-            </a:r>
-          </a:p>
-          <a:p>
-            <a:pPr marL="285750" indent="-285750">
-              <a:spcBef>
-                <a:spcPts val="600"/>
-              </a:spcBef>
-              <a:spcAft>
-                <a:spcPts val="600"/>
-              </a:spcAft>
-              <a:buFont typeface="Wingdings" panose="05000000000000000000" pitchFamily="2" charset="2"/>
-              <a:buChar char="ü"/>
-            </a:pPr>
-            <a:r>
-              <a:rPr lang="en-US" sz="2000" dirty="0">
-                <a:solidFill>
-                  <a:schemeClr val="bg1">
-                    <a:lumMod val="50000"/>
-                  </a:schemeClr>
-                </a:solidFill>
-                <a:latin typeface="Segoe UI" panose="020B0502040204020203" pitchFamily="34" charset="0"/>
-              </a:rPr>
-              <a:t>C# Corner website, azure.microsoft.com uses this feature.</a:t>
+              <a:t>azure.microsoft.com uses this feature</a:t>
             </a:r>
           </a:p>
         </p:txBody>
@@ -6232,7 +6209,7 @@
                 </a:solidFill>
                 <a:latin typeface="Consolas" panose="020B0609020204030204" pitchFamily="49" charset="0"/>
               </a:rPr>
-              <a:t>Question_Default</a:t>
+              <a:t>QuestionRoute</a:t>
             </a:r>
             <a:r>
               <a:rPr lang="en-US" sz="1000" dirty="0">
@@ -6867,7 +6844,7 @@
                   </a:outerShdw>
                 </a:effectLst>
               </a:rPr>
-              <a:t>Feedback form dev</a:t>
+              <a:t>A project to collect feedback - Demo</a:t>
             </a:r>
           </a:p>
         </p:txBody>
@@ -6926,8 +6903,8 @@
         </p:nvSpPr>
         <p:spPr>
           <a:xfrm>
-            <a:off x="832104" y="1797502"/>
-            <a:ext cx="10048059" cy="369332"/>
+            <a:off x="899524" y="1641194"/>
+            <a:ext cx="10440601" cy="369332"/>
           </a:xfrm>
           <a:prstGeom prst="rect">
             <a:avLst/>
@@ -6951,17 +6928,9 @@
                     <a:lumMod val="50000"/>
                   </a:schemeClr>
                 </a:solidFill>
-                <a:latin typeface="Segoe UI" panose="020B0502040204020203" pitchFamily="34" charset="0"/>
-              </a:rPr>
-              <a:t>Need to write this </a:t>
-            </a:r>
-            <a:endParaRPr lang="en-US" dirty="0">
-              <a:solidFill>
-                <a:schemeClr val="bg1">
-                  <a:lumMod val="50000"/>
-                </a:schemeClr>
-              </a:solidFill>
-            </a:endParaRPr>
+              </a:rPr>
+              <a:t>Don’t ask user to provide screenshot rather build this feature to automatically grab this using canvas.</a:t>
+            </a:r>
           </a:p>
         </p:txBody>
       </p:sp>
@@ -6979,7 +6948,7 @@
 </file>
 
 <file path=ppt/slides/slide18.xml><?xml version="1.0" encoding="utf-8"?>
-<p:sld xmlns:a="http://schemas.openxmlformats.org/drawingml/2006/main" xmlns:r="http://schemas.openxmlformats.org/officeDocument/2006/relationships" xmlns:p="http://schemas.openxmlformats.org/presentationml/2006/main">
+<p:sld xmlns:a="http://schemas.openxmlformats.org/drawingml/2006/main" xmlns:r="http://schemas.openxmlformats.org/officeDocument/2006/relationships" xmlns:p="http://schemas.openxmlformats.org/presentationml/2006/main" show="0">
   <p:cSld>
     <p:spTree>
       <p:nvGrpSpPr>
@@ -7090,8 +7059,8 @@
         </p:nvSpPr>
         <p:spPr>
           <a:xfrm>
-            <a:off x="832104" y="1797502"/>
-            <a:ext cx="10048059" cy="369332"/>
+            <a:off x="902442" y="1531779"/>
+            <a:ext cx="10351712" cy="369332"/>
           </a:xfrm>
           <a:prstGeom prst="rect">
             <a:avLst/>
@@ -7117,7 +7086,7 @@
                 </a:solidFill>
                 <a:latin typeface="Segoe UI" panose="020B0502040204020203" pitchFamily="34" charset="0"/>
               </a:rPr>
-              <a:t>Need to write this </a:t>
+              <a:t>Schedule for next event.</a:t>
             </a:r>
             <a:endParaRPr lang="en-US" dirty="0">
               <a:solidFill>
@@ -7339,7 +7308,7 @@
         <p:spPr>
           <a:xfrm>
             <a:off x="1263903" y="1608281"/>
-            <a:ext cx="9073897" cy="4616648"/>
+            <a:ext cx="9073897" cy="4124206"/>
           </a:xfrm>
           <a:prstGeom prst="rect">
             <a:avLst/>
@@ -7359,7 +7328,7 @@
               <a:buChar char="ü"/>
             </a:pPr>
             <a:r>
-              <a:rPr lang="en-US" sz="2800" dirty="0">
+              <a:rPr lang="en-US" sz="2400" dirty="0">
                 <a:solidFill>
                   <a:schemeClr val="bg1">
                     <a:lumMod val="50000"/>
@@ -7367,7 +7336,7 @@
                 </a:solidFill>
                 <a:latin typeface="Segoe UI" panose="020B0502040204020203" pitchFamily="34" charset="0"/>
               </a:rPr>
-              <a:t>Application Insight</a:t>
+              <a:t>Application Insight (Demo)</a:t>
             </a:r>
           </a:p>
           <a:p>
@@ -7379,7 +7348,7 @@
               <a:buChar char="ü"/>
             </a:pPr>
             <a:r>
-              <a:rPr lang="en-US" sz="2800" dirty="0">
+              <a:rPr lang="en-US" sz="2400" dirty="0">
                 <a:solidFill>
                   <a:schemeClr val="bg1">
                     <a:lumMod val="50000"/>
@@ -7387,7 +7356,7 @@
                 </a:solidFill>
                 <a:latin typeface="Segoe UI" panose="020B0502040204020203" pitchFamily="34" charset="0"/>
               </a:rPr>
-              <a:t>Web Essentials - a tool for every web developers</a:t>
+              <a:t>Web Essentials - a tool for every web developers (Demo)</a:t>
             </a:r>
           </a:p>
           <a:p>
@@ -7399,7 +7368,7 @@
               <a:buChar char="ü"/>
             </a:pPr>
             <a:r>
-              <a:rPr lang="en-US" sz="2800" dirty="0">
+              <a:rPr lang="en-US" sz="2400" dirty="0">
                 <a:solidFill>
                   <a:schemeClr val="bg1">
                     <a:lumMod val="50000"/>
@@ -7410,7 +7379,7 @@
               <a:t>Using CDN after Bundling and </a:t>
             </a:r>
             <a:r>
-              <a:rPr lang="en-US" sz="2800" dirty="0" err="1">
+              <a:rPr lang="en-US" sz="2400" dirty="0" err="1">
                 <a:solidFill>
                   <a:schemeClr val="bg1">
                     <a:lumMod val="50000"/>
@@ -7420,7 +7389,98 @@
               </a:rPr>
               <a:t>Minification</a:t>
             </a:r>
-            <a:endParaRPr lang="en-US" sz="2800" dirty="0">
+            <a:r>
+              <a:rPr lang="en-US" sz="2400" dirty="0">
+                <a:solidFill>
+                  <a:schemeClr val="bg1">
+                    <a:lumMod val="50000"/>
+                  </a:schemeClr>
+                </a:solidFill>
+                <a:latin typeface="Segoe UI" panose="020B0502040204020203" pitchFamily="34" charset="0"/>
+              </a:rPr>
+              <a:t> (Demo)</a:t>
+            </a:r>
+          </a:p>
+          <a:p>
+            <a:pPr marL="457200" indent="-457200">
+              <a:spcBef>
+                <a:spcPts val="1200"/>
+              </a:spcBef>
+              <a:buFont typeface="Wingdings" panose="05000000000000000000" pitchFamily="2" charset="2"/>
+              <a:buChar char="ü"/>
+            </a:pPr>
+            <a:r>
+              <a:rPr lang="en-US" sz="2400" dirty="0">
+                <a:solidFill>
+                  <a:schemeClr val="bg1">
+                    <a:lumMod val="50000"/>
+                  </a:schemeClr>
+                </a:solidFill>
+                <a:latin typeface="Segoe UI" panose="020B0502040204020203" pitchFamily="34" charset="0"/>
+              </a:rPr>
+              <a:t>Removing white space from rendered HTML in MVC (Demo)</a:t>
+            </a:r>
+          </a:p>
+          <a:p>
+            <a:pPr marL="457200" indent="-457200">
+              <a:spcBef>
+                <a:spcPts val="1200"/>
+              </a:spcBef>
+              <a:buFont typeface="Wingdings" panose="05000000000000000000" pitchFamily="2" charset="2"/>
+              <a:buChar char="ü"/>
+            </a:pPr>
+            <a:r>
+              <a:rPr lang="en-US" sz="2400" dirty="0">
+                <a:solidFill>
+                  <a:schemeClr val="bg1">
+                    <a:lumMod val="50000"/>
+                  </a:schemeClr>
+                </a:solidFill>
+                <a:latin typeface="Segoe UI" panose="020B0502040204020203" pitchFamily="34" charset="0"/>
+              </a:rPr>
+              <a:t>Slug is great for SEO, Stack-Overflow way (Demo)</a:t>
+            </a:r>
+          </a:p>
+          <a:p>
+            <a:pPr marL="457200" indent="-457200">
+              <a:spcBef>
+                <a:spcPts val="1200"/>
+              </a:spcBef>
+              <a:buFont typeface="Wingdings" panose="05000000000000000000" pitchFamily="2" charset="2"/>
+              <a:buChar char="ü"/>
+            </a:pPr>
+            <a:r>
+              <a:rPr lang="en-US" sz="2400" dirty="0">
+                <a:solidFill>
+                  <a:schemeClr val="bg1">
+                    <a:lumMod val="50000"/>
+                  </a:schemeClr>
+                </a:solidFill>
+                <a:latin typeface="Segoe UI" panose="020B0502040204020203" pitchFamily="34" charset="0"/>
+              </a:rPr>
+              <a:t>Debug mode vs Release mode (Demo)</a:t>
+            </a:r>
+          </a:p>
+          <a:p>
+            <a:pPr marL="457200" indent="-457200">
+              <a:spcBef>
+                <a:spcPts val="1200"/>
+              </a:spcBef>
+              <a:buFont typeface="Wingdings" panose="05000000000000000000" pitchFamily="2" charset="2"/>
+              <a:buChar char="ü"/>
+            </a:pPr>
+            <a:r>
+              <a:rPr lang="en-GB" sz="2400" dirty="0">
+                <a:solidFill>
+                  <a:schemeClr val="bg1">
+                    <a:lumMod val="50000"/>
+                  </a:schemeClr>
+                </a:solidFill>
+                <a:latin typeface="Segoe UI" panose="020B0502040204020203" pitchFamily="34" charset="0"/>
+              </a:rPr>
+              <a:t>A project to collect feedback (Demo)</a:t>
+            </a:r>
+            <a:endParaRPr lang="en-US" sz="2400" dirty="0">
               <a:solidFill>
                 <a:schemeClr val="bg1">
                   <a:lumMod val="50000"/>
@@ -7438,95 +7498,7 @@
               <a:buChar char="ü"/>
             </a:pPr>
             <a:r>
-              <a:rPr lang="en-US" sz="2800" dirty="0">
-                <a:solidFill>
-                  <a:schemeClr val="bg1">
-                    <a:lumMod val="50000"/>
-                  </a:schemeClr>
-                </a:solidFill>
-                <a:latin typeface="Segoe UI" panose="020B0502040204020203" pitchFamily="34" charset="0"/>
-              </a:rPr>
-              <a:t>Removing white space from rendered HTML in MVC</a:t>
-            </a:r>
-          </a:p>
-          <a:p>
-            <a:pPr marL="457200" indent="-457200">
-              <a:spcBef>
-                <a:spcPts val="1200"/>
-              </a:spcBef>
-              <a:buFont typeface="Wingdings" panose="05000000000000000000" pitchFamily="2" charset="2"/>
-              <a:buChar char="ü"/>
-            </a:pPr>
-            <a:r>
-              <a:rPr lang="en-US" sz="2800" dirty="0">
-                <a:solidFill>
-                  <a:schemeClr val="bg1">
-                    <a:lumMod val="50000"/>
-                  </a:schemeClr>
-                </a:solidFill>
-                <a:latin typeface="Segoe UI" panose="020B0502040204020203" pitchFamily="34" charset="0"/>
-              </a:rPr>
-              <a:t>Slug is great for SEO, Stack-Overflow way</a:t>
-            </a:r>
-          </a:p>
-          <a:p>
-            <a:pPr marL="457200" indent="-457200">
-              <a:spcBef>
-                <a:spcPts val="1200"/>
-              </a:spcBef>
-              <a:buFont typeface="Wingdings" panose="05000000000000000000" pitchFamily="2" charset="2"/>
-              <a:buChar char="ü"/>
-            </a:pPr>
-            <a:r>
-              <a:rPr lang="en-US" sz="2800" dirty="0">
-                <a:solidFill>
-                  <a:schemeClr val="bg1">
-                    <a:lumMod val="50000"/>
-                  </a:schemeClr>
-                </a:solidFill>
-                <a:latin typeface="Segoe UI" panose="020B0502040204020203" pitchFamily="34" charset="0"/>
-              </a:rPr>
-              <a:t>Debug mode vs Release mode</a:t>
-            </a:r>
-            <a:endParaRPr lang="en-US" sz="2800" dirty="0">
-              <a:solidFill>
-                <a:schemeClr val="bg1">
-                  <a:lumMod val="50000"/>
-                </a:schemeClr>
-              </a:solidFill>
-              <a:latin typeface="Segoe UI" panose="020B0502040204020203" pitchFamily="34" charset="0"/>
-            </a:endParaRPr>
-          </a:p>
-          <a:p>
-            <a:pPr marL="457200" indent="-457200">
-              <a:spcBef>
-                <a:spcPts val="1200"/>
-              </a:spcBef>
-              <a:buFont typeface="Wingdings" panose="05000000000000000000" pitchFamily="2" charset="2"/>
-              <a:buChar char="ü"/>
-            </a:pPr>
-            <a:r>
-              <a:rPr lang="en-US" sz="2800" dirty="0">
-                <a:solidFill>
-                  <a:schemeClr val="bg1">
-                    <a:lumMod val="50000"/>
-                  </a:schemeClr>
-                </a:solidFill>
-                <a:latin typeface="Segoe UI" panose="020B0502040204020203" pitchFamily="34" charset="0"/>
-              </a:rPr>
-              <a:t>Visual Studio Code Analysis</a:t>
-            </a:r>
-          </a:p>
-          <a:p>
-            <a:pPr marL="457200" indent="-457200">
-              <a:spcBef>
-                <a:spcPts val="1200"/>
-              </a:spcBef>
-              <a:buFont typeface="Wingdings" panose="05000000000000000000" pitchFamily="2" charset="2"/>
-              <a:buChar char="ü"/>
-            </a:pPr>
-            <a:r>
-              <a:rPr lang="en-US" sz="2800" dirty="0">
+              <a:rPr lang="en-US" sz="2400" dirty="0">
                 <a:solidFill>
                   <a:schemeClr val="bg1">
                     <a:lumMod val="50000"/>
@@ -7670,7 +7642,7 @@
         <p:spPr>
           <a:xfrm>
             <a:off x="829939" y="2875417"/>
-            <a:ext cx="10649880" cy="3046988"/>
+            <a:ext cx="10649880" cy="3785652"/>
           </a:xfrm>
           <a:prstGeom prst="rect">
             <a:avLst/>
@@ -7690,7 +7662,7 @@
                   </a:schemeClr>
                 </a:solidFill>
               </a:rPr>
-              <a:t>Before deploying your app on production or staging we should always look at every possible way to improve performance and monitor how your app doing online.</a:t>
+              <a:t>Before deploying your app on staging or production we should always look at every possible way to improve performance and monitor how your app doing online.</a:t>
             </a:r>
           </a:p>
         </p:txBody>
@@ -7858,7 +7830,7 @@
         <p:spPr>
           <a:xfrm>
             <a:off x="925290" y="1490007"/>
-            <a:ext cx="10631649" cy="3954929"/>
+            <a:ext cx="10631649" cy="4385816"/>
           </a:xfrm>
           <a:prstGeom prst="rect">
             <a:avLst/>
@@ -7923,7 +7895,7 @@
                   </a:schemeClr>
                 </a:solidFill>
               </a:rPr>
-              <a:t>Monitor Azure websites or container hosted or shared hosted</a:t>
+              <a:t>Works with azure websites or container hosted website or shared hosted website</a:t>
             </a:r>
           </a:p>
           <a:p>
